--- a/presentacion_TPF_luis_diaz.pptx
+++ b/presentacion_TPF_luis_diaz.pptx
@@ -5,14 +5,18 @@
     <p:sldMasterId id="2147483648" r:id="rId1"/>
   </p:sldMasterIdLst>
   <p:notesMasterIdLst>
-    <p:notesMasterId r:id="rId7"/>
+    <p:notesMasterId r:id="rId8"/>
   </p:notesMasterIdLst>
+  <p:handoutMasterIdLst>
+    <p:handoutMasterId r:id="rId9"/>
+  </p:handoutMasterIdLst>
   <p:sldIdLst>
     <p:sldId id="256" r:id="rId2"/>
     <p:sldId id="257" r:id="rId3"/>
-    <p:sldId id="258" r:id="rId4"/>
-    <p:sldId id="262" r:id="rId5"/>
-    <p:sldId id="261" r:id="rId6"/>
+    <p:sldId id="263" r:id="rId4"/>
+    <p:sldId id="258" r:id="rId5"/>
+    <p:sldId id="262" r:id="rId6"/>
+    <p:sldId id="261" r:id="rId7"/>
   </p:sldIdLst>
   <p:sldSz cx="12192000" cy="6858000"/>
   <p:notesSz cx="6858000" cy="9144000"/>
@@ -122,7 +126,7 @@
 <file path=ppt/revisionInfo.xml><?xml version="1.0" encoding="utf-8"?>
 <p1510:revInfo xmlns:a="http://schemas.openxmlformats.org/drawingml/2006/main" xmlns:r="http://schemas.openxmlformats.org/officeDocument/2006/relationships" xmlns:p1510="http://schemas.microsoft.com/office/powerpoint/2015/10/main">
   <p1510:revLst>
-    <p1510:client id="{57095DB0-8A21-4833-BE6A-3C22B7C44A7B}" v="9" dt="2022-04-21T19:12:40.832"/>
+    <p1510:client id="{57095DB0-8A21-4833-BE6A-3C22B7C44A7B}" v="22" dt="2022-04-21T19:32:56.638"/>
   </p1510:revLst>
 </p1510:revInfo>
 </file>
@@ -629,18 +633,26 @@
   </pc:docChgLst>
   <pc:docChgLst>
     <pc:chgData name="DIAZ CHARRIS LUIS" userId="72dedcb5-ca2f-4208-848e-df8104c7c150" providerId="ADAL" clId="{57095DB0-8A21-4833-BE6A-3C22B7C44A7B}"/>
-    <pc:docChg chg="undo custSel delSld modSld">
-      <pc:chgData name="DIAZ CHARRIS LUIS" userId="72dedcb5-ca2f-4208-848e-df8104c7c150" providerId="ADAL" clId="{57095DB0-8A21-4833-BE6A-3C22B7C44A7B}" dt="2022-04-21T19:13:02.906" v="715" actId="1076"/>
+    <pc:docChg chg="undo custSel addSld delSld modSld">
+      <pc:chgData name="DIAZ CHARRIS LUIS" userId="72dedcb5-ca2f-4208-848e-df8104c7c150" providerId="ADAL" clId="{57095DB0-8A21-4833-BE6A-3C22B7C44A7B}" dt="2022-04-21T20:05:23.115" v="842" actId="732"/>
       <pc:docMkLst>
         <pc:docMk/>
       </pc:docMkLst>
-      <pc:sldChg chg="modSp mod">
-        <pc:chgData name="DIAZ CHARRIS LUIS" userId="72dedcb5-ca2f-4208-848e-df8104c7c150" providerId="ADAL" clId="{57095DB0-8A21-4833-BE6A-3C22B7C44A7B}" dt="2022-04-21T14:04:49.420" v="310" actId="20577"/>
+      <pc:sldChg chg="delSp modSp mod">
+        <pc:chgData name="DIAZ CHARRIS LUIS" userId="72dedcb5-ca2f-4208-848e-df8104c7c150" providerId="ADAL" clId="{57095DB0-8A21-4833-BE6A-3C22B7C44A7B}" dt="2022-04-21T19:22:21.796" v="749" actId="1076"/>
         <pc:sldMkLst>
           <pc:docMk/>
           <pc:sldMk cId="1641054484" sldId="256"/>
         </pc:sldMkLst>
         <pc:spChg chg="mod">
+          <ac:chgData name="DIAZ CHARRIS LUIS" userId="72dedcb5-ca2f-4208-848e-df8104c7c150" providerId="ADAL" clId="{57095DB0-8A21-4833-BE6A-3C22B7C44A7B}" dt="2022-04-21T19:21:03.512" v="728" actId="403"/>
+          <ac:spMkLst>
+            <pc:docMk/>
+            <pc:sldMk cId="1641054484" sldId="256"/>
+            <ac:spMk id="2" creationId="{F93DAA68-98AE-4B20-9FD8-4BCE66BB95D5}"/>
+          </ac:spMkLst>
+        </pc:spChg>
+        <pc:spChg chg="mod">
           <ac:chgData name="DIAZ CHARRIS LUIS" userId="72dedcb5-ca2f-4208-848e-df8104c7c150" providerId="ADAL" clId="{57095DB0-8A21-4833-BE6A-3C22B7C44A7B}" dt="2022-04-21T14:04:49.420" v="310" actId="20577"/>
           <ac:spMkLst>
             <pc:docMk/>
@@ -648,8 +660,16 @@
             <ac:spMk id="6" creationId="{94CD2783-246F-4953-9519-D1603F45E462}"/>
           </ac:spMkLst>
         </pc:spChg>
+        <pc:spChg chg="del">
+          <ac:chgData name="DIAZ CHARRIS LUIS" userId="72dedcb5-ca2f-4208-848e-df8104c7c150" providerId="ADAL" clId="{57095DB0-8A21-4833-BE6A-3C22B7C44A7B}" dt="2022-04-21T19:19:08.126" v="716" actId="478"/>
+          <ac:spMkLst>
+            <pc:docMk/>
+            <pc:sldMk cId="1641054484" sldId="256"/>
+            <ac:spMk id="11" creationId="{6B4CC24F-2533-427F-8742-5789F8D60A37}"/>
+          </ac:spMkLst>
+        </pc:spChg>
         <pc:spChg chg="mod">
-          <ac:chgData name="DIAZ CHARRIS LUIS" userId="72dedcb5-ca2f-4208-848e-df8104c7c150" providerId="ADAL" clId="{57095DB0-8A21-4833-BE6A-3C22B7C44A7B}" dt="2022-04-21T14:01:04.755" v="182" actId="1076"/>
+          <ac:chgData name="DIAZ CHARRIS LUIS" userId="72dedcb5-ca2f-4208-848e-df8104c7c150" providerId="ADAL" clId="{57095DB0-8A21-4833-BE6A-3C22B7C44A7B}" dt="2022-04-21T19:22:21.796" v="749" actId="1076"/>
           <ac:spMkLst>
             <pc:docMk/>
             <pc:sldMk cId="1641054484" sldId="256"/>
@@ -657,14 +677,22 @@
           </ac:spMkLst>
         </pc:spChg>
       </pc:sldChg>
-      <pc:sldChg chg="modSp mod">
-        <pc:chgData name="DIAZ CHARRIS LUIS" userId="72dedcb5-ca2f-4208-848e-df8104c7c150" providerId="ADAL" clId="{57095DB0-8A21-4833-BE6A-3C22B7C44A7B}" dt="2022-04-21T14:16:04.689" v="558" actId="14100"/>
+      <pc:sldChg chg="delSp modSp mod">
+        <pc:chgData name="DIAZ CHARRIS LUIS" userId="72dedcb5-ca2f-4208-848e-df8104c7c150" providerId="ADAL" clId="{57095DB0-8A21-4833-BE6A-3C22B7C44A7B}" dt="2022-04-21T19:23:03.969" v="793" actId="20577"/>
         <pc:sldMkLst>
           <pc:docMk/>
           <pc:sldMk cId="4018678971" sldId="257"/>
         </pc:sldMkLst>
+        <pc:spChg chg="del">
+          <ac:chgData name="DIAZ CHARRIS LUIS" userId="72dedcb5-ca2f-4208-848e-df8104c7c150" providerId="ADAL" clId="{57095DB0-8A21-4833-BE6A-3C22B7C44A7B}" dt="2022-04-21T19:19:10.020" v="717" actId="478"/>
+          <ac:spMkLst>
+            <pc:docMk/>
+            <pc:sldMk cId="4018678971" sldId="257"/>
+            <ac:spMk id="4" creationId="{2B04430C-236F-4A13-941E-B5748B48E187}"/>
+          </ac:spMkLst>
+        </pc:spChg>
         <pc:spChg chg="mod">
-          <ac:chgData name="DIAZ CHARRIS LUIS" userId="72dedcb5-ca2f-4208-848e-df8104c7c150" providerId="ADAL" clId="{57095DB0-8A21-4833-BE6A-3C22B7C44A7B}" dt="2022-04-21T14:01:16.566" v="183"/>
+          <ac:chgData name="DIAZ CHARRIS LUIS" userId="72dedcb5-ca2f-4208-848e-df8104c7c150" providerId="ADAL" clId="{57095DB0-8A21-4833-BE6A-3C22B7C44A7B}" dt="2022-04-21T19:22:34.526" v="751" actId="14100"/>
           <ac:spMkLst>
             <pc:docMk/>
             <pc:sldMk cId="4018678971" sldId="257"/>
@@ -672,7 +700,7 @@
           </ac:spMkLst>
         </pc:spChg>
         <pc:spChg chg="mod">
-          <ac:chgData name="DIAZ CHARRIS LUIS" userId="72dedcb5-ca2f-4208-848e-df8104c7c150" providerId="ADAL" clId="{57095DB0-8A21-4833-BE6A-3C22B7C44A7B}" dt="2022-04-21T14:16:04.689" v="558" actId="14100"/>
+          <ac:chgData name="DIAZ CHARRIS LUIS" userId="72dedcb5-ca2f-4208-848e-df8104c7c150" providerId="ADAL" clId="{57095DB0-8A21-4833-BE6A-3C22B7C44A7B}" dt="2022-04-21T19:23:03.969" v="793" actId="20577"/>
           <ac:spMkLst>
             <pc:docMk/>
             <pc:sldMk cId="4018678971" sldId="257"/>
@@ -681,13 +709,13 @@
         </pc:spChg>
       </pc:sldChg>
       <pc:sldChg chg="addSp delSp modSp mod">
-        <pc:chgData name="DIAZ CHARRIS LUIS" userId="72dedcb5-ca2f-4208-848e-df8104c7c150" providerId="ADAL" clId="{57095DB0-8A21-4833-BE6A-3C22B7C44A7B}" dt="2022-04-21T19:12:43.722" v="711" actId="27614"/>
+        <pc:chgData name="DIAZ CHARRIS LUIS" userId="72dedcb5-ca2f-4208-848e-df8104c7c150" providerId="ADAL" clId="{57095DB0-8A21-4833-BE6A-3C22B7C44A7B}" dt="2022-04-21T19:23:22.251" v="796"/>
         <pc:sldMkLst>
           <pc:docMk/>
           <pc:sldMk cId="1000755683" sldId="258"/>
         </pc:sldMkLst>
-        <pc:spChg chg="mod">
-          <ac:chgData name="DIAZ CHARRIS LUIS" userId="72dedcb5-ca2f-4208-848e-df8104c7c150" providerId="ADAL" clId="{57095DB0-8A21-4833-BE6A-3C22B7C44A7B}" dt="2022-04-21T14:04:06.158" v="246" actId="20577"/>
+        <pc:spChg chg="del mod">
+          <ac:chgData name="DIAZ CHARRIS LUIS" userId="72dedcb5-ca2f-4208-848e-df8104c7c150" providerId="ADAL" clId="{57095DB0-8A21-4833-BE6A-3C22B7C44A7B}" dt="2022-04-21T19:19:11.453" v="718" actId="478"/>
           <ac:spMkLst>
             <pc:docMk/>
             <pc:sldMk cId="1000755683" sldId="258"/>
@@ -710,12 +738,20 @@
             <ac:spMk id="7" creationId="{59A16C2D-7A7D-4B01-AB71-3B2F8854B9AA}"/>
           </ac:spMkLst>
         </pc:spChg>
-        <pc:spChg chg="add mod">
-          <ac:chgData name="DIAZ CHARRIS LUIS" userId="72dedcb5-ca2f-4208-848e-df8104c7c150" providerId="ADAL" clId="{57095DB0-8A21-4833-BE6A-3C22B7C44A7B}" dt="2022-04-21T14:03:32.087" v="238"/>
+        <pc:spChg chg="add del mod">
+          <ac:chgData name="DIAZ CHARRIS LUIS" userId="72dedcb5-ca2f-4208-848e-df8104c7c150" providerId="ADAL" clId="{57095DB0-8A21-4833-BE6A-3C22B7C44A7B}" dt="2022-04-21T19:23:21.789" v="795" actId="478"/>
           <ac:spMkLst>
             <pc:docMk/>
             <pc:sldMk cId="1000755683" sldId="258"/>
             <ac:spMk id="8" creationId="{F2D7C25B-4010-4449-90B3-944BE4F6353C}"/>
+          </ac:spMkLst>
+        </pc:spChg>
+        <pc:spChg chg="add mod">
+          <ac:chgData name="DIAZ CHARRIS LUIS" userId="72dedcb5-ca2f-4208-848e-df8104c7c150" providerId="ADAL" clId="{57095DB0-8A21-4833-BE6A-3C22B7C44A7B}" dt="2022-04-21T19:23:22.251" v="796"/>
+          <ac:spMkLst>
+            <pc:docMk/>
+            <pc:sldMk cId="1000755683" sldId="258"/>
+            <ac:spMk id="10" creationId="{44BB671D-6DF1-46FF-AA5C-C095347DFD61}"/>
           </ac:spMkLst>
         </pc:spChg>
         <pc:picChg chg="add del mod">
@@ -814,11 +850,19 @@
         </pc:spChg>
       </pc:sldChg>
       <pc:sldChg chg="addSp delSp modSp mod">
-        <pc:chgData name="DIAZ CHARRIS LUIS" userId="72dedcb5-ca2f-4208-848e-df8104c7c150" providerId="ADAL" clId="{57095DB0-8A21-4833-BE6A-3C22B7C44A7B}" dt="2022-04-21T16:21:32.817" v="703" actId="20577"/>
+        <pc:chgData name="DIAZ CHARRIS LUIS" userId="72dedcb5-ca2f-4208-848e-df8104c7c150" providerId="ADAL" clId="{57095DB0-8A21-4833-BE6A-3C22B7C44A7B}" dt="2022-04-21T19:23:27.534" v="800"/>
         <pc:sldMkLst>
           <pc:docMk/>
           <pc:sldMk cId="3749878085" sldId="261"/>
         </pc:sldMkLst>
+        <pc:spChg chg="del">
+          <ac:chgData name="DIAZ CHARRIS LUIS" userId="72dedcb5-ca2f-4208-848e-df8104c7c150" providerId="ADAL" clId="{57095DB0-8A21-4833-BE6A-3C22B7C44A7B}" dt="2022-04-21T19:19:14.119" v="720" actId="478"/>
+          <ac:spMkLst>
+            <pc:docMk/>
+            <pc:sldMk cId="3749878085" sldId="261"/>
+            <ac:spMk id="3" creationId="{B047450C-8EC4-4858-A95E-CADCDFBEDC72}"/>
+          </ac:spMkLst>
+        </pc:spChg>
         <pc:spChg chg="del">
           <ac:chgData name="DIAZ CHARRIS LUIS" userId="72dedcb5-ca2f-4208-848e-df8104c7c150" providerId="ADAL" clId="{57095DB0-8A21-4833-BE6A-3C22B7C44A7B}" dt="2022-04-21T14:03:40.616" v="243" actId="478"/>
           <ac:spMkLst>
@@ -836,7 +880,15 @@
           </ac:spMkLst>
         </pc:spChg>
         <pc:spChg chg="add mod">
-          <ac:chgData name="DIAZ CHARRIS LUIS" userId="72dedcb5-ca2f-4208-848e-df8104c7c150" providerId="ADAL" clId="{57095DB0-8A21-4833-BE6A-3C22B7C44A7B}" dt="2022-04-21T14:03:40.998" v="244"/>
+          <ac:chgData name="DIAZ CHARRIS LUIS" userId="72dedcb5-ca2f-4208-848e-df8104c7c150" providerId="ADAL" clId="{57095DB0-8A21-4833-BE6A-3C22B7C44A7B}" dt="2022-04-21T19:23:27.534" v="800"/>
+          <ac:spMkLst>
+            <pc:docMk/>
+            <pc:sldMk cId="3749878085" sldId="261"/>
+            <ac:spMk id="11" creationId="{F4DEFC04-5765-401E-A1B8-E5C11913E0EE}"/>
+          </ac:spMkLst>
+        </pc:spChg>
+        <pc:spChg chg="add del mod">
+          <ac:chgData name="DIAZ CHARRIS LUIS" userId="72dedcb5-ca2f-4208-848e-df8104c7c150" providerId="ADAL" clId="{57095DB0-8A21-4833-BE6A-3C22B7C44A7B}" dt="2022-04-21T19:23:27.185" v="799" actId="478"/>
           <ac:spMkLst>
             <pc:docMk/>
             <pc:sldMk cId="3749878085" sldId="261"/>
@@ -917,13 +969,13 @@
         </pc:picChg>
       </pc:sldChg>
       <pc:sldChg chg="addSp delSp modSp mod">
-        <pc:chgData name="DIAZ CHARRIS LUIS" userId="72dedcb5-ca2f-4208-848e-df8104c7c150" providerId="ADAL" clId="{57095DB0-8A21-4833-BE6A-3C22B7C44A7B}" dt="2022-04-21T19:13:02.906" v="715" actId="1076"/>
+        <pc:chgData name="DIAZ CHARRIS LUIS" userId="72dedcb5-ca2f-4208-848e-df8104c7c150" providerId="ADAL" clId="{57095DB0-8A21-4833-BE6A-3C22B7C44A7B}" dt="2022-04-21T19:33:33.668" v="841" actId="1076"/>
         <pc:sldMkLst>
           <pc:docMk/>
           <pc:sldMk cId="207038314" sldId="262"/>
         </pc:sldMkLst>
-        <pc:spChg chg="mod">
-          <ac:chgData name="DIAZ CHARRIS LUIS" userId="72dedcb5-ca2f-4208-848e-df8104c7c150" providerId="ADAL" clId="{57095DB0-8A21-4833-BE6A-3C22B7C44A7B}" dt="2022-04-21T14:04:21.474" v="254" actId="20577"/>
+        <pc:spChg chg="del mod">
+          <ac:chgData name="DIAZ CHARRIS LUIS" userId="72dedcb5-ca2f-4208-848e-df8104c7c150" providerId="ADAL" clId="{57095DB0-8A21-4833-BE6A-3C22B7C44A7B}" dt="2022-04-21T19:19:12.765" v="719" actId="478"/>
           <ac:spMkLst>
             <pc:docMk/>
             <pc:sldMk cId="207038314" sldId="262"/>
@@ -946,8 +998,8 @@
             <ac:spMk id="9" creationId="{6BE66211-3F15-4D36-888E-CFE40F050B66}"/>
           </ac:spMkLst>
         </pc:spChg>
-        <pc:spChg chg="add mod">
-          <ac:chgData name="DIAZ CHARRIS LUIS" userId="72dedcb5-ca2f-4208-848e-df8104c7c150" providerId="ADAL" clId="{57095DB0-8A21-4833-BE6A-3C22B7C44A7B}" dt="2022-04-21T14:03:37.726" v="242"/>
+        <pc:spChg chg="add del mod">
+          <ac:chgData name="DIAZ CHARRIS LUIS" userId="72dedcb5-ca2f-4208-848e-df8104c7c150" providerId="ADAL" clId="{57095DB0-8A21-4833-BE6A-3C22B7C44A7B}" dt="2022-04-21T19:23:24.309" v="797" actId="478"/>
           <ac:spMkLst>
             <pc:docMk/>
             <pc:sldMk cId="207038314" sldId="262"/>
@@ -955,7 +1007,31 @@
           </ac:spMkLst>
         </pc:spChg>
         <pc:spChg chg="add mod">
-          <ac:chgData name="DIAZ CHARRIS LUIS" userId="72dedcb5-ca2f-4208-848e-df8104c7c150" providerId="ADAL" clId="{57095DB0-8A21-4833-BE6A-3C22B7C44A7B}" dt="2022-04-21T19:12:58.774" v="714" actId="14100"/>
+          <ac:chgData name="DIAZ CHARRIS LUIS" userId="72dedcb5-ca2f-4208-848e-df8104c7c150" providerId="ADAL" clId="{57095DB0-8A21-4833-BE6A-3C22B7C44A7B}" dt="2022-04-21T19:23:25.098" v="798"/>
+          <ac:spMkLst>
+            <pc:docMk/>
+            <pc:sldMk cId="207038314" sldId="262"/>
+            <ac:spMk id="11" creationId="{569533A7-51D3-4BEF-BD65-6AAA3247FD03}"/>
+          </ac:spMkLst>
+        </pc:spChg>
+        <pc:spChg chg="add mod">
+          <ac:chgData name="DIAZ CHARRIS LUIS" userId="72dedcb5-ca2f-4208-848e-df8104c7c150" providerId="ADAL" clId="{57095DB0-8A21-4833-BE6A-3C22B7C44A7B}" dt="2022-04-21T19:33:11.692" v="835" actId="1076"/>
+          <ac:spMkLst>
+            <pc:docMk/>
+            <pc:sldMk cId="207038314" sldId="262"/>
+            <ac:spMk id="13" creationId="{7FCF27FE-5ACA-4B4B-8FE8-A93697A94B1A}"/>
+          </ac:spMkLst>
+        </pc:spChg>
+        <pc:spChg chg="add mod">
+          <ac:chgData name="DIAZ CHARRIS LUIS" userId="72dedcb5-ca2f-4208-848e-df8104c7c150" providerId="ADAL" clId="{57095DB0-8A21-4833-BE6A-3C22B7C44A7B}" dt="2022-04-21T19:33:33.668" v="841" actId="1076"/>
+          <ac:spMkLst>
+            <pc:docMk/>
+            <pc:sldMk cId="207038314" sldId="262"/>
+            <ac:spMk id="15" creationId="{3B694032-C2C3-4087-A18E-5E0FC8A98C44}"/>
+          </ac:spMkLst>
+        </pc:spChg>
+        <pc:spChg chg="add mod">
+          <ac:chgData name="DIAZ CHARRIS LUIS" userId="72dedcb5-ca2f-4208-848e-df8104c7c150" providerId="ADAL" clId="{57095DB0-8A21-4833-BE6A-3C22B7C44A7B}" dt="2022-04-21T19:33:30.964" v="840" actId="1076"/>
           <ac:spMkLst>
             <pc:docMk/>
             <pc:sldMk cId="207038314" sldId="262"/>
@@ -963,7 +1039,7 @@
           </ac:spMkLst>
         </pc:spChg>
         <pc:spChg chg="add mod">
-          <ac:chgData name="DIAZ CHARRIS LUIS" userId="72dedcb5-ca2f-4208-848e-df8104c7c150" providerId="ADAL" clId="{57095DB0-8A21-4833-BE6A-3C22B7C44A7B}" dt="2022-04-21T19:13:02.906" v="715" actId="1076"/>
+          <ac:chgData name="DIAZ CHARRIS LUIS" userId="72dedcb5-ca2f-4208-848e-df8104c7c150" providerId="ADAL" clId="{57095DB0-8A21-4833-BE6A-3C22B7C44A7B}" dt="2022-04-21T19:33:29.246" v="839" actId="1076"/>
           <ac:spMkLst>
             <pc:docMk/>
             <pc:sldMk cId="207038314" sldId="262"/>
@@ -1010,10 +1086,263 @@
             <ac:picMk id="29" creationId="{C76D0405-2942-4214-8223-558108432A62}"/>
           </ac:picMkLst>
         </pc:picChg>
+        <pc:picChg chg="add del">
+          <ac:chgData name="DIAZ CHARRIS LUIS" userId="72dedcb5-ca2f-4208-848e-df8104c7c150" providerId="ADAL" clId="{57095DB0-8A21-4833-BE6A-3C22B7C44A7B}" dt="2022-04-21T19:32:56.637" v="828" actId="478"/>
+          <ac:picMkLst>
+            <pc:docMk/>
+            <pc:sldMk cId="207038314" sldId="262"/>
+            <ac:picMk id="2050" creationId="{611E86DA-AC29-4EAC-9F82-D98194319761}"/>
+          </ac:picMkLst>
+        </pc:picChg>
+      </pc:sldChg>
+      <pc:sldChg chg="addSp delSp modSp new mod">
+        <pc:chgData name="DIAZ CHARRIS LUIS" userId="72dedcb5-ca2f-4208-848e-df8104c7c150" providerId="ADAL" clId="{57095DB0-8A21-4833-BE6A-3C22B7C44A7B}" dt="2022-04-21T20:05:23.115" v="842" actId="732"/>
+        <pc:sldMkLst>
+          <pc:docMk/>
+          <pc:sldMk cId="412428718" sldId="263"/>
+        </pc:sldMkLst>
+        <pc:spChg chg="add mod">
+          <ac:chgData name="DIAZ CHARRIS LUIS" userId="72dedcb5-ca2f-4208-848e-df8104c7c150" providerId="ADAL" clId="{57095DB0-8A21-4833-BE6A-3C22B7C44A7B}" dt="2022-04-21T19:23:17.886" v="794"/>
+          <ac:spMkLst>
+            <pc:docMk/>
+            <pc:sldMk cId="412428718" sldId="263"/>
+            <ac:spMk id="3" creationId="{F6025EA3-18A7-4A16-BFC9-B544F4D38444}"/>
+          </ac:spMkLst>
+        </pc:spChg>
+        <pc:spChg chg="add mod">
+          <ac:chgData name="DIAZ CHARRIS LUIS" userId="72dedcb5-ca2f-4208-848e-df8104c7c150" providerId="ADAL" clId="{57095DB0-8A21-4833-BE6A-3C22B7C44A7B}" dt="2022-04-21T19:26:49.756" v="821"/>
+          <ac:spMkLst>
+            <pc:docMk/>
+            <pc:sldMk cId="412428718" sldId="263"/>
+            <ac:spMk id="9" creationId="{63132BB6-A1BC-476D-AE32-69ADBC6792ED}"/>
+          </ac:spMkLst>
+        </pc:spChg>
+        <pc:picChg chg="add del mod">
+          <ac:chgData name="DIAZ CHARRIS LUIS" userId="72dedcb5-ca2f-4208-848e-df8104c7c150" providerId="ADAL" clId="{57095DB0-8A21-4833-BE6A-3C22B7C44A7B}" dt="2022-04-21T19:25:42.627" v="807" actId="478"/>
+          <ac:picMkLst>
+            <pc:docMk/>
+            <pc:sldMk cId="412428718" sldId="263"/>
+            <ac:picMk id="5" creationId="{0B54DD31-0E17-4D89-A7B5-AA3AA5205205}"/>
+          </ac:picMkLst>
+        </pc:picChg>
+        <pc:picChg chg="add del mod">
+          <ac:chgData name="DIAZ CHARRIS LUIS" userId="72dedcb5-ca2f-4208-848e-df8104c7c150" providerId="ADAL" clId="{57095DB0-8A21-4833-BE6A-3C22B7C44A7B}" dt="2022-04-21T19:26:04.947" v="815" actId="21"/>
+          <ac:picMkLst>
+            <pc:docMk/>
+            <pc:sldMk cId="412428718" sldId="263"/>
+            <ac:picMk id="7" creationId="{795D65B1-6762-49EE-8057-963B27BD39AB}"/>
+          </ac:picMkLst>
+        </pc:picChg>
+        <pc:picChg chg="add mod modCrop">
+          <ac:chgData name="DIAZ CHARRIS LUIS" userId="72dedcb5-ca2f-4208-848e-df8104c7c150" providerId="ADAL" clId="{57095DB0-8A21-4833-BE6A-3C22B7C44A7B}" dt="2022-04-21T20:05:23.115" v="842" actId="732"/>
+          <ac:picMkLst>
+            <pc:docMk/>
+            <pc:sldMk cId="412428718" sldId="263"/>
+            <ac:picMk id="8" creationId="{9D3DC117-EA91-4EE1-A8C8-0C1BA941D762}"/>
+          </ac:picMkLst>
+        </pc:picChg>
+        <pc:picChg chg="add mod">
+          <ac:chgData name="DIAZ CHARRIS LUIS" userId="72dedcb5-ca2f-4208-848e-df8104c7c150" providerId="ADAL" clId="{57095DB0-8A21-4833-BE6A-3C22B7C44A7B}" dt="2022-04-21T19:27:33.489" v="826" actId="1076"/>
+          <ac:picMkLst>
+            <pc:docMk/>
+            <pc:sldMk cId="412428718" sldId="263"/>
+            <ac:picMk id="1026" creationId="{D2390B8B-51A4-4473-B322-EEEDAE602A94}"/>
+          </ac:picMkLst>
+        </pc:picChg>
       </pc:sldChg>
     </pc:docChg>
   </pc:docChgLst>
 </pc:chgInfo>
+</file>
+
+<file path=ppt/handoutMasters/handoutMaster1.xml><?xml version="1.0" encoding="utf-8"?>
+<p:handoutMaster xmlns:a="http://schemas.openxmlformats.org/drawingml/2006/main" xmlns:r="http://schemas.openxmlformats.org/officeDocument/2006/relationships" xmlns:p="http://schemas.openxmlformats.org/presentationml/2006/main">
+  <p:cSld>
+    <p:bg>
+      <p:bgRef idx="1001">
+        <a:schemeClr val="bg1"/>
+      </p:bgRef>
+    </p:bg>
+    <p:spTree>
+      <p:nvGrpSpPr>
+        <p:cNvPr id="1" name=""/>
+        <p:cNvGrpSpPr/>
+        <p:nvPr/>
+      </p:nvGrpSpPr>
+      <p:grpSpPr>
+        <a:xfrm>
+          <a:off x="0" y="0"/>
+          <a:ext cx="0" cy="0"/>
+          <a:chOff x="0" y="0"/>
+          <a:chExt cx="0" cy="0"/>
+        </a:xfrm>
+      </p:grpSpPr>
+      <p:sp>
+        <p:nvSpPr>
+          <p:cNvPr id="2" name="Marcador de encabezado 1">
+            <a:extLst>
+              <a:ext uri="{FF2B5EF4-FFF2-40B4-BE49-F238E27FC236}">
+                <a16:creationId xmlns:a16="http://schemas.microsoft.com/office/drawing/2014/main" id="{54F25C17-84B4-41C1-940D-2EC73B6B3ED4}"/>
+              </a:ext>
+            </a:extLst>
+          </p:cNvPr>
+          <p:cNvSpPr>
+            <a:spLocks noGrp="1"/>
+          </p:cNvSpPr>
+          <p:nvPr>
+            <p:ph type="hdr" sz="quarter"/>
+          </p:nvPr>
+        </p:nvSpPr>
+        <p:spPr>
+          <a:xfrm>
+            <a:off x="0" y="0"/>
+            <a:ext cx="2971800" cy="458788"/>
+          </a:xfrm>
+          <a:prstGeom prst="rect">
+            <a:avLst/>
+          </a:prstGeom>
+        </p:spPr>
+        <p:txBody>
+          <a:bodyPr vert="horz" lIns="91440" tIns="45720" rIns="91440" bIns="45720" rtlCol="0"/>
+          <a:lstStyle>
+            <a:lvl1pPr algn="l">
+              <a:defRPr sz="1200"/>
+            </a:lvl1pPr>
+          </a:lstStyle>
+          <a:p>
+            <a:endParaRPr lang="es-CO"/>
+          </a:p>
+        </p:txBody>
+      </p:sp>
+      <p:sp>
+        <p:nvSpPr>
+          <p:cNvPr id="3" name="Marcador de fecha 2">
+            <a:extLst>
+              <a:ext uri="{FF2B5EF4-FFF2-40B4-BE49-F238E27FC236}">
+                <a16:creationId xmlns:a16="http://schemas.microsoft.com/office/drawing/2014/main" id="{07915CFD-FA46-4946-BF5E-C594EEBE1DAC}"/>
+              </a:ext>
+            </a:extLst>
+          </p:cNvPr>
+          <p:cNvSpPr>
+            <a:spLocks noGrp="1"/>
+          </p:cNvSpPr>
+          <p:nvPr>
+            <p:ph type="dt" sz="quarter" idx="1"/>
+          </p:nvPr>
+        </p:nvSpPr>
+        <p:spPr>
+          <a:xfrm>
+            <a:off x="3884613" y="0"/>
+            <a:ext cx="2971800" cy="458788"/>
+          </a:xfrm>
+          <a:prstGeom prst="rect">
+            <a:avLst/>
+          </a:prstGeom>
+        </p:spPr>
+        <p:txBody>
+          <a:bodyPr vert="horz" lIns="91440" tIns="45720" rIns="91440" bIns="45720" rtlCol="0"/>
+          <a:lstStyle>
+            <a:lvl1pPr algn="r">
+              <a:defRPr sz="1200"/>
+            </a:lvl1pPr>
+          </a:lstStyle>
+          <a:p>
+            <a:fld id="{8BBDF7A0-E266-4109-9C8D-75854422D530}" type="datetimeFigureOut">
+              <a:rPr lang="es-CO" smtClean="0"/>
+              <a:t>21/04/2022</a:t>
+            </a:fld>
+            <a:endParaRPr lang="es-CO"/>
+          </a:p>
+        </p:txBody>
+      </p:sp>
+      <p:sp>
+        <p:nvSpPr>
+          <p:cNvPr id="4" name="Marcador de pie de página 3">
+            <a:extLst>
+              <a:ext uri="{FF2B5EF4-FFF2-40B4-BE49-F238E27FC236}">
+                <a16:creationId xmlns:a16="http://schemas.microsoft.com/office/drawing/2014/main" id="{486BD65B-B378-400B-B631-7D5574D87DEC}"/>
+              </a:ext>
+            </a:extLst>
+          </p:cNvPr>
+          <p:cNvSpPr>
+            <a:spLocks noGrp="1"/>
+          </p:cNvSpPr>
+          <p:nvPr>
+            <p:ph type="ftr" sz="quarter" idx="2"/>
+          </p:nvPr>
+        </p:nvSpPr>
+        <p:spPr>
+          <a:xfrm>
+            <a:off x="0" y="8685213"/>
+            <a:ext cx="2971800" cy="458787"/>
+          </a:xfrm>
+          <a:prstGeom prst="rect">
+            <a:avLst/>
+          </a:prstGeom>
+        </p:spPr>
+        <p:txBody>
+          <a:bodyPr vert="horz" lIns="91440" tIns="45720" rIns="91440" bIns="45720" rtlCol="0" anchor="b"/>
+          <a:lstStyle>
+            <a:lvl1pPr algn="l">
+              <a:defRPr sz="1200"/>
+            </a:lvl1pPr>
+          </a:lstStyle>
+          <a:p>
+            <a:endParaRPr lang="es-CO"/>
+          </a:p>
+        </p:txBody>
+      </p:sp>
+      <p:sp>
+        <p:nvSpPr>
+          <p:cNvPr id="5" name="Marcador de número de diapositiva 4">
+            <a:extLst>
+              <a:ext uri="{FF2B5EF4-FFF2-40B4-BE49-F238E27FC236}">
+                <a16:creationId xmlns:a16="http://schemas.microsoft.com/office/drawing/2014/main" id="{DB4A394F-166C-4DDB-B4FB-1874E115D6C5}"/>
+              </a:ext>
+            </a:extLst>
+          </p:cNvPr>
+          <p:cNvSpPr>
+            <a:spLocks noGrp="1"/>
+          </p:cNvSpPr>
+          <p:nvPr>
+            <p:ph type="sldNum" sz="quarter" idx="3"/>
+          </p:nvPr>
+        </p:nvSpPr>
+        <p:spPr>
+          <a:xfrm>
+            <a:off x="3884613" y="8685213"/>
+            <a:ext cx="2971800" cy="458787"/>
+          </a:xfrm>
+          <a:prstGeom prst="rect">
+            <a:avLst/>
+          </a:prstGeom>
+        </p:spPr>
+        <p:txBody>
+          <a:bodyPr vert="horz" lIns="91440" tIns="45720" rIns="91440" bIns="45720" rtlCol="0" anchor="b"/>
+          <a:lstStyle>
+            <a:lvl1pPr algn="r">
+              <a:defRPr sz="1200"/>
+            </a:lvl1pPr>
+          </a:lstStyle>
+          <a:p>
+            <a:fld id="{EDAFAF3B-3BB1-4DD5-B24E-3F711CB6B409}" type="slidenum">
+              <a:rPr lang="es-CO" smtClean="0"/>
+              <a:t>‹Nº›</a:t>
+            </a:fld>
+            <a:endParaRPr lang="es-CO"/>
+          </a:p>
+        </p:txBody>
+      </p:sp>
+    </p:spTree>
+    <p:extLst>
+      <p:ext uri="{BB962C8B-B14F-4D97-AF65-F5344CB8AC3E}">
+        <p14:creationId xmlns:p14="http://schemas.microsoft.com/office/powerpoint/2010/main" val="933453013"/>
+      </p:ext>
+    </p:extLst>
+  </p:cSld>
+  <p:clrMap bg1="lt1" tx1="dk1" bg2="lt2" tx2="dk2" accent1="accent1" accent2="accent2" accent3="accent3" accent4="accent4" accent5="accent5" accent6="accent6" hlink="hlink" folHlink="folHlink"/>
+  <p:hf hdr="0" ftr="0" dt="0"/>
+</p:handoutMaster>
 </file>
 
 <file path=ppt/notesMasters/notesMaster1.xml><?xml version="1.0" encoding="utf-8"?>
@@ -1271,6 +1600,7 @@
     </p:extLst>
   </p:cSld>
   <p:clrMap bg1="lt1" tx1="dk1" bg2="lt2" tx2="dk2" accent1="accent1" accent2="accent2" accent3="accent3" accent4="accent4" accent5="accent5" accent6="accent6" hlink="hlink" folHlink="folHlink"/>
+  <p:hf hdr="0" ftr="0" dt="0"/>
   <p:notesStyle>
     <a:lvl1pPr marL="0" algn="l" defTabSz="914400" rtl="0" eaLnBrk="1" latinLnBrk="0" hangingPunct="1">
       <a:defRPr sz="1200" kern="1200">
@@ -1513,7 +1843,7 @@
           <a:bodyPr/>
           <a:lstStyle/>
           <a:p>
-            <a:fld id="{2B6B5360-7F78-45EC-ABA7-7DD1CD9DF8C9}" type="datetime1">
+            <a:fld id="{E2716490-39BE-427F-A372-2B7C41EBFDFD}" type="datetime1">
               <a:rPr lang="es-CO" smtClean="0"/>
               <a:t>21/04/2022</a:t>
             </a:fld>
@@ -1713,7 +2043,7 @@
           <a:bodyPr/>
           <a:lstStyle/>
           <a:p>
-            <a:fld id="{D0BFC1EA-8D94-40FA-A04F-7F7461E46B75}" type="datetime1">
+            <a:fld id="{F1227C8E-7074-4908-95FE-249641BCDDFF}" type="datetime1">
               <a:rPr lang="es-CO" smtClean="0"/>
               <a:t>21/04/2022</a:t>
             </a:fld>
@@ -1923,7 +2253,7 @@
           <a:bodyPr/>
           <a:lstStyle/>
           <a:p>
-            <a:fld id="{0CC8F4B2-799E-4279-8ED4-18AEDC23A964}" type="datetime1">
+            <a:fld id="{EA059682-EB65-46EA-BA0D-785D16708814}" type="datetime1">
               <a:rPr lang="es-CO" smtClean="0"/>
               <a:t>21/04/2022</a:t>
             </a:fld>
@@ -2123,7 +2453,7 @@
           <a:bodyPr/>
           <a:lstStyle/>
           <a:p>
-            <a:fld id="{874E8E82-9A03-4DA5-A706-2A858C14F640}" type="datetime1">
+            <a:fld id="{7466CF79-E025-4351-AC63-E6BED651232B}" type="datetime1">
               <a:rPr lang="es-CO" smtClean="0"/>
               <a:t>21/04/2022</a:t>
             </a:fld>
@@ -2399,7 +2729,7 @@
           <a:bodyPr/>
           <a:lstStyle/>
           <a:p>
-            <a:fld id="{5D2F0EBE-CC5F-4038-A5BB-7317513A431F}" type="datetime1">
+            <a:fld id="{7704A066-1BEB-4D65-89AE-520B21D89ADE}" type="datetime1">
               <a:rPr lang="es-CO" smtClean="0"/>
               <a:t>21/04/2022</a:t>
             </a:fld>
@@ -2667,7 +2997,7 @@
           <a:bodyPr/>
           <a:lstStyle/>
           <a:p>
-            <a:fld id="{4FD92A9C-E775-48B5-A369-CB92B85F6C1B}" type="datetime1">
+            <a:fld id="{1932CE1B-6884-41D0-8C9B-8DD01BB2EBB1}" type="datetime1">
               <a:rPr lang="es-CO" smtClean="0"/>
               <a:t>21/04/2022</a:t>
             </a:fld>
@@ -3082,7 +3412,7 @@
           <a:bodyPr/>
           <a:lstStyle/>
           <a:p>
-            <a:fld id="{5A2BF0ED-2484-4890-85DD-AF77361429DE}" type="datetime1">
+            <a:fld id="{23196D5E-B881-476F-A3EF-062A1211E07E}" type="datetime1">
               <a:rPr lang="es-CO" smtClean="0"/>
               <a:t>21/04/2022</a:t>
             </a:fld>
@@ -3224,7 +3554,7 @@
           <a:bodyPr/>
           <a:lstStyle/>
           <a:p>
-            <a:fld id="{58BEC93C-AC1A-4575-A6CA-17249309197B}" type="datetime1">
+            <a:fld id="{E3AD3FD2-1594-4ECF-9C49-B30A77ADBF0D}" type="datetime1">
               <a:rPr lang="es-CO" smtClean="0"/>
               <a:t>21/04/2022</a:t>
             </a:fld>
@@ -3337,7 +3667,7 @@
           <a:bodyPr/>
           <a:lstStyle/>
           <a:p>
-            <a:fld id="{25835B81-AA08-4890-9193-F96392504F61}" type="datetime1">
+            <a:fld id="{48E38E50-3B8D-4739-B582-1C4A123559DD}" type="datetime1">
               <a:rPr lang="es-CO" smtClean="0"/>
               <a:t>21/04/2022</a:t>
             </a:fld>
@@ -3650,7 +3980,7 @@
           <a:bodyPr/>
           <a:lstStyle/>
           <a:p>
-            <a:fld id="{9A8C25D1-5839-4A89-97D5-FDECA179259A}" type="datetime1">
+            <a:fld id="{1622E3E9-F8DE-4EDE-BAA3-87AD88BF5B8F}" type="datetime1">
               <a:rPr lang="es-CO" smtClean="0"/>
               <a:t>21/04/2022</a:t>
             </a:fld>
@@ -3939,7 +4269,7 @@
           <a:bodyPr/>
           <a:lstStyle/>
           <a:p>
-            <a:fld id="{DED76192-141B-40A4-9FF1-4659E4EDBCED}" type="datetime1">
+            <a:fld id="{530927DD-4FBD-4D19-9BF1-10BB934849B7}" type="datetime1">
               <a:rPr lang="es-CO" smtClean="0"/>
               <a:t>21/04/2022</a:t>
             </a:fld>
@@ -4182,7 +4512,7 @@
             </a:lvl1pPr>
           </a:lstStyle>
           <a:p>
-            <a:fld id="{82EA2CF3-09B5-4BE3-8956-3E9173D1F624}" type="datetime1">
+            <a:fld id="{53FBF5AF-C6EB-43CC-8AD5-ADF90B05A4AB}" type="datetime1">
               <a:rPr lang="es-CO" smtClean="0"/>
               <a:t>21/04/2022</a:t>
             </a:fld>
@@ -4301,7 +4631,7 @@
     <p:sldLayoutId id="2147483658" r:id="rId10"/>
     <p:sldLayoutId id="2147483659" r:id="rId11"/>
   </p:sldLayoutIdLst>
-  <p:hf sldNum="0" hdr="0" ftr="0" dt="0"/>
+  <p:hf hdr="0" ftr="0" dt="0"/>
   <p:txStyles>
     <p:titleStyle>
       <a:lvl1pPr algn="l" defTabSz="914400" rtl="0" eaLnBrk="1" latinLnBrk="0" hangingPunct="1">
@@ -5341,10 +5671,10 @@
       </p:sp>
       <p:sp>
         <p:nvSpPr>
-          <p:cNvPr id="11" name="CuadroTexto 10">
-            <a:extLst>
-              <a:ext uri="{FF2B5EF4-FFF2-40B4-BE49-F238E27FC236}">
-                <a16:creationId xmlns:a16="http://schemas.microsoft.com/office/drawing/2014/main" id="{6B4CC24F-2533-427F-8742-5789F8D60A37}"/>
+          <p:cNvPr id="21" name="CuadroTexto 20">
+            <a:extLst>
+              <a:ext uri="{FF2B5EF4-FFF2-40B4-BE49-F238E27FC236}">
+                <a16:creationId xmlns:a16="http://schemas.microsoft.com/office/drawing/2014/main" id="{79C59E13-CBB1-4DA9-BA26-680988478910}"/>
               </a:ext>
             </a:extLst>
           </p:cNvPr>
@@ -5353,8 +5683,8 @@
         </p:nvSpPr>
         <p:spPr>
           <a:xfrm>
-            <a:off x="11293407" y="6412492"/>
-            <a:ext cx="761747" cy="369332"/>
+            <a:off x="2123738" y="5073912"/>
+            <a:ext cx="7495870" cy="461665"/>
           </a:xfrm>
           <a:prstGeom prst="rect">
             <a:avLst/>
@@ -5362,41 +5692,6 @@
           <a:noFill/>
         </p:spPr>
         <p:txBody>
-          <a:bodyPr wrap="none" rtlCol="0">
-            <a:spAutoFit/>
-          </a:bodyPr>
-          <a:lstStyle/>
-          <a:p>
-            <a:r>
-              <a:rPr lang="es-CO" dirty="0"/>
-              <a:t>1 de 6</a:t>
-            </a:r>
-          </a:p>
-        </p:txBody>
-      </p:sp>
-      <p:sp>
-        <p:nvSpPr>
-          <p:cNvPr id="21" name="CuadroTexto 20">
-            <a:extLst>
-              <a:ext uri="{FF2B5EF4-FFF2-40B4-BE49-F238E27FC236}">
-                <a16:creationId xmlns:a16="http://schemas.microsoft.com/office/drawing/2014/main" id="{79C59E13-CBB1-4DA9-BA26-680988478910}"/>
-              </a:ext>
-            </a:extLst>
-          </p:cNvPr>
-          <p:cNvSpPr txBox="1"/>
-          <p:nvPr/>
-        </p:nvSpPr>
-        <p:spPr>
-          <a:xfrm>
-            <a:off x="2771172" y="5035205"/>
-            <a:ext cx="6649654" cy="461665"/>
-          </a:xfrm>
-          <a:prstGeom prst="rect">
-            <a:avLst/>
-          </a:prstGeom>
-          <a:noFill/>
-        </p:spPr>
-        <p:txBody>
           <a:bodyPr wrap="square" rtlCol="0">
             <a:spAutoFit/>
           </a:bodyPr>
@@ -5405,8 +5700,37 @@
             <a:pPr algn="ctr"/>
             <a:r>
               <a:rPr lang="es-CO" sz="2400" dirty="0"/>
-              <a:t>Driver para el módulo MPU9250 a través de I2C</a:t>
-            </a:r>
+              <a:t>Driver acelerómetro módulo MPU9250 a través de I2C</a:t>
+            </a:r>
+          </a:p>
+        </p:txBody>
+      </p:sp>
+      <p:sp>
+        <p:nvSpPr>
+          <p:cNvPr id="2" name="Marcador de número de diapositiva 1">
+            <a:extLst>
+              <a:ext uri="{FF2B5EF4-FFF2-40B4-BE49-F238E27FC236}">
+                <a16:creationId xmlns:a16="http://schemas.microsoft.com/office/drawing/2014/main" id="{F93DAA68-98AE-4B20-9FD8-4BCE66BB95D5}"/>
+              </a:ext>
+            </a:extLst>
+          </p:cNvPr>
+          <p:cNvSpPr>
+            <a:spLocks noGrp="1"/>
+          </p:cNvSpPr>
+          <p:nvPr>
+            <p:ph type="sldNum" sz="quarter" idx="12"/>
+          </p:nvPr>
+        </p:nvSpPr>
+        <p:spPr/>
+        <p:txBody>
+          <a:bodyPr/>
+          <a:lstStyle/>
+          <a:p>
+            <a:fld id="{0B7B45CF-70C9-4F7E-9F10-375FE2ADAE22}" type="slidenum">
+              <a:rPr lang="es-CO" smtClean="0"/>
+              <a:t>1</a:t>
+            </a:fld>
+            <a:endParaRPr lang="es-CO" dirty="0"/>
           </a:p>
         </p:txBody>
       </p:sp>
@@ -5442,10 +5766,10 @@
       </p:grpSpPr>
       <p:sp>
         <p:nvSpPr>
-          <p:cNvPr id="4" name="CuadroTexto 3">
-            <a:extLst>
-              <a:ext uri="{FF2B5EF4-FFF2-40B4-BE49-F238E27FC236}">
-                <a16:creationId xmlns:a16="http://schemas.microsoft.com/office/drawing/2014/main" id="{2B04430C-236F-4A13-941E-B5748B48E187}"/>
+          <p:cNvPr id="5" name="CuadroTexto 4">
+            <a:extLst>
+              <a:ext uri="{FF2B5EF4-FFF2-40B4-BE49-F238E27FC236}">
+                <a16:creationId xmlns:a16="http://schemas.microsoft.com/office/drawing/2014/main" id="{249177A5-589E-41EC-91CE-BC7B20DF658D}"/>
               </a:ext>
             </a:extLst>
           </p:cNvPr>
@@ -5454,8 +5778,8 @@
         </p:nvSpPr>
         <p:spPr>
           <a:xfrm>
-            <a:off x="11293407" y="6412492"/>
-            <a:ext cx="761747" cy="369332"/>
+            <a:off x="138398" y="347167"/>
+            <a:ext cx="9124872" cy="523220"/>
           </a:xfrm>
           <a:prstGeom prst="rect">
             <a:avLst/>
@@ -5463,41 +5787,6 @@
           <a:noFill/>
         </p:spPr>
         <p:txBody>
-          <a:bodyPr wrap="none" rtlCol="0">
-            <a:spAutoFit/>
-          </a:bodyPr>
-          <a:lstStyle/>
-          <a:p>
-            <a:r>
-              <a:rPr lang="es-CO" dirty="0"/>
-              <a:t>2 de 6</a:t>
-            </a:r>
-          </a:p>
-        </p:txBody>
-      </p:sp>
-      <p:sp>
-        <p:nvSpPr>
-          <p:cNvPr id="5" name="CuadroTexto 4">
-            <a:extLst>
-              <a:ext uri="{FF2B5EF4-FFF2-40B4-BE49-F238E27FC236}">
-                <a16:creationId xmlns:a16="http://schemas.microsoft.com/office/drawing/2014/main" id="{249177A5-589E-41EC-91CE-BC7B20DF658D}"/>
-              </a:ext>
-            </a:extLst>
-          </p:cNvPr>
-          <p:cNvSpPr txBox="1"/>
-          <p:nvPr/>
-        </p:nvSpPr>
-        <p:spPr>
-          <a:xfrm>
-            <a:off x="138398" y="347167"/>
-            <a:ext cx="7556630" cy="523220"/>
-          </a:xfrm>
-          <a:prstGeom prst="rect">
-            <a:avLst/>
-          </a:prstGeom>
-          <a:noFill/>
-        </p:spPr>
-        <p:txBody>
           <a:bodyPr wrap="square" rtlCol="0">
             <a:spAutoFit/>
           </a:bodyPr>
@@ -5505,8 +5794,8 @@
           <a:p>
             <a:pPr algn="just"/>
             <a:r>
-              <a:rPr lang="es-ES" sz="2800" b="1" dirty="0"/>
-              <a:t>Driver para el módulo MPU9250 a través de I2C</a:t>
+              <a:rPr lang="pt-BR" sz="2800" b="1" dirty="0"/>
+              <a:t>Driver acelerómetro módulo MPU9250 a través de I2C</a:t>
             </a:r>
           </a:p>
         </p:txBody>
@@ -5549,9 +5838,10 @@
               <a:t> </a:t>
             </a:r>
             <a:r>
-              <a:rPr lang="es-ES" sz="2400" dirty="0"/>
-              <a:t>Driver para el módulo MPU9250 a través de I2C</a:t>
-            </a:r>
+              <a:rPr lang="pt-BR" sz="2400" dirty="0"/>
+              <a:t>Driver acelerómetro módulo MPU9250 a través de I2C</a:t>
+            </a:r>
+            <a:endParaRPr lang="es-ES" sz="2400" dirty="0"/>
           </a:p>
           <a:p>
             <a:pPr algn="just"/>
@@ -5577,7 +5867,7 @@
             </a:r>
             <a:r>
               <a:rPr lang="es-CO" sz="2000" dirty="0"/>
-              <a:t> driver, desarrollado para que la placa Núcleo F429zi  se comunique con el módulo MPU9250 a través de sus puertos I2C. Este módulo, puede usarse en cualquier microcontrolador STM32 Cortex-M4, que implemente la CMSIS.</a:t>
+              <a:t> driver, desarrollado para que la placa Núcleo F429zi  se comunique con el módulo MPU9250 a través de sus puertos I2C para obtener los datos del acelerómetro. Este módulo, puede usarse en cualquier microcontrolador STM32 Cortex-M4, que implemente la CMSIS.</a:t>
             </a:r>
           </a:p>
           <a:p>
@@ -5717,6 +6007,35 @@
               <a:rPr lang="es-CO" sz="2400" b="1" dirty="0"/>
               <a:t>Información general</a:t>
             </a:r>
+          </a:p>
+        </p:txBody>
+      </p:sp>
+      <p:sp>
+        <p:nvSpPr>
+          <p:cNvPr id="2" name="Marcador de número de diapositiva 1">
+            <a:extLst>
+              <a:ext uri="{FF2B5EF4-FFF2-40B4-BE49-F238E27FC236}">
+                <a16:creationId xmlns:a16="http://schemas.microsoft.com/office/drawing/2014/main" id="{99E124BC-8220-493F-8127-D712CAAC6522}"/>
+              </a:ext>
+            </a:extLst>
+          </p:cNvPr>
+          <p:cNvSpPr>
+            <a:spLocks noGrp="1"/>
+          </p:cNvSpPr>
+          <p:nvPr>
+            <p:ph type="sldNum" sz="quarter" idx="12"/>
+          </p:nvPr>
+        </p:nvSpPr>
+        <p:spPr/>
+        <p:txBody>
+          <a:bodyPr/>
+          <a:lstStyle/>
+          <a:p>
+            <a:fld id="{0B7B45CF-70C9-4F7E-9F10-375FE2ADAE22}" type="slidenum">
+              <a:rPr lang="es-CO" smtClean="0"/>
+              <a:t>2</a:t>
+            </a:fld>
+            <a:endParaRPr lang="es-CO"/>
           </a:p>
         </p:txBody>
       </p:sp>
@@ -5752,10 +6071,39 @@
       </p:grpSpPr>
       <p:sp>
         <p:nvSpPr>
+          <p:cNvPr id="2" name="Marcador de número de diapositiva 1">
+            <a:extLst>
+              <a:ext uri="{FF2B5EF4-FFF2-40B4-BE49-F238E27FC236}">
+                <a16:creationId xmlns:a16="http://schemas.microsoft.com/office/drawing/2014/main" id="{2BEEA076-DDBE-47EE-A20B-5659E1EF184D}"/>
+              </a:ext>
+            </a:extLst>
+          </p:cNvPr>
+          <p:cNvSpPr>
+            <a:spLocks noGrp="1"/>
+          </p:cNvSpPr>
+          <p:nvPr>
+            <p:ph type="sldNum" sz="quarter" idx="12"/>
+          </p:nvPr>
+        </p:nvSpPr>
+        <p:spPr/>
+        <p:txBody>
+          <a:bodyPr/>
+          <a:lstStyle/>
+          <a:p>
+            <a:fld id="{0B7B45CF-70C9-4F7E-9F10-375FE2ADAE22}" type="slidenum">
+              <a:rPr lang="es-CO" smtClean="0"/>
+              <a:t>3</a:t>
+            </a:fld>
+            <a:endParaRPr lang="es-CO"/>
+          </a:p>
+        </p:txBody>
+      </p:sp>
+      <p:sp>
+        <p:nvSpPr>
           <p:cNvPr id="3" name="CuadroTexto 2">
             <a:extLst>
               <a:ext uri="{FF2B5EF4-FFF2-40B4-BE49-F238E27FC236}">
-                <a16:creationId xmlns:a16="http://schemas.microsoft.com/office/drawing/2014/main" id="{B047450C-8EC4-4858-A95E-CADCDFBEDC72}"/>
+                <a16:creationId xmlns:a16="http://schemas.microsoft.com/office/drawing/2014/main" id="{F6025EA3-18A7-4A16-BFC9-B544F4D38444}"/>
               </a:ext>
             </a:extLst>
           </p:cNvPr>
@@ -5764,8 +6112,8 @@
         </p:nvSpPr>
         <p:spPr>
           <a:xfrm>
-            <a:off x="11293407" y="6412492"/>
-            <a:ext cx="761747" cy="369332"/>
+            <a:off x="138398" y="347167"/>
+            <a:ext cx="9124872" cy="523220"/>
           </a:xfrm>
           <a:prstGeom prst="rect">
             <a:avLst/>
@@ -5773,24 +6121,25 @@
           <a:noFill/>
         </p:spPr>
         <p:txBody>
-          <a:bodyPr wrap="none" rtlCol="0">
+          <a:bodyPr wrap="square" rtlCol="0">
             <a:spAutoFit/>
           </a:bodyPr>
           <a:lstStyle/>
           <a:p>
-            <a:r>
-              <a:rPr lang="es-CO" dirty="0"/>
-              <a:t>3 de 6</a:t>
+            <a:pPr algn="just"/>
+            <a:r>
+              <a:rPr lang="pt-BR" sz="2800" b="1" dirty="0"/>
+              <a:t>Driver acelerómetro módulo MPU9250 a través de I2C</a:t>
             </a:r>
           </a:p>
         </p:txBody>
       </p:sp>
       <p:pic>
         <p:nvPicPr>
-          <p:cNvPr id="5" name="Imagen 4">
-            <a:extLst>
-              <a:ext uri="{FF2B5EF4-FFF2-40B4-BE49-F238E27FC236}">
-                <a16:creationId xmlns:a16="http://schemas.microsoft.com/office/drawing/2014/main" id="{E2E11275-344B-4AFF-A6B5-28B62C96D89B}"/>
+          <p:cNvPr id="8" name="Imagen 7">
+            <a:extLst>
+              <a:ext uri="{FF2B5EF4-FFF2-40B4-BE49-F238E27FC236}">
+                <a16:creationId xmlns:a16="http://schemas.microsoft.com/office/drawing/2014/main" id="{9D3DC117-EA91-4EE1-A8C8-0C1BA941D762}"/>
               </a:ext>
             </a:extLst>
           </p:cNvPr>
@@ -5799,31 +6148,27 @@
           </p:cNvPicPr>
           <p:nvPr/>
         </p:nvPicPr>
-        <p:blipFill>
+        <p:blipFill rotWithShape="1">
           <a:blip r:embed="rId2"/>
-          <a:stretch>
-            <a:fillRect/>
-          </a:stretch>
+          <a:srcRect t="4243"/>
+          <a:stretch/>
         </p:blipFill>
         <p:spPr>
           <a:xfrm>
-            <a:off x="0" y="6218365"/>
-            <a:ext cx="1772529" cy="584935"/>
+            <a:off x="1031884" y="2292625"/>
+            <a:ext cx="3447352" cy="3346299"/>
           </a:xfrm>
           <a:prstGeom prst="rect">
             <a:avLst/>
           </a:prstGeom>
-          <a:ln>
-            <a:noFill/>
-          </a:ln>
         </p:spPr>
       </p:pic>
       <p:sp>
         <p:nvSpPr>
-          <p:cNvPr id="7" name="CuadroTexto 6">
-            <a:extLst>
-              <a:ext uri="{FF2B5EF4-FFF2-40B4-BE49-F238E27FC236}">
-                <a16:creationId xmlns:a16="http://schemas.microsoft.com/office/drawing/2014/main" id="{59A16C2D-7A7D-4B01-AB71-3B2F8854B9AA}"/>
+          <p:cNvPr id="9" name="CuadroTexto 8">
+            <a:extLst>
+              <a:ext uri="{FF2B5EF4-FFF2-40B4-BE49-F238E27FC236}">
+                <a16:creationId xmlns:a16="http://schemas.microsoft.com/office/drawing/2014/main" id="{63132BB6-A1BC-476D-AE32-69ADBC6792ED}"/>
               </a:ext>
             </a:extLst>
           </p:cNvPr>
@@ -5832,7 +6177,7 @@
         </p:nvSpPr>
         <p:spPr>
           <a:xfrm>
-            <a:off x="138398" y="815490"/>
+            <a:off x="138398" y="1016852"/>
             <a:ext cx="5957602" cy="461665"/>
           </a:xfrm>
           <a:prstGeom prst="rect">
@@ -5849,87 +6194,66 @@
             <a:pPr algn="ctr"/>
             <a:r>
               <a:rPr lang="es-CO" sz="2400" b="1" dirty="0"/>
-              <a:t>Modelo del driver</a:t>
-            </a:r>
-          </a:p>
-        </p:txBody>
-      </p:sp>
-      <p:sp>
-        <p:nvSpPr>
-          <p:cNvPr id="8" name="CuadroTexto 7">
-            <a:extLst>
-              <a:ext uri="{FF2B5EF4-FFF2-40B4-BE49-F238E27FC236}">
-                <a16:creationId xmlns:a16="http://schemas.microsoft.com/office/drawing/2014/main" id="{F2D7C25B-4010-4449-90B3-944BE4F6353C}"/>
-              </a:ext>
-            </a:extLst>
-          </p:cNvPr>
-          <p:cNvSpPr txBox="1"/>
+              <a:t>Implementación: </a:t>
+            </a:r>
+            <a:r>
+              <a:rPr lang="es-CO" sz="2400" dirty="0"/>
+              <a:t>Módulos</a:t>
+            </a:r>
+          </a:p>
+        </p:txBody>
+      </p:sp>
+      <p:pic>
+        <p:nvPicPr>
+          <p:cNvPr id="1026" name="Picture 2">
+            <a:extLst>
+              <a:ext uri="{FF2B5EF4-FFF2-40B4-BE49-F238E27FC236}">
+                <a16:creationId xmlns:a16="http://schemas.microsoft.com/office/drawing/2014/main" id="{D2390B8B-51A4-4473-B322-EEEDAE602A94}"/>
+              </a:ext>
+            </a:extLst>
+          </p:cNvPr>
+          <p:cNvPicPr>
+            <a:picLocks noChangeAspect="1" noChangeArrowheads="1"/>
+          </p:cNvPicPr>
           <p:nvPr/>
-        </p:nvSpPr>
-        <p:spPr>
+        </p:nvPicPr>
+        <p:blipFill>
+          <a:blip r:embed="rId3">
+            <a:extLst>
+              <a:ext uri="{28A0092B-C50C-407E-A947-70E740481C1C}">
+                <a14:useLocalDpi xmlns:a14="http://schemas.microsoft.com/office/drawing/2010/main" val="0"/>
+              </a:ext>
+            </a:extLst>
+          </a:blip>
+          <a:srcRect/>
+          <a:stretch>
+            <a:fillRect/>
+          </a:stretch>
+        </p:blipFill>
+        <p:spPr bwMode="auto">
           <a:xfrm>
-            <a:off x="138398" y="347167"/>
-            <a:ext cx="7556630" cy="523220"/>
+            <a:off x="6651349" y="1222111"/>
+            <a:ext cx="3525815" cy="5288722"/>
           </a:xfrm>
           <a:prstGeom prst="rect">
             <a:avLst/>
           </a:prstGeom>
           <a:noFill/>
-        </p:spPr>
-        <p:txBody>
-          <a:bodyPr wrap="square" rtlCol="0">
-            <a:spAutoFit/>
-          </a:bodyPr>
-          <a:lstStyle/>
-          <a:p>
-            <a:pPr algn="just"/>
-            <a:r>
-              <a:rPr lang="es-ES" sz="2800" b="1" dirty="0"/>
-              <a:t>Driver para el módulo MPU9250 a través de I2C</a:t>
-            </a:r>
-          </a:p>
-        </p:txBody>
-      </p:sp>
-      <p:pic>
-        <p:nvPicPr>
-          <p:cNvPr id="9" name="Imagen 8" descr="Diagrama&#10;&#10;Descripción generada automáticamente">
-            <a:extLst>
-              <a:ext uri="{FF2B5EF4-FFF2-40B4-BE49-F238E27FC236}">
-                <a16:creationId xmlns:a16="http://schemas.microsoft.com/office/drawing/2014/main" id="{53A91A6B-5A12-4265-A00E-E0572B05CA25}"/>
-              </a:ext>
-            </a:extLst>
-          </p:cNvPr>
-          <p:cNvPicPr>
-            <a:picLocks noChangeAspect="1"/>
-          </p:cNvPicPr>
-          <p:nvPr/>
-        </p:nvPicPr>
-        <p:blipFill>
-          <a:blip r:embed="rId3">
-            <a:extLst>
-              <a:ext uri="{28A0092B-C50C-407E-A947-70E740481C1C}">
-                <a14:useLocalDpi xmlns:a14="http://schemas.microsoft.com/office/drawing/2010/main" val="0"/>
-              </a:ext>
-            </a:extLst>
-          </a:blip>
-          <a:stretch>
-            <a:fillRect/>
-          </a:stretch>
-        </p:blipFill>
-        <p:spPr>
-          <a:xfrm>
-            <a:off x="1038432" y="1552575"/>
-            <a:ext cx="9744075" cy="3752850"/>
-          </a:xfrm>
-          <a:prstGeom prst="rect">
-            <a:avLst/>
-          </a:prstGeom>
+          <a:extLst>
+            <a:ext uri="{909E8E84-426E-40DD-AFC4-6F175D3DCCD1}">
+              <a14:hiddenFill xmlns:a14="http://schemas.microsoft.com/office/drawing/2010/main">
+                <a:solidFill>
+                  <a:srgbClr val="FFFFFF"/>
+                </a:solidFill>
+              </a14:hiddenFill>
+            </a:ext>
+          </a:extLst>
         </p:spPr>
       </p:pic>
     </p:spTree>
     <p:extLst>
       <p:ext uri="{BB962C8B-B14F-4D97-AF65-F5344CB8AC3E}">
-        <p14:creationId xmlns:p14="http://schemas.microsoft.com/office/powerpoint/2010/main" val="1000755683"/>
+        <p14:creationId xmlns:p14="http://schemas.microsoft.com/office/powerpoint/2010/main" val="412428718"/>
       </p:ext>
     </p:extLst>
   </p:cSld>
@@ -5956,41 +6280,6 @@
           <a:chExt cx="0" cy="0"/>
         </a:xfrm>
       </p:grpSpPr>
-      <p:sp>
-        <p:nvSpPr>
-          <p:cNvPr id="3" name="CuadroTexto 2">
-            <a:extLst>
-              <a:ext uri="{FF2B5EF4-FFF2-40B4-BE49-F238E27FC236}">
-                <a16:creationId xmlns:a16="http://schemas.microsoft.com/office/drawing/2014/main" id="{B047450C-8EC4-4858-A95E-CADCDFBEDC72}"/>
-              </a:ext>
-            </a:extLst>
-          </p:cNvPr>
-          <p:cNvSpPr txBox="1"/>
-          <p:nvPr/>
-        </p:nvSpPr>
-        <p:spPr>
-          <a:xfrm>
-            <a:off x="11293407" y="6412492"/>
-            <a:ext cx="761747" cy="369332"/>
-          </a:xfrm>
-          <a:prstGeom prst="rect">
-            <a:avLst/>
-          </a:prstGeom>
-          <a:noFill/>
-        </p:spPr>
-        <p:txBody>
-          <a:bodyPr wrap="none" rtlCol="0">
-            <a:spAutoFit/>
-          </a:bodyPr>
-          <a:lstStyle/>
-          <a:p>
-            <a:r>
-              <a:rPr lang="es-CO" dirty="0"/>
-              <a:t>5 de 6</a:t>
-            </a:r>
-          </a:p>
-        </p:txBody>
-      </p:sp>
       <p:pic>
         <p:nvPicPr>
           <p:cNvPr id="5" name="Imagen 4">
@@ -6038,7 +6327,7 @@
         </p:nvSpPr>
         <p:spPr>
           <a:xfrm>
-            <a:off x="138398" y="1016852"/>
+            <a:off x="138398" y="815490"/>
             <a:ext cx="5957602" cy="461665"/>
           </a:xfrm>
           <a:prstGeom prst="rect">
@@ -6055,21 +6344,82 @@
             <a:pPr algn="ctr"/>
             <a:r>
               <a:rPr lang="es-CO" sz="2400" b="1" dirty="0"/>
-              <a:t>Implementación: </a:t>
-            </a:r>
-            <a:r>
-              <a:rPr lang="es-CO" sz="2400" dirty="0"/>
-              <a:t>definiciones y variables</a:t>
-            </a:r>
-          </a:p>
-        </p:txBody>
-      </p:sp>
-      <p:sp>
-        <p:nvSpPr>
-          <p:cNvPr id="9" name="CuadroTexto 8">
-            <a:extLst>
-              <a:ext uri="{FF2B5EF4-FFF2-40B4-BE49-F238E27FC236}">
-                <a16:creationId xmlns:a16="http://schemas.microsoft.com/office/drawing/2014/main" id="{6BE66211-3F15-4D36-888E-CFE40F050B66}"/>
+              <a:t>Modelo del driver</a:t>
+            </a:r>
+          </a:p>
+        </p:txBody>
+      </p:sp>
+      <p:pic>
+        <p:nvPicPr>
+          <p:cNvPr id="9" name="Imagen 8" descr="Diagrama&#10;&#10;Descripción generada automáticamente">
+            <a:extLst>
+              <a:ext uri="{FF2B5EF4-FFF2-40B4-BE49-F238E27FC236}">
+                <a16:creationId xmlns:a16="http://schemas.microsoft.com/office/drawing/2014/main" id="{53A91A6B-5A12-4265-A00E-E0572B05CA25}"/>
+              </a:ext>
+            </a:extLst>
+          </p:cNvPr>
+          <p:cNvPicPr>
+            <a:picLocks noChangeAspect="1"/>
+          </p:cNvPicPr>
+          <p:nvPr/>
+        </p:nvPicPr>
+        <p:blipFill>
+          <a:blip r:embed="rId3">
+            <a:extLst>
+              <a:ext uri="{28A0092B-C50C-407E-A947-70E740481C1C}">
+                <a14:useLocalDpi xmlns:a14="http://schemas.microsoft.com/office/drawing/2010/main" val="0"/>
+              </a:ext>
+            </a:extLst>
+          </a:blip>
+          <a:stretch>
+            <a:fillRect/>
+          </a:stretch>
+        </p:blipFill>
+        <p:spPr>
+          <a:xfrm>
+            <a:off x="1038432" y="1552575"/>
+            <a:ext cx="9744075" cy="3752850"/>
+          </a:xfrm>
+          <a:prstGeom prst="rect">
+            <a:avLst/>
+          </a:prstGeom>
+        </p:spPr>
+      </p:pic>
+      <p:sp>
+        <p:nvSpPr>
+          <p:cNvPr id="2" name="Marcador de número de diapositiva 1">
+            <a:extLst>
+              <a:ext uri="{FF2B5EF4-FFF2-40B4-BE49-F238E27FC236}">
+                <a16:creationId xmlns:a16="http://schemas.microsoft.com/office/drawing/2014/main" id="{270EFD4B-6BA0-4015-ABA3-334BFD3B687B}"/>
+              </a:ext>
+            </a:extLst>
+          </p:cNvPr>
+          <p:cNvSpPr>
+            <a:spLocks noGrp="1"/>
+          </p:cNvSpPr>
+          <p:nvPr>
+            <p:ph type="sldNum" sz="quarter" idx="12"/>
+          </p:nvPr>
+        </p:nvSpPr>
+        <p:spPr/>
+        <p:txBody>
+          <a:bodyPr/>
+          <a:lstStyle/>
+          <a:p>
+            <a:fld id="{0B7B45CF-70C9-4F7E-9F10-375FE2ADAE22}" type="slidenum">
+              <a:rPr lang="es-CO" smtClean="0"/>
+              <a:t>4</a:t>
+            </a:fld>
+            <a:endParaRPr lang="es-CO"/>
+          </a:p>
+        </p:txBody>
+      </p:sp>
+      <p:sp>
+        <p:nvSpPr>
+          <p:cNvPr id="10" name="CuadroTexto 9">
+            <a:extLst>
+              <a:ext uri="{FF2B5EF4-FFF2-40B4-BE49-F238E27FC236}">
+                <a16:creationId xmlns:a16="http://schemas.microsoft.com/office/drawing/2014/main" id="{44BB671D-6DF1-46FF-AA5C-C095347DFD61}"/>
               </a:ext>
             </a:extLst>
           </p:cNvPr>
@@ -6078,8 +6428,8 @@
         </p:nvSpPr>
         <p:spPr>
           <a:xfrm>
-            <a:off x="5785536" y="1064134"/>
-            <a:ext cx="3277772" cy="461665"/>
+            <a:off x="138398" y="347167"/>
+            <a:ext cx="9124872" cy="523220"/>
           </a:xfrm>
           <a:prstGeom prst="rect">
             <a:avLst/>
@@ -6092,209 +6442,18 @@
           </a:bodyPr>
           <a:lstStyle/>
           <a:p>
-            <a:pPr algn="ctr"/>
-            <a:r>
-              <a:rPr lang="es-CO" sz="2400" b="1" dirty="0" err="1"/>
-              <a:t>accel.h</a:t>
-            </a:r>
-            <a:endParaRPr lang="es-CO" sz="2400" b="1" dirty="0"/>
-          </a:p>
-        </p:txBody>
-      </p:sp>
-      <p:sp>
-        <p:nvSpPr>
-          <p:cNvPr id="10" name="CuadroTexto 9">
-            <a:extLst>
-              <a:ext uri="{FF2B5EF4-FFF2-40B4-BE49-F238E27FC236}">
-                <a16:creationId xmlns:a16="http://schemas.microsoft.com/office/drawing/2014/main" id="{94B90638-3237-42EC-BB97-B4BF9DEE26C5}"/>
-              </a:ext>
-            </a:extLst>
-          </p:cNvPr>
-          <p:cNvSpPr txBox="1"/>
-          <p:nvPr/>
-        </p:nvSpPr>
-        <p:spPr>
-          <a:xfrm>
-            <a:off x="138398" y="347167"/>
-            <a:ext cx="7556630" cy="523220"/>
-          </a:xfrm>
-          <a:prstGeom prst="rect">
-            <a:avLst/>
-          </a:prstGeom>
-          <a:noFill/>
-        </p:spPr>
-        <p:txBody>
-          <a:bodyPr wrap="square" rtlCol="0">
-            <a:spAutoFit/>
-          </a:bodyPr>
-          <a:lstStyle/>
-          <a:p>
             <a:pPr algn="just"/>
             <a:r>
-              <a:rPr lang="es-ES" sz="2800" b="1" dirty="0"/>
-              <a:t>Driver para el módulo MPU9250 a través de I2C</a:t>
-            </a:r>
-          </a:p>
-        </p:txBody>
-      </p:sp>
-      <p:sp>
-        <p:nvSpPr>
-          <p:cNvPr id="16" name="CuadroTexto 15">
-            <a:extLst>
-              <a:ext uri="{FF2B5EF4-FFF2-40B4-BE49-F238E27FC236}">
-                <a16:creationId xmlns:a16="http://schemas.microsoft.com/office/drawing/2014/main" id="{773B4A72-860F-4EA7-B387-5C8D8B6DA07F}"/>
-              </a:ext>
-            </a:extLst>
-          </p:cNvPr>
-          <p:cNvSpPr txBox="1"/>
-          <p:nvPr/>
-        </p:nvSpPr>
-        <p:spPr>
-          <a:xfrm>
-            <a:off x="813095" y="5125193"/>
-            <a:ext cx="9563357" cy="461665"/>
-          </a:xfrm>
-          <a:prstGeom prst="rect">
-            <a:avLst/>
-          </a:prstGeom>
-          <a:noFill/>
-        </p:spPr>
-        <p:txBody>
-          <a:bodyPr wrap="square">
-            <a:spAutoFit/>
-          </a:bodyPr>
-          <a:lstStyle/>
-          <a:p>
-            <a:r>
-              <a:rPr lang="es-CO" sz="2400" dirty="0" err="1">
-                <a:solidFill>
-                  <a:srgbClr val="005032"/>
-                </a:solidFill>
-                <a:latin typeface="Consolas" panose="020B0609020204030204" pitchFamily="49" charset="0"/>
-              </a:rPr>
-              <a:t>init_mpu_state</a:t>
-            </a:r>
-            <a:r>
-              <a:rPr lang="es-CO" sz="2400" dirty="0">
-                <a:solidFill>
-                  <a:srgbClr val="000000"/>
-                </a:solidFill>
-                <a:latin typeface="Consolas" panose="020B0609020204030204" pitchFamily="49" charset="0"/>
-              </a:rPr>
-              <a:t> </a:t>
-            </a:r>
-            <a:r>
-              <a:rPr lang="es-CO" sz="2400" b="1" dirty="0" err="1">
-                <a:solidFill>
-                  <a:srgbClr val="000000"/>
-                </a:solidFill>
-                <a:latin typeface="Consolas" panose="020B0609020204030204" pitchFamily="49" charset="0"/>
-              </a:rPr>
-              <a:t>accel_init</a:t>
-            </a:r>
-            <a:r>
-              <a:rPr lang="es-CO" sz="2400" b="1" dirty="0">
-                <a:solidFill>
-                  <a:srgbClr val="000000"/>
-                </a:solidFill>
-                <a:latin typeface="Consolas" panose="020B0609020204030204" pitchFamily="49" charset="0"/>
-              </a:rPr>
-              <a:t>(</a:t>
-            </a:r>
-            <a:r>
-              <a:rPr lang="es-CO" sz="2400" b="1" dirty="0">
-                <a:solidFill>
-                  <a:srgbClr val="005032"/>
-                </a:solidFill>
-                <a:latin typeface="Consolas" panose="020B0609020204030204" pitchFamily="49" charset="0"/>
-              </a:rPr>
-              <a:t>I2C_TypeDef</a:t>
-            </a:r>
-            <a:r>
-              <a:rPr lang="es-CO" sz="2400" b="1" dirty="0">
-                <a:solidFill>
-                  <a:srgbClr val="000000"/>
-                </a:solidFill>
-                <a:latin typeface="Consolas" panose="020B0609020204030204" pitchFamily="49" charset="0"/>
-              </a:rPr>
-              <a:t> * I2C_PORT);</a:t>
-            </a:r>
-            <a:endParaRPr lang="es-CO" sz="2400" dirty="0"/>
-          </a:p>
-        </p:txBody>
-      </p:sp>
-      <p:sp>
-        <p:nvSpPr>
-          <p:cNvPr id="18" name="CuadroTexto 17">
-            <a:extLst>
-              <a:ext uri="{FF2B5EF4-FFF2-40B4-BE49-F238E27FC236}">
-                <a16:creationId xmlns:a16="http://schemas.microsoft.com/office/drawing/2014/main" id="{89F10352-1416-4A71-B058-DFD4549A3DF9}"/>
-              </a:ext>
-            </a:extLst>
-          </p:cNvPr>
-          <p:cNvSpPr txBox="1"/>
-          <p:nvPr/>
-        </p:nvSpPr>
-        <p:spPr>
-          <a:xfrm>
-            <a:off x="813095" y="5610235"/>
-            <a:ext cx="6096000" cy="461665"/>
-          </a:xfrm>
-          <a:prstGeom prst="rect">
-            <a:avLst/>
-          </a:prstGeom>
-          <a:noFill/>
-        </p:spPr>
-        <p:txBody>
-          <a:bodyPr wrap="square">
-            <a:spAutoFit/>
-          </a:bodyPr>
-          <a:lstStyle/>
-          <a:p>
-            <a:r>
-              <a:rPr lang="es-CO" sz="2400" dirty="0" err="1">
-                <a:solidFill>
-                  <a:srgbClr val="005032"/>
-                </a:solidFill>
-                <a:latin typeface="Consolas" panose="020B0609020204030204" pitchFamily="49" charset="0"/>
-              </a:rPr>
-              <a:t>mpu_data</a:t>
-            </a:r>
-            <a:r>
-              <a:rPr lang="es-CO" sz="2400" dirty="0">
-                <a:solidFill>
-                  <a:srgbClr val="000000"/>
-                </a:solidFill>
-                <a:latin typeface="Consolas" panose="020B0609020204030204" pitchFamily="49" charset="0"/>
-              </a:rPr>
-              <a:t> </a:t>
-            </a:r>
-            <a:r>
-              <a:rPr lang="es-CO" sz="2400" b="1" dirty="0" err="1">
-                <a:solidFill>
-                  <a:srgbClr val="000000"/>
-                </a:solidFill>
-                <a:latin typeface="Consolas" panose="020B0609020204030204" pitchFamily="49" charset="0"/>
-              </a:rPr>
-              <a:t>accel_getData</a:t>
-            </a:r>
-            <a:r>
-              <a:rPr lang="es-CO" sz="2400" b="1" dirty="0">
-                <a:solidFill>
-                  <a:srgbClr val="000000"/>
-                </a:solidFill>
-                <a:latin typeface="Consolas" panose="020B0609020204030204" pitchFamily="49" charset="0"/>
-              </a:rPr>
-              <a:t>();</a:t>
-            </a:r>
-            <a:endParaRPr lang="es-CO" sz="2400" dirty="0"/>
+              <a:rPr lang="pt-BR" sz="2800" b="1" dirty="0"/>
+              <a:t>Driver acelerómetro módulo MPU9250 a través de I2C</a:t>
+            </a:r>
           </a:p>
         </p:txBody>
       </p:sp>
     </p:spTree>
     <p:extLst>
       <p:ext uri="{BB962C8B-B14F-4D97-AF65-F5344CB8AC3E}">
-        <p14:creationId xmlns:p14="http://schemas.microsoft.com/office/powerpoint/2010/main" val="207038314"/>
+        <p14:creationId xmlns:p14="http://schemas.microsoft.com/office/powerpoint/2010/main" val="1000755683"/>
       </p:ext>
     </p:extLst>
   </p:cSld>
@@ -6321,41 +6480,6 @@
           <a:chExt cx="0" cy="0"/>
         </a:xfrm>
       </p:grpSpPr>
-      <p:sp>
-        <p:nvSpPr>
-          <p:cNvPr id="3" name="CuadroTexto 2">
-            <a:extLst>
-              <a:ext uri="{FF2B5EF4-FFF2-40B4-BE49-F238E27FC236}">
-                <a16:creationId xmlns:a16="http://schemas.microsoft.com/office/drawing/2014/main" id="{B047450C-8EC4-4858-A95E-CADCDFBEDC72}"/>
-              </a:ext>
-            </a:extLst>
-          </p:cNvPr>
-          <p:cNvSpPr txBox="1"/>
-          <p:nvPr/>
-        </p:nvSpPr>
-        <p:spPr>
-          <a:xfrm>
-            <a:off x="11293407" y="6412492"/>
-            <a:ext cx="761747" cy="369332"/>
-          </a:xfrm>
-          <a:prstGeom prst="rect">
-            <a:avLst/>
-          </a:prstGeom>
-          <a:noFill/>
-        </p:spPr>
-        <p:txBody>
-          <a:bodyPr wrap="none" rtlCol="0">
-            <a:spAutoFit/>
-          </a:bodyPr>
-          <a:lstStyle/>
-          <a:p>
-            <a:r>
-              <a:rPr lang="es-CO" dirty="0"/>
-              <a:t>6 de 6</a:t>
-            </a:r>
-          </a:p>
-        </p:txBody>
-      </p:sp>
       <p:pic>
         <p:nvPicPr>
           <p:cNvPr id="5" name="Imagen 4">
@@ -6424,6 +6548,1133 @@
             </a:r>
             <a:r>
               <a:rPr lang="es-CO" sz="2400" dirty="0"/>
+              <a:t>definiciones y variables</a:t>
+            </a:r>
+          </a:p>
+        </p:txBody>
+      </p:sp>
+      <p:sp>
+        <p:nvSpPr>
+          <p:cNvPr id="9" name="CuadroTexto 8">
+            <a:extLst>
+              <a:ext uri="{FF2B5EF4-FFF2-40B4-BE49-F238E27FC236}">
+                <a16:creationId xmlns:a16="http://schemas.microsoft.com/office/drawing/2014/main" id="{6BE66211-3F15-4D36-888E-CFE40F050B66}"/>
+              </a:ext>
+            </a:extLst>
+          </p:cNvPr>
+          <p:cNvSpPr txBox="1"/>
+          <p:nvPr/>
+        </p:nvSpPr>
+        <p:spPr>
+          <a:xfrm>
+            <a:off x="5785536" y="1064134"/>
+            <a:ext cx="3277772" cy="461665"/>
+          </a:xfrm>
+          <a:prstGeom prst="rect">
+            <a:avLst/>
+          </a:prstGeom>
+          <a:noFill/>
+        </p:spPr>
+        <p:txBody>
+          <a:bodyPr wrap="square" rtlCol="0">
+            <a:spAutoFit/>
+          </a:bodyPr>
+          <a:lstStyle/>
+          <a:p>
+            <a:pPr algn="ctr"/>
+            <a:r>
+              <a:rPr lang="es-CO" sz="2400" b="1" dirty="0" err="1"/>
+              <a:t>accel.h</a:t>
+            </a:r>
+            <a:endParaRPr lang="es-CO" sz="2400" b="1" dirty="0"/>
+          </a:p>
+        </p:txBody>
+      </p:sp>
+      <p:sp>
+        <p:nvSpPr>
+          <p:cNvPr id="16" name="CuadroTexto 15">
+            <a:extLst>
+              <a:ext uri="{FF2B5EF4-FFF2-40B4-BE49-F238E27FC236}">
+                <a16:creationId xmlns:a16="http://schemas.microsoft.com/office/drawing/2014/main" id="{773B4A72-860F-4EA7-B387-5C8D8B6DA07F}"/>
+              </a:ext>
+            </a:extLst>
+          </p:cNvPr>
+          <p:cNvSpPr txBox="1"/>
+          <p:nvPr/>
+        </p:nvSpPr>
+        <p:spPr>
+          <a:xfrm>
+            <a:off x="654069" y="5350019"/>
+            <a:ext cx="9563357" cy="461665"/>
+          </a:xfrm>
+          <a:prstGeom prst="rect">
+            <a:avLst/>
+          </a:prstGeom>
+          <a:noFill/>
+        </p:spPr>
+        <p:txBody>
+          <a:bodyPr wrap="square">
+            <a:spAutoFit/>
+          </a:bodyPr>
+          <a:lstStyle/>
+          <a:p>
+            <a:r>
+              <a:rPr lang="es-CO" sz="2400" dirty="0" err="1">
+                <a:solidFill>
+                  <a:srgbClr val="005032"/>
+                </a:solidFill>
+                <a:latin typeface="Consolas" panose="020B0609020204030204" pitchFamily="49" charset="0"/>
+              </a:rPr>
+              <a:t>init_mpu_state</a:t>
+            </a:r>
+            <a:r>
+              <a:rPr lang="es-CO" sz="2400" dirty="0">
+                <a:solidFill>
+                  <a:srgbClr val="000000"/>
+                </a:solidFill>
+                <a:latin typeface="Consolas" panose="020B0609020204030204" pitchFamily="49" charset="0"/>
+              </a:rPr>
+              <a:t> </a:t>
+            </a:r>
+            <a:r>
+              <a:rPr lang="es-CO" sz="2400" b="1" dirty="0" err="1">
+                <a:solidFill>
+                  <a:srgbClr val="000000"/>
+                </a:solidFill>
+                <a:latin typeface="Consolas" panose="020B0609020204030204" pitchFamily="49" charset="0"/>
+              </a:rPr>
+              <a:t>accel_init</a:t>
+            </a:r>
+            <a:r>
+              <a:rPr lang="es-CO" sz="2400" b="1" dirty="0">
+                <a:solidFill>
+                  <a:srgbClr val="000000"/>
+                </a:solidFill>
+                <a:latin typeface="Consolas" panose="020B0609020204030204" pitchFamily="49" charset="0"/>
+              </a:rPr>
+              <a:t>(</a:t>
+            </a:r>
+            <a:r>
+              <a:rPr lang="es-CO" sz="2400" b="1" dirty="0">
+                <a:solidFill>
+                  <a:srgbClr val="005032"/>
+                </a:solidFill>
+                <a:latin typeface="Consolas" panose="020B0609020204030204" pitchFamily="49" charset="0"/>
+              </a:rPr>
+              <a:t>I2C_TypeDef</a:t>
+            </a:r>
+            <a:r>
+              <a:rPr lang="es-CO" sz="2400" b="1" dirty="0">
+                <a:solidFill>
+                  <a:srgbClr val="000000"/>
+                </a:solidFill>
+                <a:latin typeface="Consolas" panose="020B0609020204030204" pitchFamily="49" charset="0"/>
+              </a:rPr>
+              <a:t> * I2C_PORT);</a:t>
+            </a:r>
+            <a:endParaRPr lang="es-CO" sz="2400" dirty="0"/>
+          </a:p>
+        </p:txBody>
+      </p:sp>
+      <p:sp>
+        <p:nvSpPr>
+          <p:cNvPr id="18" name="CuadroTexto 17">
+            <a:extLst>
+              <a:ext uri="{FF2B5EF4-FFF2-40B4-BE49-F238E27FC236}">
+                <a16:creationId xmlns:a16="http://schemas.microsoft.com/office/drawing/2014/main" id="{89F10352-1416-4A71-B058-DFD4549A3DF9}"/>
+              </a:ext>
+            </a:extLst>
+          </p:cNvPr>
+          <p:cNvSpPr txBox="1"/>
+          <p:nvPr/>
+        </p:nvSpPr>
+        <p:spPr>
+          <a:xfrm>
+            <a:off x="886264" y="5841148"/>
+            <a:ext cx="6096000" cy="461665"/>
+          </a:xfrm>
+          <a:prstGeom prst="rect">
+            <a:avLst/>
+          </a:prstGeom>
+          <a:noFill/>
+        </p:spPr>
+        <p:txBody>
+          <a:bodyPr wrap="square">
+            <a:spAutoFit/>
+          </a:bodyPr>
+          <a:lstStyle/>
+          <a:p>
+            <a:r>
+              <a:rPr lang="es-CO" sz="2400" dirty="0" err="1">
+                <a:solidFill>
+                  <a:srgbClr val="005032"/>
+                </a:solidFill>
+                <a:latin typeface="Consolas" panose="020B0609020204030204" pitchFamily="49" charset="0"/>
+              </a:rPr>
+              <a:t>mpu_data</a:t>
+            </a:r>
+            <a:r>
+              <a:rPr lang="es-CO" sz="2400" dirty="0">
+                <a:solidFill>
+                  <a:srgbClr val="000000"/>
+                </a:solidFill>
+                <a:latin typeface="Consolas" panose="020B0609020204030204" pitchFamily="49" charset="0"/>
+              </a:rPr>
+              <a:t> </a:t>
+            </a:r>
+            <a:r>
+              <a:rPr lang="es-CO" sz="2400" b="1" dirty="0" err="1">
+                <a:solidFill>
+                  <a:srgbClr val="000000"/>
+                </a:solidFill>
+                <a:latin typeface="Consolas" panose="020B0609020204030204" pitchFamily="49" charset="0"/>
+              </a:rPr>
+              <a:t>accel_getData</a:t>
+            </a:r>
+            <a:r>
+              <a:rPr lang="es-CO" sz="2400" b="1" dirty="0">
+                <a:solidFill>
+                  <a:srgbClr val="000000"/>
+                </a:solidFill>
+                <a:latin typeface="Consolas" panose="020B0609020204030204" pitchFamily="49" charset="0"/>
+              </a:rPr>
+              <a:t>();</a:t>
+            </a:r>
+            <a:endParaRPr lang="es-CO" sz="2400" dirty="0"/>
+          </a:p>
+        </p:txBody>
+      </p:sp>
+      <p:sp>
+        <p:nvSpPr>
+          <p:cNvPr id="2" name="Marcador de número de diapositiva 1">
+            <a:extLst>
+              <a:ext uri="{FF2B5EF4-FFF2-40B4-BE49-F238E27FC236}">
+                <a16:creationId xmlns:a16="http://schemas.microsoft.com/office/drawing/2014/main" id="{AE9EB885-4E7D-47D5-BD01-D3396405E2A7}"/>
+              </a:ext>
+            </a:extLst>
+          </p:cNvPr>
+          <p:cNvSpPr>
+            <a:spLocks noGrp="1"/>
+          </p:cNvSpPr>
+          <p:nvPr>
+            <p:ph type="sldNum" sz="quarter" idx="12"/>
+          </p:nvPr>
+        </p:nvSpPr>
+        <p:spPr/>
+        <p:txBody>
+          <a:bodyPr/>
+          <a:lstStyle/>
+          <a:p>
+            <a:fld id="{0B7B45CF-70C9-4F7E-9F10-375FE2ADAE22}" type="slidenum">
+              <a:rPr lang="es-CO" smtClean="0"/>
+              <a:t>5</a:t>
+            </a:fld>
+            <a:endParaRPr lang="es-CO"/>
+          </a:p>
+        </p:txBody>
+      </p:sp>
+      <p:sp>
+        <p:nvSpPr>
+          <p:cNvPr id="11" name="CuadroTexto 10">
+            <a:extLst>
+              <a:ext uri="{FF2B5EF4-FFF2-40B4-BE49-F238E27FC236}">
+                <a16:creationId xmlns:a16="http://schemas.microsoft.com/office/drawing/2014/main" id="{569533A7-51D3-4BEF-BD65-6AAA3247FD03}"/>
+              </a:ext>
+            </a:extLst>
+          </p:cNvPr>
+          <p:cNvSpPr txBox="1"/>
+          <p:nvPr/>
+        </p:nvSpPr>
+        <p:spPr>
+          <a:xfrm>
+            <a:off x="138398" y="347167"/>
+            <a:ext cx="9124872" cy="523220"/>
+          </a:xfrm>
+          <a:prstGeom prst="rect">
+            <a:avLst/>
+          </a:prstGeom>
+          <a:noFill/>
+        </p:spPr>
+        <p:txBody>
+          <a:bodyPr wrap="square" rtlCol="0">
+            <a:spAutoFit/>
+          </a:bodyPr>
+          <a:lstStyle/>
+          <a:p>
+            <a:pPr algn="just"/>
+            <a:r>
+              <a:rPr lang="pt-BR" sz="2800" b="1" dirty="0"/>
+              <a:t>Driver acelerómetro módulo MPU9250 a través de I2C</a:t>
+            </a:r>
+          </a:p>
+        </p:txBody>
+      </p:sp>
+      <p:sp>
+        <p:nvSpPr>
+          <p:cNvPr id="13" name="CuadroTexto 12">
+            <a:extLst>
+              <a:ext uri="{FF2B5EF4-FFF2-40B4-BE49-F238E27FC236}">
+                <a16:creationId xmlns:a16="http://schemas.microsoft.com/office/drawing/2014/main" id="{7FCF27FE-5ACA-4B4B-8FE8-A93697A94B1A}"/>
+              </a:ext>
+            </a:extLst>
+          </p:cNvPr>
+          <p:cNvSpPr txBox="1"/>
+          <p:nvPr/>
+        </p:nvSpPr>
+        <p:spPr>
+          <a:xfrm>
+            <a:off x="422438" y="2047377"/>
+            <a:ext cx="4003788" cy="2308324"/>
+          </a:xfrm>
+          <a:prstGeom prst="rect">
+            <a:avLst/>
+          </a:prstGeom>
+          <a:noFill/>
+        </p:spPr>
+        <p:txBody>
+          <a:bodyPr wrap="square">
+            <a:spAutoFit/>
+          </a:bodyPr>
+          <a:lstStyle/>
+          <a:p>
+            <a:pPr algn="l"/>
+            <a:r>
+              <a:rPr lang="es-CO" sz="2400" b="1" dirty="0" err="1">
+                <a:solidFill>
+                  <a:srgbClr val="7F0055"/>
+                </a:solidFill>
+                <a:latin typeface="Consolas" panose="020B0609020204030204" pitchFamily="49" charset="0"/>
+              </a:rPr>
+              <a:t>typedef</a:t>
+            </a:r>
+            <a:r>
+              <a:rPr lang="es-CO" sz="2400" b="1" dirty="0">
+                <a:solidFill>
+                  <a:srgbClr val="000000"/>
+                </a:solidFill>
+                <a:latin typeface="Consolas" panose="020B0609020204030204" pitchFamily="49" charset="0"/>
+              </a:rPr>
+              <a:t> </a:t>
+            </a:r>
+            <a:r>
+              <a:rPr lang="es-CO" sz="2400" b="1" dirty="0" err="1">
+                <a:solidFill>
+                  <a:srgbClr val="7F0055"/>
+                </a:solidFill>
+                <a:latin typeface="Consolas" panose="020B0609020204030204" pitchFamily="49" charset="0"/>
+              </a:rPr>
+              <a:t>struct</a:t>
+            </a:r>
+            <a:r>
+              <a:rPr lang="es-CO" sz="2400" b="1" dirty="0">
+                <a:solidFill>
+                  <a:srgbClr val="000000"/>
+                </a:solidFill>
+                <a:latin typeface="Consolas" panose="020B0609020204030204" pitchFamily="49" charset="0"/>
+              </a:rPr>
+              <a:t> {</a:t>
+            </a:r>
+          </a:p>
+          <a:p>
+            <a:pPr algn="l"/>
+            <a:r>
+              <a:rPr lang="es-CO" sz="2400" b="1" dirty="0" err="1">
+                <a:solidFill>
+                  <a:srgbClr val="7F0055"/>
+                </a:solidFill>
+                <a:latin typeface="Consolas" panose="020B0609020204030204" pitchFamily="49" charset="0"/>
+              </a:rPr>
+              <a:t>float</a:t>
+            </a:r>
+            <a:r>
+              <a:rPr lang="es-CO" sz="2400" b="1" dirty="0">
+                <a:solidFill>
+                  <a:srgbClr val="000000"/>
+                </a:solidFill>
+                <a:latin typeface="Consolas" panose="020B0609020204030204" pitchFamily="49" charset="0"/>
+              </a:rPr>
+              <a:t> </a:t>
+            </a:r>
+            <a:r>
+              <a:rPr lang="es-CO" sz="2400" b="1" dirty="0" err="1">
+                <a:solidFill>
+                  <a:srgbClr val="0000C0"/>
+                </a:solidFill>
+                <a:latin typeface="Consolas" panose="020B0609020204030204" pitchFamily="49" charset="0"/>
+              </a:rPr>
+              <a:t>x_accel</a:t>
+            </a:r>
+            <a:r>
+              <a:rPr lang="es-CO" sz="2400" b="1" dirty="0">
+                <a:solidFill>
+                  <a:srgbClr val="000000"/>
+                </a:solidFill>
+                <a:latin typeface="Consolas" panose="020B0609020204030204" pitchFamily="49" charset="0"/>
+              </a:rPr>
+              <a:t>;</a:t>
+            </a:r>
+          </a:p>
+          <a:p>
+            <a:pPr algn="l"/>
+            <a:r>
+              <a:rPr lang="es-CO" sz="2400" b="1" dirty="0" err="1">
+                <a:solidFill>
+                  <a:srgbClr val="7F0055"/>
+                </a:solidFill>
+                <a:latin typeface="Consolas" panose="020B0609020204030204" pitchFamily="49" charset="0"/>
+              </a:rPr>
+              <a:t>float</a:t>
+            </a:r>
+            <a:r>
+              <a:rPr lang="es-CO" sz="2400" b="1" dirty="0">
+                <a:solidFill>
+                  <a:srgbClr val="000000"/>
+                </a:solidFill>
+                <a:latin typeface="Consolas" panose="020B0609020204030204" pitchFamily="49" charset="0"/>
+              </a:rPr>
+              <a:t> </a:t>
+            </a:r>
+            <a:r>
+              <a:rPr lang="es-CO" sz="2400" b="1" dirty="0" err="1">
+                <a:solidFill>
+                  <a:srgbClr val="0000C0"/>
+                </a:solidFill>
+                <a:latin typeface="Consolas" panose="020B0609020204030204" pitchFamily="49" charset="0"/>
+              </a:rPr>
+              <a:t>y_accel</a:t>
+            </a:r>
+            <a:r>
+              <a:rPr lang="es-CO" sz="2400" b="1" dirty="0">
+                <a:solidFill>
+                  <a:srgbClr val="000000"/>
+                </a:solidFill>
+                <a:latin typeface="Consolas" panose="020B0609020204030204" pitchFamily="49" charset="0"/>
+              </a:rPr>
+              <a:t>;</a:t>
+            </a:r>
+          </a:p>
+          <a:p>
+            <a:pPr algn="l"/>
+            <a:r>
+              <a:rPr lang="es-CO" sz="2400" b="1" dirty="0" err="1">
+                <a:solidFill>
+                  <a:srgbClr val="7F0055"/>
+                </a:solidFill>
+                <a:latin typeface="Consolas" panose="020B0609020204030204" pitchFamily="49" charset="0"/>
+              </a:rPr>
+              <a:t>float</a:t>
+            </a:r>
+            <a:r>
+              <a:rPr lang="es-CO" sz="2400" b="1" dirty="0">
+                <a:solidFill>
+                  <a:srgbClr val="000000"/>
+                </a:solidFill>
+                <a:latin typeface="Consolas" panose="020B0609020204030204" pitchFamily="49" charset="0"/>
+              </a:rPr>
+              <a:t> </a:t>
+            </a:r>
+            <a:r>
+              <a:rPr lang="es-CO" sz="2400" b="1" dirty="0" err="1">
+                <a:solidFill>
+                  <a:srgbClr val="0000C0"/>
+                </a:solidFill>
+                <a:latin typeface="Consolas" panose="020B0609020204030204" pitchFamily="49" charset="0"/>
+              </a:rPr>
+              <a:t>z_accel</a:t>
+            </a:r>
+            <a:r>
+              <a:rPr lang="es-CO" sz="2400" b="1" dirty="0">
+                <a:solidFill>
+                  <a:srgbClr val="000000"/>
+                </a:solidFill>
+                <a:latin typeface="Consolas" panose="020B0609020204030204" pitchFamily="49" charset="0"/>
+              </a:rPr>
+              <a:t>;</a:t>
+            </a:r>
+          </a:p>
+          <a:p>
+            <a:pPr algn="l"/>
+            <a:endParaRPr lang="es-CO" sz="2400" dirty="0">
+              <a:latin typeface="Consolas" panose="020B0609020204030204" pitchFamily="49" charset="0"/>
+            </a:endParaRPr>
+          </a:p>
+          <a:p>
+            <a:pPr algn="l"/>
+            <a:r>
+              <a:rPr lang="es-CO" sz="2400" dirty="0">
+                <a:solidFill>
+                  <a:srgbClr val="000000"/>
+                </a:solidFill>
+                <a:latin typeface="Consolas" panose="020B0609020204030204" pitchFamily="49" charset="0"/>
+              </a:rPr>
+              <a:t>}</a:t>
+            </a:r>
+            <a:r>
+              <a:rPr lang="es-CO" sz="2400" dirty="0" err="1">
+                <a:solidFill>
+                  <a:srgbClr val="005032"/>
+                </a:solidFill>
+                <a:latin typeface="Consolas" panose="020B0609020204030204" pitchFamily="49" charset="0"/>
+              </a:rPr>
+              <a:t>accel_data</a:t>
+            </a:r>
+            <a:r>
+              <a:rPr lang="es-CO" sz="2400" dirty="0">
+                <a:solidFill>
+                  <a:srgbClr val="000000"/>
+                </a:solidFill>
+                <a:latin typeface="Consolas" panose="020B0609020204030204" pitchFamily="49" charset="0"/>
+              </a:rPr>
+              <a:t>;</a:t>
+            </a:r>
+            <a:endParaRPr lang="es-CO" sz="2400" dirty="0"/>
+          </a:p>
+        </p:txBody>
+      </p:sp>
+      <p:sp>
+        <p:nvSpPr>
+          <p:cNvPr id="15" name="CuadroTexto 14">
+            <a:extLst>
+              <a:ext uri="{FF2B5EF4-FFF2-40B4-BE49-F238E27FC236}">
+                <a16:creationId xmlns:a16="http://schemas.microsoft.com/office/drawing/2014/main" id="{3B694032-C2C3-4087-A18E-5E0FC8A98C44}"/>
+              </a:ext>
+            </a:extLst>
+          </p:cNvPr>
+          <p:cNvSpPr txBox="1"/>
+          <p:nvPr/>
+        </p:nvSpPr>
+        <p:spPr>
+          <a:xfrm>
+            <a:off x="4699655" y="1591249"/>
+            <a:ext cx="4386470" cy="3693319"/>
+          </a:xfrm>
+          <a:prstGeom prst="rect">
+            <a:avLst/>
+          </a:prstGeom>
+          <a:noFill/>
+        </p:spPr>
+        <p:txBody>
+          <a:bodyPr wrap="square">
+            <a:spAutoFit/>
+          </a:bodyPr>
+          <a:lstStyle/>
+          <a:p>
+            <a:pPr algn="l"/>
+            <a:r>
+              <a:rPr lang="en-US" sz="1800" b="1" dirty="0">
+                <a:solidFill>
+                  <a:srgbClr val="7F0055"/>
+                </a:solidFill>
+                <a:latin typeface="Consolas" panose="020B0609020204030204" pitchFamily="49" charset="0"/>
+              </a:rPr>
+              <a:t>typedef</a:t>
+            </a:r>
+            <a:r>
+              <a:rPr lang="en-US" sz="1800" b="1" dirty="0">
+                <a:solidFill>
+                  <a:srgbClr val="000000"/>
+                </a:solidFill>
+                <a:latin typeface="Consolas" panose="020B0609020204030204" pitchFamily="49" charset="0"/>
+              </a:rPr>
+              <a:t> </a:t>
+            </a:r>
+            <a:r>
+              <a:rPr lang="en-US" sz="1800" b="1" dirty="0">
+                <a:solidFill>
+                  <a:srgbClr val="7F0055"/>
+                </a:solidFill>
+                <a:latin typeface="Consolas" panose="020B0609020204030204" pitchFamily="49" charset="0"/>
+              </a:rPr>
+              <a:t>struct</a:t>
+            </a:r>
+            <a:r>
+              <a:rPr lang="en-US" sz="1800" b="1" dirty="0">
+                <a:solidFill>
+                  <a:srgbClr val="000000"/>
+                </a:solidFill>
+                <a:latin typeface="Consolas" panose="020B0609020204030204" pitchFamily="49" charset="0"/>
+              </a:rPr>
+              <a:t> </a:t>
+            </a:r>
+            <a:r>
+              <a:rPr lang="en-US" sz="1800" b="1" dirty="0" err="1">
+                <a:solidFill>
+                  <a:srgbClr val="005032"/>
+                </a:solidFill>
+                <a:latin typeface="Consolas" panose="020B0609020204030204" pitchFamily="49" charset="0"/>
+              </a:rPr>
+              <a:t>init_mpu_state</a:t>
+            </a:r>
+            <a:r>
+              <a:rPr lang="en-US" sz="1800" b="1" dirty="0">
+                <a:solidFill>
+                  <a:srgbClr val="000000"/>
+                </a:solidFill>
+                <a:latin typeface="Consolas" panose="020B0609020204030204" pitchFamily="49" charset="0"/>
+              </a:rPr>
+              <a:t> {</a:t>
+            </a:r>
+          </a:p>
+          <a:p>
+            <a:pPr algn="l"/>
+            <a:r>
+              <a:rPr lang="es-CO" sz="1800" dirty="0" err="1">
+                <a:solidFill>
+                  <a:srgbClr val="005032"/>
+                </a:solidFill>
+                <a:latin typeface="Consolas" panose="020B0609020204030204" pitchFamily="49" charset="0"/>
+              </a:rPr>
+              <a:t>bool_t</a:t>
+            </a:r>
+            <a:r>
+              <a:rPr lang="es-CO" sz="1800" dirty="0">
+                <a:solidFill>
+                  <a:srgbClr val="000000"/>
+                </a:solidFill>
+                <a:latin typeface="Consolas" panose="020B0609020204030204" pitchFamily="49" charset="0"/>
+              </a:rPr>
+              <a:t> </a:t>
+            </a:r>
+            <a:r>
+              <a:rPr lang="es-CO" sz="1800" dirty="0" err="1">
+                <a:solidFill>
+                  <a:srgbClr val="0000C0"/>
+                </a:solidFill>
+                <a:latin typeface="Consolas" panose="020B0609020204030204" pitchFamily="49" charset="0"/>
+              </a:rPr>
+              <a:t>clock_st</a:t>
+            </a:r>
+            <a:r>
+              <a:rPr lang="es-CO" sz="1800" dirty="0">
+                <a:solidFill>
+                  <a:srgbClr val="000000"/>
+                </a:solidFill>
+                <a:latin typeface="Consolas" panose="020B0609020204030204" pitchFamily="49" charset="0"/>
+              </a:rPr>
+              <a:t>;</a:t>
+            </a:r>
+          </a:p>
+          <a:p>
+            <a:pPr algn="l"/>
+            <a:r>
+              <a:rPr lang="es-CO" sz="1800" dirty="0" err="1">
+                <a:solidFill>
+                  <a:srgbClr val="005032"/>
+                </a:solidFill>
+                <a:latin typeface="Consolas" panose="020B0609020204030204" pitchFamily="49" charset="0"/>
+              </a:rPr>
+              <a:t>bool_t</a:t>
+            </a:r>
+            <a:r>
+              <a:rPr lang="es-CO" sz="1800" dirty="0">
+                <a:solidFill>
+                  <a:srgbClr val="000000"/>
+                </a:solidFill>
+                <a:latin typeface="Consolas" panose="020B0609020204030204" pitchFamily="49" charset="0"/>
+              </a:rPr>
+              <a:t> </a:t>
+            </a:r>
+            <a:r>
+              <a:rPr lang="es-CO" sz="1800" dirty="0" err="1">
+                <a:solidFill>
+                  <a:srgbClr val="0000C0"/>
+                </a:solidFill>
+                <a:latin typeface="Consolas" panose="020B0609020204030204" pitchFamily="49" charset="0"/>
+              </a:rPr>
+              <a:t>accel_st</a:t>
+            </a:r>
+            <a:r>
+              <a:rPr lang="es-CO" sz="1800" dirty="0">
+                <a:solidFill>
+                  <a:srgbClr val="000000"/>
+                </a:solidFill>
+                <a:latin typeface="Consolas" panose="020B0609020204030204" pitchFamily="49" charset="0"/>
+              </a:rPr>
+              <a:t>;</a:t>
+            </a:r>
+          </a:p>
+          <a:p>
+            <a:pPr algn="l"/>
+            <a:r>
+              <a:rPr lang="en-US" sz="1800" dirty="0" err="1">
+                <a:solidFill>
+                  <a:srgbClr val="005032"/>
+                </a:solidFill>
+                <a:latin typeface="Consolas" panose="020B0609020204030204" pitchFamily="49" charset="0"/>
+              </a:rPr>
+              <a:t>bool_t</a:t>
+            </a:r>
+            <a:r>
+              <a:rPr lang="en-US" sz="1800" dirty="0">
+                <a:solidFill>
+                  <a:srgbClr val="000000"/>
+                </a:solidFill>
+                <a:latin typeface="Consolas" panose="020B0609020204030204" pitchFamily="49" charset="0"/>
+              </a:rPr>
+              <a:t> </a:t>
+            </a:r>
+            <a:r>
+              <a:rPr lang="en-US" sz="1800" dirty="0" err="1">
+                <a:solidFill>
+                  <a:srgbClr val="0000C0"/>
+                </a:solidFill>
+                <a:latin typeface="Consolas" panose="020B0609020204030204" pitchFamily="49" charset="0"/>
+              </a:rPr>
+              <a:t>gyro_disable_st</a:t>
+            </a:r>
+            <a:r>
+              <a:rPr lang="en-US" sz="1800" dirty="0">
+                <a:solidFill>
+                  <a:srgbClr val="000000"/>
+                </a:solidFill>
+                <a:latin typeface="Consolas" panose="020B0609020204030204" pitchFamily="49" charset="0"/>
+              </a:rPr>
+              <a:t>;</a:t>
+            </a:r>
+          </a:p>
+          <a:p>
+            <a:pPr algn="l"/>
+            <a:r>
+              <a:rPr lang="en-US" sz="1800" dirty="0" err="1">
+                <a:solidFill>
+                  <a:srgbClr val="005032"/>
+                </a:solidFill>
+                <a:latin typeface="Consolas" panose="020B0609020204030204" pitchFamily="49" charset="0"/>
+              </a:rPr>
+              <a:t>bool_t</a:t>
+            </a:r>
+            <a:r>
+              <a:rPr lang="en-US" sz="1800" dirty="0">
+                <a:solidFill>
+                  <a:srgbClr val="000000"/>
+                </a:solidFill>
+                <a:latin typeface="Consolas" panose="020B0609020204030204" pitchFamily="49" charset="0"/>
+              </a:rPr>
+              <a:t> </a:t>
+            </a:r>
+            <a:r>
+              <a:rPr lang="en-US" sz="1800" dirty="0" err="1">
+                <a:solidFill>
+                  <a:srgbClr val="0000C0"/>
+                </a:solidFill>
+                <a:latin typeface="Consolas" panose="020B0609020204030204" pitchFamily="49" charset="0"/>
+              </a:rPr>
+              <a:t>filter_accel_st</a:t>
+            </a:r>
+            <a:r>
+              <a:rPr lang="en-US" sz="1800" dirty="0">
+                <a:solidFill>
+                  <a:srgbClr val="000000"/>
+                </a:solidFill>
+                <a:latin typeface="Consolas" panose="020B0609020204030204" pitchFamily="49" charset="0"/>
+              </a:rPr>
+              <a:t>;</a:t>
+            </a:r>
+          </a:p>
+          <a:p>
+            <a:pPr algn="l"/>
+            <a:r>
+              <a:rPr lang="en-US" sz="1800" dirty="0" err="1">
+                <a:solidFill>
+                  <a:srgbClr val="005032"/>
+                </a:solidFill>
+                <a:latin typeface="Consolas" panose="020B0609020204030204" pitchFamily="49" charset="0"/>
+              </a:rPr>
+              <a:t>bool_t</a:t>
+            </a:r>
+            <a:r>
+              <a:rPr lang="en-US" sz="1800" dirty="0">
+                <a:solidFill>
+                  <a:srgbClr val="000000"/>
+                </a:solidFill>
+                <a:latin typeface="Consolas" panose="020B0609020204030204" pitchFamily="49" charset="0"/>
+              </a:rPr>
+              <a:t> </a:t>
+            </a:r>
+            <a:r>
+              <a:rPr lang="en-US" sz="1800" dirty="0" err="1">
+                <a:solidFill>
+                  <a:srgbClr val="0000C0"/>
+                </a:solidFill>
+                <a:latin typeface="Consolas" panose="020B0609020204030204" pitchFamily="49" charset="0"/>
+              </a:rPr>
+              <a:t>filter_gyro_st</a:t>
+            </a:r>
+            <a:r>
+              <a:rPr lang="en-US" sz="1800" dirty="0">
+                <a:solidFill>
+                  <a:srgbClr val="000000"/>
+                </a:solidFill>
+                <a:latin typeface="Consolas" panose="020B0609020204030204" pitchFamily="49" charset="0"/>
+              </a:rPr>
+              <a:t>;</a:t>
+            </a:r>
+          </a:p>
+          <a:p>
+            <a:pPr algn="l"/>
+            <a:r>
+              <a:rPr lang="en-US" sz="1800" dirty="0" err="1">
+                <a:solidFill>
+                  <a:srgbClr val="005032"/>
+                </a:solidFill>
+                <a:latin typeface="Consolas" panose="020B0609020204030204" pitchFamily="49" charset="0"/>
+              </a:rPr>
+              <a:t>bool_t</a:t>
+            </a:r>
+            <a:r>
+              <a:rPr lang="en-US" sz="1800" dirty="0">
+                <a:solidFill>
+                  <a:srgbClr val="000000"/>
+                </a:solidFill>
+                <a:latin typeface="Consolas" panose="020B0609020204030204" pitchFamily="49" charset="0"/>
+              </a:rPr>
+              <a:t> </a:t>
+            </a:r>
+            <a:r>
+              <a:rPr lang="en-US" sz="1800" dirty="0" err="1">
+                <a:solidFill>
+                  <a:srgbClr val="0000C0"/>
+                </a:solidFill>
+                <a:latin typeface="Consolas" panose="020B0609020204030204" pitchFamily="49" charset="0"/>
+              </a:rPr>
+              <a:t>user_ctrl_st</a:t>
+            </a:r>
+            <a:r>
+              <a:rPr lang="en-US" sz="1800" dirty="0">
+                <a:solidFill>
+                  <a:srgbClr val="000000"/>
+                </a:solidFill>
+                <a:latin typeface="Consolas" panose="020B0609020204030204" pitchFamily="49" charset="0"/>
+              </a:rPr>
+              <a:t>;</a:t>
+            </a:r>
+          </a:p>
+          <a:p>
+            <a:pPr algn="l"/>
+            <a:r>
+              <a:rPr lang="en-US" sz="1800" dirty="0" err="1">
+                <a:solidFill>
+                  <a:srgbClr val="005032"/>
+                </a:solidFill>
+                <a:latin typeface="Consolas" panose="020B0609020204030204" pitchFamily="49" charset="0"/>
+              </a:rPr>
+              <a:t>bool_t</a:t>
+            </a:r>
+            <a:r>
+              <a:rPr lang="en-US" sz="1800" dirty="0">
+                <a:solidFill>
+                  <a:srgbClr val="000000"/>
+                </a:solidFill>
+                <a:latin typeface="Consolas" panose="020B0609020204030204" pitchFamily="49" charset="0"/>
+              </a:rPr>
+              <a:t> </a:t>
+            </a:r>
+            <a:r>
+              <a:rPr lang="en-US" sz="1800" dirty="0">
+                <a:solidFill>
+                  <a:srgbClr val="0000C0"/>
+                </a:solidFill>
+                <a:latin typeface="Consolas" panose="020B0609020204030204" pitchFamily="49" charset="0"/>
+              </a:rPr>
+              <a:t>bypass_i2c_st</a:t>
+            </a:r>
+            <a:r>
+              <a:rPr lang="en-US" sz="1800" dirty="0">
+                <a:solidFill>
+                  <a:srgbClr val="000000"/>
+                </a:solidFill>
+                <a:latin typeface="Consolas" panose="020B0609020204030204" pitchFamily="49" charset="0"/>
+              </a:rPr>
+              <a:t>;</a:t>
+            </a:r>
+          </a:p>
+          <a:p>
+            <a:pPr algn="l"/>
+            <a:r>
+              <a:rPr lang="nl-NL" sz="1800" dirty="0">
+                <a:solidFill>
+                  <a:srgbClr val="005032"/>
+                </a:solidFill>
+                <a:latin typeface="Consolas" panose="020B0609020204030204" pitchFamily="49" charset="0"/>
+              </a:rPr>
+              <a:t>bool_t</a:t>
+            </a:r>
+            <a:r>
+              <a:rPr lang="nl-NL" sz="1800" dirty="0">
+                <a:solidFill>
+                  <a:srgbClr val="000000"/>
+                </a:solidFill>
+                <a:latin typeface="Consolas" panose="020B0609020204030204" pitchFamily="49" charset="0"/>
+              </a:rPr>
+              <a:t> </a:t>
+            </a:r>
+            <a:r>
+              <a:rPr lang="nl-NL" sz="1800" dirty="0">
+                <a:solidFill>
+                  <a:srgbClr val="0000C0"/>
+                </a:solidFill>
+                <a:latin typeface="Consolas" panose="020B0609020204030204" pitchFamily="49" charset="0"/>
+              </a:rPr>
+              <a:t>mag_ene_st</a:t>
+            </a:r>
+            <a:r>
+              <a:rPr lang="nl-NL" sz="1800" dirty="0">
+                <a:solidFill>
+                  <a:srgbClr val="000000"/>
+                </a:solidFill>
+                <a:latin typeface="Consolas" panose="020B0609020204030204" pitchFamily="49" charset="0"/>
+              </a:rPr>
+              <a:t>;</a:t>
+            </a:r>
+          </a:p>
+          <a:p>
+            <a:pPr algn="l"/>
+            <a:r>
+              <a:rPr lang="en-US" sz="1800" dirty="0" err="1">
+                <a:solidFill>
+                  <a:srgbClr val="005032"/>
+                </a:solidFill>
+                <a:latin typeface="Consolas" panose="020B0609020204030204" pitchFamily="49" charset="0"/>
+              </a:rPr>
+              <a:t>bool_t</a:t>
+            </a:r>
+            <a:r>
+              <a:rPr lang="en-US" sz="1800" dirty="0">
+                <a:solidFill>
+                  <a:srgbClr val="000000"/>
+                </a:solidFill>
+                <a:latin typeface="Consolas" panose="020B0609020204030204" pitchFamily="49" charset="0"/>
+              </a:rPr>
+              <a:t> </a:t>
+            </a:r>
+            <a:r>
+              <a:rPr lang="en-US" sz="1800" dirty="0" err="1">
+                <a:solidFill>
+                  <a:srgbClr val="0000C0"/>
+                </a:solidFill>
+                <a:latin typeface="Consolas" panose="020B0609020204030204" pitchFamily="49" charset="0"/>
+              </a:rPr>
+              <a:t>mag_set_sense_st</a:t>
+            </a:r>
+            <a:r>
+              <a:rPr lang="en-US" sz="1800" dirty="0">
+                <a:solidFill>
+                  <a:srgbClr val="000000"/>
+                </a:solidFill>
+                <a:latin typeface="Consolas" panose="020B0609020204030204" pitchFamily="49" charset="0"/>
+              </a:rPr>
+              <a:t>;</a:t>
+            </a:r>
+          </a:p>
+          <a:p>
+            <a:pPr algn="l"/>
+            <a:r>
+              <a:rPr lang="es-CO" sz="1800" dirty="0" err="1">
+                <a:solidFill>
+                  <a:srgbClr val="005032"/>
+                </a:solidFill>
+                <a:latin typeface="Consolas" panose="020B0609020204030204" pitchFamily="49" charset="0"/>
+              </a:rPr>
+              <a:t>bool_t</a:t>
+            </a:r>
+            <a:r>
+              <a:rPr lang="es-CO" sz="1800" dirty="0">
+                <a:solidFill>
+                  <a:srgbClr val="000000"/>
+                </a:solidFill>
+                <a:latin typeface="Consolas" panose="020B0609020204030204" pitchFamily="49" charset="0"/>
+              </a:rPr>
+              <a:t> </a:t>
+            </a:r>
+            <a:r>
+              <a:rPr lang="es-CO" sz="1800" dirty="0" err="1">
+                <a:solidFill>
+                  <a:srgbClr val="0000C0"/>
+                </a:solidFill>
+                <a:latin typeface="Consolas" panose="020B0609020204030204" pitchFamily="49" charset="0"/>
+              </a:rPr>
+              <a:t>mag_set_mode_st</a:t>
+            </a:r>
+            <a:r>
+              <a:rPr lang="es-CO" sz="1800" dirty="0">
+                <a:solidFill>
+                  <a:srgbClr val="000000"/>
+                </a:solidFill>
+                <a:latin typeface="Consolas" panose="020B0609020204030204" pitchFamily="49" charset="0"/>
+              </a:rPr>
+              <a:t>;</a:t>
+            </a:r>
+          </a:p>
+          <a:p>
+            <a:pPr algn="l"/>
+            <a:r>
+              <a:rPr lang="en-US" sz="1800" dirty="0" err="1">
+                <a:solidFill>
+                  <a:srgbClr val="005032"/>
+                </a:solidFill>
+                <a:latin typeface="Consolas" panose="020B0609020204030204" pitchFamily="49" charset="0"/>
+              </a:rPr>
+              <a:t>bool_t</a:t>
+            </a:r>
+            <a:r>
+              <a:rPr lang="en-US" sz="1800" dirty="0">
+                <a:solidFill>
+                  <a:srgbClr val="000000"/>
+                </a:solidFill>
+                <a:latin typeface="Consolas" panose="020B0609020204030204" pitchFamily="49" charset="0"/>
+              </a:rPr>
+              <a:t> </a:t>
+            </a:r>
+            <a:r>
+              <a:rPr lang="en-US" sz="1800" dirty="0" err="1">
+                <a:solidFill>
+                  <a:srgbClr val="0000C0"/>
+                </a:solidFill>
+                <a:latin typeface="Consolas" panose="020B0609020204030204" pitchFamily="49" charset="0"/>
+              </a:rPr>
+              <a:t>who_am_i_st</a:t>
+            </a:r>
+            <a:r>
+              <a:rPr lang="en-US" sz="1800" dirty="0">
+                <a:solidFill>
+                  <a:srgbClr val="000000"/>
+                </a:solidFill>
+                <a:latin typeface="Consolas" panose="020B0609020204030204" pitchFamily="49" charset="0"/>
+              </a:rPr>
+              <a:t>;</a:t>
+            </a:r>
+          </a:p>
+          <a:p>
+            <a:pPr algn="l"/>
+            <a:r>
+              <a:rPr lang="es-CO" sz="1800" dirty="0">
+                <a:solidFill>
+                  <a:srgbClr val="000000"/>
+                </a:solidFill>
+                <a:latin typeface="Consolas" panose="020B0609020204030204" pitchFamily="49" charset="0"/>
+              </a:rPr>
+              <a:t>}</a:t>
+            </a:r>
+            <a:r>
+              <a:rPr lang="es-CO" sz="1800" dirty="0" err="1">
+                <a:solidFill>
+                  <a:srgbClr val="005032"/>
+                </a:solidFill>
+                <a:latin typeface="Consolas" panose="020B0609020204030204" pitchFamily="49" charset="0"/>
+              </a:rPr>
+              <a:t>init_mpu_state</a:t>
+            </a:r>
+            <a:r>
+              <a:rPr lang="es-CO" sz="1800" dirty="0">
+                <a:solidFill>
+                  <a:srgbClr val="000000"/>
+                </a:solidFill>
+                <a:latin typeface="Consolas" panose="020B0609020204030204" pitchFamily="49" charset="0"/>
+              </a:rPr>
+              <a:t>;</a:t>
+            </a:r>
+            <a:endParaRPr lang="es-CO" dirty="0"/>
+          </a:p>
+        </p:txBody>
+      </p:sp>
+    </p:spTree>
+    <p:extLst>
+      <p:ext uri="{BB962C8B-B14F-4D97-AF65-F5344CB8AC3E}">
+        <p14:creationId xmlns:p14="http://schemas.microsoft.com/office/powerpoint/2010/main" val="207038314"/>
+      </p:ext>
+    </p:extLst>
+  </p:cSld>
+  <p:clrMapOvr>
+    <a:masterClrMapping/>
+  </p:clrMapOvr>
+</p:sld>
+</file>
+
+<file path=ppt/slides/slide6.xml><?xml version="1.0" encoding="utf-8"?>
+<p:sld xmlns:a="http://schemas.openxmlformats.org/drawingml/2006/main" xmlns:r="http://schemas.openxmlformats.org/officeDocument/2006/relationships" xmlns:p="http://schemas.openxmlformats.org/presentationml/2006/main">
+  <p:cSld>
+    <p:spTree>
+      <p:nvGrpSpPr>
+        <p:cNvPr id="1" name=""/>
+        <p:cNvGrpSpPr/>
+        <p:nvPr/>
+      </p:nvGrpSpPr>
+      <p:grpSpPr>
+        <a:xfrm>
+          <a:off x="0" y="0"/>
+          <a:ext cx="0" cy="0"/>
+          <a:chOff x="0" y="0"/>
+          <a:chExt cx="0" cy="0"/>
+        </a:xfrm>
+      </p:grpSpPr>
+      <p:pic>
+        <p:nvPicPr>
+          <p:cNvPr id="5" name="Imagen 4">
+            <a:extLst>
+              <a:ext uri="{FF2B5EF4-FFF2-40B4-BE49-F238E27FC236}">
+                <a16:creationId xmlns:a16="http://schemas.microsoft.com/office/drawing/2014/main" id="{E2E11275-344B-4AFF-A6B5-28B62C96D89B}"/>
+              </a:ext>
+            </a:extLst>
+          </p:cNvPr>
+          <p:cNvPicPr>
+            <a:picLocks noChangeAspect="1"/>
+          </p:cNvPicPr>
+          <p:nvPr/>
+        </p:nvPicPr>
+        <p:blipFill>
+          <a:blip r:embed="rId2"/>
+          <a:stretch>
+            <a:fillRect/>
+          </a:stretch>
+        </p:blipFill>
+        <p:spPr>
+          <a:xfrm>
+            <a:off x="0" y="6218365"/>
+            <a:ext cx="1772529" cy="584935"/>
+          </a:xfrm>
+          <a:prstGeom prst="rect">
+            <a:avLst/>
+          </a:prstGeom>
+          <a:ln>
+            <a:noFill/>
+          </a:ln>
+        </p:spPr>
+      </p:pic>
+      <p:sp>
+        <p:nvSpPr>
+          <p:cNvPr id="7" name="CuadroTexto 6">
+            <a:extLst>
+              <a:ext uri="{FF2B5EF4-FFF2-40B4-BE49-F238E27FC236}">
+                <a16:creationId xmlns:a16="http://schemas.microsoft.com/office/drawing/2014/main" id="{59A16C2D-7A7D-4B01-AB71-3B2F8854B9AA}"/>
+              </a:ext>
+            </a:extLst>
+          </p:cNvPr>
+          <p:cNvSpPr txBox="1"/>
+          <p:nvPr/>
+        </p:nvSpPr>
+        <p:spPr>
+          <a:xfrm>
+            <a:off x="138398" y="1016852"/>
+            <a:ext cx="5957602" cy="461665"/>
+          </a:xfrm>
+          <a:prstGeom prst="rect">
+            <a:avLst/>
+          </a:prstGeom>
+          <a:noFill/>
+        </p:spPr>
+        <p:txBody>
+          <a:bodyPr wrap="square" rtlCol="0">
+            <a:spAutoFit/>
+          </a:bodyPr>
+          <a:lstStyle/>
+          <a:p>
+            <a:pPr algn="ctr"/>
+            <a:r>
+              <a:rPr lang="es-CO" sz="2400" b="1" dirty="0"/>
+              <a:t>Implementación: </a:t>
+            </a:r>
+            <a:r>
+              <a:rPr lang="es-CO" sz="2400" dirty="0"/>
               <a:t>funciones</a:t>
             </a:r>
           </a:p>
@@ -6468,42 +7719,6 @@
       </p:sp>
       <p:sp>
         <p:nvSpPr>
-          <p:cNvPr id="14" name="CuadroTexto 13">
-            <a:extLst>
-              <a:ext uri="{FF2B5EF4-FFF2-40B4-BE49-F238E27FC236}">
-                <a16:creationId xmlns:a16="http://schemas.microsoft.com/office/drawing/2014/main" id="{3F3CA834-2643-48E6-AFFD-0B2E3DA94A93}"/>
-              </a:ext>
-            </a:extLst>
-          </p:cNvPr>
-          <p:cNvSpPr txBox="1"/>
-          <p:nvPr/>
-        </p:nvSpPr>
-        <p:spPr>
-          <a:xfrm>
-            <a:off x="138398" y="347167"/>
-            <a:ext cx="7556630" cy="523220"/>
-          </a:xfrm>
-          <a:prstGeom prst="rect">
-            <a:avLst/>
-          </a:prstGeom>
-          <a:noFill/>
-        </p:spPr>
-        <p:txBody>
-          <a:bodyPr wrap="square" rtlCol="0">
-            <a:spAutoFit/>
-          </a:bodyPr>
-          <a:lstStyle/>
-          <a:p>
-            <a:pPr algn="just"/>
-            <a:r>
-              <a:rPr lang="es-ES" sz="2800" b="1" dirty="0"/>
-              <a:t>Driver para el módulo MPU9250 a través de I2C</a:t>
-            </a:r>
-          </a:p>
-        </p:txBody>
-      </p:sp>
-      <p:sp>
-        <p:nvSpPr>
           <p:cNvPr id="16" name="CuadroTexto 15">
             <a:extLst>
               <a:ext uri="{FF2B5EF4-FFF2-40B4-BE49-F238E27FC236}">
@@ -6921,6 +8136,71 @@
               <a:t>);</a:t>
             </a:r>
             <a:endParaRPr lang="es-CO" dirty="0"/>
+          </a:p>
+        </p:txBody>
+      </p:sp>
+      <p:sp>
+        <p:nvSpPr>
+          <p:cNvPr id="2" name="Marcador de número de diapositiva 1">
+            <a:extLst>
+              <a:ext uri="{FF2B5EF4-FFF2-40B4-BE49-F238E27FC236}">
+                <a16:creationId xmlns:a16="http://schemas.microsoft.com/office/drawing/2014/main" id="{E755D76A-11BE-4A00-8CF1-1E49CC65509C}"/>
+              </a:ext>
+            </a:extLst>
+          </p:cNvPr>
+          <p:cNvSpPr>
+            <a:spLocks noGrp="1"/>
+          </p:cNvSpPr>
+          <p:nvPr>
+            <p:ph type="sldNum" sz="quarter" idx="12"/>
+          </p:nvPr>
+        </p:nvSpPr>
+        <p:spPr/>
+        <p:txBody>
+          <a:bodyPr/>
+          <a:lstStyle/>
+          <a:p>
+            <a:fld id="{0B7B45CF-70C9-4F7E-9F10-375FE2ADAE22}" type="slidenum">
+              <a:rPr lang="es-CO" smtClean="0"/>
+              <a:t>6</a:t>
+            </a:fld>
+            <a:endParaRPr lang="es-CO"/>
+          </a:p>
+        </p:txBody>
+      </p:sp>
+      <p:sp>
+        <p:nvSpPr>
+          <p:cNvPr id="11" name="CuadroTexto 10">
+            <a:extLst>
+              <a:ext uri="{FF2B5EF4-FFF2-40B4-BE49-F238E27FC236}">
+                <a16:creationId xmlns:a16="http://schemas.microsoft.com/office/drawing/2014/main" id="{F4DEFC04-5765-401E-A1B8-E5C11913E0EE}"/>
+              </a:ext>
+            </a:extLst>
+          </p:cNvPr>
+          <p:cNvSpPr txBox="1"/>
+          <p:nvPr/>
+        </p:nvSpPr>
+        <p:spPr>
+          <a:xfrm>
+            <a:off x="138398" y="347167"/>
+            <a:ext cx="9124872" cy="523220"/>
+          </a:xfrm>
+          <a:prstGeom prst="rect">
+            <a:avLst/>
+          </a:prstGeom>
+          <a:noFill/>
+        </p:spPr>
+        <p:txBody>
+          <a:bodyPr wrap="square" rtlCol="0">
+            <a:spAutoFit/>
+          </a:bodyPr>
+          <a:lstStyle/>
+          <a:p>
+            <a:pPr algn="just"/>
+            <a:r>
+              <a:rPr lang="pt-BR" sz="2800" b="1" dirty="0"/>
+              <a:t>Driver acelerómetro módulo MPU9250 a través de I2C</a:t>
+            </a:r>
           </a:p>
         </p:txBody>
       </p:sp>
@@ -7525,4 +8805,299 @@
     </a:ext>
   </a:extLst>
 </a:theme>
+</file>
+
+<file path=ppt/theme/theme3.xml><?xml version="1.0" encoding="utf-8"?>
+<a:theme xmlns:a="http://schemas.openxmlformats.org/drawingml/2006/main" name="Tema de Office">
+  <a:themeElements>
+    <a:clrScheme name="Office">
+      <a:dk1>
+        <a:sysClr val="windowText" lastClr="000000"/>
+      </a:dk1>
+      <a:lt1>
+        <a:sysClr val="window" lastClr="FFFFFF"/>
+      </a:lt1>
+      <a:dk2>
+        <a:srgbClr val="44546A"/>
+      </a:dk2>
+      <a:lt2>
+        <a:srgbClr val="E7E6E6"/>
+      </a:lt2>
+      <a:accent1>
+        <a:srgbClr val="4472C4"/>
+      </a:accent1>
+      <a:accent2>
+        <a:srgbClr val="ED7D31"/>
+      </a:accent2>
+      <a:accent3>
+        <a:srgbClr val="A5A5A5"/>
+      </a:accent3>
+      <a:accent4>
+        <a:srgbClr val="FFC000"/>
+      </a:accent4>
+      <a:accent5>
+        <a:srgbClr val="5B9BD5"/>
+      </a:accent5>
+      <a:accent6>
+        <a:srgbClr val="70AD47"/>
+      </a:accent6>
+      <a:hlink>
+        <a:srgbClr val="0563C1"/>
+      </a:hlink>
+      <a:folHlink>
+        <a:srgbClr val="954F72"/>
+      </a:folHlink>
+    </a:clrScheme>
+    <a:fontScheme name="Office">
+      <a:majorFont>
+        <a:latin typeface="Calibri Light" panose="020F0302020204030204"/>
+        <a:ea typeface=""/>
+        <a:cs typeface=""/>
+        <a:font script="Jpan" typeface="游ゴシック Light"/>
+        <a:font script="Hang" typeface="맑은 고딕"/>
+        <a:font script="Hans" typeface="等线 Light"/>
+        <a:font script="Hant" typeface="新細明體"/>
+        <a:font script="Arab" typeface="Times New Roman"/>
+        <a:font script="Hebr" typeface="Times New Roman"/>
+        <a:font script="Thai" typeface="Angsana New"/>
+        <a:font script="Ethi" typeface="Nyala"/>
+        <a:font script="Beng" typeface="Vrinda"/>
+        <a:font script="Gujr" typeface="Shruti"/>
+        <a:font script="Khmr" typeface="MoolBoran"/>
+        <a:font script="Knda" typeface="Tunga"/>
+        <a:font script="Guru" typeface="Raavi"/>
+        <a:font script="Cans" typeface="Euphemia"/>
+        <a:font script="Cher" typeface="Plantagenet Cherokee"/>
+        <a:font script="Yiii" typeface="Microsoft Yi Baiti"/>
+        <a:font script="Tibt" typeface="Microsoft Himalaya"/>
+        <a:font script="Thaa" typeface="MV Boli"/>
+        <a:font script="Deva" typeface="Mangal"/>
+        <a:font script="Telu" typeface="Gautami"/>
+        <a:font script="Taml" typeface="Latha"/>
+        <a:font script="Syrc" typeface="Estrangelo Edessa"/>
+        <a:font script="Orya" typeface="Kalinga"/>
+        <a:font script="Mlym" typeface="Kartika"/>
+        <a:font script="Laoo" typeface="DokChampa"/>
+        <a:font script="Sinh" typeface="Iskoola Pota"/>
+        <a:font script="Mong" typeface="Mongolian Baiti"/>
+        <a:font script="Viet" typeface="Times New Roman"/>
+        <a:font script="Uigh" typeface="Microsoft Uighur"/>
+        <a:font script="Geor" typeface="Sylfaen"/>
+        <a:font script="Armn" typeface="Arial"/>
+        <a:font script="Bugi" typeface="Leelawadee UI"/>
+        <a:font script="Bopo" typeface="Microsoft JhengHei"/>
+        <a:font script="Java" typeface="Javanese Text"/>
+        <a:font script="Lisu" typeface="Segoe UI"/>
+        <a:font script="Mymr" typeface="Myanmar Text"/>
+        <a:font script="Nkoo" typeface="Ebrima"/>
+        <a:font script="Olck" typeface="Nirmala UI"/>
+        <a:font script="Osma" typeface="Ebrima"/>
+        <a:font script="Phag" typeface="Phagspa"/>
+        <a:font script="Syrn" typeface="Estrangelo Edessa"/>
+        <a:font script="Syrj" typeface="Estrangelo Edessa"/>
+        <a:font script="Syre" typeface="Estrangelo Edessa"/>
+        <a:font script="Sora" typeface="Nirmala UI"/>
+        <a:font script="Tale" typeface="Microsoft Tai Le"/>
+        <a:font script="Talu" typeface="Microsoft New Tai Lue"/>
+        <a:font script="Tfng" typeface="Ebrima"/>
+      </a:majorFont>
+      <a:minorFont>
+        <a:latin typeface="Calibri" panose="020F0502020204030204"/>
+        <a:ea typeface=""/>
+        <a:cs typeface=""/>
+        <a:font script="Jpan" typeface="游ゴシック"/>
+        <a:font script="Hang" typeface="맑은 고딕"/>
+        <a:font script="Hans" typeface="等线"/>
+        <a:font script="Hant" typeface="新細明體"/>
+        <a:font script="Arab" typeface="Arial"/>
+        <a:font script="Hebr" typeface="Arial"/>
+        <a:font script="Thai" typeface="Cordia New"/>
+        <a:font script="Ethi" typeface="Nyala"/>
+        <a:font script="Beng" typeface="Vrinda"/>
+        <a:font script="Gujr" typeface="Shruti"/>
+        <a:font script="Khmr" typeface="DaunPenh"/>
+        <a:font script="Knda" typeface="Tunga"/>
+        <a:font script="Guru" typeface="Raavi"/>
+        <a:font script="Cans" typeface="Euphemia"/>
+        <a:font script="Cher" typeface="Plantagenet Cherokee"/>
+        <a:font script="Yiii" typeface="Microsoft Yi Baiti"/>
+        <a:font script="Tibt" typeface="Microsoft Himalaya"/>
+        <a:font script="Thaa" typeface="MV Boli"/>
+        <a:font script="Deva" typeface="Mangal"/>
+        <a:font script="Telu" typeface="Gautami"/>
+        <a:font script="Taml" typeface="Latha"/>
+        <a:font script="Syrc" typeface="Estrangelo Edessa"/>
+        <a:font script="Orya" typeface="Kalinga"/>
+        <a:font script="Mlym" typeface="Kartika"/>
+        <a:font script="Laoo" typeface="DokChampa"/>
+        <a:font script="Sinh" typeface="Iskoola Pota"/>
+        <a:font script="Mong" typeface="Mongolian Baiti"/>
+        <a:font script="Viet" typeface="Arial"/>
+        <a:font script="Uigh" typeface="Microsoft Uighur"/>
+        <a:font script="Geor" typeface="Sylfaen"/>
+        <a:font script="Armn" typeface="Arial"/>
+        <a:font script="Bugi" typeface="Leelawadee UI"/>
+        <a:font script="Bopo" typeface="Microsoft JhengHei"/>
+        <a:font script="Java" typeface="Javanese Text"/>
+        <a:font script="Lisu" typeface="Segoe UI"/>
+        <a:font script="Mymr" typeface="Myanmar Text"/>
+        <a:font script="Nkoo" typeface="Ebrima"/>
+        <a:font script="Olck" typeface="Nirmala UI"/>
+        <a:font script="Osma" typeface="Ebrima"/>
+        <a:font script="Phag" typeface="Phagspa"/>
+        <a:font script="Syrn" typeface="Estrangelo Edessa"/>
+        <a:font script="Syrj" typeface="Estrangelo Edessa"/>
+        <a:font script="Syre" typeface="Estrangelo Edessa"/>
+        <a:font script="Sora" typeface="Nirmala UI"/>
+        <a:font script="Tale" typeface="Microsoft Tai Le"/>
+        <a:font script="Talu" typeface="Microsoft New Tai Lue"/>
+        <a:font script="Tfng" typeface="Ebrima"/>
+      </a:minorFont>
+    </a:fontScheme>
+    <a:fmtScheme name="Office">
+      <a:fillStyleLst>
+        <a:solidFill>
+          <a:schemeClr val="phClr"/>
+        </a:solidFill>
+        <a:gradFill rotWithShape="1">
+          <a:gsLst>
+            <a:gs pos="0">
+              <a:schemeClr val="phClr">
+                <a:lumMod val="110000"/>
+                <a:satMod val="105000"/>
+                <a:tint val="67000"/>
+              </a:schemeClr>
+            </a:gs>
+            <a:gs pos="50000">
+              <a:schemeClr val="phClr">
+                <a:lumMod val="105000"/>
+                <a:satMod val="103000"/>
+                <a:tint val="73000"/>
+              </a:schemeClr>
+            </a:gs>
+            <a:gs pos="100000">
+              <a:schemeClr val="phClr">
+                <a:lumMod val="105000"/>
+                <a:satMod val="109000"/>
+                <a:tint val="81000"/>
+              </a:schemeClr>
+            </a:gs>
+          </a:gsLst>
+          <a:lin ang="5400000" scaled="0"/>
+        </a:gradFill>
+        <a:gradFill rotWithShape="1">
+          <a:gsLst>
+            <a:gs pos="0">
+              <a:schemeClr val="phClr">
+                <a:satMod val="103000"/>
+                <a:lumMod val="102000"/>
+                <a:tint val="94000"/>
+              </a:schemeClr>
+            </a:gs>
+            <a:gs pos="50000">
+              <a:schemeClr val="phClr">
+                <a:satMod val="110000"/>
+                <a:lumMod val="100000"/>
+                <a:shade val="100000"/>
+              </a:schemeClr>
+            </a:gs>
+            <a:gs pos="100000">
+              <a:schemeClr val="phClr">
+                <a:lumMod val="99000"/>
+                <a:satMod val="120000"/>
+                <a:shade val="78000"/>
+              </a:schemeClr>
+            </a:gs>
+          </a:gsLst>
+          <a:lin ang="5400000" scaled="0"/>
+        </a:gradFill>
+      </a:fillStyleLst>
+      <a:lnStyleLst>
+        <a:ln w="6350" cap="flat" cmpd="sng" algn="ctr">
+          <a:solidFill>
+            <a:schemeClr val="phClr"/>
+          </a:solidFill>
+          <a:prstDash val="solid"/>
+          <a:miter lim="800000"/>
+        </a:ln>
+        <a:ln w="12700" cap="flat" cmpd="sng" algn="ctr">
+          <a:solidFill>
+            <a:schemeClr val="phClr"/>
+          </a:solidFill>
+          <a:prstDash val="solid"/>
+          <a:miter lim="800000"/>
+        </a:ln>
+        <a:ln w="19050" cap="flat" cmpd="sng" algn="ctr">
+          <a:solidFill>
+            <a:schemeClr val="phClr"/>
+          </a:solidFill>
+          <a:prstDash val="solid"/>
+          <a:miter lim="800000"/>
+        </a:ln>
+      </a:lnStyleLst>
+      <a:effectStyleLst>
+        <a:effectStyle>
+          <a:effectLst/>
+        </a:effectStyle>
+        <a:effectStyle>
+          <a:effectLst/>
+        </a:effectStyle>
+        <a:effectStyle>
+          <a:effectLst>
+            <a:outerShdw blurRad="57150" dist="19050" dir="5400000" algn="ctr" rotWithShape="0">
+              <a:srgbClr val="000000">
+                <a:alpha val="63000"/>
+              </a:srgbClr>
+            </a:outerShdw>
+          </a:effectLst>
+        </a:effectStyle>
+      </a:effectStyleLst>
+      <a:bgFillStyleLst>
+        <a:solidFill>
+          <a:schemeClr val="phClr"/>
+        </a:solidFill>
+        <a:solidFill>
+          <a:schemeClr val="phClr">
+            <a:tint val="95000"/>
+            <a:satMod val="170000"/>
+          </a:schemeClr>
+        </a:solidFill>
+        <a:gradFill rotWithShape="1">
+          <a:gsLst>
+            <a:gs pos="0">
+              <a:schemeClr val="phClr">
+                <a:tint val="93000"/>
+                <a:satMod val="150000"/>
+                <a:shade val="98000"/>
+                <a:lumMod val="102000"/>
+              </a:schemeClr>
+            </a:gs>
+            <a:gs pos="50000">
+              <a:schemeClr val="phClr">
+                <a:tint val="98000"/>
+                <a:satMod val="130000"/>
+                <a:shade val="90000"/>
+                <a:lumMod val="103000"/>
+              </a:schemeClr>
+            </a:gs>
+            <a:gs pos="100000">
+              <a:schemeClr val="phClr">
+                <a:shade val="63000"/>
+                <a:satMod val="120000"/>
+              </a:schemeClr>
+            </a:gs>
+          </a:gsLst>
+          <a:lin ang="5400000" scaled="0"/>
+        </a:gradFill>
+      </a:bgFillStyleLst>
+    </a:fmtScheme>
+  </a:themeElements>
+  <a:objectDefaults/>
+  <a:extraClrSchemeLst/>
+  <a:extLst>
+    <a:ext uri="{05A4C25C-085E-4340-85A3-A5531E510DB2}">
+      <thm15:themeFamily xmlns:thm15="http://schemas.microsoft.com/office/thememl/2012/main" name="Office Theme" id="{62F939B6-93AF-4DB8-9C6B-D6C7DFDC589F}" vid="{4A3C46E8-61CC-4603-A589-7422A47A8E4A}"/>
+    </a:ext>
+  </a:extLst>
+</a:theme>
 </file>
--- a/presentacion_TPF_luis_diaz.pptx
+++ b/presentacion_TPF_luis_diaz.pptx
@@ -5,18 +5,24 @@
     <p:sldMasterId id="2147483648" r:id="rId1"/>
   </p:sldMasterIdLst>
   <p:notesMasterIdLst>
-    <p:notesMasterId r:id="rId8"/>
+    <p:notesMasterId r:id="rId14"/>
   </p:notesMasterIdLst>
   <p:handoutMasterIdLst>
-    <p:handoutMasterId r:id="rId9"/>
+    <p:handoutMasterId r:id="rId15"/>
   </p:handoutMasterIdLst>
   <p:sldIdLst>
     <p:sldId id="256" r:id="rId2"/>
     <p:sldId id="257" r:id="rId3"/>
     <p:sldId id="263" r:id="rId4"/>
     <p:sldId id="258" r:id="rId5"/>
-    <p:sldId id="262" r:id="rId6"/>
-    <p:sldId id="261" r:id="rId7"/>
+    <p:sldId id="261" r:id="rId6"/>
+    <p:sldId id="264" r:id="rId7"/>
+    <p:sldId id="265" r:id="rId8"/>
+    <p:sldId id="266" r:id="rId9"/>
+    <p:sldId id="267" r:id="rId10"/>
+    <p:sldId id="262" r:id="rId11"/>
+    <p:sldId id="268" r:id="rId12"/>
+    <p:sldId id="269" r:id="rId13"/>
   </p:sldIdLst>
   <p:sldSz cx="12192000" cy="6858000"/>
   <p:notesSz cx="6858000" cy="9144000"/>
@@ -126,7 +132,7 @@
 <file path=ppt/revisionInfo.xml><?xml version="1.0" encoding="utf-8"?>
 <p1510:revInfo xmlns:a="http://schemas.openxmlformats.org/drawingml/2006/main" xmlns:r="http://schemas.openxmlformats.org/officeDocument/2006/relationships" xmlns:p1510="http://schemas.microsoft.com/office/powerpoint/2015/10/main">
   <p1510:revLst>
-    <p1510:client id="{57095DB0-8A21-4833-BE6A-3C22B7C44A7B}" v="22" dt="2022-04-21T19:32:56.638"/>
+    <p1510:client id="{57095DB0-8A21-4833-BE6A-3C22B7C44A7B}" v="49" dt="2022-04-21T23:23:04.233"/>
   </p1510:revLst>
 </p1510:revInfo>
 </file>
@@ -633,8 +639,8 @@
   </pc:docChgLst>
   <pc:docChgLst>
     <pc:chgData name="DIAZ CHARRIS LUIS" userId="72dedcb5-ca2f-4208-848e-df8104c7c150" providerId="ADAL" clId="{57095DB0-8A21-4833-BE6A-3C22B7C44A7B}"/>
-    <pc:docChg chg="undo custSel addSld delSld modSld">
-      <pc:chgData name="DIAZ CHARRIS LUIS" userId="72dedcb5-ca2f-4208-848e-df8104c7c150" providerId="ADAL" clId="{57095DB0-8A21-4833-BE6A-3C22B7C44A7B}" dt="2022-04-21T20:05:23.115" v="842" actId="732"/>
+    <pc:docChg chg="undo custSel addSld delSld modSld sldOrd">
+      <pc:chgData name="DIAZ CHARRIS LUIS" userId="72dedcb5-ca2f-4208-848e-df8104c7c150" providerId="ADAL" clId="{57095DB0-8A21-4833-BE6A-3C22B7C44A7B}" dt="2022-04-21T23:38:03.294" v="1063" actId="1076"/>
       <pc:docMkLst>
         <pc:docMk/>
       </pc:docMkLst>
@@ -709,7 +715,7 @@
         </pc:spChg>
       </pc:sldChg>
       <pc:sldChg chg="addSp delSp modSp mod">
-        <pc:chgData name="DIAZ CHARRIS LUIS" userId="72dedcb5-ca2f-4208-848e-df8104c7c150" providerId="ADAL" clId="{57095DB0-8A21-4833-BE6A-3C22B7C44A7B}" dt="2022-04-21T19:23:22.251" v="796"/>
+        <pc:chgData name="DIAZ CHARRIS LUIS" userId="72dedcb5-ca2f-4208-848e-df8104c7c150" providerId="ADAL" clId="{57095DB0-8A21-4833-BE6A-3C22B7C44A7B}" dt="2022-04-21T23:23:07.832" v="1027" actId="27614"/>
         <pc:sldMkLst>
           <pc:docMk/>
           <pc:sldMk cId="1000755683" sldId="258"/>
@@ -762,6 +768,14 @@
             <ac:picMk id="4" creationId="{0C0D4B5E-4EA3-4F3D-8BF0-F2D870869670}"/>
           </ac:picMkLst>
         </pc:picChg>
+        <pc:picChg chg="add mod">
+          <ac:chgData name="DIAZ CHARRIS LUIS" userId="72dedcb5-ca2f-4208-848e-df8104c7c150" providerId="ADAL" clId="{57095DB0-8A21-4833-BE6A-3C22B7C44A7B}" dt="2022-04-21T23:23:07.832" v="1027" actId="27614"/>
+          <ac:picMkLst>
+            <pc:docMk/>
+            <pc:sldMk cId="1000755683" sldId="258"/>
+            <ac:picMk id="4" creationId="{F76D1A75-5492-495C-B7D7-62DFFC5C1F18}"/>
+          </ac:picMkLst>
+        </pc:picChg>
         <pc:picChg chg="del">
           <ac:chgData name="DIAZ CHARRIS LUIS" userId="72dedcb5-ca2f-4208-848e-df8104c7c150" providerId="ADAL" clId="{57095DB0-8A21-4833-BE6A-3C22B7C44A7B}" dt="2022-04-21T14:05:04.628" v="311" actId="478"/>
           <ac:picMkLst>
@@ -770,8 +784,8 @@
             <ac:picMk id="6" creationId="{BD940386-16E9-4375-9E2A-E0370976A595}"/>
           </ac:picMkLst>
         </pc:picChg>
-        <pc:picChg chg="add mod">
-          <ac:chgData name="DIAZ CHARRIS LUIS" userId="72dedcb5-ca2f-4208-848e-df8104c7c150" providerId="ADAL" clId="{57095DB0-8A21-4833-BE6A-3C22B7C44A7B}" dt="2022-04-21T19:12:43.722" v="711" actId="27614"/>
+        <pc:picChg chg="add del mod">
+          <ac:chgData name="DIAZ CHARRIS LUIS" userId="72dedcb5-ca2f-4208-848e-df8104c7c150" providerId="ADAL" clId="{57095DB0-8A21-4833-BE6A-3C22B7C44A7B}" dt="2022-04-21T23:23:03.802" v="1024" actId="478"/>
           <ac:picMkLst>
             <pc:docMk/>
             <pc:sldMk cId="1000755683" sldId="258"/>
@@ -849,8 +863,8 @@
           </ac:spMkLst>
         </pc:spChg>
       </pc:sldChg>
-      <pc:sldChg chg="addSp delSp modSp mod">
-        <pc:chgData name="DIAZ CHARRIS LUIS" userId="72dedcb5-ca2f-4208-848e-df8104c7c150" providerId="ADAL" clId="{57095DB0-8A21-4833-BE6A-3C22B7C44A7B}" dt="2022-04-21T19:23:27.534" v="800"/>
+      <pc:sldChg chg="addSp delSp modSp mod ord">
+        <pc:chgData name="DIAZ CHARRIS LUIS" userId="72dedcb5-ca2f-4208-848e-df8104c7c150" providerId="ADAL" clId="{57095DB0-8A21-4833-BE6A-3C22B7C44A7B}" dt="2022-04-21T23:34:55.707" v="1029"/>
         <pc:sldMkLst>
           <pc:docMk/>
           <pc:sldMk cId="3749878085" sldId="261"/>
@@ -896,7 +910,7 @@
           </ac:spMkLst>
         </pc:spChg>
         <pc:spChg chg="add mod">
-          <ac:chgData name="DIAZ CHARRIS LUIS" userId="72dedcb5-ca2f-4208-848e-df8104c7c150" providerId="ADAL" clId="{57095DB0-8A21-4833-BE6A-3C22B7C44A7B}" dt="2022-04-21T15:40:55.319" v="645" actId="1076"/>
+          <ac:chgData name="DIAZ CHARRIS LUIS" userId="72dedcb5-ca2f-4208-848e-df8104c7c150" providerId="ADAL" clId="{57095DB0-8A21-4833-BE6A-3C22B7C44A7B}" dt="2022-04-21T22:44:24.979" v="845" actId="1076"/>
           <ac:spMkLst>
             <pc:docMk/>
             <pc:sldMk cId="3749878085" sldId="261"/>
@@ -904,7 +918,7 @@
           </ac:spMkLst>
         </pc:spChg>
         <pc:spChg chg="add mod">
-          <ac:chgData name="DIAZ CHARRIS LUIS" userId="72dedcb5-ca2f-4208-848e-df8104c7c150" providerId="ADAL" clId="{57095DB0-8A21-4833-BE6A-3C22B7C44A7B}" dt="2022-04-21T15:41:22.819" v="679" actId="20577"/>
+          <ac:chgData name="DIAZ CHARRIS LUIS" userId="72dedcb5-ca2f-4208-848e-df8104c7c150" providerId="ADAL" clId="{57095DB0-8A21-4833-BE6A-3C22B7C44A7B}" dt="2022-04-21T22:44:21.547" v="844" actId="1076"/>
           <ac:spMkLst>
             <pc:docMk/>
             <pc:sldMk cId="3749878085" sldId="261"/>
@@ -912,7 +926,7 @@
           </ac:spMkLst>
         </pc:spChg>
         <pc:spChg chg="add mod">
-          <ac:chgData name="DIAZ CHARRIS LUIS" userId="72dedcb5-ca2f-4208-848e-df8104c7c150" providerId="ADAL" clId="{57095DB0-8A21-4833-BE6A-3C22B7C44A7B}" dt="2022-04-21T15:40:06.344" v="644"/>
+          <ac:chgData name="DIAZ CHARRIS LUIS" userId="72dedcb5-ca2f-4208-848e-df8104c7c150" providerId="ADAL" clId="{57095DB0-8A21-4833-BE6A-3C22B7C44A7B}" dt="2022-04-21T22:44:18.696" v="843" actId="1076"/>
           <ac:spMkLst>
             <pc:docMk/>
             <pc:sldMk cId="3749878085" sldId="261"/>
@@ -968,8 +982,8 @@
           </ac:picMkLst>
         </pc:picChg>
       </pc:sldChg>
-      <pc:sldChg chg="addSp delSp modSp mod">
-        <pc:chgData name="DIAZ CHARRIS LUIS" userId="72dedcb5-ca2f-4208-848e-df8104c7c150" providerId="ADAL" clId="{57095DB0-8A21-4833-BE6A-3C22B7C44A7B}" dt="2022-04-21T19:33:33.668" v="841" actId="1076"/>
+      <pc:sldChg chg="addSp delSp modSp mod ord">
+        <pc:chgData name="DIAZ CHARRIS LUIS" userId="72dedcb5-ca2f-4208-848e-df8104c7c150" providerId="ADAL" clId="{57095DB0-8A21-4833-BE6A-3C22B7C44A7B}" dt="2022-04-21T22:54:44.673" v="880"/>
         <pc:sldMkLst>
           <pc:docMk/>
           <pc:sldMk cId="207038314" sldId="262"/>
@@ -1096,7 +1110,7 @@
         </pc:picChg>
       </pc:sldChg>
       <pc:sldChg chg="addSp delSp modSp new mod">
-        <pc:chgData name="DIAZ CHARRIS LUIS" userId="72dedcb5-ca2f-4208-848e-df8104c7c150" providerId="ADAL" clId="{57095DB0-8A21-4833-BE6A-3C22B7C44A7B}" dt="2022-04-21T20:05:23.115" v="842" actId="732"/>
+        <pc:chgData name="DIAZ CHARRIS LUIS" userId="72dedcb5-ca2f-4208-848e-df8104c7c150" providerId="ADAL" clId="{57095DB0-8A21-4833-BE6A-3C22B7C44A7B}" dt="2022-04-21T23:21:30.472" v="1023" actId="1038"/>
         <pc:sldMkLst>
           <pc:docMk/>
           <pc:sldMk cId="412428718" sldId="263"/>
@@ -1110,11 +1124,43 @@
           </ac:spMkLst>
         </pc:spChg>
         <pc:spChg chg="add mod">
+          <ac:chgData name="DIAZ CHARRIS LUIS" userId="72dedcb5-ca2f-4208-848e-df8104c7c150" providerId="ADAL" clId="{57095DB0-8A21-4833-BE6A-3C22B7C44A7B}" dt="2022-04-21T23:21:30.472" v="1023" actId="1038"/>
+          <ac:spMkLst>
+            <pc:docMk/>
+            <pc:sldMk cId="412428718" sldId="263"/>
+            <ac:spMk id="6" creationId="{BD775CA9-A6ED-4090-AFFB-73C7028D3AB3}"/>
+          </ac:spMkLst>
+        </pc:spChg>
+        <pc:spChg chg="add mod">
           <ac:chgData name="DIAZ CHARRIS LUIS" userId="72dedcb5-ca2f-4208-848e-df8104c7c150" providerId="ADAL" clId="{57095DB0-8A21-4833-BE6A-3C22B7C44A7B}" dt="2022-04-21T19:26:49.756" v="821"/>
           <ac:spMkLst>
             <pc:docMk/>
             <pc:sldMk cId="412428718" sldId="263"/>
             <ac:spMk id="9" creationId="{63132BB6-A1BC-476D-AE32-69ADBC6792ED}"/>
+          </ac:spMkLst>
+        </pc:spChg>
+        <pc:spChg chg="add mod">
+          <ac:chgData name="DIAZ CHARRIS LUIS" userId="72dedcb5-ca2f-4208-848e-df8104c7c150" providerId="ADAL" clId="{57095DB0-8A21-4833-BE6A-3C22B7C44A7B}" dt="2022-04-21T23:21:26.022" v="1016" actId="1038"/>
+          <ac:spMkLst>
+            <pc:docMk/>
+            <pc:sldMk cId="412428718" sldId="263"/>
+            <ac:spMk id="13" creationId="{2DD72742-F00C-4606-878D-1E7D17C0E152}"/>
+          </ac:spMkLst>
+        </pc:spChg>
+        <pc:spChg chg="add mod">
+          <ac:chgData name="DIAZ CHARRIS LUIS" userId="72dedcb5-ca2f-4208-848e-df8104c7c150" providerId="ADAL" clId="{57095DB0-8A21-4833-BE6A-3C22B7C44A7B}" dt="2022-04-21T23:20:38.850" v="1006" actId="1076"/>
+          <ac:spMkLst>
+            <pc:docMk/>
+            <pc:sldMk cId="412428718" sldId="263"/>
+            <ac:spMk id="14" creationId="{FAD7248D-C8F2-425B-835A-5282E5939598}"/>
+          </ac:spMkLst>
+        </pc:spChg>
+        <pc:spChg chg="add mod">
+          <ac:chgData name="DIAZ CHARRIS LUIS" userId="72dedcb5-ca2f-4208-848e-df8104c7c150" providerId="ADAL" clId="{57095DB0-8A21-4833-BE6A-3C22B7C44A7B}" dt="2022-04-21T23:20:36.106" v="1005" actId="1076"/>
+          <ac:spMkLst>
+            <pc:docMk/>
+            <pc:sldMk cId="412428718" sldId="263"/>
+            <ac:spMk id="15" creationId="{F3E88F44-02FB-4460-8B97-6F910CCACC2B}"/>
           </ac:spMkLst>
         </pc:spChg>
         <pc:picChg chg="add del mod">
@@ -1134,7 +1180,7 @@
           </ac:picMkLst>
         </pc:picChg>
         <pc:picChg chg="add mod modCrop">
-          <ac:chgData name="DIAZ CHARRIS LUIS" userId="72dedcb5-ca2f-4208-848e-df8104c7c150" providerId="ADAL" clId="{57095DB0-8A21-4833-BE6A-3C22B7C44A7B}" dt="2022-04-21T20:05:23.115" v="842" actId="732"/>
+          <ac:chgData name="DIAZ CHARRIS LUIS" userId="72dedcb5-ca2f-4208-848e-df8104c7c150" providerId="ADAL" clId="{57095DB0-8A21-4833-BE6A-3C22B7C44A7B}" dt="2022-04-21T23:21:17.170" v="1011" actId="1076"/>
           <ac:picMkLst>
             <pc:docMk/>
             <pc:sldMk cId="412428718" sldId="263"/>
@@ -1142,13 +1188,295 @@
           </ac:picMkLst>
         </pc:picChg>
         <pc:picChg chg="add mod">
-          <ac:chgData name="DIAZ CHARRIS LUIS" userId="72dedcb5-ca2f-4208-848e-df8104c7c150" providerId="ADAL" clId="{57095DB0-8A21-4833-BE6A-3C22B7C44A7B}" dt="2022-04-21T19:27:33.489" v="826" actId="1076"/>
+          <ac:chgData name="DIAZ CHARRIS LUIS" userId="72dedcb5-ca2f-4208-848e-df8104c7c150" providerId="ADAL" clId="{57095DB0-8A21-4833-BE6A-3C22B7C44A7B}" dt="2022-04-21T23:17:50.244" v="946" actId="1076"/>
           <ac:picMkLst>
             <pc:docMk/>
             <pc:sldMk cId="412428718" sldId="263"/>
             <ac:picMk id="1026" creationId="{D2390B8B-51A4-4473-B322-EEEDAE602A94}"/>
           </ac:picMkLst>
         </pc:picChg>
+        <pc:cxnChg chg="add mod">
+          <ac:chgData name="DIAZ CHARRIS LUIS" userId="72dedcb5-ca2f-4208-848e-df8104c7c150" providerId="ADAL" clId="{57095DB0-8A21-4833-BE6A-3C22B7C44A7B}" dt="2022-04-21T23:20:55.419" v="1008" actId="208"/>
+          <ac:cxnSpMkLst>
+            <pc:docMk/>
+            <pc:sldMk cId="412428718" sldId="263"/>
+            <ac:cxnSpMk id="5" creationId="{4A4A33CB-B998-42E6-993F-8C27AC256988}"/>
+          </ac:cxnSpMkLst>
+        </pc:cxnChg>
+        <pc:cxnChg chg="add mod">
+          <ac:chgData name="DIAZ CHARRIS LUIS" userId="72dedcb5-ca2f-4208-848e-df8104c7c150" providerId="ADAL" clId="{57095DB0-8A21-4833-BE6A-3C22B7C44A7B}" dt="2022-04-21T23:21:00.836" v="1009" actId="208"/>
+          <ac:cxnSpMkLst>
+            <pc:docMk/>
+            <pc:sldMk cId="412428718" sldId="263"/>
+            <ac:cxnSpMk id="10" creationId="{4070251D-ABD9-4974-9040-14FEA8B71565}"/>
+          </ac:cxnSpMkLst>
+        </pc:cxnChg>
+        <pc:cxnChg chg="add mod">
+          <ac:chgData name="DIAZ CHARRIS LUIS" userId="72dedcb5-ca2f-4208-848e-df8104c7c150" providerId="ADAL" clId="{57095DB0-8A21-4833-BE6A-3C22B7C44A7B}" dt="2022-04-21T23:19:05.131" v="963" actId="1076"/>
+          <ac:cxnSpMkLst>
+            <pc:docMk/>
+            <pc:sldMk cId="412428718" sldId="263"/>
+            <ac:cxnSpMk id="11" creationId="{C48C868F-1650-4141-9071-18554473318A}"/>
+          </ac:cxnSpMkLst>
+        </pc:cxnChg>
+        <pc:cxnChg chg="add mod">
+          <ac:chgData name="DIAZ CHARRIS LUIS" userId="72dedcb5-ca2f-4208-848e-df8104c7c150" providerId="ADAL" clId="{57095DB0-8A21-4833-BE6A-3C22B7C44A7B}" dt="2022-04-21T23:19:02.291" v="962" actId="1076"/>
+          <ac:cxnSpMkLst>
+            <pc:docMk/>
+            <pc:sldMk cId="412428718" sldId="263"/>
+            <ac:cxnSpMk id="12" creationId="{8A915B72-38EB-44B2-9CFF-F85B503E1912}"/>
+          </ac:cxnSpMkLst>
+        </pc:cxnChg>
+      </pc:sldChg>
+      <pc:sldChg chg="addSp delSp modSp add mod">
+        <pc:chgData name="DIAZ CHARRIS LUIS" userId="72dedcb5-ca2f-4208-848e-df8104c7c150" providerId="ADAL" clId="{57095DB0-8A21-4833-BE6A-3C22B7C44A7B}" dt="2022-04-21T22:57:06.224" v="943" actId="20577"/>
+        <pc:sldMkLst>
+          <pc:docMk/>
+          <pc:sldMk cId="3282262071" sldId="264"/>
+        </pc:sldMkLst>
+        <pc:spChg chg="del">
+          <ac:chgData name="DIAZ CHARRIS LUIS" userId="72dedcb5-ca2f-4208-848e-df8104c7c150" providerId="ADAL" clId="{57095DB0-8A21-4833-BE6A-3C22B7C44A7B}" dt="2022-04-21T22:54:57.265" v="889" actId="478"/>
+          <ac:spMkLst>
+            <pc:docMk/>
+            <pc:sldMk cId="3282262071" sldId="264"/>
+            <ac:spMk id="9" creationId="{6BE66211-3F15-4D36-888E-CFE40F050B66}"/>
+          </ac:spMkLst>
+        </pc:spChg>
+        <pc:spChg chg="add mod">
+          <ac:chgData name="DIAZ CHARRIS LUIS" userId="72dedcb5-ca2f-4208-848e-df8104c7c150" providerId="ADAL" clId="{57095DB0-8A21-4833-BE6A-3C22B7C44A7B}" dt="2022-04-21T22:54:03.668" v="871" actId="1076"/>
+          <ac:spMkLst>
+            <pc:docMk/>
+            <pc:sldMk cId="3282262071" sldId="264"/>
+            <ac:spMk id="12" creationId="{7DE7A94D-4100-4276-8D84-36EF4534C31D}"/>
+          </ac:spMkLst>
+        </pc:spChg>
+        <pc:spChg chg="del">
+          <ac:chgData name="DIAZ CHARRIS LUIS" userId="72dedcb5-ca2f-4208-848e-df8104c7c150" providerId="ADAL" clId="{57095DB0-8A21-4833-BE6A-3C22B7C44A7B}" dt="2022-04-21T22:53:40.397" v="863" actId="478"/>
+          <ac:spMkLst>
+            <pc:docMk/>
+            <pc:sldMk cId="3282262071" sldId="264"/>
+            <ac:spMk id="13" creationId="{7FCF27FE-5ACA-4B4B-8FE8-A93697A94B1A}"/>
+          </ac:spMkLst>
+        </pc:spChg>
+        <pc:spChg chg="add mod">
+          <ac:chgData name="DIAZ CHARRIS LUIS" userId="72dedcb5-ca2f-4208-848e-df8104c7c150" providerId="ADAL" clId="{57095DB0-8A21-4833-BE6A-3C22B7C44A7B}" dt="2022-04-21T22:57:06.224" v="943" actId="20577"/>
+          <ac:spMkLst>
+            <pc:docMk/>
+            <pc:sldMk cId="3282262071" sldId="264"/>
+            <ac:spMk id="14" creationId="{23289EF0-FEAE-4D9A-AA36-AF429505C4E1}"/>
+          </ac:spMkLst>
+        </pc:spChg>
+        <pc:spChg chg="del">
+          <ac:chgData name="DIAZ CHARRIS LUIS" userId="72dedcb5-ca2f-4208-848e-df8104c7c150" providerId="ADAL" clId="{57095DB0-8A21-4833-BE6A-3C22B7C44A7B}" dt="2022-04-21T22:53:41.688" v="864" actId="478"/>
+          <ac:spMkLst>
+            <pc:docMk/>
+            <pc:sldMk cId="3282262071" sldId="264"/>
+            <ac:spMk id="15" creationId="{3B694032-C2C3-4087-A18E-5E0FC8A98C44}"/>
+          </ac:spMkLst>
+        </pc:spChg>
+        <pc:spChg chg="del">
+          <ac:chgData name="DIAZ CHARRIS LUIS" userId="72dedcb5-ca2f-4208-848e-df8104c7c150" providerId="ADAL" clId="{57095DB0-8A21-4833-BE6A-3C22B7C44A7B}" dt="2022-04-21T22:53:43.792" v="865" actId="478"/>
+          <ac:spMkLst>
+            <pc:docMk/>
+            <pc:sldMk cId="3282262071" sldId="264"/>
+            <ac:spMk id="16" creationId="{773B4A72-860F-4EA7-B387-5C8D8B6DA07F}"/>
+          </ac:spMkLst>
+        </pc:spChg>
+        <pc:spChg chg="del">
+          <ac:chgData name="DIAZ CHARRIS LUIS" userId="72dedcb5-ca2f-4208-848e-df8104c7c150" providerId="ADAL" clId="{57095DB0-8A21-4833-BE6A-3C22B7C44A7B}" dt="2022-04-21T22:53:46.310" v="866" actId="478"/>
+          <ac:spMkLst>
+            <pc:docMk/>
+            <pc:sldMk cId="3282262071" sldId="264"/>
+            <ac:spMk id="18" creationId="{89F10352-1416-4A71-B058-DFD4549A3DF9}"/>
+          </ac:spMkLst>
+        </pc:spChg>
+      </pc:sldChg>
+      <pc:sldChg chg="addSp delSp modSp add mod">
+        <pc:chgData name="DIAZ CHARRIS LUIS" userId="72dedcb5-ca2f-4208-848e-df8104c7c150" providerId="ADAL" clId="{57095DB0-8A21-4833-BE6A-3C22B7C44A7B}" dt="2022-04-21T22:57:03.526" v="941" actId="20577"/>
+        <pc:sldMkLst>
+          <pc:docMk/>
+          <pc:sldMk cId="1792123429" sldId="265"/>
+        </pc:sldMkLst>
+        <pc:spChg chg="mod">
+          <ac:chgData name="DIAZ CHARRIS LUIS" userId="72dedcb5-ca2f-4208-848e-df8104c7c150" providerId="ADAL" clId="{57095DB0-8A21-4833-BE6A-3C22B7C44A7B}" dt="2022-04-21T22:57:03.526" v="941" actId="20577"/>
+          <ac:spMkLst>
+            <pc:docMk/>
+            <pc:sldMk cId="1792123429" sldId="265"/>
+            <ac:spMk id="9" creationId="{6BE66211-3F15-4D36-888E-CFE40F050B66}"/>
+          </ac:spMkLst>
+        </pc:spChg>
+        <pc:spChg chg="add mod">
+          <ac:chgData name="DIAZ CHARRIS LUIS" userId="72dedcb5-ca2f-4208-848e-df8104c7c150" providerId="ADAL" clId="{57095DB0-8A21-4833-BE6A-3C22B7C44A7B}" dt="2022-04-21T22:56:25.067" v="932" actId="20577"/>
+          <ac:spMkLst>
+            <pc:docMk/>
+            <pc:sldMk cId="1792123429" sldId="265"/>
+            <ac:spMk id="10" creationId="{8C041440-2B5F-4387-84D4-2499BAF71EC7}"/>
+          </ac:spMkLst>
+        </pc:spChg>
+        <pc:spChg chg="del">
+          <ac:chgData name="DIAZ CHARRIS LUIS" userId="72dedcb5-ca2f-4208-848e-df8104c7c150" providerId="ADAL" clId="{57095DB0-8A21-4833-BE6A-3C22B7C44A7B}" dt="2022-04-21T22:54:11.133" v="873" actId="478"/>
+          <ac:spMkLst>
+            <pc:docMk/>
+            <pc:sldMk cId="1792123429" sldId="265"/>
+            <ac:spMk id="12" creationId="{7DE7A94D-4100-4276-8D84-36EF4534C31D}"/>
+          </ac:spMkLst>
+        </pc:spChg>
+      </pc:sldChg>
+      <pc:sldChg chg="addSp delSp modSp add mod">
+        <pc:chgData name="DIAZ CHARRIS LUIS" userId="72dedcb5-ca2f-4208-848e-df8104c7c150" providerId="ADAL" clId="{57095DB0-8A21-4833-BE6A-3C22B7C44A7B}" dt="2022-04-21T22:56:59.102" v="939" actId="20577"/>
+        <pc:sldMkLst>
+          <pc:docMk/>
+          <pc:sldMk cId="3182104485" sldId="266"/>
+        </pc:sldMkLst>
+        <pc:spChg chg="add mod">
+          <ac:chgData name="DIAZ CHARRIS LUIS" userId="72dedcb5-ca2f-4208-848e-df8104c7c150" providerId="ADAL" clId="{57095DB0-8A21-4833-BE6A-3C22B7C44A7B}" dt="2022-04-21T22:56:59.102" v="939" actId="20577"/>
+          <ac:spMkLst>
+            <pc:docMk/>
+            <pc:sldMk cId="3182104485" sldId="266"/>
+            <ac:spMk id="8" creationId="{65BFED1E-DF51-461A-95DA-4294CBFDBF87}"/>
+          </ac:spMkLst>
+        </pc:spChg>
+        <pc:spChg chg="del">
+          <ac:chgData name="DIAZ CHARRIS LUIS" userId="72dedcb5-ca2f-4208-848e-df8104c7c150" providerId="ADAL" clId="{57095DB0-8A21-4833-BE6A-3C22B7C44A7B}" dt="2022-04-21T22:54:53.647" v="887" actId="478"/>
+          <ac:spMkLst>
+            <pc:docMk/>
+            <pc:sldMk cId="3182104485" sldId="266"/>
+            <ac:spMk id="9" creationId="{6BE66211-3F15-4D36-888E-CFE40F050B66}"/>
+          </ac:spMkLst>
+        </pc:spChg>
+        <pc:spChg chg="del">
+          <ac:chgData name="DIAZ CHARRIS LUIS" userId="72dedcb5-ca2f-4208-848e-df8104c7c150" providerId="ADAL" clId="{57095DB0-8A21-4833-BE6A-3C22B7C44A7B}" dt="2022-04-21T22:54:36.571" v="878" actId="478"/>
+          <ac:spMkLst>
+            <pc:docMk/>
+            <pc:sldMk cId="3182104485" sldId="266"/>
+            <ac:spMk id="10" creationId="{8C041440-2B5F-4387-84D4-2499BAF71EC7}"/>
+          </ac:spMkLst>
+        </pc:spChg>
+        <pc:spChg chg="add mod">
+          <ac:chgData name="DIAZ CHARRIS LUIS" userId="72dedcb5-ca2f-4208-848e-df8104c7c150" providerId="ADAL" clId="{57095DB0-8A21-4833-BE6A-3C22B7C44A7B}" dt="2022-04-21T22:56:41.894" v="937" actId="20577"/>
+          <ac:spMkLst>
+            <pc:docMk/>
+            <pc:sldMk cId="3182104485" sldId="266"/>
+            <ac:spMk id="12" creationId="{0007A9F9-4BA4-43AB-A686-65B88A16B250}"/>
+          </ac:spMkLst>
+        </pc:spChg>
+      </pc:sldChg>
+      <pc:sldChg chg="addSp delSp modSp add mod ord">
+        <pc:chgData name="DIAZ CHARRIS LUIS" userId="72dedcb5-ca2f-4208-848e-df8104c7c150" providerId="ADAL" clId="{57095DB0-8A21-4833-BE6A-3C22B7C44A7B}" dt="2022-04-21T23:36:00.097" v="1044"/>
+        <pc:sldMkLst>
+          <pc:docMk/>
+          <pc:sldMk cId="75747297" sldId="267"/>
+        </pc:sldMkLst>
+        <pc:spChg chg="add mod">
+          <ac:chgData name="DIAZ CHARRIS LUIS" userId="72dedcb5-ca2f-4208-848e-df8104c7c150" providerId="ADAL" clId="{57095DB0-8A21-4833-BE6A-3C22B7C44A7B}" dt="2022-04-21T23:35:56.304" v="1042" actId="1076"/>
+          <ac:spMkLst>
+            <pc:docMk/>
+            <pc:sldMk cId="75747297" sldId="267"/>
+            <ac:spMk id="12" creationId="{7C875290-AE98-4559-B6CB-73E1DE9B8E39}"/>
+          </ac:spMkLst>
+        </pc:spChg>
+        <pc:spChg chg="del">
+          <ac:chgData name="DIAZ CHARRIS LUIS" userId="72dedcb5-ca2f-4208-848e-df8104c7c150" providerId="ADAL" clId="{57095DB0-8A21-4833-BE6A-3C22B7C44A7B}" dt="2022-04-21T23:35:05.825" v="1031" actId="478"/>
+          <ac:spMkLst>
+            <pc:docMk/>
+            <pc:sldMk cId="75747297" sldId="267"/>
+            <ac:spMk id="13" creationId="{7FCF27FE-5ACA-4B4B-8FE8-A93697A94B1A}"/>
+          </ac:spMkLst>
+        </pc:spChg>
+        <pc:spChg chg="del">
+          <ac:chgData name="DIAZ CHARRIS LUIS" userId="72dedcb5-ca2f-4208-848e-df8104c7c150" providerId="ADAL" clId="{57095DB0-8A21-4833-BE6A-3C22B7C44A7B}" dt="2022-04-21T23:35:08.931" v="1032" actId="478"/>
+          <ac:spMkLst>
+            <pc:docMk/>
+            <pc:sldMk cId="75747297" sldId="267"/>
+            <ac:spMk id="15" creationId="{3B694032-C2C3-4087-A18E-5E0FC8A98C44}"/>
+          </ac:spMkLst>
+        </pc:spChg>
+        <pc:spChg chg="del">
+          <ac:chgData name="DIAZ CHARRIS LUIS" userId="72dedcb5-ca2f-4208-848e-df8104c7c150" providerId="ADAL" clId="{57095DB0-8A21-4833-BE6A-3C22B7C44A7B}" dt="2022-04-21T23:35:15.919" v="1035" actId="478"/>
+          <ac:spMkLst>
+            <pc:docMk/>
+            <pc:sldMk cId="75747297" sldId="267"/>
+            <ac:spMk id="16" creationId="{773B4A72-860F-4EA7-B387-5C8D8B6DA07F}"/>
+          </ac:spMkLst>
+        </pc:spChg>
+        <pc:spChg chg="del">
+          <ac:chgData name="DIAZ CHARRIS LUIS" userId="72dedcb5-ca2f-4208-848e-df8104c7c150" providerId="ADAL" clId="{57095DB0-8A21-4833-BE6A-3C22B7C44A7B}" dt="2022-04-21T23:35:18.739" v="1036" actId="478"/>
+          <ac:spMkLst>
+            <pc:docMk/>
+            <pc:sldMk cId="75747297" sldId="267"/>
+            <ac:spMk id="18" creationId="{89F10352-1416-4A71-B058-DFD4549A3DF9}"/>
+          </ac:spMkLst>
+        </pc:spChg>
+      </pc:sldChg>
+      <pc:sldChg chg="addSp delSp modSp add mod">
+        <pc:chgData name="DIAZ CHARRIS LUIS" userId="72dedcb5-ca2f-4208-848e-df8104c7c150" providerId="ADAL" clId="{57095DB0-8A21-4833-BE6A-3C22B7C44A7B}" dt="2022-04-21T23:37:35.143" v="1057" actId="1076"/>
+        <pc:sldMkLst>
+          <pc:docMk/>
+          <pc:sldMk cId="884794388" sldId="268"/>
+        </pc:sldMkLst>
+        <pc:spChg chg="add mod">
+          <ac:chgData name="DIAZ CHARRIS LUIS" userId="72dedcb5-ca2f-4208-848e-df8104c7c150" providerId="ADAL" clId="{57095DB0-8A21-4833-BE6A-3C22B7C44A7B}" dt="2022-04-21T23:37:35.143" v="1057" actId="1076"/>
+          <ac:spMkLst>
+            <pc:docMk/>
+            <pc:sldMk cId="884794388" sldId="268"/>
+            <ac:spMk id="12" creationId="{8E9F1B07-A76A-47A0-9388-E8B439E9C6ED}"/>
+          </ac:spMkLst>
+        </pc:spChg>
+        <pc:spChg chg="del">
+          <ac:chgData name="DIAZ CHARRIS LUIS" userId="72dedcb5-ca2f-4208-848e-df8104c7c150" providerId="ADAL" clId="{57095DB0-8A21-4833-BE6A-3C22B7C44A7B}" dt="2022-04-21T23:36:11.556" v="1047" actId="478"/>
+          <ac:spMkLst>
+            <pc:docMk/>
+            <pc:sldMk cId="884794388" sldId="268"/>
+            <ac:spMk id="13" creationId="{7FCF27FE-5ACA-4B4B-8FE8-A93697A94B1A}"/>
+          </ac:spMkLst>
+        </pc:spChg>
+        <pc:spChg chg="del">
+          <ac:chgData name="DIAZ CHARRIS LUIS" userId="72dedcb5-ca2f-4208-848e-df8104c7c150" providerId="ADAL" clId="{57095DB0-8A21-4833-BE6A-3C22B7C44A7B}" dt="2022-04-21T23:36:08.829" v="1046" actId="478"/>
+          <ac:spMkLst>
+            <pc:docMk/>
+            <pc:sldMk cId="884794388" sldId="268"/>
+            <ac:spMk id="15" creationId="{3B694032-C2C3-4087-A18E-5E0FC8A98C44}"/>
+          </ac:spMkLst>
+        </pc:spChg>
+        <pc:spChg chg="del mod">
+          <ac:chgData name="DIAZ CHARRIS LUIS" userId="72dedcb5-ca2f-4208-848e-df8104c7c150" providerId="ADAL" clId="{57095DB0-8A21-4833-BE6A-3C22B7C44A7B}" dt="2022-04-21T23:37:12.270" v="1049" actId="478"/>
+          <ac:spMkLst>
+            <pc:docMk/>
+            <pc:sldMk cId="884794388" sldId="268"/>
+            <ac:spMk id="16" creationId="{773B4A72-860F-4EA7-B387-5C8D8B6DA07F}"/>
+          </ac:spMkLst>
+        </pc:spChg>
+        <pc:spChg chg="del">
+          <ac:chgData name="DIAZ CHARRIS LUIS" userId="72dedcb5-ca2f-4208-848e-df8104c7c150" providerId="ADAL" clId="{57095DB0-8A21-4833-BE6A-3C22B7C44A7B}" dt="2022-04-21T23:37:14.678" v="1050" actId="478"/>
+          <ac:spMkLst>
+            <pc:docMk/>
+            <pc:sldMk cId="884794388" sldId="268"/>
+            <ac:spMk id="18" creationId="{89F10352-1416-4A71-B058-DFD4549A3DF9}"/>
+          </ac:spMkLst>
+        </pc:spChg>
+      </pc:sldChg>
+      <pc:sldChg chg="addSp delSp modSp add mod">
+        <pc:chgData name="DIAZ CHARRIS LUIS" userId="72dedcb5-ca2f-4208-848e-df8104c7c150" providerId="ADAL" clId="{57095DB0-8A21-4833-BE6A-3C22B7C44A7B}" dt="2022-04-21T23:38:03.294" v="1063" actId="1076"/>
+        <pc:sldMkLst>
+          <pc:docMk/>
+          <pc:sldMk cId="1677833817" sldId="269"/>
+        </pc:sldMkLst>
+        <pc:spChg chg="add mod">
+          <ac:chgData name="DIAZ CHARRIS LUIS" userId="72dedcb5-ca2f-4208-848e-df8104c7c150" providerId="ADAL" clId="{57095DB0-8A21-4833-BE6A-3C22B7C44A7B}" dt="2022-04-21T23:38:03.294" v="1063" actId="1076"/>
+          <ac:spMkLst>
+            <pc:docMk/>
+            <pc:sldMk cId="1677833817" sldId="269"/>
+            <ac:spMk id="10" creationId="{0B3D0C26-A17F-4CC9-88BD-2CBA851E1494}"/>
+          </ac:spMkLst>
+        </pc:spChg>
+        <pc:spChg chg="del">
+          <ac:chgData name="DIAZ CHARRIS LUIS" userId="72dedcb5-ca2f-4208-848e-df8104c7c150" providerId="ADAL" clId="{57095DB0-8A21-4833-BE6A-3C22B7C44A7B}" dt="2022-04-21T23:37:42.429" v="1059" actId="478"/>
+          <ac:spMkLst>
+            <pc:docMk/>
+            <pc:sldMk cId="1677833817" sldId="269"/>
+            <ac:spMk id="12" creationId="{8E9F1B07-A76A-47A0-9388-E8B439E9C6ED}"/>
+          </ac:spMkLst>
+        </pc:spChg>
       </pc:sldChg>
     </pc:docChg>
   </pc:docChgLst>
@@ -5747,6 +6075,2416 @@
 </p:sld>
 </file>
 
+<file path=ppt/slides/slide10.xml><?xml version="1.0" encoding="utf-8"?>
+<p:sld xmlns:a="http://schemas.openxmlformats.org/drawingml/2006/main" xmlns:r="http://schemas.openxmlformats.org/officeDocument/2006/relationships" xmlns:p="http://schemas.openxmlformats.org/presentationml/2006/main">
+  <p:cSld>
+    <p:spTree>
+      <p:nvGrpSpPr>
+        <p:cNvPr id="1" name=""/>
+        <p:cNvGrpSpPr/>
+        <p:nvPr/>
+      </p:nvGrpSpPr>
+      <p:grpSpPr>
+        <a:xfrm>
+          <a:off x="0" y="0"/>
+          <a:ext cx="0" cy="0"/>
+          <a:chOff x="0" y="0"/>
+          <a:chExt cx="0" cy="0"/>
+        </a:xfrm>
+      </p:grpSpPr>
+      <p:pic>
+        <p:nvPicPr>
+          <p:cNvPr id="5" name="Imagen 4">
+            <a:extLst>
+              <a:ext uri="{FF2B5EF4-FFF2-40B4-BE49-F238E27FC236}">
+                <a16:creationId xmlns:a16="http://schemas.microsoft.com/office/drawing/2014/main" id="{E2E11275-344B-4AFF-A6B5-28B62C96D89B}"/>
+              </a:ext>
+            </a:extLst>
+          </p:cNvPr>
+          <p:cNvPicPr>
+            <a:picLocks noChangeAspect="1"/>
+          </p:cNvPicPr>
+          <p:nvPr/>
+        </p:nvPicPr>
+        <p:blipFill>
+          <a:blip r:embed="rId2"/>
+          <a:stretch>
+            <a:fillRect/>
+          </a:stretch>
+        </p:blipFill>
+        <p:spPr>
+          <a:xfrm>
+            <a:off x="0" y="6218365"/>
+            <a:ext cx="1772529" cy="584935"/>
+          </a:xfrm>
+          <a:prstGeom prst="rect">
+            <a:avLst/>
+          </a:prstGeom>
+          <a:ln>
+            <a:noFill/>
+          </a:ln>
+        </p:spPr>
+      </p:pic>
+      <p:sp>
+        <p:nvSpPr>
+          <p:cNvPr id="7" name="CuadroTexto 6">
+            <a:extLst>
+              <a:ext uri="{FF2B5EF4-FFF2-40B4-BE49-F238E27FC236}">
+                <a16:creationId xmlns:a16="http://schemas.microsoft.com/office/drawing/2014/main" id="{59A16C2D-7A7D-4B01-AB71-3B2F8854B9AA}"/>
+              </a:ext>
+            </a:extLst>
+          </p:cNvPr>
+          <p:cNvSpPr txBox="1"/>
+          <p:nvPr/>
+        </p:nvSpPr>
+        <p:spPr>
+          <a:xfrm>
+            <a:off x="138398" y="1016852"/>
+            <a:ext cx="5957602" cy="461665"/>
+          </a:xfrm>
+          <a:prstGeom prst="rect">
+            <a:avLst/>
+          </a:prstGeom>
+          <a:noFill/>
+        </p:spPr>
+        <p:txBody>
+          <a:bodyPr wrap="square" rtlCol="0">
+            <a:spAutoFit/>
+          </a:bodyPr>
+          <a:lstStyle/>
+          <a:p>
+            <a:pPr algn="ctr"/>
+            <a:r>
+              <a:rPr lang="es-CO" sz="2400" b="1" dirty="0"/>
+              <a:t>Implementación: </a:t>
+            </a:r>
+            <a:r>
+              <a:rPr lang="es-CO" sz="2400" dirty="0"/>
+              <a:t>definiciones y variables</a:t>
+            </a:r>
+          </a:p>
+        </p:txBody>
+      </p:sp>
+      <p:sp>
+        <p:nvSpPr>
+          <p:cNvPr id="9" name="CuadroTexto 8">
+            <a:extLst>
+              <a:ext uri="{FF2B5EF4-FFF2-40B4-BE49-F238E27FC236}">
+                <a16:creationId xmlns:a16="http://schemas.microsoft.com/office/drawing/2014/main" id="{6BE66211-3F15-4D36-888E-CFE40F050B66}"/>
+              </a:ext>
+            </a:extLst>
+          </p:cNvPr>
+          <p:cNvSpPr txBox="1"/>
+          <p:nvPr/>
+        </p:nvSpPr>
+        <p:spPr>
+          <a:xfrm>
+            <a:off x="5785536" y="1064134"/>
+            <a:ext cx="3277772" cy="461665"/>
+          </a:xfrm>
+          <a:prstGeom prst="rect">
+            <a:avLst/>
+          </a:prstGeom>
+          <a:noFill/>
+        </p:spPr>
+        <p:txBody>
+          <a:bodyPr wrap="square" rtlCol="0">
+            <a:spAutoFit/>
+          </a:bodyPr>
+          <a:lstStyle/>
+          <a:p>
+            <a:pPr algn="ctr"/>
+            <a:r>
+              <a:rPr lang="es-CO" sz="2400" b="1" dirty="0" err="1"/>
+              <a:t>accel.h</a:t>
+            </a:r>
+            <a:endParaRPr lang="es-CO" sz="2400" b="1" dirty="0"/>
+          </a:p>
+        </p:txBody>
+      </p:sp>
+      <p:sp>
+        <p:nvSpPr>
+          <p:cNvPr id="16" name="CuadroTexto 15">
+            <a:extLst>
+              <a:ext uri="{FF2B5EF4-FFF2-40B4-BE49-F238E27FC236}">
+                <a16:creationId xmlns:a16="http://schemas.microsoft.com/office/drawing/2014/main" id="{773B4A72-860F-4EA7-B387-5C8D8B6DA07F}"/>
+              </a:ext>
+            </a:extLst>
+          </p:cNvPr>
+          <p:cNvSpPr txBox="1"/>
+          <p:nvPr/>
+        </p:nvSpPr>
+        <p:spPr>
+          <a:xfrm>
+            <a:off x="654069" y="5350019"/>
+            <a:ext cx="9563357" cy="461665"/>
+          </a:xfrm>
+          <a:prstGeom prst="rect">
+            <a:avLst/>
+          </a:prstGeom>
+          <a:noFill/>
+        </p:spPr>
+        <p:txBody>
+          <a:bodyPr wrap="square">
+            <a:spAutoFit/>
+          </a:bodyPr>
+          <a:lstStyle/>
+          <a:p>
+            <a:r>
+              <a:rPr lang="es-CO" sz="2400" dirty="0" err="1">
+                <a:solidFill>
+                  <a:srgbClr val="005032"/>
+                </a:solidFill>
+                <a:latin typeface="Consolas" panose="020B0609020204030204" pitchFamily="49" charset="0"/>
+              </a:rPr>
+              <a:t>init_mpu_state</a:t>
+            </a:r>
+            <a:r>
+              <a:rPr lang="es-CO" sz="2400" dirty="0">
+                <a:solidFill>
+                  <a:srgbClr val="000000"/>
+                </a:solidFill>
+                <a:latin typeface="Consolas" panose="020B0609020204030204" pitchFamily="49" charset="0"/>
+              </a:rPr>
+              <a:t> </a:t>
+            </a:r>
+            <a:r>
+              <a:rPr lang="es-CO" sz="2400" b="1" dirty="0" err="1">
+                <a:solidFill>
+                  <a:srgbClr val="000000"/>
+                </a:solidFill>
+                <a:latin typeface="Consolas" panose="020B0609020204030204" pitchFamily="49" charset="0"/>
+              </a:rPr>
+              <a:t>accel_init</a:t>
+            </a:r>
+            <a:r>
+              <a:rPr lang="es-CO" sz="2400" b="1" dirty="0">
+                <a:solidFill>
+                  <a:srgbClr val="000000"/>
+                </a:solidFill>
+                <a:latin typeface="Consolas" panose="020B0609020204030204" pitchFamily="49" charset="0"/>
+              </a:rPr>
+              <a:t>(</a:t>
+            </a:r>
+            <a:r>
+              <a:rPr lang="es-CO" sz="2400" b="1" dirty="0">
+                <a:solidFill>
+                  <a:srgbClr val="005032"/>
+                </a:solidFill>
+                <a:latin typeface="Consolas" panose="020B0609020204030204" pitchFamily="49" charset="0"/>
+              </a:rPr>
+              <a:t>I2C_TypeDef</a:t>
+            </a:r>
+            <a:r>
+              <a:rPr lang="es-CO" sz="2400" b="1" dirty="0">
+                <a:solidFill>
+                  <a:srgbClr val="000000"/>
+                </a:solidFill>
+                <a:latin typeface="Consolas" panose="020B0609020204030204" pitchFamily="49" charset="0"/>
+              </a:rPr>
+              <a:t> * I2C_PORT);</a:t>
+            </a:r>
+            <a:endParaRPr lang="es-CO" sz="2400" dirty="0"/>
+          </a:p>
+        </p:txBody>
+      </p:sp>
+      <p:sp>
+        <p:nvSpPr>
+          <p:cNvPr id="18" name="CuadroTexto 17">
+            <a:extLst>
+              <a:ext uri="{FF2B5EF4-FFF2-40B4-BE49-F238E27FC236}">
+                <a16:creationId xmlns:a16="http://schemas.microsoft.com/office/drawing/2014/main" id="{89F10352-1416-4A71-B058-DFD4549A3DF9}"/>
+              </a:ext>
+            </a:extLst>
+          </p:cNvPr>
+          <p:cNvSpPr txBox="1"/>
+          <p:nvPr/>
+        </p:nvSpPr>
+        <p:spPr>
+          <a:xfrm>
+            <a:off x="886264" y="5841148"/>
+            <a:ext cx="6096000" cy="461665"/>
+          </a:xfrm>
+          <a:prstGeom prst="rect">
+            <a:avLst/>
+          </a:prstGeom>
+          <a:noFill/>
+        </p:spPr>
+        <p:txBody>
+          <a:bodyPr wrap="square">
+            <a:spAutoFit/>
+          </a:bodyPr>
+          <a:lstStyle/>
+          <a:p>
+            <a:r>
+              <a:rPr lang="es-CO" sz="2400" dirty="0" err="1">
+                <a:solidFill>
+                  <a:srgbClr val="005032"/>
+                </a:solidFill>
+                <a:latin typeface="Consolas" panose="020B0609020204030204" pitchFamily="49" charset="0"/>
+              </a:rPr>
+              <a:t>mpu_data</a:t>
+            </a:r>
+            <a:r>
+              <a:rPr lang="es-CO" sz="2400" dirty="0">
+                <a:solidFill>
+                  <a:srgbClr val="000000"/>
+                </a:solidFill>
+                <a:latin typeface="Consolas" panose="020B0609020204030204" pitchFamily="49" charset="0"/>
+              </a:rPr>
+              <a:t> </a:t>
+            </a:r>
+            <a:r>
+              <a:rPr lang="es-CO" sz="2400" b="1" dirty="0" err="1">
+                <a:solidFill>
+                  <a:srgbClr val="000000"/>
+                </a:solidFill>
+                <a:latin typeface="Consolas" panose="020B0609020204030204" pitchFamily="49" charset="0"/>
+              </a:rPr>
+              <a:t>accel_getData</a:t>
+            </a:r>
+            <a:r>
+              <a:rPr lang="es-CO" sz="2400" b="1" dirty="0">
+                <a:solidFill>
+                  <a:srgbClr val="000000"/>
+                </a:solidFill>
+                <a:latin typeface="Consolas" panose="020B0609020204030204" pitchFamily="49" charset="0"/>
+              </a:rPr>
+              <a:t>();</a:t>
+            </a:r>
+            <a:endParaRPr lang="es-CO" sz="2400" dirty="0"/>
+          </a:p>
+        </p:txBody>
+      </p:sp>
+      <p:sp>
+        <p:nvSpPr>
+          <p:cNvPr id="2" name="Marcador de número de diapositiva 1">
+            <a:extLst>
+              <a:ext uri="{FF2B5EF4-FFF2-40B4-BE49-F238E27FC236}">
+                <a16:creationId xmlns:a16="http://schemas.microsoft.com/office/drawing/2014/main" id="{AE9EB885-4E7D-47D5-BD01-D3396405E2A7}"/>
+              </a:ext>
+            </a:extLst>
+          </p:cNvPr>
+          <p:cNvSpPr>
+            <a:spLocks noGrp="1"/>
+          </p:cNvSpPr>
+          <p:nvPr>
+            <p:ph type="sldNum" sz="quarter" idx="12"/>
+          </p:nvPr>
+        </p:nvSpPr>
+        <p:spPr/>
+        <p:txBody>
+          <a:bodyPr/>
+          <a:lstStyle/>
+          <a:p>
+            <a:fld id="{0B7B45CF-70C9-4F7E-9F10-375FE2ADAE22}" type="slidenum">
+              <a:rPr lang="es-CO" smtClean="0"/>
+              <a:t>10</a:t>
+            </a:fld>
+            <a:endParaRPr lang="es-CO"/>
+          </a:p>
+        </p:txBody>
+      </p:sp>
+      <p:sp>
+        <p:nvSpPr>
+          <p:cNvPr id="11" name="CuadroTexto 10">
+            <a:extLst>
+              <a:ext uri="{FF2B5EF4-FFF2-40B4-BE49-F238E27FC236}">
+                <a16:creationId xmlns:a16="http://schemas.microsoft.com/office/drawing/2014/main" id="{569533A7-51D3-4BEF-BD65-6AAA3247FD03}"/>
+              </a:ext>
+            </a:extLst>
+          </p:cNvPr>
+          <p:cNvSpPr txBox="1"/>
+          <p:nvPr/>
+        </p:nvSpPr>
+        <p:spPr>
+          <a:xfrm>
+            <a:off x="138398" y="347167"/>
+            <a:ext cx="9124872" cy="523220"/>
+          </a:xfrm>
+          <a:prstGeom prst="rect">
+            <a:avLst/>
+          </a:prstGeom>
+          <a:noFill/>
+        </p:spPr>
+        <p:txBody>
+          <a:bodyPr wrap="square" rtlCol="0">
+            <a:spAutoFit/>
+          </a:bodyPr>
+          <a:lstStyle/>
+          <a:p>
+            <a:pPr algn="just"/>
+            <a:r>
+              <a:rPr lang="pt-BR" sz="2800" b="1" dirty="0"/>
+              <a:t>Driver acelerómetro módulo MPU9250 a través de I2C</a:t>
+            </a:r>
+          </a:p>
+        </p:txBody>
+      </p:sp>
+      <p:sp>
+        <p:nvSpPr>
+          <p:cNvPr id="13" name="CuadroTexto 12">
+            <a:extLst>
+              <a:ext uri="{FF2B5EF4-FFF2-40B4-BE49-F238E27FC236}">
+                <a16:creationId xmlns:a16="http://schemas.microsoft.com/office/drawing/2014/main" id="{7FCF27FE-5ACA-4B4B-8FE8-A93697A94B1A}"/>
+              </a:ext>
+            </a:extLst>
+          </p:cNvPr>
+          <p:cNvSpPr txBox="1"/>
+          <p:nvPr/>
+        </p:nvSpPr>
+        <p:spPr>
+          <a:xfrm>
+            <a:off x="422438" y="2047377"/>
+            <a:ext cx="4003788" cy="2308324"/>
+          </a:xfrm>
+          <a:prstGeom prst="rect">
+            <a:avLst/>
+          </a:prstGeom>
+          <a:noFill/>
+        </p:spPr>
+        <p:txBody>
+          <a:bodyPr wrap="square">
+            <a:spAutoFit/>
+          </a:bodyPr>
+          <a:lstStyle/>
+          <a:p>
+            <a:pPr algn="l"/>
+            <a:r>
+              <a:rPr lang="es-CO" sz="2400" b="1" dirty="0" err="1">
+                <a:solidFill>
+                  <a:srgbClr val="7F0055"/>
+                </a:solidFill>
+                <a:latin typeface="Consolas" panose="020B0609020204030204" pitchFamily="49" charset="0"/>
+              </a:rPr>
+              <a:t>typedef</a:t>
+            </a:r>
+            <a:r>
+              <a:rPr lang="es-CO" sz="2400" b="1" dirty="0">
+                <a:solidFill>
+                  <a:srgbClr val="000000"/>
+                </a:solidFill>
+                <a:latin typeface="Consolas" panose="020B0609020204030204" pitchFamily="49" charset="0"/>
+              </a:rPr>
+              <a:t> </a:t>
+            </a:r>
+            <a:r>
+              <a:rPr lang="es-CO" sz="2400" b="1" dirty="0" err="1">
+                <a:solidFill>
+                  <a:srgbClr val="7F0055"/>
+                </a:solidFill>
+                <a:latin typeface="Consolas" panose="020B0609020204030204" pitchFamily="49" charset="0"/>
+              </a:rPr>
+              <a:t>struct</a:t>
+            </a:r>
+            <a:r>
+              <a:rPr lang="es-CO" sz="2400" b="1" dirty="0">
+                <a:solidFill>
+                  <a:srgbClr val="000000"/>
+                </a:solidFill>
+                <a:latin typeface="Consolas" panose="020B0609020204030204" pitchFamily="49" charset="0"/>
+              </a:rPr>
+              <a:t> {</a:t>
+            </a:r>
+          </a:p>
+          <a:p>
+            <a:pPr algn="l"/>
+            <a:r>
+              <a:rPr lang="es-CO" sz="2400" b="1" dirty="0" err="1">
+                <a:solidFill>
+                  <a:srgbClr val="7F0055"/>
+                </a:solidFill>
+                <a:latin typeface="Consolas" panose="020B0609020204030204" pitchFamily="49" charset="0"/>
+              </a:rPr>
+              <a:t>float</a:t>
+            </a:r>
+            <a:r>
+              <a:rPr lang="es-CO" sz="2400" b="1" dirty="0">
+                <a:solidFill>
+                  <a:srgbClr val="000000"/>
+                </a:solidFill>
+                <a:latin typeface="Consolas" panose="020B0609020204030204" pitchFamily="49" charset="0"/>
+              </a:rPr>
+              <a:t> </a:t>
+            </a:r>
+            <a:r>
+              <a:rPr lang="es-CO" sz="2400" b="1" dirty="0" err="1">
+                <a:solidFill>
+                  <a:srgbClr val="0000C0"/>
+                </a:solidFill>
+                <a:latin typeface="Consolas" panose="020B0609020204030204" pitchFamily="49" charset="0"/>
+              </a:rPr>
+              <a:t>x_accel</a:t>
+            </a:r>
+            <a:r>
+              <a:rPr lang="es-CO" sz="2400" b="1" dirty="0">
+                <a:solidFill>
+                  <a:srgbClr val="000000"/>
+                </a:solidFill>
+                <a:latin typeface="Consolas" panose="020B0609020204030204" pitchFamily="49" charset="0"/>
+              </a:rPr>
+              <a:t>;</a:t>
+            </a:r>
+          </a:p>
+          <a:p>
+            <a:pPr algn="l"/>
+            <a:r>
+              <a:rPr lang="es-CO" sz="2400" b="1" dirty="0" err="1">
+                <a:solidFill>
+                  <a:srgbClr val="7F0055"/>
+                </a:solidFill>
+                <a:latin typeface="Consolas" panose="020B0609020204030204" pitchFamily="49" charset="0"/>
+              </a:rPr>
+              <a:t>float</a:t>
+            </a:r>
+            <a:r>
+              <a:rPr lang="es-CO" sz="2400" b="1" dirty="0">
+                <a:solidFill>
+                  <a:srgbClr val="000000"/>
+                </a:solidFill>
+                <a:latin typeface="Consolas" panose="020B0609020204030204" pitchFamily="49" charset="0"/>
+              </a:rPr>
+              <a:t> </a:t>
+            </a:r>
+            <a:r>
+              <a:rPr lang="es-CO" sz="2400" b="1" dirty="0" err="1">
+                <a:solidFill>
+                  <a:srgbClr val="0000C0"/>
+                </a:solidFill>
+                <a:latin typeface="Consolas" panose="020B0609020204030204" pitchFamily="49" charset="0"/>
+              </a:rPr>
+              <a:t>y_accel</a:t>
+            </a:r>
+            <a:r>
+              <a:rPr lang="es-CO" sz="2400" b="1" dirty="0">
+                <a:solidFill>
+                  <a:srgbClr val="000000"/>
+                </a:solidFill>
+                <a:latin typeface="Consolas" panose="020B0609020204030204" pitchFamily="49" charset="0"/>
+              </a:rPr>
+              <a:t>;</a:t>
+            </a:r>
+          </a:p>
+          <a:p>
+            <a:pPr algn="l"/>
+            <a:r>
+              <a:rPr lang="es-CO" sz="2400" b="1" dirty="0" err="1">
+                <a:solidFill>
+                  <a:srgbClr val="7F0055"/>
+                </a:solidFill>
+                <a:latin typeface="Consolas" panose="020B0609020204030204" pitchFamily="49" charset="0"/>
+              </a:rPr>
+              <a:t>float</a:t>
+            </a:r>
+            <a:r>
+              <a:rPr lang="es-CO" sz="2400" b="1" dirty="0">
+                <a:solidFill>
+                  <a:srgbClr val="000000"/>
+                </a:solidFill>
+                <a:latin typeface="Consolas" panose="020B0609020204030204" pitchFamily="49" charset="0"/>
+              </a:rPr>
+              <a:t> </a:t>
+            </a:r>
+            <a:r>
+              <a:rPr lang="es-CO" sz="2400" b="1" dirty="0" err="1">
+                <a:solidFill>
+                  <a:srgbClr val="0000C0"/>
+                </a:solidFill>
+                <a:latin typeface="Consolas" panose="020B0609020204030204" pitchFamily="49" charset="0"/>
+              </a:rPr>
+              <a:t>z_accel</a:t>
+            </a:r>
+            <a:r>
+              <a:rPr lang="es-CO" sz="2400" b="1" dirty="0">
+                <a:solidFill>
+                  <a:srgbClr val="000000"/>
+                </a:solidFill>
+                <a:latin typeface="Consolas" panose="020B0609020204030204" pitchFamily="49" charset="0"/>
+              </a:rPr>
+              <a:t>;</a:t>
+            </a:r>
+          </a:p>
+          <a:p>
+            <a:pPr algn="l"/>
+            <a:endParaRPr lang="es-CO" sz="2400" dirty="0">
+              <a:latin typeface="Consolas" panose="020B0609020204030204" pitchFamily="49" charset="0"/>
+            </a:endParaRPr>
+          </a:p>
+          <a:p>
+            <a:pPr algn="l"/>
+            <a:r>
+              <a:rPr lang="es-CO" sz="2400" dirty="0">
+                <a:solidFill>
+                  <a:srgbClr val="000000"/>
+                </a:solidFill>
+                <a:latin typeface="Consolas" panose="020B0609020204030204" pitchFamily="49" charset="0"/>
+              </a:rPr>
+              <a:t>}</a:t>
+            </a:r>
+            <a:r>
+              <a:rPr lang="es-CO" sz="2400" dirty="0" err="1">
+                <a:solidFill>
+                  <a:srgbClr val="005032"/>
+                </a:solidFill>
+                <a:latin typeface="Consolas" panose="020B0609020204030204" pitchFamily="49" charset="0"/>
+              </a:rPr>
+              <a:t>accel_data</a:t>
+            </a:r>
+            <a:r>
+              <a:rPr lang="es-CO" sz="2400" dirty="0">
+                <a:solidFill>
+                  <a:srgbClr val="000000"/>
+                </a:solidFill>
+                <a:latin typeface="Consolas" panose="020B0609020204030204" pitchFamily="49" charset="0"/>
+              </a:rPr>
+              <a:t>;</a:t>
+            </a:r>
+            <a:endParaRPr lang="es-CO" sz="2400" dirty="0"/>
+          </a:p>
+        </p:txBody>
+      </p:sp>
+      <p:sp>
+        <p:nvSpPr>
+          <p:cNvPr id="15" name="CuadroTexto 14">
+            <a:extLst>
+              <a:ext uri="{FF2B5EF4-FFF2-40B4-BE49-F238E27FC236}">
+                <a16:creationId xmlns:a16="http://schemas.microsoft.com/office/drawing/2014/main" id="{3B694032-C2C3-4087-A18E-5E0FC8A98C44}"/>
+              </a:ext>
+            </a:extLst>
+          </p:cNvPr>
+          <p:cNvSpPr txBox="1"/>
+          <p:nvPr/>
+        </p:nvSpPr>
+        <p:spPr>
+          <a:xfrm>
+            <a:off x="4699655" y="1591249"/>
+            <a:ext cx="4386470" cy="3693319"/>
+          </a:xfrm>
+          <a:prstGeom prst="rect">
+            <a:avLst/>
+          </a:prstGeom>
+          <a:noFill/>
+        </p:spPr>
+        <p:txBody>
+          <a:bodyPr wrap="square">
+            <a:spAutoFit/>
+          </a:bodyPr>
+          <a:lstStyle/>
+          <a:p>
+            <a:pPr algn="l"/>
+            <a:r>
+              <a:rPr lang="en-US" sz="1800" b="1" dirty="0">
+                <a:solidFill>
+                  <a:srgbClr val="7F0055"/>
+                </a:solidFill>
+                <a:latin typeface="Consolas" panose="020B0609020204030204" pitchFamily="49" charset="0"/>
+              </a:rPr>
+              <a:t>typedef</a:t>
+            </a:r>
+            <a:r>
+              <a:rPr lang="en-US" sz="1800" b="1" dirty="0">
+                <a:solidFill>
+                  <a:srgbClr val="000000"/>
+                </a:solidFill>
+                <a:latin typeface="Consolas" panose="020B0609020204030204" pitchFamily="49" charset="0"/>
+              </a:rPr>
+              <a:t> </a:t>
+            </a:r>
+            <a:r>
+              <a:rPr lang="en-US" sz="1800" b="1" dirty="0">
+                <a:solidFill>
+                  <a:srgbClr val="7F0055"/>
+                </a:solidFill>
+                <a:latin typeface="Consolas" panose="020B0609020204030204" pitchFamily="49" charset="0"/>
+              </a:rPr>
+              <a:t>struct</a:t>
+            </a:r>
+            <a:r>
+              <a:rPr lang="en-US" sz="1800" b="1" dirty="0">
+                <a:solidFill>
+                  <a:srgbClr val="000000"/>
+                </a:solidFill>
+                <a:latin typeface="Consolas" panose="020B0609020204030204" pitchFamily="49" charset="0"/>
+              </a:rPr>
+              <a:t> </a:t>
+            </a:r>
+            <a:r>
+              <a:rPr lang="en-US" sz="1800" b="1" dirty="0" err="1">
+                <a:solidFill>
+                  <a:srgbClr val="005032"/>
+                </a:solidFill>
+                <a:latin typeface="Consolas" panose="020B0609020204030204" pitchFamily="49" charset="0"/>
+              </a:rPr>
+              <a:t>init_mpu_state</a:t>
+            </a:r>
+            <a:r>
+              <a:rPr lang="en-US" sz="1800" b="1" dirty="0">
+                <a:solidFill>
+                  <a:srgbClr val="000000"/>
+                </a:solidFill>
+                <a:latin typeface="Consolas" panose="020B0609020204030204" pitchFamily="49" charset="0"/>
+              </a:rPr>
+              <a:t> {</a:t>
+            </a:r>
+          </a:p>
+          <a:p>
+            <a:pPr algn="l"/>
+            <a:r>
+              <a:rPr lang="es-CO" sz="1800" dirty="0" err="1">
+                <a:solidFill>
+                  <a:srgbClr val="005032"/>
+                </a:solidFill>
+                <a:latin typeface="Consolas" panose="020B0609020204030204" pitchFamily="49" charset="0"/>
+              </a:rPr>
+              <a:t>bool_t</a:t>
+            </a:r>
+            <a:r>
+              <a:rPr lang="es-CO" sz="1800" dirty="0">
+                <a:solidFill>
+                  <a:srgbClr val="000000"/>
+                </a:solidFill>
+                <a:latin typeface="Consolas" panose="020B0609020204030204" pitchFamily="49" charset="0"/>
+              </a:rPr>
+              <a:t> </a:t>
+            </a:r>
+            <a:r>
+              <a:rPr lang="es-CO" sz="1800" dirty="0" err="1">
+                <a:solidFill>
+                  <a:srgbClr val="0000C0"/>
+                </a:solidFill>
+                <a:latin typeface="Consolas" panose="020B0609020204030204" pitchFamily="49" charset="0"/>
+              </a:rPr>
+              <a:t>clock_st</a:t>
+            </a:r>
+            <a:r>
+              <a:rPr lang="es-CO" sz="1800" dirty="0">
+                <a:solidFill>
+                  <a:srgbClr val="000000"/>
+                </a:solidFill>
+                <a:latin typeface="Consolas" panose="020B0609020204030204" pitchFamily="49" charset="0"/>
+              </a:rPr>
+              <a:t>;</a:t>
+            </a:r>
+          </a:p>
+          <a:p>
+            <a:pPr algn="l"/>
+            <a:r>
+              <a:rPr lang="es-CO" sz="1800" dirty="0" err="1">
+                <a:solidFill>
+                  <a:srgbClr val="005032"/>
+                </a:solidFill>
+                <a:latin typeface="Consolas" panose="020B0609020204030204" pitchFamily="49" charset="0"/>
+              </a:rPr>
+              <a:t>bool_t</a:t>
+            </a:r>
+            <a:r>
+              <a:rPr lang="es-CO" sz="1800" dirty="0">
+                <a:solidFill>
+                  <a:srgbClr val="000000"/>
+                </a:solidFill>
+                <a:latin typeface="Consolas" panose="020B0609020204030204" pitchFamily="49" charset="0"/>
+              </a:rPr>
+              <a:t> </a:t>
+            </a:r>
+            <a:r>
+              <a:rPr lang="es-CO" sz="1800" dirty="0" err="1">
+                <a:solidFill>
+                  <a:srgbClr val="0000C0"/>
+                </a:solidFill>
+                <a:latin typeface="Consolas" panose="020B0609020204030204" pitchFamily="49" charset="0"/>
+              </a:rPr>
+              <a:t>accel_st</a:t>
+            </a:r>
+            <a:r>
+              <a:rPr lang="es-CO" sz="1800" dirty="0">
+                <a:solidFill>
+                  <a:srgbClr val="000000"/>
+                </a:solidFill>
+                <a:latin typeface="Consolas" panose="020B0609020204030204" pitchFamily="49" charset="0"/>
+              </a:rPr>
+              <a:t>;</a:t>
+            </a:r>
+          </a:p>
+          <a:p>
+            <a:pPr algn="l"/>
+            <a:r>
+              <a:rPr lang="en-US" sz="1800" dirty="0" err="1">
+                <a:solidFill>
+                  <a:srgbClr val="005032"/>
+                </a:solidFill>
+                <a:latin typeface="Consolas" panose="020B0609020204030204" pitchFamily="49" charset="0"/>
+              </a:rPr>
+              <a:t>bool_t</a:t>
+            </a:r>
+            <a:r>
+              <a:rPr lang="en-US" sz="1800" dirty="0">
+                <a:solidFill>
+                  <a:srgbClr val="000000"/>
+                </a:solidFill>
+                <a:latin typeface="Consolas" panose="020B0609020204030204" pitchFamily="49" charset="0"/>
+              </a:rPr>
+              <a:t> </a:t>
+            </a:r>
+            <a:r>
+              <a:rPr lang="en-US" sz="1800" dirty="0" err="1">
+                <a:solidFill>
+                  <a:srgbClr val="0000C0"/>
+                </a:solidFill>
+                <a:latin typeface="Consolas" panose="020B0609020204030204" pitchFamily="49" charset="0"/>
+              </a:rPr>
+              <a:t>gyro_disable_st</a:t>
+            </a:r>
+            <a:r>
+              <a:rPr lang="en-US" sz="1800" dirty="0">
+                <a:solidFill>
+                  <a:srgbClr val="000000"/>
+                </a:solidFill>
+                <a:latin typeface="Consolas" panose="020B0609020204030204" pitchFamily="49" charset="0"/>
+              </a:rPr>
+              <a:t>;</a:t>
+            </a:r>
+          </a:p>
+          <a:p>
+            <a:pPr algn="l"/>
+            <a:r>
+              <a:rPr lang="en-US" sz="1800" dirty="0" err="1">
+                <a:solidFill>
+                  <a:srgbClr val="005032"/>
+                </a:solidFill>
+                <a:latin typeface="Consolas" panose="020B0609020204030204" pitchFamily="49" charset="0"/>
+              </a:rPr>
+              <a:t>bool_t</a:t>
+            </a:r>
+            <a:r>
+              <a:rPr lang="en-US" sz="1800" dirty="0">
+                <a:solidFill>
+                  <a:srgbClr val="000000"/>
+                </a:solidFill>
+                <a:latin typeface="Consolas" panose="020B0609020204030204" pitchFamily="49" charset="0"/>
+              </a:rPr>
+              <a:t> </a:t>
+            </a:r>
+            <a:r>
+              <a:rPr lang="en-US" sz="1800" dirty="0" err="1">
+                <a:solidFill>
+                  <a:srgbClr val="0000C0"/>
+                </a:solidFill>
+                <a:latin typeface="Consolas" panose="020B0609020204030204" pitchFamily="49" charset="0"/>
+              </a:rPr>
+              <a:t>filter_accel_st</a:t>
+            </a:r>
+            <a:r>
+              <a:rPr lang="en-US" sz="1800" dirty="0">
+                <a:solidFill>
+                  <a:srgbClr val="000000"/>
+                </a:solidFill>
+                <a:latin typeface="Consolas" panose="020B0609020204030204" pitchFamily="49" charset="0"/>
+              </a:rPr>
+              <a:t>;</a:t>
+            </a:r>
+          </a:p>
+          <a:p>
+            <a:pPr algn="l"/>
+            <a:r>
+              <a:rPr lang="en-US" sz="1800" dirty="0" err="1">
+                <a:solidFill>
+                  <a:srgbClr val="005032"/>
+                </a:solidFill>
+                <a:latin typeface="Consolas" panose="020B0609020204030204" pitchFamily="49" charset="0"/>
+              </a:rPr>
+              <a:t>bool_t</a:t>
+            </a:r>
+            <a:r>
+              <a:rPr lang="en-US" sz="1800" dirty="0">
+                <a:solidFill>
+                  <a:srgbClr val="000000"/>
+                </a:solidFill>
+                <a:latin typeface="Consolas" panose="020B0609020204030204" pitchFamily="49" charset="0"/>
+              </a:rPr>
+              <a:t> </a:t>
+            </a:r>
+            <a:r>
+              <a:rPr lang="en-US" sz="1800" dirty="0" err="1">
+                <a:solidFill>
+                  <a:srgbClr val="0000C0"/>
+                </a:solidFill>
+                <a:latin typeface="Consolas" panose="020B0609020204030204" pitchFamily="49" charset="0"/>
+              </a:rPr>
+              <a:t>filter_gyro_st</a:t>
+            </a:r>
+            <a:r>
+              <a:rPr lang="en-US" sz="1800" dirty="0">
+                <a:solidFill>
+                  <a:srgbClr val="000000"/>
+                </a:solidFill>
+                <a:latin typeface="Consolas" panose="020B0609020204030204" pitchFamily="49" charset="0"/>
+              </a:rPr>
+              <a:t>;</a:t>
+            </a:r>
+          </a:p>
+          <a:p>
+            <a:pPr algn="l"/>
+            <a:r>
+              <a:rPr lang="en-US" sz="1800" dirty="0" err="1">
+                <a:solidFill>
+                  <a:srgbClr val="005032"/>
+                </a:solidFill>
+                <a:latin typeface="Consolas" panose="020B0609020204030204" pitchFamily="49" charset="0"/>
+              </a:rPr>
+              <a:t>bool_t</a:t>
+            </a:r>
+            <a:r>
+              <a:rPr lang="en-US" sz="1800" dirty="0">
+                <a:solidFill>
+                  <a:srgbClr val="000000"/>
+                </a:solidFill>
+                <a:latin typeface="Consolas" panose="020B0609020204030204" pitchFamily="49" charset="0"/>
+              </a:rPr>
+              <a:t> </a:t>
+            </a:r>
+            <a:r>
+              <a:rPr lang="en-US" sz="1800" dirty="0" err="1">
+                <a:solidFill>
+                  <a:srgbClr val="0000C0"/>
+                </a:solidFill>
+                <a:latin typeface="Consolas" panose="020B0609020204030204" pitchFamily="49" charset="0"/>
+              </a:rPr>
+              <a:t>user_ctrl_st</a:t>
+            </a:r>
+            <a:r>
+              <a:rPr lang="en-US" sz="1800" dirty="0">
+                <a:solidFill>
+                  <a:srgbClr val="000000"/>
+                </a:solidFill>
+                <a:latin typeface="Consolas" panose="020B0609020204030204" pitchFamily="49" charset="0"/>
+              </a:rPr>
+              <a:t>;</a:t>
+            </a:r>
+          </a:p>
+          <a:p>
+            <a:pPr algn="l"/>
+            <a:r>
+              <a:rPr lang="en-US" sz="1800" dirty="0" err="1">
+                <a:solidFill>
+                  <a:srgbClr val="005032"/>
+                </a:solidFill>
+                <a:latin typeface="Consolas" panose="020B0609020204030204" pitchFamily="49" charset="0"/>
+              </a:rPr>
+              <a:t>bool_t</a:t>
+            </a:r>
+            <a:r>
+              <a:rPr lang="en-US" sz="1800" dirty="0">
+                <a:solidFill>
+                  <a:srgbClr val="000000"/>
+                </a:solidFill>
+                <a:latin typeface="Consolas" panose="020B0609020204030204" pitchFamily="49" charset="0"/>
+              </a:rPr>
+              <a:t> </a:t>
+            </a:r>
+            <a:r>
+              <a:rPr lang="en-US" sz="1800" dirty="0">
+                <a:solidFill>
+                  <a:srgbClr val="0000C0"/>
+                </a:solidFill>
+                <a:latin typeface="Consolas" panose="020B0609020204030204" pitchFamily="49" charset="0"/>
+              </a:rPr>
+              <a:t>bypass_i2c_st</a:t>
+            </a:r>
+            <a:r>
+              <a:rPr lang="en-US" sz="1800" dirty="0">
+                <a:solidFill>
+                  <a:srgbClr val="000000"/>
+                </a:solidFill>
+                <a:latin typeface="Consolas" panose="020B0609020204030204" pitchFamily="49" charset="0"/>
+              </a:rPr>
+              <a:t>;</a:t>
+            </a:r>
+          </a:p>
+          <a:p>
+            <a:pPr algn="l"/>
+            <a:r>
+              <a:rPr lang="nl-NL" sz="1800" dirty="0">
+                <a:solidFill>
+                  <a:srgbClr val="005032"/>
+                </a:solidFill>
+                <a:latin typeface="Consolas" panose="020B0609020204030204" pitchFamily="49" charset="0"/>
+              </a:rPr>
+              <a:t>bool_t</a:t>
+            </a:r>
+            <a:r>
+              <a:rPr lang="nl-NL" sz="1800" dirty="0">
+                <a:solidFill>
+                  <a:srgbClr val="000000"/>
+                </a:solidFill>
+                <a:latin typeface="Consolas" panose="020B0609020204030204" pitchFamily="49" charset="0"/>
+              </a:rPr>
+              <a:t> </a:t>
+            </a:r>
+            <a:r>
+              <a:rPr lang="nl-NL" sz="1800" dirty="0">
+                <a:solidFill>
+                  <a:srgbClr val="0000C0"/>
+                </a:solidFill>
+                <a:latin typeface="Consolas" panose="020B0609020204030204" pitchFamily="49" charset="0"/>
+              </a:rPr>
+              <a:t>mag_ene_st</a:t>
+            </a:r>
+            <a:r>
+              <a:rPr lang="nl-NL" sz="1800" dirty="0">
+                <a:solidFill>
+                  <a:srgbClr val="000000"/>
+                </a:solidFill>
+                <a:latin typeface="Consolas" panose="020B0609020204030204" pitchFamily="49" charset="0"/>
+              </a:rPr>
+              <a:t>;</a:t>
+            </a:r>
+          </a:p>
+          <a:p>
+            <a:pPr algn="l"/>
+            <a:r>
+              <a:rPr lang="en-US" sz="1800" dirty="0" err="1">
+                <a:solidFill>
+                  <a:srgbClr val="005032"/>
+                </a:solidFill>
+                <a:latin typeface="Consolas" panose="020B0609020204030204" pitchFamily="49" charset="0"/>
+              </a:rPr>
+              <a:t>bool_t</a:t>
+            </a:r>
+            <a:r>
+              <a:rPr lang="en-US" sz="1800" dirty="0">
+                <a:solidFill>
+                  <a:srgbClr val="000000"/>
+                </a:solidFill>
+                <a:latin typeface="Consolas" panose="020B0609020204030204" pitchFamily="49" charset="0"/>
+              </a:rPr>
+              <a:t> </a:t>
+            </a:r>
+            <a:r>
+              <a:rPr lang="en-US" sz="1800" dirty="0" err="1">
+                <a:solidFill>
+                  <a:srgbClr val="0000C0"/>
+                </a:solidFill>
+                <a:latin typeface="Consolas" panose="020B0609020204030204" pitchFamily="49" charset="0"/>
+              </a:rPr>
+              <a:t>mag_set_sense_st</a:t>
+            </a:r>
+            <a:r>
+              <a:rPr lang="en-US" sz="1800" dirty="0">
+                <a:solidFill>
+                  <a:srgbClr val="000000"/>
+                </a:solidFill>
+                <a:latin typeface="Consolas" panose="020B0609020204030204" pitchFamily="49" charset="0"/>
+              </a:rPr>
+              <a:t>;</a:t>
+            </a:r>
+          </a:p>
+          <a:p>
+            <a:pPr algn="l"/>
+            <a:r>
+              <a:rPr lang="es-CO" sz="1800" dirty="0" err="1">
+                <a:solidFill>
+                  <a:srgbClr val="005032"/>
+                </a:solidFill>
+                <a:latin typeface="Consolas" panose="020B0609020204030204" pitchFamily="49" charset="0"/>
+              </a:rPr>
+              <a:t>bool_t</a:t>
+            </a:r>
+            <a:r>
+              <a:rPr lang="es-CO" sz="1800" dirty="0">
+                <a:solidFill>
+                  <a:srgbClr val="000000"/>
+                </a:solidFill>
+                <a:latin typeface="Consolas" panose="020B0609020204030204" pitchFamily="49" charset="0"/>
+              </a:rPr>
+              <a:t> </a:t>
+            </a:r>
+            <a:r>
+              <a:rPr lang="es-CO" sz="1800" dirty="0" err="1">
+                <a:solidFill>
+                  <a:srgbClr val="0000C0"/>
+                </a:solidFill>
+                <a:latin typeface="Consolas" panose="020B0609020204030204" pitchFamily="49" charset="0"/>
+              </a:rPr>
+              <a:t>mag_set_mode_st</a:t>
+            </a:r>
+            <a:r>
+              <a:rPr lang="es-CO" sz="1800" dirty="0">
+                <a:solidFill>
+                  <a:srgbClr val="000000"/>
+                </a:solidFill>
+                <a:latin typeface="Consolas" panose="020B0609020204030204" pitchFamily="49" charset="0"/>
+              </a:rPr>
+              <a:t>;</a:t>
+            </a:r>
+          </a:p>
+          <a:p>
+            <a:pPr algn="l"/>
+            <a:r>
+              <a:rPr lang="en-US" sz="1800" dirty="0" err="1">
+                <a:solidFill>
+                  <a:srgbClr val="005032"/>
+                </a:solidFill>
+                <a:latin typeface="Consolas" panose="020B0609020204030204" pitchFamily="49" charset="0"/>
+              </a:rPr>
+              <a:t>bool_t</a:t>
+            </a:r>
+            <a:r>
+              <a:rPr lang="en-US" sz="1800" dirty="0">
+                <a:solidFill>
+                  <a:srgbClr val="000000"/>
+                </a:solidFill>
+                <a:latin typeface="Consolas" panose="020B0609020204030204" pitchFamily="49" charset="0"/>
+              </a:rPr>
+              <a:t> </a:t>
+            </a:r>
+            <a:r>
+              <a:rPr lang="en-US" sz="1800" dirty="0" err="1">
+                <a:solidFill>
+                  <a:srgbClr val="0000C0"/>
+                </a:solidFill>
+                <a:latin typeface="Consolas" panose="020B0609020204030204" pitchFamily="49" charset="0"/>
+              </a:rPr>
+              <a:t>who_am_i_st</a:t>
+            </a:r>
+            <a:r>
+              <a:rPr lang="en-US" sz="1800" dirty="0">
+                <a:solidFill>
+                  <a:srgbClr val="000000"/>
+                </a:solidFill>
+                <a:latin typeface="Consolas" panose="020B0609020204030204" pitchFamily="49" charset="0"/>
+              </a:rPr>
+              <a:t>;</a:t>
+            </a:r>
+          </a:p>
+          <a:p>
+            <a:pPr algn="l"/>
+            <a:r>
+              <a:rPr lang="es-CO" sz="1800" dirty="0">
+                <a:solidFill>
+                  <a:srgbClr val="000000"/>
+                </a:solidFill>
+                <a:latin typeface="Consolas" panose="020B0609020204030204" pitchFamily="49" charset="0"/>
+              </a:rPr>
+              <a:t>}</a:t>
+            </a:r>
+            <a:r>
+              <a:rPr lang="es-CO" sz="1800" dirty="0" err="1">
+                <a:solidFill>
+                  <a:srgbClr val="005032"/>
+                </a:solidFill>
+                <a:latin typeface="Consolas" panose="020B0609020204030204" pitchFamily="49" charset="0"/>
+              </a:rPr>
+              <a:t>init_mpu_state</a:t>
+            </a:r>
+            <a:r>
+              <a:rPr lang="es-CO" sz="1800" dirty="0">
+                <a:solidFill>
+                  <a:srgbClr val="000000"/>
+                </a:solidFill>
+                <a:latin typeface="Consolas" panose="020B0609020204030204" pitchFamily="49" charset="0"/>
+              </a:rPr>
+              <a:t>;</a:t>
+            </a:r>
+            <a:endParaRPr lang="es-CO" dirty="0"/>
+          </a:p>
+        </p:txBody>
+      </p:sp>
+    </p:spTree>
+    <p:extLst>
+      <p:ext uri="{BB962C8B-B14F-4D97-AF65-F5344CB8AC3E}">
+        <p14:creationId xmlns:p14="http://schemas.microsoft.com/office/powerpoint/2010/main" val="207038314"/>
+      </p:ext>
+    </p:extLst>
+  </p:cSld>
+  <p:clrMapOvr>
+    <a:masterClrMapping/>
+  </p:clrMapOvr>
+</p:sld>
+</file>
+
+<file path=ppt/slides/slide11.xml><?xml version="1.0" encoding="utf-8"?>
+<p:sld xmlns:a="http://schemas.openxmlformats.org/drawingml/2006/main" xmlns:r="http://schemas.openxmlformats.org/officeDocument/2006/relationships" xmlns:p="http://schemas.openxmlformats.org/presentationml/2006/main">
+  <p:cSld>
+    <p:spTree>
+      <p:nvGrpSpPr>
+        <p:cNvPr id="1" name=""/>
+        <p:cNvGrpSpPr/>
+        <p:nvPr/>
+      </p:nvGrpSpPr>
+      <p:grpSpPr>
+        <a:xfrm>
+          <a:off x="0" y="0"/>
+          <a:ext cx="0" cy="0"/>
+          <a:chOff x="0" y="0"/>
+          <a:chExt cx="0" cy="0"/>
+        </a:xfrm>
+      </p:grpSpPr>
+      <p:pic>
+        <p:nvPicPr>
+          <p:cNvPr id="5" name="Imagen 4">
+            <a:extLst>
+              <a:ext uri="{FF2B5EF4-FFF2-40B4-BE49-F238E27FC236}">
+                <a16:creationId xmlns:a16="http://schemas.microsoft.com/office/drawing/2014/main" id="{E2E11275-344B-4AFF-A6B5-28B62C96D89B}"/>
+              </a:ext>
+            </a:extLst>
+          </p:cNvPr>
+          <p:cNvPicPr>
+            <a:picLocks noChangeAspect="1"/>
+          </p:cNvPicPr>
+          <p:nvPr/>
+        </p:nvPicPr>
+        <p:blipFill>
+          <a:blip r:embed="rId2"/>
+          <a:stretch>
+            <a:fillRect/>
+          </a:stretch>
+        </p:blipFill>
+        <p:spPr>
+          <a:xfrm>
+            <a:off x="0" y="6218365"/>
+            <a:ext cx="1772529" cy="584935"/>
+          </a:xfrm>
+          <a:prstGeom prst="rect">
+            <a:avLst/>
+          </a:prstGeom>
+          <a:ln>
+            <a:noFill/>
+          </a:ln>
+        </p:spPr>
+      </p:pic>
+      <p:sp>
+        <p:nvSpPr>
+          <p:cNvPr id="7" name="CuadroTexto 6">
+            <a:extLst>
+              <a:ext uri="{FF2B5EF4-FFF2-40B4-BE49-F238E27FC236}">
+                <a16:creationId xmlns:a16="http://schemas.microsoft.com/office/drawing/2014/main" id="{59A16C2D-7A7D-4B01-AB71-3B2F8854B9AA}"/>
+              </a:ext>
+            </a:extLst>
+          </p:cNvPr>
+          <p:cNvSpPr txBox="1"/>
+          <p:nvPr/>
+        </p:nvSpPr>
+        <p:spPr>
+          <a:xfrm>
+            <a:off x="138398" y="1016852"/>
+            <a:ext cx="5957602" cy="461665"/>
+          </a:xfrm>
+          <a:prstGeom prst="rect">
+            <a:avLst/>
+          </a:prstGeom>
+          <a:noFill/>
+        </p:spPr>
+        <p:txBody>
+          <a:bodyPr wrap="square" rtlCol="0">
+            <a:spAutoFit/>
+          </a:bodyPr>
+          <a:lstStyle/>
+          <a:p>
+            <a:pPr algn="ctr"/>
+            <a:r>
+              <a:rPr lang="es-CO" sz="2400" b="1" dirty="0"/>
+              <a:t>Implementación: </a:t>
+            </a:r>
+            <a:r>
+              <a:rPr lang="es-CO" sz="2400" dirty="0"/>
+              <a:t>definiciones y variables</a:t>
+            </a:r>
+          </a:p>
+        </p:txBody>
+      </p:sp>
+      <p:sp>
+        <p:nvSpPr>
+          <p:cNvPr id="9" name="CuadroTexto 8">
+            <a:extLst>
+              <a:ext uri="{FF2B5EF4-FFF2-40B4-BE49-F238E27FC236}">
+                <a16:creationId xmlns:a16="http://schemas.microsoft.com/office/drawing/2014/main" id="{6BE66211-3F15-4D36-888E-CFE40F050B66}"/>
+              </a:ext>
+            </a:extLst>
+          </p:cNvPr>
+          <p:cNvSpPr txBox="1"/>
+          <p:nvPr/>
+        </p:nvSpPr>
+        <p:spPr>
+          <a:xfrm>
+            <a:off x="5785536" y="1064134"/>
+            <a:ext cx="3277772" cy="461665"/>
+          </a:xfrm>
+          <a:prstGeom prst="rect">
+            <a:avLst/>
+          </a:prstGeom>
+          <a:noFill/>
+        </p:spPr>
+        <p:txBody>
+          <a:bodyPr wrap="square" rtlCol="0">
+            <a:spAutoFit/>
+          </a:bodyPr>
+          <a:lstStyle/>
+          <a:p>
+            <a:pPr algn="ctr"/>
+            <a:r>
+              <a:rPr lang="es-CO" sz="2400" b="1" dirty="0" err="1"/>
+              <a:t>accel.h</a:t>
+            </a:r>
+            <a:endParaRPr lang="es-CO" sz="2400" b="1" dirty="0"/>
+          </a:p>
+        </p:txBody>
+      </p:sp>
+      <p:sp>
+        <p:nvSpPr>
+          <p:cNvPr id="2" name="Marcador de número de diapositiva 1">
+            <a:extLst>
+              <a:ext uri="{FF2B5EF4-FFF2-40B4-BE49-F238E27FC236}">
+                <a16:creationId xmlns:a16="http://schemas.microsoft.com/office/drawing/2014/main" id="{AE9EB885-4E7D-47D5-BD01-D3396405E2A7}"/>
+              </a:ext>
+            </a:extLst>
+          </p:cNvPr>
+          <p:cNvSpPr>
+            <a:spLocks noGrp="1"/>
+          </p:cNvSpPr>
+          <p:nvPr>
+            <p:ph type="sldNum" sz="quarter" idx="12"/>
+          </p:nvPr>
+        </p:nvSpPr>
+        <p:spPr/>
+        <p:txBody>
+          <a:bodyPr/>
+          <a:lstStyle/>
+          <a:p>
+            <a:fld id="{0B7B45CF-70C9-4F7E-9F10-375FE2ADAE22}" type="slidenum">
+              <a:rPr lang="es-CO" smtClean="0"/>
+              <a:t>11</a:t>
+            </a:fld>
+            <a:endParaRPr lang="es-CO"/>
+          </a:p>
+        </p:txBody>
+      </p:sp>
+      <p:sp>
+        <p:nvSpPr>
+          <p:cNvPr id="11" name="CuadroTexto 10">
+            <a:extLst>
+              <a:ext uri="{FF2B5EF4-FFF2-40B4-BE49-F238E27FC236}">
+                <a16:creationId xmlns:a16="http://schemas.microsoft.com/office/drawing/2014/main" id="{569533A7-51D3-4BEF-BD65-6AAA3247FD03}"/>
+              </a:ext>
+            </a:extLst>
+          </p:cNvPr>
+          <p:cNvSpPr txBox="1"/>
+          <p:nvPr/>
+        </p:nvSpPr>
+        <p:spPr>
+          <a:xfrm>
+            <a:off x="138398" y="347167"/>
+            <a:ext cx="9124872" cy="523220"/>
+          </a:xfrm>
+          <a:prstGeom prst="rect">
+            <a:avLst/>
+          </a:prstGeom>
+          <a:noFill/>
+        </p:spPr>
+        <p:txBody>
+          <a:bodyPr wrap="square" rtlCol="0">
+            <a:spAutoFit/>
+          </a:bodyPr>
+          <a:lstStyle/>
+          <a:p>
+            <a:pPr algn="just"/>
+            <a:r>
+              <a:rPr lang="pt-BR" sz="2800" b="1" dirty="0"/>
+              <a:t>Driver acelerómetro módulo MPU9250 a través de I2C</a:t>
+            </a:r>
+          </a:p>
+        </p:txBody>
+      </p:sp>
+      <p:sp>
+        <p:nvSpPr>
+          <p:cNvPr id="12" name="CuadroTexto 11">
+            <a:extLst>
+              <a:ext uri="{FF2B5EF4-FFF2-40B4-BE49-F238E27FC236}">
+                <a16:creationId xmlns:a16="http://schemas.microsoft.com/office/drawing/2014/main" id="{8E9F1B07-A76A-47A0-9388-E8B439E9C6ED}"/>
+              </a:ext>
+            </a:extLst>
+          </p:cNvPr>
+          <p:cNvSpPr txBox="1"/>
+          <p:nvPr/>
+        </p:nvSpPr>
+        <p:spPr>
+          <a:xfrm>
+            <a:off x="715619" y="1525799"/>
+            <a:ext cx="10957916" cy="5016758"/>
+          </a:xfrm>
+          <a:prstGeom prst="rect">
+            <a:avLst/>
+          </a:prstGeom>
+          <a:noFill/>
+        </p:spPr>
+        <p:txBody>
+          <a:bodyPr wrap="square">
+            <a:spAutoFit/>
+          </a:bodyPr>
+          <a:lstStyle/>
+          <a:p>
+            <a:pPr algn="l"/>
+            <a:r>
+              <a:rPr lang="en-US" sz="2000" dirty="0" err="1">
+                <a:solidFill>
+                  <a:srgbClr val="005032"/>
+                </a:solidFill>
+                <a:latin typeface="Consolas" panose="020B0609020204030204" pitchFamily="49" charset="0"/>
+              </a:rPr>
+              <a:t>init_mpu_state</a:t>
+            </a:r>
+            <a:r>
+              <a:rPr lang="en-US" sz="2000" dirty="0">
+                <a:solidFill>
+                  <a:srgbClr val="000000"/>
+                </a:solidFill>
+                <a:latin typeface="Consolas" panose="020B0609020204030204" pitchFamily="49" charset="0"/>
+              </a:rPr>
+              <a:t> </a:t>
+            </a:r>
+            <a:r>
+              <a:rPr lang="en-US" sz="2000" dirty="0" err="1">
+                <a:solidFill>
+                  <a:srgbClr val="000000"/>
+                </a:solidFill>
+                <a:latin typeface="Consolas" panose="020B0609020204030204" pitchFamily="49" charset="0"/>
+              </a:rPr>
+              <a:t>init_state</a:t>
+            </a:r>
+            <a:r>
+              <a:rPr lang="en-US" sz="2000" dirty="0">
+                <a:solidFill>
+                  <a:srgbClr val="000000"/>
+                </a:solidFill>
+                <a:latin typeface="Consolas" panose="020B0609020204030204" pitchFamily="49" charset="0"/>
+              </a:rPr>
+              <a:t>;</a:t>
+            </a:r>
+          </a:p>
+          <a:p>
+            <a:pPr algn="l"/>
+            <a:endParaRPr lang="es-CO" sz="2000" dirty="0">
+              <a:latin typeface="Consolas" panose="020B0609020204030204" pitchFamily="49" charset="0"/>
+            </a:endParaRPr>
+          </a:p>
+          <a:p>
+            <a:pPr algn="l"/>
+            <a:r>
+              <a:rPr lang="es-CO" sz="2000" dirty="0" err="1">
+                <a:solidFill>
+                  <a:srgbClr val="005032"/>
+                </a:solidFill>
+                <a:latin typeface="Consolas" panose="020B0609020204030204" pitchFamily="49" charset="0"/>
+              </a:rPr>
+              <a:t>init_mpu_state</a:t>
+            </a:r>
+            <a:r>
+              <a:rPr lang="es-CO" sz="2000" dirty="0">
+                <a:solidFill>
+                  <a:srgbClr val="000000"/>
+                </a:solidFill>
+                <a:latin typeface="Consolas" panose="020B0609020204030204" pitchFamily="49" charset="0"/>
+              </a:rPr>
+              <a:t> </a:t>
+            </a:r>
+            <a:r>
+              <a:rPr lang="es-CO" sz="2000" b="1" dirty="0" err="1">
+                <a:solidFill>
+                  <a:srgbClr val="000000"/>
+                </a:solidFill>
+                <a:latin typeface="Consolas" panose="020B0609020204030204" pitchFamily="49" charset="0"/>
+              </a:rPr>
+              <a:t>accel_init</a:t>
+            </a:r>
+            <a:r>
+              <a:rPr lang="es-CO" sz="2000" b="1" dirty="0">
+                <a:solidFill>
+                  <a:srgbClr val="000000"/>
+                </a:solidFill>
+                <a:latin typeface="Consolas" panose="020B0609020204030204" pitchFamily="49" charset="0"/>
+              </a:rPr>
+              <a:t>(</a:t>
+            </a:r>
+            <a:r>
+              <a:rPr lang="es-CO" sz="2000" b="1" dirty="0">
+                <a:solidFill>
+                  <a:srgbClr val="005032"/>
+                </a:solidFill>
+                <a:latin typeface="Consolas" panose="020B0609020204030204" pitchFamily="49" charset="0"/>
+              </a:rPr>
+              <a:t>I2C_TypeDef</a:t>
+            </a:r>
+            <a:r>
+              <a:rPr lang="es-CO" sz="2000" b="1" dirty="0">
+                <a:solidFill>
+                  <a:srgbClr val="000000"/>
+                </a:solidFill>
+                <a:latin typeface="Consolas" panose="020B0609020204030204" pitchFamily="49" charset="0"/>
+              </a:rPr>
+              <a:t> * I2C_PORT){</a:t>
+            </a:r>
+          </a:p>
+          <a:p>
+            <a:pPr algn="l"/>
+            <a:r>
+              <a:rPr lang="es-CO" sz="2000" dirty="0">
+                <a:solidFill>
+                  <a:srgbClr val="000000"/>
+                </a:solidFill>
+                <a:latin typeface="Consolas" panose="020B0609020204030204" pitchFamily="49" charset="0"/>
+              </a:rPr>
+              <a:t>I2C_config(I2C_PORT);</a:t>
+            </a:r>
+          </a:p>
+          <a:p>
+            <a:pPr algn="l"/>
+            <a:endParaRPr lang="es-CO" sz="2000" dirty="0">
+              <a:latin typeface="Consolas" panose="020B0609020204030204" pitchFamily="49" charset="0"/>
+            </a:endParaRPr>
+          </a:p>
+          <a:p>
+            <a:pPr algn="l"/>
+            <a:r>
+              <a:rPr lang="es-CO" sz="2000" dirty="0">
+                <a:solidFill>
+                  <a:srgbClr val="3F7F5F"/>
+                </a:solidFill>
+                <a:latin typeface="Consolas" panose="020B0609020204030204" pitchFamily="49" charset="0"/>
+              </a:rPr>
+              <a:t>/*</a:t>
+            </a:r>
+          </a:p>
+          <a:p>
+            <a:pPr algn="l"/>
+            <a:r>
+              <a:rPr lang="es-CO" sz="2000" dirty="0">
+                <a:solidFill>
+                  <a:srgbClr val="3F7F5F"/>
+                </a:solidFill>
+                <a:latin typeface="Consolas" panose="020B0609020204030204" pitchFamily="49" charset="0"/>
+              </a:rPr>
+              <a:t> *</a:t>
+            </a:r>
+          </a:p>
+          <a:p>
+            <a:pPr algn="l"/>
+            <a:r>
+              <a:rPr lang="es-ES" sz="2000" dirty="0">
+                <a:solidFill>
+                  <a:srgbClr val="3F7F5F"/>
+                </a:solidFill>
+                <a:latin typeface="Consolas" panose="020B0609020204030204" pitchFamily="49" charset="0"/>
+              </a:rPr>
+              <a:t> * </a:t>
+            </a:r>
+            <a:r>
+              <a:rPr lang="es-ES" sz="2000" u="sng" dirty="0">
+                <a:solidFill>
+                  <a:srgbClr val="3F7F5F"/>
+                </a:solidFill>
+                <a:latin typeface="Consolas" panose="020B0609020204030204" pitchFamily="49" charset="0"/>
+              </a:rPr>
+              <a:t>Se deshabilita la posibilidad de que el </a:t>
+            </a:r>
+            <a:r>
+              <a:rPr lang="es-ES" sz="2000" u="sng" dirty="0" err="1">
+                <a:solidFill>
+                  <a:srgbClr val="3F7F5F"/>
+                </a:solidFill>
+                <a:latin typeface="Consolas" panose="020B0609020204030204" pitchFamily="49" charset="0"/>
+              </a:rPr>
+              <a:t>mpu</a:t>
+            </a:r>
+            <a:r>
+              <a:rPr lang="es-ES" sz="2000" u="sng" dirty="0">
+                <a:solidFill>
+                  <a:srgbClr val="3F7F5F"/>
+                </a:solidFill>
+                <a:latin typeface="Consolas" panose="020B0609020204030204" pitchFamily="49" charset="0"/>
+              </a:rPr>
+              <a:t> sea master</a:t>
+            </a:r>
+          </a:p>
+          <a:p>
+            <a:pPr algn="l"/>
+            <a:r>
+              <a:rPr lang="es-CO" sz="2000" dirty="0">
+                <a:solidFill>
+                  <a:srgbClr val="3F7F5F"/>
+                </a:solidFill>
+                <a:latin typeface="Consolas" panose="020B0609020204030204" pitchFamily="49" charset="0"/>
+              </a:rPr>
+              <a:t> * */</a:t>
+            </a:r>
+          </a:p>
+          <a:p>
+            <a:pPr algn="l"/>
+            <a:endParaRPr lang="es-CO" sz="2000" dirty="0">
+              <a:latin typeface="Consolas" panose="020B0609020204030204" pitchFamily="49" charset="0"/>
+            </a:endParaRPr>
+          </a:p>
+          <a:p>
+            <a:pPr algn="l"/>
+            <a:r>
+              <a:rPr lang="en-US" sz="2000" b="1" dirty="0">
+                <a:solidFill>
+                  <a:srgbClr val="7F0055"/>
+                </a:solidFill>
+                <a:latin typeface="Consolas" panose="020B0609020204030204" pitchFamily="49" charset="0"/>
+              </a:rPr>
+              <a:t>if</a:t>
+            </a:r>
+            <a:r>
+              <a:rPr lang="en-US" sz="2000" b="1" dirty="0">
+                <a:solidFill>
+                  <a:srgbClr val="000000"/>
+                </a:solidFill>
+                <a:latin typeface="Consolas" panose="020B0609020204030204" pitchFamily="49" charset="0"/>
+              </a:rPr>
+              <a:t> (I2C_write(MPU_ADDRESS, CTRL_MASTER_I2C, 0b00000000u) == true){</a:t>
+            </a:r>
+          </a:p>
+          <a:p>
+            <a:pPr algn="l"/>
+            <a:r>
+              <a:rPr lang="en-US" sz="2000" dirty="0" err="1">
+                <a:solidFill>
+                  <a:srgbClr val="000000"/>
+                </a:solidFill>
+                <a:latin typeface="Consolas" panose="020B0609020204030204" pitchFamily="49" charset="0"/>
+              </a:rPr>
+              <a:t>init_state.</a:t>
+            </a:r>
+            <a:r>
+              <a:rPr lang="en-US" sz="2000" dirty="0" err="1">
+                <a:solidFill>
+                  <a:srgbClr val="0000C0"/>
+                </a:solidFill>
+                <a:latin typeface="Consolas" panose="020B0609020204030204" pitchFamily="49" charset="0"/>
+              </a:rPr>
+              <a:t>user_ctrl_st</a:t>
+            </a:r>
+            <a:r>
+              <a:rPr lang="en-US" sz="2000" dirty="0">
+                <a:solidFill>
+                  <a:srgbClr val="000000"/>
+                </a:solidFill>
+                <a:latin typeface="Consolas" panose="020B0609020204030204" pitchFamily="49" charset="0"/>
+              </a:rPr>
+              <a:t> = true;</a:t>
+            </a:r>
+          </a:p>
+          <a:p>
+            <a:pPr algn="l"/>
+            <a:r>
+              <a:rPr lang="es-CO" sz="2000" dirty="0">
+                <a:solidFill>
+                  <a:srgbClr val="000000"/>
+                </a:solidFill>
+                <a:latin typeface="Consolas" panose="020B0609020204030204" pitchFamily="49" charset="0"/>
+              </a:rPr>
+              <a:t>}</a:t>
+            </a:r>
+          </a:p>
+          <a:p>
+            <a:pPr algn="l"/>
+            <a:r>
+              <a:rPr lang="es-CO" sz="2000" b="1" dirty="0" err="1">
+                <a:solidFill>
+                  <a:srgbClr val="7F0055"/>
+                </a:solidFill>
+                <a:latin typeface="Consolas" panose="020B0609020204030204" pitchFamily="49" charset="0"/>
+              </a:rPr>
+              <a:t>else</a:t>
+            </a:r>
+            <a:r>
+              <a:rPr lang="es-CO" sz="2000" b="1" dirty="0">
+                <a:solidFill>
+                  <a:srgbClr val="000000"/>
+                </a:solidFill>
+                <a:latin typeface="Consolas" panose="020B0609020204030204" pitchFamily="49" charset="0"/>
+              </a:rPr>
+              <a:t>{</a:t>
+            </a:r>
+          </a:p>
+          <a:p>
+            <a:pPr algn="l"/>
+            <a:r>
+              <a:rPr lang="es-CO" sz="2000" dirty="0" err="1">
+                <a:solidFill>
+                  <a:srgbClr val="000000"/>
+                </a:solidFill>
+                <a:latin typeface="Consolas" panose="020B0609020204030204" pitchFamily="49" charset="0"/>
+              </a:rPr>
+              <a:t>init_state.</a:t>
+            </a:r>
+            <a:r>
+              <a:rPr lang="es-CO" sz="2000" dirty="0" err="1">
+                <a:solidFill>
+                  <a:srgbClr val="0000C0"/>
+                </a:solidFill>
+                <a:latin typeface="Consolas" panose="020B0609020204030204" pitchFamily="49" charset="0"/>
+              </a:rPr>
+              <a:t>user_ctrl_st</a:t>
+            </a:r>
+            <a:r>
+              <a:rPr lang="es-CO" sz="2000" dirty="0">
+                <a:solidFill>
+                  <a:srgbClr val="000000"/>
+                </a:solidFill>
+                <a:latin typeface="Consolas" panose="020B0609020204030204" pitchFamily="49" charset="0"/>
+              </a:rPr>
+              <a:t> = false;</a:t>
+            </a:r>
+          </a:p>
+          <a:p>
+            <a:pPr algn="l"/>
+            <a:r>
+              <a:rPr lang="es-CO" sz="2000" dirty="0">
+                <a:solidFill>
+                  <a:srgbClr val="000000"/>
+                </a:solidFill>
+                <a:latin typeface="Consolas" panose="020B0609020204030204" pitchFamily="49" charset="0"/>
+              </a:rPr>
+              <a:t>}</a:t>
+            </a:r>
+            <a:endParaRPr lang="es-CO" sz="2000" dirty="0"/>
+          </a:p>
+        </p:txBody>
+      </p:sp>
+    </p:spTree>
+    <p:extLst>
+      <p:ext uri="{BB962C8B-B14F-4D97-AF65-F5344CB8AC3E}">
+        <p14:creationId xmlns:p14="http://schemas.microsoft.com/office/powerpoint/2010/main" val="884794388"/>
+      </p:ext>
+    </p:extLst>
+  </p:cSld>
+  <p:clrMapOvr>
+    <a:masterClrMapping/>
+  </p:clrMapOvr>
+</p:sld>
+</file>
+
+<file path=ppt/slides/slide12.xml><?xml version="1.0" encoding="utf-8"?>
+<p:sld xmlns:a="http://schemas.openxmlformats.org/drawingml/2006/main" xmlns:r="http://schemas.openxmlformats.org/officeDocument/2006/relationships" xmlns:p="http://schemas.openxmlformats.org/presentationml/2006/main">
+  <p:cSld>
+    <p:spTree>
+      <p:nvGrpSpPr>
+        <p:cNvPr id="1" name=""/>
+        <p:cNvGrpSpPr/>
+        <p:nvPr/>
+      </p:nvGrpSpPr>
+      <p:grpSpPr>
+        <a:xfrm>
+          <a:off x="0" y="0"/>
+          <a:ext cx="0" cy="0"/>
+          <a:chOff x="0" y="0"/>
+          <a:chExt cx="0" cy="0"/>
+        </a:xfrm>
+      </p:grpSpPr>
+      <p:pic>
+        <p:nvPicPr>
+          <p:cNvPr id="5" name="Imagen 4">
+            <a:extLst>
+              <a:ext uri="{FF2B5EF4-FFF2-40B4-BE49-F238E27FC236}">
+                <a16:creationId xmlns:a16="http://schemas.microsoft.com/office/drawing/2014/main" id="{E2E11275-344B-4AFF-A6B5-28B62C96D89B}"/>
+              </a:ext>
+            </a:extLst>
+          </p:cNvPr>
+          <p:cNvPicPr>
+            <a:picLocks noChangeAspect="1"/>
+          </p:cNvPicPr>
+          <p:nvPr/>
+        </p:nvPicPr>
+        <p:blipFill>
+          <a:blip r:embed="rId2"/>
+          <a:stretch>
+            <a:fillRect/>
+          </a:stretch>
+        </p:blipFill>
+        <p:spPr>
+          <a:xfrm>
+            <a:off x="0" y="6218365"/>
+            <a:ext cx="1772529" cy="584935"/>
+          </a:xfrm>
+          <a:prstGeom prst="rect">
+            <a:avLst/>
+          </a:prstGeom>
+          <a:ln>
+            <a:noFill/>
+          </a:ln>
+        </p:spPr>
+      </p:pic>
+      <p:sp>
+        <p:nvSpPr>
+          <p:cNvPr id="7" name="CuadroTexto 6">
+            <a:extLst>
+              <a:ext uri="{FF2B5EF4-FFF2-40B4-BE49-F238E27FC236}">
+                <a16:creationId xmlns:a16="http://schemas.microsoft.com/office/drawing/2014/main" id="{59A16C2D-7A7D-4B01-AB71-3B2F8854B9AA}"/>
+              </a:ext>
+            </a:extLst>
+          </p:cNvPr>
+          <p:cNvSpPr txBox="1"/>
+          <p:nvPr/>
+        </p:nvSpPr>
+        <p:spPr>
+          <a:xfrm>
+            <a:off x="138398" y="1016852"/>
+            <a:ext cx="5957602" cy="461665"/>
+          </a:xfrm>
+          <a:prstGeom prst="rect">
+            <a:avLst/>
+          </a:prstGeom>
+          <a:noFill/>
+        </p:spPr>
+        <p:txBody>
+          <a:bodyPr wrap="square" rtlCol="0">
+            <a:spAutoFit/>
+          </a:bodyPr>
+          <a:lstStyle/>
+          <a:p>
+            <a:pPr algn="ctr"/>
+            <a:r>
+              <a:rPr lang="es-CO" sz="2400" b="1" dirty="0"/>
+              <a:t>Implementación: </a:t>
+            </a:r>
+            <a:r>
+              <a:rPr lang="es-CO" sz="2400" dirty="0"/>
+              <a:t>definiciones y variables</a:t>
+            </a:r>
+          </a:p>
+        </p:txBody>
+      </p:sp>
+      <p:sp>
+        <p:nvSpPr>
+          <p:cNvPr id="9" name="CuadroTexto 8">
+            <a:extLst>
+              <a:ext uri="{FF2B5EF4-FFF2-40B4-BE49-F238E27FC236}">
+                <a16:creationId xmlns:a16="http://schemas.microsoft.com/office/drawing/2014/main" id="{6BE66211-3F15-4D36-888E-CFE40F050B66}"/>
+              </a:ext>
+            </a:extLst>
+          </p:cNvPr>
+          <p:cNvSpPr txBox="1"/>
+          <p:nvPr/>
+        </p:nvSpPr>
+        <p:spPr>
+          <a:xfrm>
+            <a:off x="5785536" y="1064134"/>
+            <a:ext cx="3277772" cy="461665"/>
+          </a:xfrm>
+          <a:prstGeom prst="rect">
+            <a:avLst/>
+          </a:prstGeom>
+          <a:noFill/>
+        </p:spPr>
+        <p:txBody>
+          <a:bodyPr wrap="square" rtlCol="0">
+            <a:spAutoFit/>
+          </a:bodyPr>
+          <a:lstStyle/>
+          <a:p>
+            <a:pPr algn="ctr"/>
+            <a:r>
+              <a:rPr lang="es-CO" sz="2400" b="1" dirty="0" err="1"/>
+              <a:t>accel.h</a:t>
+            </a:r>
+            <a:endParaRPr lang="es-CO" sz="2400" b="1" dirty="0"/>
+          </a:p>
+        </p:txBody>
+      </p:sp>
+      <p:sp>
+        <p:nvSpPr>
+          <p:cNvPr id="2" name="Marcador de número de diapositiva 1">
+            <a:extLst>
+              <a:ext uri="{FF2B5EF4-FFF2-40B4-BE49-F238E27FC236}">
+                <a16:creationId xmlns:a16="http://schemas.microsoft.com/office/drawing/2014/main" id="{AE9EB885-4E7D-47D5-BD01-D3396405E2A7}"/>
+              </a:ext>
+            </a:extLst>
+          </p:cNvPr>
+          <p:cNvSpPr>
+            <a:spLocks noGrp="1"/>
+          </p:cNvSpPr>
+          <p:nvPr>
+            <p:ph type="sldNum" sz="quarter" idx="12"/>
+          </p:nvPr>
+        </p:nvSpPr>
+        <p:spPr/>
+        <p:txBody>
+          <a:bodyPr/>
+          <a:lstStyle/>
+          <a:p>
+            <a:fld id="{0B7B45CF-70C9-4F7E-9F10-375FE2ADAE22}" type="slidenum">
+              <a:rPr lang="es-CO" smtClean="0"/>
+              <a:t>12</a:t>
+            </a:fld>
+            <a:endParaRPr lang="es-CO"/>
+          </a:p>
+        </p:txBody>
+      </p:sp>
+      <p:sp>
+        <p:nvSpPr>
+          <p:cNvPr id="11" name="CuadroTexto 10">
+            <a:extLst>
+              <a:ext uri="{FF2B5EF4-FFF2-40B4-BE49-F238E27FC236}">
+                <a16:creationId xmlns:a16="http://schemas.microsoft.com/office/drawing/2014/main" id="{569533A7-51D3-4BEF-BD65-6AAA3247FD03}"/>
+              </a:ext>
+            </a:extLst>
+          </p:cNvPr>
+          <p:cNvSpPr txBox="1"/>
+          <p:nvPr/>
+        </p:nvSpPr>
+        <p:spPr>
+          <a:xfrm>
+            <a:off x="138398" y="347167"/>
+            <a:ext cx="9124872" cy="523220"/>
+          </a:xfrm>
+          <a:prstGeom prst="rect">
+            <a:avLst/>
+          </a:prstGeom>
+          <a:noFill/>
+        </p:spPr>
+        <p:txBody>
+          <a:bodyPr wrap="square" rtlCol="0">
+            <a:spAutoFit/>
+          </a:bodyPr>
+          <a:lstStyle/>
+          <a:p>
+            <a:pPr algn="just"/>
+            <a:r>
+              <a:rPr lang="pt-BR" sz="2800" b="1" dirty="0"/>
+              <a:t>Driver acelerómetro módulo MPU9250 a través de I2C</a:t>
+            </a:r>
+          </a:p>
+        </p:txBody>
+      </p:sp>
+      <p:sp>
+        <p:nvSpPr>
+          <p:cNvPr id="10" name="CuadroTexto 9">
+            <a:extLst>
+              <a:ext uri="{FF2B5EF4-FFF2-40B4-BE49-F238E27FC236}">
+                <a16:creationId xmlns:a16="http://schemas.microsoft.com/office/drawing/2014/main" id="{0B3D0C26-A17F-4CC9-88BD-2CBA851E1494}"/>
+              </a:ext>
+            </a:extLst>
+          </p:cNvPr>
+          <p:cNvSpPr txBox="1"/>
+          <p:nvPr/>
+        </p:nvSpPr>
+        <p:spPr>
+          <a:xfrm>
+            <a:off x="384313" y="1905208"/>
+            <a:ext cx="11211339" cy="3416320"/>
+          </a:xfrm>
+          <a:prstGeom prst="rect">
+            <a:avLst/>
+          </a:prstGeom>
+          <a:noFill/>
+        </p:spPr>
+        <p:txBody>
+          <a:bodyPr wrap="square">
+            <a:spAutoFit/>
+          </a:bodyPr>
+          <a:lstStyle/>
+          <a:p>
+            <a:pPr algn="l"/>
+            <a:r>
+              <a:rPr lang="es-CO" sz="1800" dirty="0" err="1">
+                <a:solidFill>
+                  <a:srgbClr val="005032"/>
+                </a:solidFill>
+                <a:latin typeface="Consolas" panose="020B0609020204030204" pitchFamily="49" charset="0"/>
+              </a:rPr>
+              <a:t>accel_data</a:t>
+            </a:r>
+            <a:r>
+              <a:rPr lang="es-CO" sz="1800" dirty="0">
+                <a:solidFill>
+                  <a:srgbClr val="000000"/>
+                </a:solidFill>
+                <a:latin typeface="Consolas" panose="020B0609020204030204" pitchFamily="49" charset="0"/>
+              </a:rPr>
+              <a:t> </a:t>
+            </a:r>
+            <a:r>
+              <a:rPr lang="es-CO" sz="1800" b="1" dirty="0" err="1">
+                <a:solidFill>
+                  <a:srgbClr val="000000"/>
+                </a:solidFill>
+                <a:latin typeface="Consolas" panose="020B0609020204030204" pitchFamily="49" charset="0"/>
+              </a:rPr>
+              <a:t>accel_getData</a:t>
+            </a:r>
+            <a:r>
+              <a:rPr lang="es-CO" sz="1800" b="1" dirty="0">
+                <a:solidFill>
+                  <a:srgbClr val="000000"/>
+                </a:solidFill>
+                <a:latin typeface="Consolas" panose="020B0609020204030204" pitchFamily="49" charset="0"/>
+              </a:rPr>
+              <a:t>(){</a:t>
+            </a:r>
+          </a:p>
+          <a:p>
+            <a:pPr algn="l"/>
+            <a:r>
+              <a:rPr lang="es-CO" sz="1800" dirty="0">
+                <a:solidFill>
+                  <a:srgbClr val="005032"/>
+                </a:solidFill>
+                <a:latin typeface="Consolas" panose="020B0609020204030204" pitchFamily="49" charset="0"/>
+              </a:rPr>
+              <a:t>uint8_t</a:t>
+            </a:r>
+            <a:r>
+              <a:rPr lang="es-CO" sz="1800" dirty="0">
+                <a:solidFill>
+                  <a:srgbClr val="000000"/>
+                </a:solidFill>
+                <a:latin typeface="Consolas" panose="020B0609020204030204" pitchFamily="49" charset="0"/>
+              </a:rPr>
+              <a:t> </a:t>
+            </a:r>
+            <a:r>
+              <a:rPr lang="es-CO" sz="1800" dirty="0" err="1">
+                <a:solidFill>
+                  <a:srgbClr val="000000"/>
+                </a:solidFill>
+                <a:latin typeface="Consolas" panose="020B0609020204030204" pitchFamily="49" charset="0"/>
+              </a:rPr>
+              <a:t>acum_accel_data_bits</a:t>
+            </a:r>
+            <a:r>
+              <a:rPr lang="es-CO" sz="1800" dirty="0">
+                <a:solidFill>
+                  <a:srgbClr val="000000"/>
+                </a:solidFill>
+                <a:latin typeface="Consolas" panose="020B0609020204030204" pitchFamily="49" charset="0"/>
+              </a:rPr>
+              <a:t>[6] = {0};</a:t>
+            </a:r>
+          </a:p>
+          <a:p>
+            <a:pPr algn="l"/>
+            <a:r>
+              <a:rPr lang="es-CO" sz="1800" dirty="0" err="1">
+                <a:solidFill>
+                  <a:srgbClr val="005032"/>
+                </a:solidFill>
+                <a:latin typeface="Consolas" panose="020B0609020204030204" pitchFamily="49" charset="0"/>
+              </a:rPr>
+              <a:t>accel_data</a:t>
+            </a:r>
+            <a:r>
+              <a:rPr lang="es-CO" sz="1800" dirty="0">
+                <a:solidFill>
+                  <a:srgbClr val="000000"/>
+                </a:solidFill>
+                <a:latin typeface="Consolas" panose="020B0609020204030204" pitchFamily="49" charset="0"/>
+              </a:rPr>
+              <a:t> </a:t>
+            </a:r>
+            <a:r>
+              <a:rPr lang="es-CO" sz="1800" dirty="0" err="1">
+                <a:solidFill>
+                  <a:srgbClr val="000000"/>
+                </a:solidFill>
+                <a:latin typeface="Consolas" panose="020B0609020204030204" pitchFamily="49" charset="0"/>
+              </a:rPr>
+              <a:t>accel_data</a:t>
+            </a:r>
+            <a:r>
+              <a:rPr lang="es-CO" sz="1800" dirty="0">
+                <a:solidFill>
+                  <a:srgbClr val="000000"/>
+                </a:solidFill>
+                <a:latin typeface="Consolas" panose="020B0609020204030204" pitchFamily="49" charset="0"/>
+              </a:rPr>
+              <a:t>;</a:t>
+            </a:r>
+          </a:p>
+          <a:p>
+            <a:pPr algn="l"/>
+            <a:endParaRPr lang="es-CO" sz="1800" dirty="0">
+              <a:latin typeface="Consolas" panose="020B0609020204030204" pitchFamily="49" charset="0"/>
+            </a:endParaRPr>
+          </a:p>
+          <a:p>
+            <a:pPr algn="l"/>
+            <a:r>
+              <a:rPr lang="en-US" sz="1800" dirty="0">
+                <a:solidFill>
+                  <a:srgbClr val="000000"/>
+                </a:solidFill>
+                <a:latin typeface="Consolas" panose="020B0609020204030204" pitchFamily="49" charset="0"/>
+              </a:rPr>
+              <a:t>I2C_read(MPU_ADDRESS, </a:t>
+            </a:r>
+            <a:r>
+              <a:rPr lang="en-US" sz="1800" dirty="0" err="1">
+                <a:solidFill>
+                  <a:srgbClr val="000000"/>
+                </a:solidFill>
+                <a:latin typeface="Consolas" panose="020B0609020204030204" pitchFamily="49" charset="0"/>
+              </a:rPr>
+              <a:t>ACCEL_X_High</a:t>
+            </a:r>
+            <a:r>
+              <a:rPr lang="en-US" sz="1800" dirty="0">
+                <a:solidFill>
+                  <a:srgbClr val="000000"/>
+                </a:solidFill>
+                <a:latin typeface="Consolas" panose="020B0609020204030204" pitchFamily="49" charset="0"/>
+              </a:rPr>
+              <a:t>, </a:t>
+            </a:r>
+            <a:r>
+              <a:rPr lang="en-US" sz="1800" dirty="0" err="1">
+                <a:solidFill>
+                  <a:srgbClr val="000000"/>
+                </a:solidFill>
+                <a:latin typeface="Consolas" panose="020B0609020204030204" pitchFamily="49" charset="0"/>
+              </a:rPr>
+              <a:t>acum_accel_data_bits</a:t>
+            </a:r>
+            <a:r>
+              <a:rPr lang="en-US" sz="1800" dirty="0">
+                <a:solidFill>
+                  <a:srgbClr val="000000"/>
+                </a:solidFill>
+                <a:latin typeface="Consolas" panose="020B0609020204030204" pitchFamily="49" charset="0"/>
+              </a:rPr>
+              <a:t>, 6);</a:t>
+            </a:r>
+          </a:p>
+          <a:p>
+            <a:pPr algn="l"/>
+            <a:endParaRPr lang="es-CO" sz="1800" dirty="0">
+              <a:latin typeface="Consolas" panose="020B0609020204030204" pitchFamily="49" charset="0"/>
+            </a:endParaRPr>
+          </a:p>
+          <a:p>
+            <a:pPr algn="l"/>
+            <a:r>
+              <a:rPr lang="es-CO" sz="1800" dirty="0" err="1">
+                <a:solidFill>
+                  <a:srgbClr val="000000"/>
+                </a:solidFill>
+                <a:latin typeface="Consolas" panose="020B0609020204030204" pitchFamily="49" charset="0"/>
+              </a:rPr>
+              <a:t>accel_data.</a:t>
+            </a:r>
+            <a:r>
+              <a:rPr lang="es-CO" sz="1800" dirty="0" err="1">
+                <a:solidFill>
+                  <a:srgbClr val="0000C0"/>
+                </a:solidFill>
+                <a:latin typeface="Consolas" panose="020B0609020204030204" pitchFamily="49" charset="0"/>
+              </a:rPr>
+              <a:t>x_accel</a:t>
+            </a:r>
+            <a:r>
+              <a:rPr lang="es-CO" sz="1800" dirty="0">
+                <a:solidFill>
+                  <a:srgbClr val="000000"/>
+                </a:solidFill>
+                <a:latin typeface="Consolas" panose="020B0609020204030204" pitchFamily="49" charset="0"/>
+              </a:rPr>
+              <a:t>  = (</a:t>
+            </a:r>
+            <a:r>
+              <a:rPr lang="es-CO" sz="1800" b="1" dirty="0" err="1">
+                <a:solidFill>
+                  <a:srgbClr val="7F0055"/>
+                </a:solidFill>
+                <a:latin typeface="Consolas" panose="020B0609020204030204" pitchFamily="49" charset="0"/>
+              </a:rPr>
+              <a:t>double</a:t>
+            </a:r>
+            <a:r>
+              <a:rPr lang="es-CO" sz="1800" b="1" dirty="0">
+                <a:solidFill>
+                  <a:srgbClr val="000000"/>
+                </a:solidFill>
+                <a:latin typeface="Consolas" panose="020B0609020204030204" pitchFamily="49" charset="0"/>
+              </a:rPr>
+              <a:t>)((</a:t>
+            </a:r>
+            <a:r>
+              <a:rPr lang="es-CO" sz="1800" b="1" dirty="0" err="1">
+                <a:solidFill>
+                  <a:srgbClr val="000000"/>
+                </a:solidFill>
+                <a:latin typeface="Consolas" panose="020B0609020204030204" pitchFamily="49" charset="0"/>
+              </a:rPr>
+              <a:t>acum_accel_data_bits</a:t>
+            </a:r>
+            <a:r>
+              <a:rPr lang="es-CO" sz="1800" b="1" dirty="0">
+                <a:solidFill>
+                  <a:srgbClr val="000000"/>
+                </a:solidFill>
+                <a:latin typeface="Consolas" panose="020B0609020204030204" pitchFamily="49" charset="0"/>
+              </a:rPr>
+              <a:t>[0]&lt;&lt;8)|(</a:t>
+            </a:r>
+            <a:r>
+              <a:rPr lang="es-CO" sz="1800" b="1" dirty="0" err="1">
+                <a:solidFill>
+                  <a:srgbClr val="000000"/>
+                </a:solidFill>
+                <a:latin typeface="Consolas" panose="020B0609020204030204" pitchFamily="49" charset="0"/>
+              </a:rPr>
+              <a:t>acum_accel_data_bits</a:t>
+            </a:r>
+            <a:r>
+              <a:rPr lang="es-CO" sz="1800" b="1" dirty="0">
+                <a:solidFill>
+                  <a:srgbClr val="000000"/>
+                </a:solidFill>
+                <a:latin typeface="Consolas" panose="020B0609020204030204" pitchFamily="49" charset="0"/>
+              </a:rPr>
+              <a:t>[1]));</a:t>
+            </a:r>
+          </a:p>
+          <a:p>
+            <a:pPr algn="l"/>
+            <a:r>
+              <a:rPr lang="es-CO" sz="1800" dirty="0" err="1">
+                <a:solidFill>
+                  <a:srgbClr val="000000"/>
+                </a:solidFill>
+                <a:latin typeface="Consolas" panose="020B0609020204030204" pitchFamily="49" charset="0"/>
+              </a:rPr>
+              <a:t>accel_data.</a:t>
+            </a:r>
+            <a:r>
+              <a:rPr lang="es-CO" sz="1800" dirty="0" err="1">
+                <a:solidFill>
+                  <a:srgbClr val="0000C0"/>
+                </a:solidFill>
+                <a:latin typeface="Consolas" panose="020B0609020204030204" pitchFamily="49" charset="0"/>
+              </a:rPr>
+              <a:t>y_accel</a:t>
+            </a:r>
+            <a:r>
+              <a:rPr lang="es-CO" sz="1800" dirty="0">
+                <a:solidFill>
+                  <a:srgbClr val="000000"/>
+                </a:solidFill>
+                <a:latin typeface="Consolas" panose="020B0609020204030204" pitchFamily="49" charset="0"/>
+              </a:rPr>
+              <a:t>  = (</a:t>
+            </a:r>
+            <a:r>
+              <a:rPr lang="es-CO" sz="1800" b="1" dirty="0" err="1">
+                <a:solidFill>
+                  <a:srgbClr val="7F0055"/>
+                </a:solidFill>
+                <a:latin typeface="Consolas" panose="020B0609020204030204" pitchFamily="49" charset="0"/>
+              </a:rPr>
+              <a:t>double</a:t>
+            </a:r>
+            <a:r>
+              <a:rPr lang="es-CO" sz="1800" b="1" dirty="0">
+                <a:solidFill>
+                  <a:srgbClr val="000000"/>
+                </a:solidFill>
+                <a:latin typeface="Consolas" panose="020B0609020204030204" pitchFamily="49" charset="0"/>
+              </a:rPr>
+              <a:t>)((</a:t>
+            </a:r>
+            <a:r>
+              <a:rPr lang="es-CO" sz="1800" b="1" dirty="0" err="1">
+                <a:solidFill>
+                  <a:srgbClr val="000000"/>
+                </a:solidFill>
+                <a:latin typeface="Consolas" panose="020B0609020204030204" pitchFamily="49" charset="0"/>
+              </a:rPr>
+              <a:t>acum_accel_data_bits</a:t>
+            </a:r>
+            <a:r>
+              <a:rPr lang="es-CO" sz="1800" b="1" dirty="0">
+                <a:solidFill>
+                  <a:srgbClr val="000000"/>
+                </a:solidFill>
+                <a:latin typeface="Consolas" panose="020B0609020204030204" pitchFamily="49" charset="0"/>
+              </a:rPr>
+              <a:t>[2]&lt;&lt;8)|(</a:t>
+            </a:r>
+            <a:r>
+              <a:rPr lang="es-CO" sz="1800" b="1" dirty="0" err="1">
+                <a:solidFill>
+                  <a:srgbClr val="000000"/>
+                </a:solidFill>
+                <a:latin typeface="Consolas" panose="020B0609020204030204" pitchFamily="49" charset="0"/>
+              </a:rPr>
+              <a:t>acum_accel_data_bits</a:t>
+            </a:r>
+            <a:r>
+              <a:rPr lang="es-CO" sz="1800" b="1" dirty="0">
+                <a:solidFill>
+                  <a:srgbClr val="000000"/>
+                </a:solidFill>
+                <a:latin typeface="Consolas" panose="020B0609020204030204" pitchFamily="49" charset="0"/>
+              </a:rPr>
+              <a:t>[3]));</a:t>
+            </a:r>
+          </a:p>
+          <a:p>
+            <a:pPr algn="l"/>
+            <a:r>
+              <a:rPr lang="es-CO" sz="1800" dirty="0" err="1">
+                <a:solidFill>
+                  <a:srgbClr val="000000"/>
+                </a:solidFill>
+                <a:latin typeface="Consolas" panose="020B0609020204030204" pitchFamily="49" charset="0"/>
+              </a:rPr>
+              <a:t>accel_data.</a:t>
+            </a:r>
+            <a:r>
+              <a:rPr lang="es-CO" sz="1800" dirty="0" err="1">
+                <a:solidFill>
+                  <a:srgbClr val="0000C0"/>
+                </a:solidFill>
+                <a:latin typeface="Consolas" panose="020B0609020204030204" pitchFamily="49" charset="0"/>
+              </a:rPr>
+              <a:t>z_accel</a:t>
+            </a:r>
+            <a:r>
+              <a:rPr lang="es-CO" sz="1800" dirty="0">
+                <a:solidFill>
+                  <a:srgbClr val="000000"/>
+                </a:solidFill>
+                <a:latin typeface="Consolas" panose="020B0609020204030204" pitchFamily="49" charset="0"/>
+              </a:rPr>
+              <a:t>  = (</a:t>
+            </a:r>
+            <a:r>
+              <a:rPr lang="es-CO" sz="1800" b="1" dirty="0" err="1">
+                <a:solidFill>
+                  <a:srgbClr val="7F0055"/>
+                </a:solidFill>
+                <a:latin typeface="Consolas" panose="020B0609020204030204" pitchFamily="49" charset="0"/>
+              </a:rPr>
+              <a:t>double</a:t>
+            </a:r>
+            <a:r>
+              <a:rPr lang="es-CO" sz="1800" b="1" dirty="0">
+                <a:solidFill>
+                  <a:srgbClr val="000000"/>
+                </a:solidFill>
+                <a:latin typeface="Consolas" panose="020B0609020204030204" pitchFamily="49" charset="0"/>
+              </a:rPr>
+              <a:t>)((</a:t>
+            </a:r>
+            <a:r>
+              <a:rPr lang="es-CO" sz="1800" b="1" dirty="0" err="1">
+                <a:solidFill>
+                  <a:srgbClr val="000000"/>
+                </a:solidFill>
+                <a:latin typeface="Consolas" panose="020B0609020204030204" pitchFamily="49" charset="0"/>
+              </a:rPr>
+              <a:t>acum_accel_data_bits</a:t>
+            </a:r>
+            <a:r>
+              <a:rPr lang="es-CO" sz="1800" b="1" dirty="0">
+                <a:solidFill>
+                  <a:srgbClr val="000000"/>
+                </a:solidFill>
+                <a:latin typeface="Consolas" panose="020B0609020204030204" pitchFamily="49" charset="0"/>
+              </a:rPr>
+              <a:t>[4]&lt;&lt;8)|(</a:t>
+            </a:r>
+            <a:r>
+              <a:rPr lang="es-CO" sz="1800" b="1" dirty="0" err="1">
+                <a:solidFill>
+                  <a:srgbClr val="000000"/>
+                </a:solidFill>
+                <a:latin typeface="Consolas" panose="020B0609020204030204" pitchFamily="49" charset="0"/>
+              </a:rPr>
+              <a:t>acum_accel_data_bits</a:t>
+            </a:r>
+            <a:r>
+              <a:rPr lang="es-CO" sz="1800" b="1" dirty="0">
+                <a:solidFill>
+                  <a:srgbClr val="000000"/>
+                </a:solidFill>
+                <a:latin typeface="Consolas" panose="020B0609020204030204" pitchFamily="49" charset="0"/>
+              </a:rPr>
+              <a:t>[5]));</a:t>
+            </a:r>
+          </a:p>
+          <a:p>
+            <a:pPr algn="l"/>
+            <a:endParaRPr lang="es-CO" sz="1800" dirty="0">
+              <a:latin typeface="Consolas" panose="020B0609020204030204" pitchFamily="49" charset="0"/>
+            </a:endParaRPr>
+          </a:p>
+          <a:p>
+            <a:pPr algn="l"/>
+            <a:r>
+              <a:rPr lang="es-CO" sz="1800" b="1" dirty="0" err="1">
+                <a:solidFill>
+                  <a:srgbClr val="7F0055"/>
+                </a:solidFill>
+                <a:latin typeface="Consolas" panose="020B0609020204030204" pitchFamily="49" charset="0"/>
+              </a:rPr>
+              <a:t>return</a:t>
+            </a:r>
+            <a:r>
+              <a:rPr lang="es-CO" sz="1800" b="1" dirty="0">
+                <a:solidFill>
+                  <a:srgbClr val="000000"/>
+                </a:solidFill>
+                <a:latin typeface="Consolas" panose="020B0609020204030204" pitchFamily="49" charset="0"/>
+              </a:rPr>
+              <a:t> </a:t>
+            </a:r>
+            <a:r>
+              <a:rPr lang="es-CO" sz="1800" b="1" dirty="0" err="1">
+                <a:solidFill>
+                  <a:srgbClr val="000000"/>
+                </a:solidFill>
+                <a:latin typeface="Consolas" panose="020B0609020204030204" pitchFamily="49" charset="0"/>
+              </a:rPr>
+              <a:t>accel_data</a:t>
+            </a:r>
+            <a:r>
+              <a:rPr lang="es-CO" sz="1800" b="1" dirty="0">
+                <a:solidFill>
+                  <a:srgbClr val="000000"/>
+                </a:solidFill>
+                <a:latin typeface="Consolas" panose="020B0609020204030204" pitchFamily="49" charset="0"/>
+              </a:rPr>
+              <a:t>;</a:t>
+            </a:r>
+          </a:p>
+          <a:p>
+            <a:pPr algn="l"/>
+            <a:r>
+              <a:rPr lang="es-CO" sz="1800" dirty="0">
+                <a:solidFill>
+                  <a:srgbClr val="000000"/>
+                </a:solidFill>
+                <a:latin typeface="Consolas" panose="020B0609020204030204" pitchFamily="49" charset="0"/>
+              </a:rPr>
+              <a:t>}</a:t>
+            </a:r>
+            <a:endParaRPr lang="es-CO" dirty="0"/>
+          </a:p>
+        </p:txBody>
+      </p:sp>
+    </p:spTree>
+    <p:extLst>
+      <p:ext uri="{BB962C8B-B14F-4D97-AF65-F5344CB8AC3E}">
+        <p14:creationId xmlns:p14="http://schemas.microsoft.com/office/powerpoint/2010/main" val="1677833817"/>
+      </p:ext>
+    </p:extLst>
+  </p:cSld>
+  <p:clrMapOvr>
+    <a:masterClrMapping/>
+  </p:clrMapOvr>
+</p:sld>
+</file>
+
 <file path=ppt/slides/slide2.xml><?xml version="1.0" encoding="utf-8"?>
 <p:sld xmlns:a="http://schemas.openxmlformats.org/drawingml/2006/main" xmlns:r="http://schemas.openxmlformats.org/officeDocument/2006/relationships" xmlns:p="http://schemas.openxmlformats.org/presentationml/2006/main">
   <p:cSld>
@@ -6155,7 +8893,7 @@
         </p:blipFill>
         <p:spPr>
           <a:xfrm>
-            <a:off x="1031884" y="2292625"/>
+            <a:off x="1085945" y="1902317"/>
             <a:ext cx="3447352" cy="3346299"/>
           </a:xfrm>
           <a:prstGeom prst="rect">
@@ -6217,7 +8955,7 @@
           </p:cNvPicPr>
           <p:nvPr/>
         </p:nvPicPr>
-        <p:blipFill>
+        <p:blipFill rotWithShape="1">
           <a:blip r:embed="rId3">
             <a:extLst>
               <a:ext uri="{28A0092B-C50C-407E-A947-70E740481C1C}">
@@ -6225,15 +8963,13 @@
               </a:ext>
             </a:extLst>
           </a:blip>
-          <a:srcRect/>
-          <a:stretch>
-            <a:fillRect/>
-          </a:stretch>
+          <a:srcRect l="16942" t="5787" r="13440" b="6177"/>
+          <a:stretch/>
         </p:blipFill>
         <p:spPr bwMode="auto">
           <a:xfrm>
-            <a:off x="6651349" y="1222111"/>
-            <a:ext cx="3525815" cy="5288722"/>
+            <a:off x="7272131" y="1040459"/>
+            <a:ext cx="2994990" cy="5681016"/>
           </a:xfrm>
           <a:prstGeom prst="rect">
             <a:avLst/>
@@ -6250,6 +8986,323 @@
           </a:extLst>
         </p:spPr>
       </p:pic>
+      <p:cxnSp>
+        <p:nvCxnSpPr>
+          <p:cNvPr id="5" name="Conector recto 4">
+            <a:extLst>
+              <a:ext uri="{FF2B5EF4-FFF2-40B4-BE49-F238E27FC236}">
+                <a16:creationId xmlns:a16="http://schemas.microsoft.com/office/drawing/2014/main" id="{4A4A33CB-B998-42E6-993F-8C27AC256988}"/>
+              </a:ext>
+            </a:extLst>
+          </p:cNvPr>
+          <p:cNvCxnSpPr/>
+          <p:nvPr/>
+        </p:nvCxnSpPr>
+        <p:spPr>
+          <a:xfrm>
+            <a:off x="4700834" y="2517914"/>
+            <a:ext cx="2283062" cy="0"/>
+          </a:xfrm>
+          <a:prstGeom prst="line">
+            <a:avLst/>
+          </a:prstGeom>
+          <a:ln w="38100">
+            <a:solidFill>
+              <a:srgbClr val="FF0000"/>
+            </a:solidFill>
+          </a:ln>
+        </p:spPr>
+        <p:style>
+          <a:lnRef idx="1">
+            <a:schemeClr val="accent1"/>
+          </a:lnRef>
+          <a:fillRef idx="0">
+            <a:schemeClr val="accent1"/>
+          </a:fillRef>
+          <a:effectRef idx="0">
+            <a:schemeClr val="accent1"/>
+          </a:effectRef>
+          <a:fontRef idx="minor">
+            <a:schemeClr val="tx1"/>
+          </a:fontRef>
+        </p:style>
+      </p:cxnSp>
+      <p:cxnSp>
+        <p:nvCxnSpPr>
+          <p:cNvPr id="10" name="Conector recto 9">
+            <a:extLst>
+              <a:ext uri="{FF2B5EF4-FFF2-40B4-BE49-F238E27FC236}">
+                <a16:creationId xmlns:a16="http://schemas.microsoft.com/office/drawing/2014/main" id="{4070251D-ABD9-4974-9040-14FEA8B71565}"/>
+              </a:ext>
+            </a:extLst>
+          </p:cNvPr>
+          <p:cNvCxnSpPr/>
+          <p:nvPr/>
+        </p:nvCxnSpPr>
+        <p:spPr>
+          <a:xfrm>
+            <a:off x="4729182" y="2935358"/>
+            <a:ext cx="2283062" cy="0"/>
+          </a:xfrm>
+          <a:prstGeom prst="line">
+            <a:avLst/>
+          </a:prstGeom>
+          <a:ln w="38100">
+            <a:solidFill>
+              <a:srgbClr val="00B050"/>
+            </a:solidFill>
+          </a:ln>
+        </p:spPr>
+        <p:style>
+          <a:lnRef idx="1">
+            <a:schemeClr val="accent1"/>
+          </a:lnRef>
+          <a:fillRef idx="0">
+            <a:schemeClr val="accent1"/>
+          </a:fillRef>
+          <a:effectRef idx="0">
+            <a:schemeClr val="accent1"/>
+          </a:effectRef>
+          <a:fontRef idx="minor">
+            <a:schemeClr val="tx1"/>
+          </a:fontRef>
+        </p:style>
+      </p:cxnSp>
+      <p:cxnSp>
+        <p:nvCxnSpPr>
+          <p:cNvPr id="11" name="Conector recto 10">
+            <a:extLst>
+              <a:ext uri="{FF2B5EF4-FFF2-40B4-BE49-F238E27FC236}">
+                <a16:creationId xmlns:a16="http://schemas.microsoft.com/office/drawing/2014/main" id="{C48C868F-1650-4141-9071-18554473318A}"/>
+              </a:ext>
+            </a:extLst>
+          </p:cNvPr>
+          <p:cNvCxnSpPr/>
+          <p:nvPr/>
+        </p:nvCxnSpPr>
+        <p:spPr>
+          <a:xfrm>
+            <a:off x="4729182" y="3548268"/>
+            <a:ext cx="2283062" cy="0"/>
+          </a:xfrm>
+          <a:prstGeom prst="line">
+            <a:avLst/>
+          </a:prstGeom>
+          <a:ln w="38100">
+            <a:solidFill>
+              <a:schemeClr val="tx1"/>
+            </a:solidFill>
+          </a:ln>
+        </p:spPr>
+        <p:style>
+          <a:lnRef idx="1">
+            <a:schemeClr val="accent1"/>
+          </a:lnRef>
+          <a:fillRef idx="0">
+            <a:schemeClr val="accent1"/>
+          </a:fillRef>
+          <a:effectRef idx="0">
+            <a:schemeClr val="accent1"/>
+          </a:effectRef>
+          <a:fontRef idx="minor">
+            <a:schemeClr val="tx1"/>
+          </a:fontRef>
+        </p:style>
+      </p:cxnSp>
+      <p:cxnSp>
+        <p:nvCxnSpPr>
+          <p:cNvPr id="12" name="Conector recto 11">
+            <a:extLst>
+              <a:ext uri="{FF2B5EF4-FFF2-40B4-BE49-F238E27FC236}">
+                <a16:creationId xmlns:a16="http://schemas.microsoft.com/office/drawing/2014/main" id="{8A915B72-38EB-44B2-9CFF-F85B503E1912}"/>
+              </a:ext>
+            </a:extLst>
+          </p:cNvPr>
+          <p:cNvCxnSpPr/>
+          <p:nvPr/>
+        </p:nvCxnSpPr>
+        <p:spPr>
+          <a:xfrm>
+            <a:off x="4740590" y="4002157"/>
+            <a:ext cx="2283062" cy="0"/>
+          </a:xfrm>
+          <a:prstGeom prst="line">
+            <a:avLst/>
+          </a:prstGeom>
+          <a:ln w="38100">
+            <a:solidFill>
+              <a:schemeClr val="tx1"/>
+            </a:solidFill>
+          </a:ln>
+        </p:spPr>
+        <p:style>
+          <a:lnRef idx="1">
+            <a:schemeClr val="accent1"/>
+          </a:lnRef>
+          <a:fillRef idx="0">
+            <a:schemeClr val="accent1"/>
+          </a:fillRef>
+          <a:effectRef idx="0">
+            <a:schemeClr val="accent1"/>
+          </a:effectRef>
+          <a:fontRef idx="minor">
+            <a:schemeClr val="tx1"/>
+          </a:fontRef>
+        </p:style>
+      </p:cxnSp>
+      <p:sp>
+        <p:nvSpPr>
+          <p:cNvPr id="6" name="CuadroTexto 5">
+            <a:extLst>
+              <a:ext uri="{FF2B5EF4-FFF2-40B4-BE49-F238E27FC236}">
+                <a16:creationId xmlns:a16="http://schemas.microsoft.com/office/drawing/2014/main" id="{BD775CA9-A6ED-4090-AFFB-73C7028D3AB3}"/>
+              </a:ext>
+            </a:extLst>
+          </p:cNvPr>
+          <p:cNvSpPr txBox="1"/>
+          <p:nvPr/>
+        </p:nvSpPr>
+        <p:spPr>
+          <a:xfrm>
+            <a:off x="5282937" y="2602471"/>
+            <a:ext cx="622286" cy="369332"/>
+          </a:xfrm>
+          <a:prstGeom prst="rect">
+            <a:avLst/>
+          </a:prstGeom>
+          <a:noFill/>
+        </p:spPr>
+        <p:txBody>
+          <a:bodyPr wrap="none" rtlCol="0">
+            <a:spAutoFit/>
+          </a:bodyPr>
+          <a:lstStyle/>
+          <a:p>
+            <a:r>
+              <a:rPr lang="es-CO" dirty="0">
+                <a:solidFill>
+                  <a:srgbClr val="00B050"/>
+                </a:solidFill>
+              </a:rPr>
+              <a:t>GND</a:t>
+            </a:r>
+          </a:p>
+        </p:txBody>
+      </p:sp>
+      <p:sp>
+        <p:nvSpPr>
+          <p:cNvPr id="13" name="CuadroTexto 12">
+            <a:extLst>
+              <a:ext uri="{FF2B5EF4-FFF2-40B4-BE49-F238E27FC236}">
+                <a16:creationId xmlns:a16="http://schemas.microsoft.com/office/drawing/2014/main" id="{2DD72742-F00C-4606-878D-1E7D17C0E152}"/>
+              </a:ext>
+            </a:extLst>
+          </p:cNvPr>
+          <p:cNvSpPr txBox="1"/>
+          <p:nvPr/>
+        </p:nvSpPr>
+        <p:spPr>
+          <a:xfrm>
+            <a:off x="5314687" y="2137783"/>
+            <a:ext cx="500073" cy="369332"/>
+          </a:xfrm>
+          <a:prstGeom prst="rect">
+            <a:avLst/>
+          </a:prstGeom>
+          <a:noFill/>
+        </p:spPr>
+        <p:txBody>
+          <a:bodyPr wrap="none" rtlCol="0">
+            <a:spAutoFit/>
+          </a:bodyPr>
+          <a:lstStyle/>
+          <a:p>
+            <a:r>
+              <a:rPr lang="es-CO" dirty="0" err="1">
+                <a:solidFill>
+                  <a:srgbClr val="FF0000"/>
+                </a:solidFill>
+              </a:rPr>
+              <a:t>Vcc</a:t>
+            </a:r>
+            <a:endParaRPr lang="es-CO" dirty="0">
+              <a:solidFill>
+                <a:srgbClr val="FF0000"/>
+              </a:solidFill>
+            </a:endParaRPr>
+          </a:p>
+        </p:txBody>
+      </p:sp>
+      <p:sp>
+        <p:nvSpPr>
+          <p:cNvPr id="14" name="CuadroTexto 13">
+            <a:extLst>
+              <a:ext uri="{FF2B5EF4-FFF2-40B4-BE49-F238E27FC236}">
+                <a16:creationId xmlns:a16="http://schemas.microsoft.com/office/drawing/2014/main" id="{FAD7248D-C8F2-425B-835A-5282E5939598}"/>
+              </a:ext>
+            </a:extLst>
+          </p:cNvPr>
+          <p:cNvSpPr txBox="1"/>
+          <p:nvPr/>
+        </p:nvSpPr>
+        <p:spPr>
+          <a:xfrm>
+            <a:off x="5300070" y="3206135"/>
+            <a:ext cx="1164101" cy="369332"/>
+          </a:xfrm>
+          <a:prstGeom prst="rect">
+            <a:avLst/>
+          </a:prstGeom>
+          <a:noFill/>
+        </p:spPr>
+        <p:txBody>
+          <a:bodyPr wrap="none" rtlCol="0">
+            <a:spAutoFit/>
+          </a:bodyPr>
+          <a:lstStyle/>
+          <a:p>
+            <a:r>
+              <a:rPr lang="es-CO" dirty="0"/>
+              <a:t>SCL -&gt; PB8</a:t>
+            </a:r>
+          </a:p>
+        </p:txBody>
+      </p:sp>
+      <p:sp>
+        <p:nvSpPr>
+          <p:cNvPr id="15" name="CuadroTexto 14">
+            <a:extLst>
+              <a:ext uri="{FF2B5EF4-FFF2-40B4-BE49-F238E27FC236}">
+                <a16:creationId xmlns:a16="http://schemas.microsoft.com/office/drawing/2014/main" id="{F3E88F44-02FB-4460-8B97-6F910CCACC2B}"/>
+              </a:ext>
+            </a:extLst>
+          </p:cNvPr>
+          <p:cNvSpPr txBox="1"/>
+          <p:nvPr/>
+        </p:nvSpPr>
+        <p:spPr>
+          <a:xfrm>
+            <a:off x="5295112" y="3662641"/>
+            <a:ext cx="1215204" cy="369332"/>
+          </a:xfrm>
+          <a:prstGeom prst="rect">
+            <a:avLst/>
+          </a:prstGeom>
+          <a:noFill/>
+        </p:spPr>
+        <p:txBody>
+          <a:bodyPr wrap="none" rtlCol="0">
+            <a:spAutoFit/>
+          </a:bodyPr>
+          <a:lstStyle/>
+          <a:p>
+            <a:r>
+              <a:rPr lang="es-CO" dirty="0"/>
+              <a:t>SDA -&gt; PB9</a:t>
+            </a:r>
+          </a:p>
+        </p:txBody>
+      </p:sp>
     </p:spTree>
     <p:extLst>
       <p:ext uri="{BB962C8B-B14F-4D97-AF65-F5344CB8AC3E}">
@@ -6349,42 +9402,6 @@
           </a:p>
         </p:txBody>
       </p:sp>
-      <p:pic>
-        <p:nvPicPr>
-          <p:cNvPr id="9" name="Imagen 8" descr="Diagrama&#10;&#10;Descripción generada automáticamente">
-            <a:extLst>
-              <a:ext uri="{FF2B5EF4-FFF2-40B4-BE49-F238E27FC236}">
-                <a16:creationId xmlns:a16="http://schemas.microsoft.com/office/drawing/2014/main" id="{53A91A6B-5A12-4265-A00E-E0572B05CA25}"/>
-              </a:ext>
-            </a:extLst>
-          </p:cNvPr>
-          <p:cNvPicPr>
-            <a:picLocks noChangeAspect="1"/>
-          </p:cNvPicPr>
-          <p:nvPr/>
-        </p:nvPicPr>
-        <p:blipFill>
-          <a:blip r:embed="rId3">
-            <a:extLst>
-              <a:ext uri="{28A0092B-C50C-407E-A947-70E740481C1C}">
-                <a14:useLocalDpi xmlns:a14="http://schemas.microsoft.com/office/drawing/2010/main" val="0"/>
-              </a:ext>
-            </a:extLst>
-          </a:blip>
-          <a:stretch>
-            <a:fillRect/>
-          </a:stretch>
-        </p:blipFill>
-        <p:spPr>
-          <a:xfrm>
-            <a:off x="1038432" y="1552575"/>
-            <a:ext cx="9744075" cy="3752850"/>
-          </a:xfrm>
-          <a:prstGeom prst="rect">
-            <a:avLst/>
-          </a:prstGeom>
-        </p:spPr>
-      </p:pic>
       <p:sp>
         <p:nvSpPr>
           <p:cNvPr id="2" name="Marcador de número de diapositiva 1">
@@ -6450,6 +9467,42 @@
           </a:p>
         </p:txBody>
       </p:sp>
+      <p:pic>
+        <p:nvPicPr>
+          <p:cNvPr id="4" name="Imagen 3" descr="Diagrama&#10;&#10;Descripción generada automáticamente">
+            <a:extLst>
+              <a:ext uri="{FF2B5EF4-FFF2-40B4-BE49-F238E27FC236}">
+                <a16:creationId xmlns:a16="http://schemas.microsoft.com/office/drawing/2014/main" id="{F76D1A75-5492-495C-B7D7-62DFFC5C1F18}"/>
+              </a:ext>
+            </a:extLst>
+          </p:cNvPr>
+          <p:cNvPicPr>
+            <a:picLocks noChangeAspect="1"/>
+          </p:cNvPicPr>
+          <p:nvPr/>
+        </p:nvPicPr>
+        <p:blipFill>
+          <a:blip r:embed="rId3">
+            <a:extLst>
+              <a:ext uri="{28A0092B-C50C-407E-A947-70E740481C1C}">
+                <a14:useLocalDpi xmlns:a14="http://schemas.microsoft.com/office/drawing/2010/main" val="0"/>
+              </a:ext>
+            </a:extLst>
+          </a:blip>
+          <a:stretch>
+            <a:fillRect/>
+          </a:stretch>
+        </p:blipFill>
+        <p:spPr>
+          <a:xfrm>
+            <a:off x="1038431" y="1598959"/>
+            <a:ext cx="9744075" cy="3752850"/>
+          </a:xfrm>
+          <a:prstGeom prst="rect">
+            <a:avLst/>
+          </a:prstGeom>
+        </p:spPr>
+      </p:pic>
     </p:spTree>
     <p:extLst>
       <p:ext uri="{BB962C8B-B14F-4D97-AF65-F5344CB8AC3E}">
@@ -6548,7 +9601,7 @@
             </a:r>
             <a:r>
               <a:rPr lang="es-CO" sz="2400" dirty="0"/>
-              <a:t>definiciones y variables</a:t>
+              <a:t>funciones</a:t>
             </a:r>
           </a:p>
         </p:txBody>
@@ -6567,7 +9620,7 @@
         </p:nvSpPr>
         <p:spPr>
           <a:xfrm>
-            <a:off x="5785536" y="1064134"/>
+            <a:off x="4613532" y="957069"/>
             <a:ext cx="3277772" cy="461665"/>
           </a:xfrm>
           <a:prstGeom prst="rect">
@@ -6584,7 +9637,7 @@
             <a:pPr algn="ctr"/>
             <a:r>
               <a:rPr lang="es-CO" sz="2400" b="1" dirty="0" err="1"/>
-              <a:t>accel.h</a:t>
+              <a:t>accel_port.h</a:t>
             </a:r>
             <a:endParaRPr lang="es-CO" sz="2400" b="1" dirty="0"/>
           </a:p>
@@ -6595,7 +9648,7 @@
           <p:cNvPr id="16" name="CuadroTexto 15">
             <a:extLst>
               <a:ext uri="{FF2B5EF4-FFF2-40B4-BE49-F238E27FC236}">
-                <a16:creationId xmlns:a16="http://schemas.microsoft.com/office/drawing/2014/main" id="{773B4A72-860F-4EA7-B387-5C8D8B6DA07F}"/>
+                <a16:creationId xmlns:a16="http://schemas.microsoft.com/office/drawing/2014/main" id="{BA2B32D1-0D68-45E9-8B74-82FF77CA3A42}"/>
               </a:ext>
             </a:extLst>
           </p:cNvPr>
@@ -6604,8 +9657,8 @@
         </p:nvSpPr>
         <p:spPr>
           <a:xfrm>
-            <a:off x="654069" y="5350019"/>
-            <a:ext cx="9563357" cy="461665"/>
+            <a:off x="156418" y="2238371"/>
+            <a:ext cx="6096000" cy="369332"/>
           </a:xfrm>
           <a:prstGeom prst="rect">
             <a:avLst/>
@@ -6619,16 +9672,16 @@
           <a:lstStyle/>
           <a:p>
             <a:r>
-              <a:rPr lang="es-CO" sz="2400" dirty="0" err="1">
+              <a:rPr lang="es-CO" sz="1800" dirty="0" err="1">
                 <a:solidFill>
                   <a:srgbClr val="005032"/>
                 </a:solidFill>
                 <a:latin typeface="Consolas" panose="020B0609020204030204" pitchFamily="49" charset="0"/>
               </a:rPr>
-              <a:t>init_mpu_state</a:t>
-            </a:r>
-            <a:r>
-              <a:rPr lang="es-CO" sz="2400" dirty="0">
+              <a:t>bool_t</a:t>
+            </a:r>
+            <a:r>
+              <a:rPr lang="es-CO" sz="1800" dirty="0">
                 <a:solidFill>
                   <a:srgbClr val="000000"/>
                 </a:solidFill>
@@ -6637,25 +9690,16 @@
               <a:t> </a:t>
             </a:r>
             <a:r>
-              <a:rPr lang="es-CO" sz="2400" b="1" dirty="0" err="1">
-                <a:solidFill>
-                  <a:srgbClr val="000000"/>
-                </a:solidFill>
-                <a:latin typeface="Consolas" panose="020B0609020204030204" pitchFamily="49" charset="0"/>
-              </a:rPr>
-              <a:t>accel_init</a:t>
-            </a:r>
-            <a:r>
-              <a:rPr lang="es-CO" sz="2400" b="1" dirty="0">
-                <a:solidFill>
-                  <a:srgbClr val="000000"/>
-                </a:solidFill>
-                <a:latin typeface="Consolas" panose="020B0609020204030204" pitchFamily="49" charset="0"/>
-              </a:rPr>
-              <a:t>(</a:t>
-            </a:r>
-            <a:r>
-              <a:rPr lang="es-CO" sz="2400" b="1" dirty="0">
+              <a:rPr lang="es-CO" sz="1800" b="1" dirty="0">
+                <a:solidFill>
+                  <a:srgbClr val="000000"/>
+                </a:solidFill>
+                <a:latin typeface="Consolas" panose="020B0609020204030204" pitchFamily="49" charset="0"/>
+              </a:rPr>
+              <a:t>I2C_config(</a:t>
+            </a:r>
+            <a:r>
+              <a:rPr lang="es-CO" sz="1800" b="1" dirty="0">
                 <a:solidFill>
                   <a:srgbClr val="005032"/>
                 </a:solidFill>
@@ -6664,15 +9708,15 @@
               <a:t>I2C_TypeDef</a:t>
             </a:r>
             <a:r>
-              <a:rPr lang="es-CO" sz="2400" b="1" dirty="0">
-                <a:solidFill>
-                  <a:srgbClr val="000000"/>
-                </a:solidFill>
-                <a:latin typeface="Consolas" panose="020B0609020204030204" pitchFamily="49" charset="0"/>
-              </a:rPr>
-              <a:t> * I2C_PORT);</a:t>
-            </a:r>
-            <a:endParaRPr lang="es-CO" sz="2400" dirty="0"/>
+              <a:rPr lang="es-CO" sz="1800" b="1" dirty="0">
+                <a:solidFill>
+                  <a:srgbClr val="000000"/>
+                </a:solidFill>
+                <a:latin typeface="Consolas" panose="020B0609020204030204" pitchFamily="49" charset="0"/>
+              </a:rPr>
+              <a:t> * I2C_PORT)</a:t>
+            </a:r>
+            <a:endParaRPr lang="es-CO" dirty="0"/>
           </a:p>
         </p:txBody>
       </p:sp>
@@ -6681,7 +9725,7 @@
           <p:cNvPr id="18" name="CuadroTexto 17">
             <a:extLst>
               <a:ext uri="{FF2B5EF4-FFF2-40B4-BE49-F238E27FC236}">
-                <a16:creationId xmlns:a16="http://schemas.microsoft.com/office/drawing/2014/main" id="{89F10352-1416-4A71-B058-DFD4549A3DF9}"/>
+                <a16:creationId xmlns:a16="http://schemas.microsoft.com/office/drawing/2014/main" id="{B639E1EA-52EF-404C-8346-7D816DAE077E}"/>
               </a:ext>
             </a:extLst>
           </p:cNvPr>
@@ -6690,8 +9734,8 @@
         </p:nvSpPr>
         <p:spPr>
           <a:xfrm>
-            <a:off x="886264" y="5841148"/>
-            <a:ext cx="6096000" cy="461665"/>
+            <a:off x="138398" y="3349391"/>
+            <a:ext cx="11916755" cy="646331"/>
           </a:xfrm>
           <a:prstGeom prst="rect">
             <a:avLst/>
@@ -6705,16 +9749,16 @@
           <a:lstStyle/>
           <a:p>
             <a:r>
-              <a:rPr lang="es-CO" sz="2400" dirty="0" err="1">
+              <a:rPr lang="es-CO" sz="1800" dirty="0" err="1">
                 <a:solidFill>
                   <a:srgbClr val="005032"/>
                 </a:solidFill>
                 <a:latin typeface="Consolas" panose="020B0609020204030204" pitchFamily="49" charset="0"/>
               </a:rPr>
-              <a:t>mpu_data</a:t>
-            </a:r>
-            <a:r>
-              <a:rPr lang="es-CO" sz="2400" dirty="0">
+              <a:t>bool_t</a:t>
+            </a:r>
+            <a:r>
+              <a:rPr lang="es-CO" sz="1800" dirty="0">
                 <a:solidFill>
                   <a:srgbClr val="000000"/>
                 </a:solidFill>
@@ -6723,24 +9767,301 @@
               <a:t> </a:t>
             </a:r>
             <a:r>
-              <a:rPr lang="es-CO" sz="2400" b="1" dirty="0" err="1">
-                <a:solidFill>
-                  <a:srgbClr val="000000"/>
-                </a:solidFill>
-                <a:latin typeface="Consolas" panose="020B0609020204030204" pitchFamily="49" charset="0"/>
-              </a:rPr>
-              <a:t>accel_getData</a:t>
-            </a:r>
-            <a:r>
-              <a:rPr lang="es-CO" sz="2400" b="1" dirty="0">
-                <a:solidFill>
-                  <a:srgbClr val="000000"/>
-                </a:solidFill>
-                <a:latin typeface="Consolas" panose="020B0609020204030204" pitchFamily="49" charset="0"/>
-              </a:rPr>
-              <a:t>();</a:t>
-            </a:r>
-            <a:endParaRPr lang="es-CO" sz="2400" dirty="0"/>
+              <a:rPr lang="es-CO" sz="1800" b="1" dirty="0">
+                <a:solidFill>
+                  <a:srgbClr val="000000"/>
+                </a:solidFill>
+                <a:latin typeface="Consolas" panose="020B0609020204030204" pitchFamily="49" charset="0"/>
+              </a:rPr>
+              <a:t>I2C_read(</a:t>
+            </a:r>
+            <a:r>
+              <a:rPr lang="es-CO" sz="1800" b="1" dirty="0">
+                <a:solidFill>
+                  <a:srgbClr val="005032"/>
+                </a:solidFill>
+                <a:latin typeface="Consolas" panose="020B0609020204030204" pitchFamily="49" charset="0"/>
+              </a:rPr>
+              <a:t>uint8_t</a:t>
+            </a:r>
+            <a:r>
+              <a:rPr lang="es-CO" sz="1800" b="1" dirty="0">
+                <a:solidFill>
+                  <a:srgbClr val="000000"/>
+                </a:solidFill>
+                <a:latin typeface="Consolas" panose="020B0609020204030204" pitchFamily="49" charset="0"/>
+              </a:rPr>
+              <a:t> i2c_addres, </a:t>
+            </a:r>
+            <a:r>
+              <a:rPr lang="es-CO" sz="1800" b="1" dirty="0">
+                <a:solidFill>
+                  <a:srgbClr val="005032"/>
+                </a:solidFill>
+                <a:latin typeface="Consolas" panose="020B0609020204030204" pitchFamily="49" charset="0"/>
+              </a:rPr>
+              <a:t>uint8_t</a:t>
+            </a:r>
+            <a:r>
+              <a:rPr lang="es-CO" sz="1800" b="1" dirty="0">
+                <a:solidFill>
+                  <a:srgbClr val="000000"/>
+                </a:solidFill>
+                <a:latin typeface="Consolas" panose="020B0609020204030204" pitchFamily="49" charset="0"/>
+              </a:rPr>
+              <a:t> </a:t>
+            </a:r>
+            <a:r>
+              <a:rPr lang="es-CO" sz="1800" b="1" dirty="0" err="1">
+                <a:solidFill>
+                  <a:srgbClr val="000000"/>
+                </a:solidFill>
+                <a:latin typeface="Consolas" panose="020B0609020204030204" pitchFamily="49" charset="0"/>
+              </a:rPr>
+              <a:t>reg_addres</a:t>
+            </a:r>
+            <a:r>
+              <a:rPr lang="es-CO" sz="1800" b="1" dirty="0">
+                <a:solidFill>
+                  <a:srgbClr val="000000"/>
+                </a:solidFill>
+                <a:latin typeface="Consolas" panose="020B0609020204030204" pitchFamily="49" charset="0"/>
+              </a:rPr>
+              <a:t>, </a:t>
+            </a:r>
+            <a:r>
+              <a:rPr lang="es-CO" sz="1800" b="1" dirty="0">
+                <a:solidFill>
+                  <a:srgbClr val="005032"/>
+                </a:solidFill>
+                <a:latin typeface="Consolas" panose="020B0609020204030204" pitchFamily="49" charset="0"/>
+              </a:rPr>
+              <a:t>uint8_t</a:t>
+            </a:r>
+            <a:r>
+              <a:rPr lang="es-CO" sz="1800" b="1" dirty="0">
+                <a:solidFill>
+                  <a:srgbClr val="000000"/>
+                </a:solidFill>
+                <a:latin typeface="Consolas" panose="020B0609020204030204" pitchFamily="49" charset="0"/>
+              </a:rPr>
+              <a:t> *</a:t>
+            </a:r>
+            <a:r>
+              <a:rPr lang="es-CO" sz="1800" b="1" dirty="0" err="1">
+                <a:solidFill>
+                  <a:srgbClr val="000000"/>
+                </a:solidFill>
+                <a:latin typeface="Consolas" panose="020B0609020204030204" pitchFamily="49" charset="0"/>
+              </a:rPr>
+              <a:t>buffer_rx</a:t>
+            </a:r>
+            <a:r>
+              <a:rPr lang="es-CO" sz="1800" b="1" dirty="0">
+                <a:solidFill>
+                  <a:srgbClr val="000000"/>
+                </a:solidFill>
+                <a:latin typeface="Consolas" panose="020B0609020204030204" pitchFamily="49" charset="0"/>
+              </a:rPr>
+              <a:t>, </a:t>
+            </a:r>
+          </a:p>
+          <a:p>
+            <a:r>
+              <a:rPr lang="es-CO" b="1" dirty="0">
+                <a:solidFill>
+                  <a:srgbClr val="000000"/>
+                </a:solidFill>
+                <a:latin typeface="Consolas" panose="020B0609020204030204" pitchFamily="49" charset="0"/>
+              </a:rPr>
+              <a:t>									</a:t>
+            </a:r>
+            <a:r>
+              <a:rPr lang="es-CO" sz="1800" b="1" dirty="0">
+                <a:solidFill>
+                  <a:srgbClr val="005032"/>
+                </a:solidFill>
+                <a:latin typeface="Consolas" panose="020B0609020204030204" pitchFamily="49" charset="0"/>
+              </a:rPr>
+              <a:t>uint8_t</a:t>
+            </a:r>
+            <a:r>
+              <a:rPr lang="es-CO" sz="1800" b="1" dirty="0">
+                <a:solidFill>
+                  <a:srgbClr val="000000"/>
+                </a:solidFill>
+                <a:latin typeface="Consolas" panose="020B0609020204030204" pitchFamily="49" charset="0"/>
+              </a:rPr>
+              <a:t> </a:t>
+            </a:r>
+            <a:r>
+              <a:rPr lang="es-CO" sz="1800" b="1" dirty="0" err="1">
+                <a:solidFill>
+                  <a:srgbClr val="000000"/>
+                </a:solidFill>
+                <a:latin typeface="Consolas" panose="020B0609020204030204" pitchFamily="49" charset="0"/>
+              </a:rPr>
+              <a:t>buffer_rx_size</a:t>
+            </a:r>
+            <a:r>
+              <a:rPr lang="es-CO" sz="1800" b="1" dirty="0">
+                <a:solidFill>
+                  <a:srgbClr val="000000"/>
+                </a:solidFill>
+                <a:latin typeface="Consolas" panose="020B0609020204030204" pitchFamily="49" charset="0"/>
+              </a:rPr>
+              <a:t>);</a:t>
+            </a:r>
+            <a:endParaRPr lang="es-CO" dirty="0"/>
+          </a:p>
+        </p:txBody>
+      </p:sp>
+      <p:sp>
+        <p:nvSpPr>
+          <p:cNvPr id="20" name="CuadroTexto 19">
+            <a:extLst>
+              <a:ext uri="{FF2B5EF4-FFF2-40B4-BE49-F238E27FC236}">
+                <a16:creationId xmlns:a16="http://schemas.microsoft.com/office/drawing/2014/main" id="{884936BC-ACA1-468C-92FB-5C4296BB9E3F}"/>
+              </a:ext>
+            </a:extLst>
+          </p:cNvPr>
+          <p:cNvSpPr txBox="1"/>
+          <p:nvPr/>
+        </p:nvSpPr>
+        <p:spPr>
+          <a:xfrm>
+            <a:off x="156418" y="4737410"/>
+            <a:ext cx="10794645" cy="369332"/>
+          </a:xfrm>
+          <a:prstGeom prst="rect">
+            <a:avLst/>
+          </a:prstGeom>
+          <a:noFill/>
+        </p:spPr>
+        <p:txBody>
+          <a:bodyPr wrap="square">
+            <a:spAutoFit/>
+          </a:bodyPr>
+          <a:lstStyle/>
+          <a:p>
+            <a:r>
+              <a:rPr lang="es-CO" sz="1800" dirty="0" err="1">
+                <a:solidFill>
+                  <a:srgbClr val="005032"/>
+                </a:solidFill>
+                <a:latin typeface="Consolas" panose="020B0609020204030204" pitchFamily="49" charset="0"/>
+              </a:rPr>
+              <a:t>bool_t</a:t>
+            </a:r>
+            <a:r>
+              <a:rPr lang="es-CO" sz="1800" dirty="0">
+                <a:solidFill>
+                  <a:srgbClr val="005032"/>
+                </a:solidFill>
+                <a:latin typeface="Consolas" panose="020B0609020204030204" pitchFamily="49" charset="0"/>
+              </a:rPr>
+              <a:t> </a:t>
+            </a:r>
+            <a:r>
+              <a:rPr lang="fr-FR" sz="1800" b="1" dirty="0">
+                <a:solidFill>
+                  <a:srgbClr val="000000"/>
+                </a:solidFill>
+                <a:latin typeface="Consolas" panose="020B0609020204030204" pitchFamily="49" charset="0"/>
+              </a:rPr>
+              <a:t>I2C_write(</a:t>
+            </a:r>
+            <a:r>
+              <a:rPr lang="fr-FR" sz="1800" b="1" dirty="0">
+                <a:solidFill>
+                  <a:srgbClr val="005032"/>
+                </a:solidFill>
+                <a:latin typeface="Consolas" panose="020B0609020204030204" pitchFamily="49" charset="0"/>
+              </a:rPr>
+              <a:t>uint8_t</a:t>
+            </a:r>
+            <a:r>
+              <a:rPr lang="fr-FR" sz="1800" b="1" dirty="0">
+                <a:solidFill>
+                  <a:srgbClr val="000000"/>
+                </a:solidFill>
+                <a:latin typeface="Consolas" panose="020B0609020204030204" pitchFamily="49" charset="0"/>
+              </a:rPr>
+              <a:t> I2c_add, </a:t>
+            </a:r>
+            <a:r>
+              <a:rPr lang="fr-FR" sz="1800" b="1" dirty="0">
+                <a:solidFill>
+                  <a:srgbClr val="005032"/>
+                </a:solidFill>
+                <a:latin typeface="Consolas" panose="020B0609020204030204" pitchFamily="49" charset="0"/>
+              </a:rPr>
+              <a:t>uint8_t</a:t>
+            </a:r>
+            <a:r>
+              <a:rPr lang="fr-FR" sz="1800" b="1" dirty="0">
+                <a:solidFill>
+                  <a:srgbClr val="000000"/>
+                </a:solidFill>
+                <a:latin typeface="Consolas" panose="020B0609020204030204" pitchFamily="49" charset="0"/>
+              </a:rPr>
+              <a:t> </a:t>
+            </a:r>
+            <a:r>
+              <a:rPr lang="fr-FR" sz="1800" b="1" dirty="0" err="1">
+                <a:solidFill>
+                  <a:srgbClr val="000000"/>
+                </a:solidFill>
+                <a:latin typeface="Consolas" panose="020B0609020204030204" pitchFamily="49" charset="0"/>
+              </a:rPr>
+              <a:t>reg_addres</a:t>
+            </a:r>
+            <a:r>
+              <a:rPr lang="fr-FR" sz="1800" b="1" dirty="0">
+                <a:solidFill>
+                  <a:srgbClr val="000000"/>
+                </a:solidFill>
+                <a:latin typeface="Consolas" panose="020B0609020204030204" pitchFamily="49" charset="0"/>
+              </a:rPr>
+              <a:t>, </a:t>
+            </a:r>
+            <a:r>
+              <a:rPr lang="fr-FR" sz="1800" b="1" dirty="0">
+                <a:solidFill>
+                  <a:srgbClr val="005032"/>
+                </a:solidFill>
+                <a:latin typeface="Consolas" panose="020B0609020204030204" pitchFamily="49" charset="0"/>
+              </a:rPr>
+              <a:t>uint8_t</a:t>
+            </a:r>
+            <a:r>
+              <a:rPr lang="fr-FR" sz="1800" b="1" dirty="0">
+                <a:solidFill>
+                  <a:srgbClr val="000000"/>
+                </a:solidFill>
+                <a:latin typeface="Consolas" panose="020B0609020204030204" pitchFamily="49" charset="0"/>
+              </a:rPr>
+              <a:t> </a:t>
+            </a:r>
+            <a:r>
+              <a:rPr lang="fr-FR" sz="1800" b="1" dirty="0" err="1">
+                <a:solidFill>
+                  <a:srgbClr val="000000"/>
+                </a:solidFill>
+                <a:latin typeface="Consolas" panose="020B0609020204030204" pitchFamily="49" charset="0"/>
+              </a:rPr>
+              <a:t>reg_content</a:t>
+            </a:r>
+            <a:r>
+              <a:rPr lang="fr-FR" sz="1800" b="1" dirty="0">
+                <a:solidFill>
+                  <a:srgbClr val="000000"/>
+                </a:solidFill>
+                <a:latin typeface="Consolas" panose="020B0609020204030204" pitchFamily="49" charset="0"/>
+              </a:rPr>
+              <a:t>);</a:t>
+            </a:r>
+            <a:endParaRPr lang="es-CO" dirty="0"/>
           </a:p>
         </p:txBody>
       </p:sp>
@@ -6749,7 +10070,7 @@
           <p:cNvPr id="2" name="Marcador de número de diapositiva 1">
             <a:extLst>
               <a:ext uri="{FF2B5EF4-FFF2-40B4-BE49-F238E27FC236}">
-                <a16:creationId xmlns:a16="http://schemas.microsoft.com/office/drawing/2014/main" id="{AE9EB885-4E7D-47D5-BD01-D3396405E2A7}"/>
+                <a16:creationId xmlns:a16="http://schemas.microsoft.com/office/drawing/2014/main" id="{E755D76A-11BE-4A00-8CF1-1E49CC65509C}"/>
               </a:ext>
             </a:extLst>
           </p:cNvPr>
@@ -6778,7 +10099,7 @@
           <p:cNvPr id="11" name="CuadroTexto 10">
             <a:extLst>
               <a:ext uri="{FF2B5EF4-FFF2-40B4-BE49-F238E27FC236}">
-                <a16:creationId xmlns:a16="http://schemas.microsoft.com/office/drawing/2014/main" id="{569533A7-51D3-4BEF-BD65-6AAA3247FD03}"/>
+                <a16:creationId xmlns:a16="http://schemas.microsoft.com/office/drawing/2014/main" id="{F4DEFC04-5765-401E-A1B8-E5C11913E0EE}"/>
               </a:ext>
             </a:extLst>
           </p:cNvPr>
@@ -6809,778 +10130,10 @@
           </a:p>
         </p:txBody>
       </p:sp>
-      <p:sp>
-        <p:nvSpPr>
-          <p:cNvPr id="13" name="CuadroTexto 12">
-            <a:extLst>
-              <a:ext uri="{FF2B5EF4-FFF2-40B4-BE49-F238E27FC236}">
-                <a16:creationId xmlns:a16="http://schemas.microsoft.com/office/drawing/2014/main" id="{7FCF27FE-5ACA-4B4B-8FE8-A93697A94B1A}"/>
-              </a:ext>
-            </a:extLst>
-          </p:cNvPr>
-          <p:cNvSpPr txBox="1"/>
-          <p:nvPr/>
-        </p:nvSpPr>
-        <p:spPr>
-          <a:xfrm>
-            <a:off x="422438" y="2047377"/>
-            <a:ext cx="4003788" cy="2308324"/>
-          </a:xfrm>
-          <a:prstGeom prst="rect">
-            <a:avLst/>
-          </a:prstGeom>
-          <a:noFill/>
-        </p:spPr>
-        <p:txBody>
-          <a:bodyPr wrap="square">
-            <a:spAutoFit/>
-          </a:bodyPr>
-          <a:lstStyle/>
-          <a:p>
-            <a:pPr algn="l"/>
-            <a:r>
-              <a:rPr lang="es-CO" sz="2400" b="1" dirty="0" err="1">
-                <a:solidFill>
-                  <a:srgbClr val="7F0055"/>
-                </a:solidFill>
-                <a:latin typeface="Consolas" panose="020B0609020204030204" pitchFamily="49" charset="0"/>
-              </a:rPr>
-              <a:t>typedef</a:t>
-            </a:r>
-            <a:r>
-              <a:rPr lang="es-CO" sz="2400" b="1" dirty="0">
-                <a:solidFill>
-                  <a:srgbClr val="000000"/>
-                </a:solidFill>
-                <a:latin typeface="Consolas" panose="020B0609020204030204" pitchFamily="49" charset="0"/>
-              </a:rPr>
-              <a:t> </a:t>
-            </a:r>
-            <a:r>
-              <a:rPr lang="es-CO" sz="2400" b="1" dirty="0" err="1">
-                <a:solidFill>
-                  <a:srgbClr val="7F0055"/>
-                </a:solidFill>
-                <a:latin typeface="Consolas" panose="020B0609020204030204" pitchFamily="49" charset="0"/>
-              </a:rPr>
-              <a:t>struct</a:t>
-            </a:r>
-            <a:r>
-              <a:rPr lang="es-CO" sz="2400" b="1" dirty="0">
-                <a:solidFill>
-                  <a:srgbClr val="000000"/>
-                </a:solidFill>
-                <a:latin typeface="Consolas" panose="020B0609020204030204" pitchFamily="49" charset="0"/>
-              </a:rPr>
-              <a:t> {</a:t>
-            </a:r>
-          </a:p>
-          <a:p>
-            <a:pPr algn="l"/>
-            <a:r>
-              <a:rPr lang="es-CO" sz="2400" b="1" dirty="0" err="1">
-                <a:solidFill>
-                  <a:srgbClr val="7F0055"/>
-                </a:solidFill>
-                <a:latin typeface="Consolas" panose="020B0609020204030204" pitchFamily="49" charset="0"/>
-              </a:rPr>
-              <a:t>float</a:t>
-            </a:r>
-            <a:r>
-              <a:rPr lang="es-CO" sz="2400" b="1" dirty="0">
-                <a:solidFill>
-                  <a:srgbClr val="000000"/>
-                </a:solidFill>
-                <a:latin typeface="Consolas" panose="020B0609020204030204" pitchFamily="49" charset="0"/>
-              </a:rPr>
-              <a:t> </a:t>
-            </a:r>
-            <a:r>
-              <a:rPr lang="es-CO" sz="2400" b="1" dirty="0" err="1">
-                <a:solidFill>
-                  <a:srgbClr val="0000C0"/>
-                </a:solidFill>
-                <a:latin typeface="Consolas" panose="020B0609020204030204" pitchFamily="49" charset="0"/>
-              </a:rPr>
-              <a:t>x_accel</a:t>
-            </a:r>
-            <a:r>
-              <a:rPr lang="es-CO" sz="2400" b="1" dirty="0">
-                <a:solidFill>
-                  <a:srgbClr val="000000"/>
-                </a:solidFill>
-                <a:latin typeface="Consolas" panose="020B0609020204030204" pitchFamily="49" charset="0"/>
-              </a:rPr>
-              <a:t>;</a:t>
-            </a:r>
-          </a:p>
-          <a:p>
-            <a:pPr algn="l"/>
-            <a:r>
-              <a:rPr lang="es-CO" sz="2400" b="1" dirty="0" err="1">
-                <a:solidFill>
-                  <a:srgbClr val="7F0055"/>
-                </a:solidFill>
-                <a:latin typeface="Consolas" panose="020B0609020204030204" pitchFamily="49" charset="0"/>
-              </a:rPr>
-              <a:t>float</a:t>
-            </a:r>
-            <a:r>
-              <a:rPr lang="es-CO" sz="2400" b="1" dirty="0">
-                <a:solidFill>
-                  <a:srgbClr val="000000"/>
-                </a:solidFill>
-                <a:latin typeface="Consolas" panose="020B0609020204030204" pitchFamily="49" charset="0"/>
-              </a:rPr>
-              <a:t> </a:t>
-            </a:r>
-            <a:r>
-              <a:rPr lang="es-CO" sz="2400" b="1" dirty="0" err="1">
-                <a:solidFill>
-                  <a:srgbClr val="0000C0"/>
-                </a:solidFill>
-                <a:latin typeface="Consolas" panose="020B0609020204030204" pitchFamily="49" charset="0"/>
-              </a:rPr>
-              <a:t>y_accel</a:t>
-            </a:r>
-            <a:r>
-              <a:rPr lang="es-CO" sz="2400" b="1" dirty="0">
-                <a:solidFill>
-                  <a:srgbClr val="000000"/>
-                </a:solidFill>
-                <a:latin typeface="Consolas" panose="020B0609020204030204" pitchFamily="49" charset="0"/>
-              </a:rPr>
-              <a:t>;</a:t>
-            </a:r>
-          </a:p>
-          <a:p>
-            <a:pPr algn="l"/>
-            <a:r>
-              <a:rPr lang="es-CO" sz="2400" b="1" dirty="0" err="1">
-                <a:solidFill>
-                  <a:srgbClr val="7F0055"/>
-                </a:solidFill>
-                <a:latin typeface="Consolas" panose="020B0609020204030204" pitchFamily="49" charset="0"/>
-              </a:rPr>
-              <a:t>float</a:t>
-            </a:r>
-            <a:r>
-              <a:rPr lang="es-CO" sz="2400" b="1" dirty="0">
-                <a:solidFill>
-                  <a:srgbClr val="000000"/>
-                </a:solidFill>
-                <a:latin typeface="Consolas" panose="020B0609020204030204" pitchFamily="49" charset="0"/>
-              </a:rPr>
-              <a:t> </a:t>
-            </a:r>
-            <a:r>
-              <a:rPr lang="es-CO" sz="2400" b="1" dirty="0" err="1">
-                <a:solidFill>
-                  <a:srgbClr val="0000C0"/>
-                </a:solidFill>
-                <a:latin typeface="Consolas" panose="020B0609020204030204" pitchFamily="49" charset="0"/>
-              </a:rPr>
-              <a:t>z_accel</a:t>
-            </a:r>
-            <a:r>
-              <a:rPr lang="es-CO" sz="2400" b="1" dirty="0">
-                <a:solidFill>
-                  <a:srgbClr val="000000"/>
-                </a:solidFill>
-                <a:latin typeface="Consolas" panose="020B0609020204030204" pitchFamily="49" charset="0"/>
-              </a:rPr>
-              <a:t>;</a:t>
-            </a:r>
-          </a:p>
-          <a:p>
-            <a:pPr algn="l"/>
-            <a:endParaRPr lang="es-CO" sz="2400" dirty="0">
-              <a:latin typeface="Consolas" panose="020B0609020204030204" pitchFamily="49" charset="0"/>
-            </a:endParaRPr>
-          </a:p>
-          <a:p>
-            <a:pPr algn="l"/>
-            <a:r>
-              <a:rPr lang="es-CO" sz="2400" dirty="0">
-                <a:solidFill>
-                  <a:srgbClr val="000000"/>
-                </a:solidFill>
-                <a:latin typeface="Consolas" panose="020B0609020204030204" pitchFamily="49" charset="0"/>
-              </a:rPr>
-              <a:t>}</a:t>
-            </a:r>
-            <a:r>
-              <a:rPr lang="es-CO" sz="2400" dirty="0" err="1">
-                <a:solidFill>
-                  <a:srgbClr val="005032"/>
-                </a:solidFill>
-                <a:latin typeface="Consolas" panose="020B0609020204030204" pitchFamily="49" charset="0"/>
-              </a:rPr>
-              <a:t>accel_data</a:t>
-            </a:r>
-            <a:r>
-              <a:rPr lang="es-CO" sz="2400" dirty="0">
-                <a:solidFill>
-                  <a:srgbClr val="000000"/>
-                </a:solidFill>
-                <a:latin typeface="Consolas" panose="020B0609020204030204" pitchFamily="49" charset="0"/>
-              </a:rPr>
-              <a:t>;</a:t>
-            </a:r>
-            <a:endParaRPr lang="es-CO" sz="2400" dirty="0"/>
-          </a:p>
-        </p:txBody>
-      </p:sp>
-      <p:sp>
-        <p:nvSpPr>
-          <p:cNvPr id="15" name="CuadroTexto 14">
-            <a:extLst>
-              <a:ext uri="{FF2B5EF4-FFF2-40B4-BE49-F238E27FC236}">
-                <a16:creationId xmlns:a16="http://schemas.microsoft.com/office/drawing/2014/main" id="{3B694032-C2C3-4087-A18E-5E0FC8A98C44}"/>
-              </a:ext>
-            </a:extLst>
-          </p:cNvPr>
-          <p:cNvSpPr txBox="1"/>
-          <p:nvPr/>
-        </p:nvSpPr>
-        <p:spPr>
-          <a:xfrm>
-            <a:off x="4699655" y="1591249"/>
-            <a:ext cx="4386470" cy="3693319"/>
-          </a:xfrm>
-          <a:prstGeom prst="rect">
-            <a:avLst/>
-          </a:prstGeom>
-          <a:noFill/>
-        </p:spPr>
-        <p:txBody>
-          <a:bodyPr wrap="square">
-            <a:spAutoFit/>
-          </a:bodyPr>
-          <a:lstStyle/>
-          <a:p>
-            <a:pPr algn="l"/>
-            <a:r>
-              <a:rPr lang="en-US" sz="1800" b="1" dirty="0">
-                <a:solidFill>
-                  <a:srgbClr val="7F0055"/>
-                </a:solidFill>
-                <a:latin typeface="Consolas" panose="020B0609020204030204" pitchFamily="49" charset="0"/>
-              </a:rPr>
-              <a:t>typedef</a:t>
-            </a:r>
-            <a:r>
-              <a:rPr lang="en-US" sz="1800" b="1" dirty="0">
-                <a:solidFill>
-                  <a:srgbClr val="000000"/>
-                </a:solidFill>
-                <a:latin typeface="Consolas" panose="020B0609020204030204" pitchFamily="49" charset="0"/>
-              </a:rPr>
-              <a:t> </a:t>
-            </a:r>
-            <a:r>
-              <a:rPr lang="en-US" sz="1800" b="1" dirty="0">
-                <a:solidFill>
-                  <a:srgbClr val="7F0055"/>
-                </a:solidFill>
-                <a:latin typeface="Consolas" panose="020B0609020204030204" pitchFamily="49" charset="0"/>
-              </a:rPr>
-              <a:t>struct</a:t>
-            </a:r>
-            <a:r>
-              <a:rPr lang="en-US" sz="1800" b="1" dirty="0">
-                <a:solidFill>
-                  <a:srgbClr val="000000"/>
-                </a:solidFill>
-                <a:latin typeface="Consolas" panose="020B0609020204030204" pitchFamily="49" charset="0"/>
-              </a:rPr>
-              <a:t> </a:t>
-            </a:r>
-            <a:r>
-              <a:rPr lang="en-US" sz="1800" b="1" dirty="0" err="1">
-                <a:solidFill>
-                  <a:srgbClr val="005032"/>
-                </a:solidFill>
-                <a:latin typeface="Consolas" panose="020B0609020204030204" pitchFamily="49" charset="0"/>
-              </a:rPr>
-              <a:t>init_mpu_state</a:t>
-            </a:r>
-            <a:r>
-              <a:rPr lang="en-US" sz="1800" b="1" dirty="0">
-                <a:solidFill>
-                  <a:srgbClr val="000000"/>
-                </a:solidFill>
-                <a:latin typeface="Consolas" panose="020B0609020204030204" pitchFamily="49" charset="0"/>
-              </a:rPr>
-              <a:t> {</a:t>
-            </a:r>
-          </a:p>
-          <a:p>
-            <a:pPr algn="l"/>
-            <a:r>
-              <a:rPr lang="es-CO" sz="1800" dirty="0" err="1">
-                <a:solidFill>
-                  <a:srgbClr val="005032"/>
-                </a:solidFill>
-                <a:latin typeface="Consolas" panose="020B0609020204030204" pitchFamily="49" charset="0"/>
-              </a:rPr>
-              <a:t>bool_t</a:t>
-            </a:r>
-            <a:r>
-              <a:rPr lang="es-CO" sz="1800" dirty="0">
-                <a:solidFill>
-                  <a:srgbClr val="000000"/>
-                </a:solidFill>
-                <a:latin typeface="Consolas" panose="020B0609020204030204" pitchFamily="49" charset="0"/>
-              </a:rPr>
-              <a:t> </a:t>
-            </a:r>
-            <a:r>
-              <a:rPr lang="es-CO" sz="1800" dirty="0" err="1">
-                <a:solidFill>
-                  <a:srgbClr val="0000C0"/>
-                </a:solidFill>
-                <a:latin typeface="Consolas" panose="020B0609020204030204" pitchFamily="49" charset="0"/>
-              </a:rPr>
-              <a:t>clock_st</a:t>
-            </a:r>
-            <a:r>
-              <a:rPr lang="es-CO" sz="1800" dirty="0">
-                <a:solidFill>
-                  <a:srgbClr val="000000"/>
-                </a:solidFill>
-                <a:latin typeface="Consolas" panose="020B0609020204030204" pitchFamily="49" charset="0"/>
-              </a:rPr>
-              <a:t>;</a:t>
-            </a:r>
-          </a:p>
-          <a:p>
-            <a:pPr algn="l"/>
-            <a:r>
-              <a:rPr lang="es-CO" sz="1800" dirty="0" err="1">
-                <a:solidFill>
-                  <a:srgbClr val="005032"/>
-                </a:solidFill>
-                <a:latin typeface="Consolas" panose="020B0609020204030204" pitchFamily="49" charset="0"/>
-              </a:rPr>
-              <a:t>bool_t</a:t>
-            </a:r>
-            <a:r>
-              <a:rPr lang="es-CO" sz="1800" dirty="0">
-                <a:solidFill>
-                  <a:srgbClr val="000000"/>
-                </a:solidFill>
-                <a:latin typeface="Consolas" panose="020B0609020204030204" pitchFamily="49" charset="0"/>
-              </a:rPr>
-              <a:t> </a:t>
-            </a:r>
-            <a:r>
-              <a:rPr lang="es-CO" sz="1800" dirty="0" err="1">
-                <a:solidFill>
-                  <a:srgbClr val="0000C0"/>
-                </a:solidFill>
-                <a:latin typeface="Consolas" panose="020B0609020204030204" pitchFamily="49" charset="0"/>
-              </a:rPr>
-              <a:t>accel_st</a:t>
-            </a:r>
-            <a:r>
-              <a:rPr lang="es-CO" sz="1800" dirty="0">
-                <a:solidFill>
-                  <a:srgbClr val="000000"/>
-                </a:solidFill>
-                <a:latin typeface="Consolas" panose="020B0609020204030204" pitchFamily="49" charset="0"/>
-              </a:rPr>
-              <a:t>;</a:t>
-            </a:r>
-          </a:p>
-          <a:p>
-            <a:pPr algn="l"/>
-            <a:r>
-              <a:rPr lang="en-US" sz="1800" dirty="0" err="1">
-                <a:solidFill>
-                  <a:srgbClr val="005032"/>
-                </a:solidFill>
-                <a:latin typeface="Consolas" panose="020B0609020204030204" pitchFamily="49" charset="0"/>
-              </a:rPr>
-              <a:t>bool_t</a:t>
-            </a:r>
-            <a:r>
-              <a:rPr lang="en-US" sz="1800" dirty="0">
-                <a:solidFill>
-                  <a:srgbClr val="000000"/>
-                </a:solidFill>
-                <a:latin typeface="Consolas" panose="020B0609020204030204" pitchFamily="49" charset="0"/>
-              </a:rPr>
-              <a:t> </a:t>
-            </a:r>
-            <a:r>
-              <a:rPr lang="en-US" sz="1800" dirty="0" err="1">
-                <a:solidFill>
-                  <a:srgbClr val="0000C0"/>
-                </a:solidFill>
-                <a:latin typeface="Consolas" panose="020B0609020204030204" pitchFamily="49" charset="0"/>
-              </a:rPr>
-              <a:t>gyro_disable_st</a:t>
-            </a:r>
-            <a:r>
-              <a:rPr lang="en-US" sz="1800" dirty="0">
-                <a:solidFill>
-                  <a:srgbClr val="000000"/>
-                </a:solidFill>
-                <a:latin typeface="Consolas" panose="020B0609020204030204" pitchFamily="49" charset="0"/>
-              </a:rPr>
-              <a:t>;</a:t>
-            </a:r>
-          </a:p>
-          <a:p>
-            <a:pPr algn="l"/>
-            <a:r>
-              <a:rPr lang="en-US" sz="1800" dirty="0" err="1">
-                <a:solidFill>
-                  <a:srgbClr val="005032"/>
-                </a:solidFill>
-                <a:latin typeface="Consolas" panose="020B0609020204030204" pitchFamily="49" charset="0"/>
-              </a:rPr>
-              <a:t>bool_t</a:t>
-            </a:r>
-            <a:r>
-              <a:rPr lang="en-US" sz="1800" dirty="0">
-                <a:solidFill>
-                  <a:srgbClr val="000000"/>
-                </a:solidFill>
-                <a:latin typeface="Consolas" panose="020B0609020204030204" pitchFamily="49" charset="0"/>
-              </a:rPr>
-              <a:t> </a:t>
-            </a:r>
-            <a:r>
-              <a:rPr lang="en-US" sz="1800" dirty="0" err="1">
-                <a:solidFill>
-                  <a:srgbClr val="0000C0"/>
-                </a:solidFill>
-                <a:latin typeface="Consolas" panose="020B0609020204030204" pitchFamily="49" charset="0"/>
-              </a:rPr>
-              <a:t>filter_accel_st</a:t>
-            </a:r>
-            <a:r>
-              <a:rPr lang="en-US" sz="1800" dirty="0">
-                <a:solidFill>
-                  <a:srgbClr val="000000"/>
-                </a:solidFill>
-                <a:latin typeface="Consolas" panose="020B0609020204030204" pitchFamily="49" charset="0"/>
-              </a:rPr>
-              <a:t>;</a:t>
-            </a:r>
-          </a:p>
-          <a:p>
-            <a:pPr algn="l"/>
-            <a:r>
-              <a:rPr lang="en-US" sz="1800" dirty="0" err="1">
-                <a:solidFill>
-                  <a:srgbClr val="005032"/>
-                </a:solidFill>
-                <a:latin typeface="Consolas" panose="020B0609020204030204" pitchFamily="49" charset="0"/>
-              </a:rPr>
-              <a:t>bool_t</a:t>
-            </a:r>
-            <a:r>
-              <a:rPr lang="en-US" sz="1800" dirty="0">
-                <a:solidFill>
-                  <a:srgbClr val="000000"/>
-                </a:solidFill>
-                <a:latin typeface="Consolas" panose="020B0609020204030204" pitchFamily="49" charset="0"/>
-              </a:rPr>
-              <a:t> </a:t>
-            </a:r>
-            <a:r>
-              <a:rPr lang="en-US" sz="1800" dirty="0" err="1">
-                <a:solidFill>
-                  <a:srgbClr val="0000C0"/>
-                </a:solidFill>
-                <a:latin typeface="Consolas" panose="020B0609020204030204" pitchFamily="49" charset="0"/>
-              </a:rPr>
-              <a:t>filter_gyro_st</a:t>
-            </a:r>
-            <a:r>
-              <a:rPr lang="en-US" sz="1800" dirty="0">
-                <a:solidFill>
-                  <a:srgbClr val="000000"/>
-                </a:solidFill>
-                <a:latin typeface="Consolas" panose="020B0609020204030204" pitchFamily="49" charset="0"/>
-              </a:rPr>
-              <a:t>;</a:t>
-            </a:r>
-          </a:p>
-          <a:p>
-            <a:pPr algn="l"/>
-            <a:r>
-              <a:rPr lang="en-US" sz="1800" dirty="0" err="1">
-                <a:solidFill>
-                  <a:srgbClr val="005032"/>
-                </a:solidFill>
-                <a:latin typeface="Consolas" panose="020B0609020204030204" pitchFamily="49" charset="0"/>
-              </a:rPr>
-              <a:t>bool_t</a:t>
-            </a:r>
-            <a:r>
-              <a:rPr lang="en-US" sz="1800" dirty="0">
-                <a:solidFill>
-                  <a:srgbClr val="000000"/>
-                </a:solidFill>
-                <a:latin typeface="Consolas" panose="020B0609020204030204" pitchFamily="49" charset="0"/>
-              </a:rPr>
-              <a:t> </a:t>
-            </a:r>
-            <a:r>
-              <a:rPr lang="en-US" sz="1800" dirty="0" err="1">
-                <a:solidFill>
-                  <a:srgbClr val="0000C0"/>
-                </a:solidFill>
-                <a:latin typeface="Consolas" panose="020B0609020204030204" pitchFamily="49" charset="0"/>
-              </a:rPr>
-              <a:t>user_ctrl_st</a:t>
-            </a:r>
-            <a:r>
-              <a:rPr lang="en-US" sz="1800" dirty="0">
-                <a:solidFill>
-                  <a:srgbClr val="000000"/>
-                </a:solidFill>
-                <a:latin typeface="Consolas" panose="020B0609020204030204" pitchFamily="49" charset="0"/>
-              </a:rPr>
-              <a:t>;</a:t>
-            </a:r>
-          </a:p>
-          <a:p>
-            <a:pPr algn="l"/>
-            <a:r>
-              <a:rPr lang="en-US" sz="1800" dirty="0" err="1">
-                <a:solidFill>
-                  <a:srgbClr val="005032"/>
-                </a:solidFill>
-                <a:latin typeface="Consolas" panose="020B0609020204030204" pitchFamily="49" charset="0"/>
-              </a:rPr>
-              <a:t>bool_t</a:t>
-            </a:r>
-            <a:r>
-              <a:rPr lang="en-US" sz="1800" dirty="0">
-                <a:solidFill>
-                  <a:srgbClr val="000000"/>
-                </a:solidFill>
-                <a:latin typeface="Consolas" panose="020B0609020204030204" pitchFamily="49" charset="0"/>
-              </a:rPr>
-              <a:t> </a:t>
-            </a:r>
-            <a:r>
-              <a:rPr lang="en-US" sz="1800" dirty="0">
-                <a:solidFill>
-                  <a:srgbClr val="0000C0"/>
-                </a:solidFill>
-                <a:latin typeface="Consolas" panose="020B0609020204030204" pitchFamily="49" charset="0"/>
-              </a:rPr>
-              <a:t>bypass_i2c_st</a:t>
-            </a:r>
-            <a:r>
-              <a:rPr lang="en-US" sz="1800" dirty="0">
-                <a:solidFill>
-                  <a:srgbClr val="000000"/>
-                </a:solidFill>
-                <a:latin typeface="Consolas" panose="020B0609020204030204" pitchFamily="49" charset="0"/>
-              </a:rPr>
-              <a:t>;</a:t>
-            </a:r>
-          </a:p>
-          <a:p>
-            <a:pPr algn="l"/>
-            <a:r>
-              <a:rPr lang="nl-NL" sz="1800" dirty="0">
-                <a:solidFill>
-                  <a:srgbClr val="005032"/>
-                </a:solidFill>
-                <a:latin typeface="Consolas" panose="020B0609020204030204" pitchFamily="49" charset="0"/>
-              </a:rPr>
-              <a:t>bool_t</a:t>
-            </a:r>
-            <a:r>
-              <a:rPr lang="nl-NL" sz="1800" dirty="0">
-                <a:solidFill>
-                  <a:srgbClr val="000000"/>
-                </a:solidFill>
-                <a:latin typeface="Consolas" panose="020B0609020204030204" pitchFamily="49" charset="0"/>
-              </a:rPr>
-              <a:t> </a:t>
-            </a:r>
-            <a:r>
-              <a:rPr lang="nl-NL" sz="1800" dirty="0">
-                <a:solidFill>
-                  <a:srgbClr val="0000C0"/>
-                </a:solidFill>
-                <a:latin typeface="Consolas" panose="020B0609020204030204" pitchFamily="49" charset="0"/>
-              </a:rPr>
-              <a:t>mag_ene_st</a:t>
-            </a:r>
-            <a:r>
-              <a:rPr lang="nl-NL" sz="1800" dirty="0">
-                <a:solidFill>
-                  <a:srgbClr val="000000"/>
-                </a:solidFill>
-                <a:latin typeface="Consolas" panose="020B0609020204030204" pitchFamily="49" charset="0"/>
-              </a:rPr>
-              <a:t>;</a:t>
-            </a:r>
-          </a:p>
-          <a:p>
-            <a:pPr algn="l"/>
-            <a:r>
-              <a:rPr lang="en-US" sz="1800" dirty="0" err="1">
-                <a:solidFill>
-                  <a:srgbClr val="005032"/>
-                </a:solidFill>
-                <a:latin typeface="Consolas" panose="020B0609020204030204" pitchFamily="49" charset="0"/>
-              </a:rPr>
-              <a:t>bool_t</a:t>
-            </a:r>
-            <a:r>
-              <a:rPr lang="en-US" sz="1800" dirty="0">
-                <a:solidFill>
-                  <a:srgbClr val="000000"/>
-                </a:solidFill>
-                <a:latin typeface="Consolas" panose="020B0609020204030204" pitchFamily="49" charset="0"/>
-              </a:rPr>
-              <a:t> </a:t>
-            </a:r>
-            <a:r>
-              <a:rPr lang="en-US" sz="1800" dirty="0" err="1">
-                <a:solidFill>
-                  <a:srgbClr val="0000C0"/>
-                </a:solidFill>
-                <a:latin typeface="Consolas" panose="020B0609020204030204" pitchFamily="49" charset="0"/>
-              </a:rPr>
-              <a:t>mag_set_sense_st</a:t>
-            </a:r>
-            <a:r>
-              <a:rPr lang="en-US" sz="1800" dirty="0">
-                <a:solidFill>
-                  <a:srgbClr val="000000"/>
-                </a:solidFill>
-                <a:latin typeface="Consolas" panose="020B0609020204030204" pitchFamily="49" charset="0"/>
-              </a:rPr>
-              <a:t>;</a:t>
-            </a:r>
-          </a:p>
-          <a:p>
-            <a:pPr algn="l"/>
-            <a:r>
-              <a:rPr lang="es-CO" sz="1800" dirty="0" err="1">
-                <a:solidFill>
-                  <a:srgbClr val="005032"/>
-                </a:solidFill>
-                <a:latin typeface="Consolas" panose="020B0609020204030204" pitchFamily="49" charset="0"/>
-              </a:rPr>
-              <a:t>bool_t</a:t>
-            </a:r>
-            <a:r>
-              <a:rPr lang="es-CO" sz="1800" dirty="0">
-                <a:solidFill>
-                  <a:srgbClr val="000000"/>
-                </a:solidFill>
-                <a:latin typeface="Consolas" panose="020B0609020204030204" pitchFamily="49" charset="0"/>
-              </a:rPr>
-              <a:t> </a:t>
-            </a:r>
-            <a:r>
-              <a:rPr lang="es-CO" sz="1800" dirty="0" err="1">
-                <a:solidFill>
-                  <a:srgbClr val="0000C0"/>
-                </a:solidFill>
-                <a:latin typeface="Consolas" panose="020B0609020204030204" pitchFamily="49" charset="0"/>
-              </a:rPr>
-              <a:t>mag_set_mode_st</a:t>
-            </a:r>
-            <a:r>
-              <a:rPr lang="es-CO" sz="1800" dirty="0">
-                <a:solidFill>
-                  <a:srgbClr val="000000"/>
-                </a:solidFill>
-                <a:latin typeface="Consolas" panose="020B0609020204030204" pitchFamily="49" charset="0"/>
-              </a:rPr>
-              <a:t>;</a:t>
-            </a:r>
-          </a:p>
-          <a:p>
-            <a:pPr algn="l"/>
-            <a:r>
-              <a:rPr lang="en-US" sz="1800" dirty="0" err="1">
-                <a:solidFill>
-                  <a:srgbClr val="005032"/>
-                </a:solidFill>
-                <a:latin typeface="Consolas" panose="020B0609020204030204" pitchFamily="49" charset="0"/>
-              </a:rPr>
-              <a:t>bool_t</a:t>
-            </a:r>
-            <a:r>
-              <a:rPr lang="en-US" sz="1800" dirty="0">
-                <a:solidFill>
-                  <a:srgbClr val="000000"/>
-                </a:solidFill>
-                <a:latin typeface="Consolas" panose="020B0609020204030204" pitchFamily="49" charset="0"/>
-              </a:rPr>
-              <a:t> </a:t>
-            </a:r>
-            <a:r>
-              <a:rPr lang="en-US" sz="1800" dirty="0" err="1">
-                <a:solidFill>
-                  <a:srgbClr val="0000C0"/>
-                </a:solidFill>
-                <a:latin typeface="Consolas" panose="020B0609020204030204" pitchFamily="49" charset="0"/>
-              </a:rPr>
-              <a:t>who_am_i_st</a:t>
-            </a:r>
-            <a:r>
-              <a:rPr lang="en-US" sz="1800" dirty="0">
-                <a:solidFill>
-                  <a:srgbClr val="000000"/>
-                </a:solidFill>
-                <a:latin typeface="Consolas" panose="020B0609020204030204" pitchFamily="49" charset="0"/>
-              </a:rPr>
-              <a:t>;</a:t>
-            </a:r>
-          </a:p>
-          <a:p>
-            <a:pPr algn="l"/>
-            <a:r>
-              <a:rPr lang="es-CO" sz="1800" dirty="0">
-                <a:solidFill>
-                  <a:srgbClr val="000000"/>
-                </a:solidFill>
-                <a:latin typeface="Consolas" panose="020B0609020204030204" pitchFamily="49" charset="0"/>
-              </a:rPr>
-              <a:t>}</a:t>
-            </a:r>
-            <a:r>
-              <a:rPr lang="es-CO" sz="1800" dirty="0" err="1">
-                <a:solidFill>
-                  <a:srgbClr val="005032"/>
-                </a:solidFill>
-                <a:latin typeface="Consolas" panose="020B0609020204030204" pitchFamily="49" charset="0"/>
-              </a:rPr>
-              <a:t>init_mpu_state</a:t>
-            </a:r>
-            <a:r>
-              <a:rPr lang="es-CO" sz="1800" dirty="0">
-                <a:solidFill>
-                  <a:srgbClr val="000000"/>
-                </a:solidFill>
-                <a:latin typeface="Consolas" panose="020B0609020204030204" pitchFamily="49" charset="0"/>
-              </a:rPr>
-              <a:t>;</a:t>
-            </a:r>
-            <a:endParaRPr lang="es-CO" dirty="0"/>
-          </a:p>
-        </p:txBody>
-      </p:sp>
     </p:spTree>
     <p:extLst>
       <p:ext uri="{BB962C8B-B14F-4D97-AF65-F5344CB8AC3E}">
-        <p14:creationId xmlns:p14="http://schemas.microsoft.com/office/powerpoint/2010/main" val="207038314"/>
+        <p14:creationId xmlns:p14="http://schemas.microsoft.com/office/powerpoint/2010/main" val="3749878085"/>
       </p:ext>
     </p:extLst>
   </p:cSld>
@@ -7675,467 +10228,8 @@
             </a:r>
             <a:r>
               <a:rPr lang="es-CO" sz="2400" dirty="0"/>
-              <a:t>funciones</a:t>
-            </a:r>
-          </a:p>
-        </p:txBody>
-      </p:sp>
-      <p:sp>
-        <p:nvSpPr>
-          <p:cNvPr id="9" name="CuadroTexto 8">
-            <a:extLst>
-              <a:ext uri="{FF2B5EF4-FFF2-40B4-BE49-F238E27FC236}">
-                <a16:creationId xmlns:a16="http://schemas.microsoft.com/office/drawing/2014/main" id="{6BE66211-3F15-4D36-888E-CFE40F050B66}"/>
-              </a:ext>
-            </a:extLst>
-          </p:cNvPr>
-          <p:cNvSpPr txBox="1"/>
-          <p:nvPr/>
-        </p:nvSpPr>
-        <p:spPr>
-          <a:xfrm>
-            <a:off x="4613532" y="957069"/>
-            <a:ext cx="3277772" cy="461665"/>
-          </a:xfrm>
-          <a:prstGeom prst="rect">
-            <a:avLst/>
-          </a:prstGeom>
-          <a:noFill/>
-        </p:spPr>
-        <p:txBody>
-          <a:bodyPr wrap="square" rtlCol="0">
-            <a:spAutoFit/>
-          </a:bodyPr>
-          <a:lstStyle/>
-          <a:p>
-            <a:pPr algn="ctr"/>
-            <a:r>
-              <a:rPr lang="es-CO" sz="2400" b="1" dirty="0" err="1"/>
-              <a:t>accel_port.h</a:t>
-            </a:r>
-            <a:endParaRPr lang="es-CO" sz="2400" b="1" dirty="0"/>
-          </a:p>
-        </p:txBody>
-      </p:sp>
-      <p:sp>
-        <p:nvSpPr>
-          <p:cNvPr id="16" name="CuadroTexto 15">
-            <a:extLst>
-              <a:ext uri="{FF2B5EF4-FFF2-40B4-BE49-F238E27FC236}">
-                <a16:creationId xmlns:a16="http://schemas.microsoft.com/office/drawing/2014/main" id="{BA2B32D1-0D68-45E9-8B74-82FF77CA3A42}"/>
-              </a:ext>
-            </a:extLst>
-          </p:cNvPr>
-          <p:cNvSpPr txBox="1"/>
-          <p:nvPr/>
-        </p:nvSpPr>
-        <p:spPr>
-          <a:xfrm>
-            <a:off x="156418" y="2191602"/>
-            <a:ext cx="6096000" cy="369332"/>
-          </a:xfrm>
-          <a:prstGeom prst="rect">
-            <a:avLst/>
-          </a:prstGeom>
-          <a:noFill/>
-        </p:spPr>
-        <p:txBody>
-          <a:bodyPr wrap="square">
-            <a:spAutoFit/>
-          </a:bodyPr>
-          <a:lstStyle/>
-          <a:p>
-            <a:r>
-              <a:rPr lang="es-CO" sz="1800" dirty="0" err="1">
-                <a:solidFill>
-                  <a:srgbClr val="005032"/>
-                </a:solidFill>
-                <a:latin typeface="Consolas" panose="020B0609020204030204" pitchFamily="49" charset="0"/>
-              </a:rPr>
-              <a:t>bool_t</a:t>
-            </a:r>
-            <a:r>
-              <a:rPr lang="es-CO" sz="1800" dirty="0">
-                <a:solidFill>
-                  <a:srgbClr val="000000"/>
-                </a:solidFill>
-                <a:latin typeface="Consolas" panose="020B0609020204030204" pitchFamily="49" charset="0"/>
-              </a:rPr>
-              <a:t> </a:t>
-            </a:r>
-            <a:r>
-              <a:rPr lang="es-CO" sz="1800" b="1" dirty="0">
-                <a:solidFill>
-                  <a:srgbClr val="000000"/>
-                </a:solidFill>
-                <a:latin typeface="Consolas" panose="020B0609020204030204" pitchFamily="49" charset="0"/>
-              </a:rPr>
-              <a:t>I2C_config(</a:t>
-            </a:r>
-            <a:r>
-              <a:rPr lang="es-CO" sz="1800" b="1" dirty="0">
-                <a:solidFill>
-                  <a:srgbClr val="005032"/>
-                </a:solidFill>
-                <a:latin typeface="Consolas" panose="020B0609020204030204" pitchFamily="49" charset="0"/>
-              </a:rPr>
-              <a:t>I2C_TypeDef</a:t>
-            </a:r>
-            <a:r>
-              <a:rPr lang="es-CO" sz="1800" b="1" dirty="0">
-                <a:solidFill>
-                  <a:srgbClr val="000000"/>
-                </a:solidFill>
-                <a:latin typeface="Consolas" panose="020B0609020204030204" pitchFamily="49" charset="0"/>
-              </a:rPr>
-              <a:t> * I2C_PORT)</a:t>
-            </a:r>
-            <a:endParaRPr lang="es-CO" dirty="0"/>
-          </a:p>
-        </p:txBody>
-      </p:sp>
-      <p:sp>
-        <p:nvSpPr>
-          <p:cNvPr id="18" name="CuadroTexto 17">
-            <a:extLst>
-              <a:ext uri="{FF2B5EF4-FFF2-40B4-BE49-F238E27FC236}">
-                <a16:creationId xmlns:a16="http://schemas.microsoft.com/office/drawing/2014/main" id="{B639E1EA-52EF-404C-8346-7D816DAE077E}"/>
-              </a:ext>
-            </a:extLst>
-          </p:cNvPr>
-          <p:cNvSpPr txBox="1"/>
-          <p:nvPr/>
-        </p:nvSpPr>
-        <p:spPr>
-          <a:xfrm>
-            <a:off x="138398" y="2877131"/>
-            <a:ext cx="11916755" cy="646331"/>
-          </a:xfrm>
-          <a:prstGeom prst="rect">
-            <a:avLst/>
-          </a:prstGeom>
-          <a:noFill/>
-        </p:spPr>
-        <p:txBody>
-          <a:bodyPr wrap="square">
-            <a:spAutoFit/>
-          </a:bodyPr>
-          <a:lstStyle/>
-          <a:p>
-            <a:r>
-              <a:rPr lang="es-CO" sz="1800" dirty="0" err="1">
-                <a:solidFill>
-                  <a:srgbClr val="005032"/>
-                </a:solidFill>
-                <a:latin typeface="Consolas" panose="020B0609020204030204" pitchFamily="49" charset="0"/>
-              </a:rPr>
-              <a:t>bool_t</a:t>
-            </a:r>
-            <a:r>
-              <a:rPr lang="es-CO" sz="1800" dirty="0">
-                <a:solidFill>
-                  <a:srgbClr val="000000"/>
-                </a:solidFill>
-                <a:latin typeface="Consolas" panose="020B0609020204030204" pitchFamily="49" charset="0"/>
-              </a:rPr>
-              <a:t> </a:t>
-            </a:r>
-            <a:r>
-              <a:rPr lang="es-CO" sz="1800" b="1" dirty="0">
-                <a:solidFill>
-                  <a:srgbClr val="000000"/>
-                </a:solidFill>
-                <a:latin typeface="Consolas" panose="020B0609020204030204" pitchFamily="49" charset="0"/>
-              </a:rPr>
-              <a:t>I2C_read(</a:t>
-            </a:r>
-            <a:r>
-              <a:rPr lang="es-CO" sz="1800" b="1" dirty="0">
-                <a:solidFill>
-                  <a:srgbClr val="005032"/>
-                </a:solidFill>
-                <a:latin typeface="Consolas" panose="020B0609020204030204" pitchFamily="49" charset="0"/>
-              </a:rPr>
-              <a:t>uint8_t</a:t>
-            </a:r>
-            <a:r>
-              <a:rPr lang="es-CO" sz="1800" b="1" dirty="0">
-                <a:solidFill>
-                  <a:srgbClr val="000000"/>
-                </a:solidFill>
-                <a:latin typeface="Consolas" panose="020B0609020204030204" pitchFamily="49" charset="0"/>
-              </a:rPr>
-              <a:t> i2c_addres, </a:t>
-            </a:r>
-            <a:r>
-              <a:rPr lang="es-CO" sz="1800" b="1" dirty="0">
-                <a:solidFill>
-                  <a:srgbClr val="005032"/>
-                </a:solidFill>
-                <a:latin typeface="Consolas" panose="020B0609020204030204" pitchFamily="49" charset="0"/>
-              </a:rPr>
-              <a:t>uint8_t</a:t>
-            </a:r>
-            <a:r>
-              <a:rPr lang="es-CO" sz="1800" b="1" dirty="0">
-                <a:solidFill>
-                  <a:srgbClr val="000000"/>
-                </a:solidFill>
-                <a:latin typeface="Consolas" panose="020B0609020204030204" pitchFamily="49" charset="0"/>
-              </a:rPr>
-              <a:t> </a:t>
-            </a:r>
-            <a:r>
-              <a:rPr lang="es-CO" sz="1800" b="1" dirty="0" err="1">
-                <a:solidFill>
-                  <a:srgbClr val="000000"/>
-                </a:solidFill>
-                <a:latin typeface="Consolas" panose="020B0609020204030204" pitchFamily="49" charset="0"/>
-              </a:rPr>
-              <a:t>reg_addres</a:t>
-            </a:r>
-            <a:r>
-              <a:rPr lang="es-CO" sz="1800" b="1" dirty="0">
-                <a:solidFill>
-                  <a:srgbClr val="000000"/>
-                </a:solidFill>
-                <a:latin typeface="Consolas" panose="020B0609020204030204" pitchFamily="49" charset="0"/>
-              </a:rPr>
-              <a:t>, </a:t>
-            </a:r>
-            <a:r>
-              <a:rPr lang="es-CO" sz="1800" b="1" dirty="0">
-                <a:solidFill>
-                  <a:srgbClr val="005032"/>
-                </a:solidFill>
-                <a:latin typeface="Consolas" panose="020B0609020204030204" pitchFamily="49" charset="0"/>
-              </a:rPr>
-              <a:t>uint8_t</a:t>
-            </a:r>
-            <a:r>
-              <a:rPr lang="es-CO" sz="1800" b="1" dirty="0">
-                <a:solidFill>
-                  <a:srgbClr val="000000"/>
-                </a:solidFill>
-                <a:latin typeface="Consolas" panose="020B0609020204030204" pitchFamily="49" charset="0"/>
-              </a:rPr>
-              <a:t> *</a:t>
-            </a:r>
-            <a:r>
-              <a:rPr lang="es-CO" sz="1800" b="1" dirty="0" err="1">
-                <a:solidFill>
-                  <a:srgbClr val="000000"/>
-                </a:solidFill>
-                <a:latin typeface="Consolas" panose="020B0609020204030204" pitchFamily="49" charset="0"/>
-              </a:rPr>
-              <a:t>buffer_rx</a:t>
-            </a:r>
-            <a:r>
-              <a:rPr lang="es-CO" sz="1800" b="1" dirty="0">
-                <a:solidFill>
-                  <a:srgbClr val="000000"/>
-                </a:solidFill>
-                <a:latin typeface="Consolas" panose="020B0609020204030204" pitchFamily="49" charset="0"/>
-              </a:rPr>
-              <a:t>, </a:t>
-            </a:r>
-          </a:p>
-          <a:p>
-            <a:r>
-              <a:rPr lang="es-CO" b="1" dirty="0">
-                <a:solidFill>
-                  <a:srgbClr val="000000"/>
-                </a:solidFill>
-                <a:latin typeface="Consolas" panose="020B0609020204030204" pitchFamily="49" charset="0"/>
-              </a:rPr>
-              <a:t>									</a:t>
-            </a:r>
-            <a:r>
-              <a:rPr lang="es-CO" sz="1800" b="1" dirty="0">
-                <a:solidFill>
-                  <a:srgbClr val="005032"/>
-                </a:solidFill>
-                <a:latin typeface="Consolas" panose="020B0609020204030204" pitchFamily="49" charset="0"/>
-              </a:rPr>
-              <a:t>uint8_t</a:t>
-            </a:r>
-            <a:r>
-              <a:rPr lang="es-CO" sz="1800" b="1" dirty="0">
-                <a:solidFill>
-                  <a:srgbClr val="000000"/>
-                </a:solidFill>
-                <a:latin typeface="Consolas" panose="020B0609020204030204" pitchFamily="49" charset="0"/>
-              </a:rPr>
-              <a:t> </a:t>
-            </a:r>
-            <a:r>
-              <a:rPr lang="es-CO" sz="1800" b="1" dirty="0" err="1">
-                <a:solidFill>
-                  <a:srgbClr val="000000"/>
-                </a:solidFill>
-                <a:latin typeface="Consolas" panose="020B0609020204030204" pitchFamily="49" charset="0"/>
-              </a:rPr>
-              <a:t>buffer_rx_size</a:t>
-            </a:r>
-            <a:r>
-              <a:rPr lang="es-CO" sz="1800" b="1" dirty="0">
-                <a:solidFill>
-                  <a:srgbClr val="000000"/>
-                </a:solidFill>
-                <a:latin typeface="Consolas" panose="020B0609020204030204" pitchFamily="49" charset="0"/>
-              </a:rPr>
-              <a:t>);</a:t>
-            </a:r>
-            <a:endParaRPr lang="es-CO" dirty="0"/>
-          </a:p>
-        </p:txBody>
-      </p:sp>
-      <p:sp>
-        <p:nvSpPr>
-          <p:cNvPr id="20" name="CuadroTexto 19">
-            <a:extLst>
-              <a:ext uri="{FF2B5EF4-FFF2-40B4-BE49-F238E27FC236}">
-                <a16:creationId xmlns:a16="http://schemas.microsoft.com/office/drawing/2014/main" id="{884936BC-ACA1-468C-92FB-5C4296BB9E3F}"/>
-              </a:ext>
-            </a:extLst>
-          </p:cNvPr>
-          <p:cNvSpPr txBox="1"/>
-          <p:nvPr/>
-        </p:nvSpPr>
-        <p:spPr>
-          <a:xfrm>
-            <a:off x="138397" y="3656967"/>
-            <a:ext cx="10794645" cy="369332"/>
-          </a:xfrm>
-          <a:prstGeom prst="rect">
-            <a:avLst/>
-          </a:prstGeom>
-          <a:noFill/>
-        </p:spPr>
-        <p:txBody>
-          <a:bodyPr wrap="square">
-            <a:spAutoFit/>
-          </a:bodyPr>
-          <a:lstStyle/>
-          <a:p>
-            <a:r>
-              <a:rPr lang="es-CO" sz="1800" dirty="0" err="1">
-                <a:solidFill>
-                  <a:srgbClr val="005032"/>
-                </a:solidFill>
-                <a:latin typeface="Consolas" panose="020B0609020204030204" pitchFamily="49" charset="0"/>
-              </a:rPr>
-              <a:t>bool_t</a:t>
-            </a:r>
-            <a:r>
-              <a:rPr lang="es-CO" sz="1800" dirty="0">
-                <a:solidFill>
-                  <a:srgbClr val="005032"/>
-                </a:solidFill>
-                <a:latin typeface="Consolas" panose="020B0609020204030204" pitchFamily="49" charset="0"/>
-              </a:rPr>
-              <a:t> </a:t>
-            </a:r>
-            <a:r>
-              <a:rPr lang="fr-FR" sz="1800" b="1" dirty="0">
-                <a:solidFill>
-                  <a:srgbClr val="000000"/>
-                </a:solidFill>
-                <a:latin typeface="Consolas" panose="020B0609020204030204" pitchFamily="49" charset="0"/>
-              </a:rPr>
-              <a:t>I2C_write(</a:t>
-            </a:r>
-            <a:r>
-              <a:rPr lang="fr-FR" sz="1800" b="1" dirty="0">
-                <a:solidFill>
-                  <a:srgbClr val="005032"/>
-                </a:solidFill>
-                <a:latin typeface="Consolas" panose="020B0609020204030204" pitchFamily="49" charset="0"/>
-              </a:rPr>
-              <a:t>uint8_t</a:t>
-            </a:r>
-            <a:r>
-              <a:rPr lang="fr-FR" sz="1800" b="1" dirty="0">
-                <a:solidFill>
-                  <a:srgbClr val="000000"/>
-                </a:solidFill>
-                <a:latin typeface="Consolas" panose="020B0609020204030204" pitchFamily="49" charset="0"/>
-              </a:rPr>
-              <a:t> I2c_add, </a:t>
-            </a:r>
-            <a:r>
-              <a:rPr lang="fr-FR" sz="1800" b="1" dirty="0">
-                <a:solidFill>
-                  <a:srgbClr val="005032"/>
-                </a:solidFill>
-                <a:latin typeface="Consolas" panose="020B0609020204030204" pitchFamily="49" charset="0"/>
-              </a:rPr>
-              <a:t>uint8_t</a:t>
-            </a:r>
-            <a:r>
-              <a:rPr lang="fr-FR" sz="1800" b="1" dirty="0">
-                <a:solidFill>
-                  <a:srgbClr val="000000"/>
-                </a:solidFill>
-                <a:latin typeface="Consolas" panose="020B0609020204030204" pitchFamily="49" charset="0"/>
-              </a:rPr>
-              <a:t> </a:t>
-            </a:r>
-            <a:r>
-              <a:rPr lang="fr-FR" sz="1800" b="1" dirty="0" err="1">
-                <a:solidFill>
-                  <a:srgbClr val="000000"/>
-                </a:solidFill>
-                <a:latin typeface="Consolas" panose="020B0609020204030204" pitchFamily="49" charset="0"/>
-              </a:rPr>
-              <a:t>reg_addres</a:t>
-            </a:r>
-            <a:r>
-              <a:rPr lang="fr-FR" sz="1800" b="1" dirty="0">
-                <a:solidFill>
-                  <a:srgbClr val="000000"/>
-                </a:solidFill>
-                <a:latin typeface="Consolas" panose="020B0609020204030204" pitchFamily="49" charset="0"/>
-              </a:rPr>
-              <a:t>, </a:t>
-            </a:r>
-            <a:r>
-              <a:rPr lang="fr-FR" sz="1800" b="1" dirty="0">
-                <a:solidFill>
-                  <a:srgbClr val="005032"/>
-                </a:solidFill>
-                <a:latin typeface="Consolas" panose="020B0609020204030204" pitchFamily="49" charset="0"/>
-              </a:rPr>
-              <a:t>uint8_t</a:t>
-            </a:r>
-            <a:r>
-              <a:rPr lang="fr-FR" sz="1800" b="1" dirty="0">
-                <a:solidFill>
-                  <a:srgbClr val="000000"/>
-                </a:solidFill>
-                <a:latin typeface="Consolas" panose="020B0609020204030204" pitchFamily="49" charset="0"/>
-              </a:rPr>
-              <a:t> </a:t>
-            </a:r>
-            <a:r>
-              <a:rPr lang="fr-FR" sz="1800" b="1" dirty="0" err="1">
-                <a:solidFill>
-                  <a:srgbClr val="000000"/>
-                </a:solidFill>
-                <a:latin typeface="Consolas" panose="020B0609020204030204" pitchFamily="49" charset="0"/>
-              </a:rPr>
-              <a:t>reg_content</a:t>
-            </a:r>
-            <a:r>
-              <a:rPr lang="fr-FR" sz="1800" b="1" dirty="0">
-                <a:solidFill>
-                  <a:srgbClr val="000000"/>
-                </a:solidFill>
-                <a:latin typeface="Consolas" panose="020B0609020204030204" pitchFamily="49" charset="0"/>
-              </a:rPr>
-              <a:t>);</a:t>
-            </a:r>
-            <a:endParaRPr lang="es-CO" dirty="0"/>
+              <a:t>definiciones y variables</a:t>
+            </a:r>
           </a:p>
         </p:txBody>
       </p:sp>
@@ -8144,7 +10238,7 @@
           <p:cNvPr id="2" name="Marcador de número de diapositiva 1">
             <a:extLst>
               <a:ext uri="{FF2B5EF4-FFF2-40B4-BE49-F238E27FC236}">
-                <a16:creationId xmlns:a16="http://schemas.microsoft.com/office/drawing/2014/main" id="{E755D76A-11BE-4A00-8CF1-1E49CC65509C}"/>
+                <a16:creationId xmlns:a16="http://schemas.microsoft.com/office/drawing/2014/main" id="{AE9EB885-4E7D-47D5-BD01-D3396405E2A7}"/>
               </a:ext>
             </a:extLst>
           </p:cNvPr>
@@ -8173,7 +10267,7 @@
           <p:cNvPr id="11" name="CuadroTexto 10">
             <a:extLst>
               <a:ext uri="{FF2B5EF4-FFF2-40B4-BE49-F238E27FC236}">
-                <a16:creationId xmlns:a16="http://schemas.microsoft.com/office/drawing/2014/main" id="{F4DEFC04-5765-401E-A1B8-E5C11913E0EE}"/>
+                <a16:creationId xmlns:a16="http://schemas.microsoft.com/office/drawing/2014/main" id="{569533A7-51D3-4BEF-BD65-6AAA3247FD03}"/>
               </a:ext>
             </a:extLst>
           </p:cNvPr>
@@ -8204,10 +10298,2549 @@
           </a:p>
         </p:txBody>
       </p:sp>
+      <p:sp>
+        <p:nvSpPr>
+          <p:cNvPr id="12" name="CuadroTexto 11">
+            <a:extLst>
+              <a:ext uri="{FF2B5EF4-FFF2-40B4-BE49-F238E27FC236}">
+                <a16:creationId xmlns:a16="http://schemas.microsoft.com/office/drawing/2014/main" id="{7DE7A94D-4100-4276-8D84-36EF4534C31D}"/>
+              </a:ext>
+            </a:extLst>
+          </p:cNvPr>
+          <p:cNvSpPr txBox="1"/>
+          <p:nvPr/>
+        </p:nvSpPr>
+        <p:spPr>
+          <a:xfrm>
+            <a:off x="1537253" y="1817416"/>
+            <a:ext cx="8242852" cy="4247317"/>
+          </a:xfrm>
+          <a:prstGeom prst="rect">
+            <a:avLst/>
+          </a:prstGeom>
+          <a:noFill/>
+        </p:spPr>
+        <p:txBody>
+          <a:bodyPr wrap="square">
+            <a:spAutoFit/>
+          </a:bodyPr>
+          <a:lstStyle/>
+          <a:p>
+            <a:pPr algn="l"/>
+            <a:r>
+              <a:rPr lang="es-CO" sz="1800" dirty="0">
+                <a:solidFill>
+                  <a:srgbClr val="005032"/>
+                </a:solidFill>
+                <a:latin typeface="Consolas" panose="020B0609020204030204" pitchFamily="49" charset="0"/>
+              </a:rPr>
+              <a:t>I2C_HandleTypeDef</a:t>
+            </a:r>
+            <a:r>
+              <a:rPr lang="es-CO" sz="1800" dirty="0">
+                <a:solidFill>
+                  <a:srgbClr val="000000"/>
+                </a:solidFill>
+                <a:latin typeface="Consolas" panose="020B0609020204030204" pitchFamily="49" charset="0"/>
+              </a:rPr>
+              <a:t> I2cHandle;</a:t>
+            </a:r>
+          </a:p>
+          <a:p>
+            <a:pPr algn="l"/>
+            <a:endParaRPr lang="es-CO" sz="1800" dirty="0">
+              <a:latin typeface="Consolas" panose="020B0609020204030204" pitchFamily="49" charset="0"/>
+            </a:endParaRPr>
+          </a:p>
+          <a:p>
+            <a:pPr algn="l"/>
+            <a:r>
+              <a:rPr lang="es-CO" sz="1800" dirty="0" err="1">
+                <a:solidFill>
+                  <a:srgbClr val="005032"/>
+                </a:solidFill>
+                <a:latin typeface="Consolas" panose="020B0609020204030204" pitchFamily="49" charset="0"/>
+              </a:rPr>
+              <a:t>bool_t</a:t>
+            </a:r>
+            <a:r>
+              <a:rPr lang="es-CO" sz="1800" dirty="0">
+                <a:solidFill>
+                  <a:srgbClr val="000000"/>
+                </a:solidFill>
+                <a:latin typeface="Consolas" panose="020B0609020204030204" pitchFamily="49" charset="0"/>
+              </a:rPr>
+              <a:t> </a:t>
+            </a:r>
+            <a:r>
+              <a:rPr lang="es-CO" sz="1800" b="1" dirty="0">
+                <a:solidFill>
+                  <a:srgbClr val="000000"/>
+                </a:solidFill>
+                <a:latin typeface="Consolas" panose="020B0609020204030204" pitchFamily="49" charset="0"/>
+              </a:rPr>
+              <a:t>I2C_config(</a:t>
+            </a:r>
+            <a:r>
+              <a:rPr lang="es-CO" sz="1800" b="1" dirty="0">
+                <a:solidFill>
+                  <a:srgbClr val="005032"/>
+                </a:solidFill>
+                <a:latin typeface="Consolas" panose="020B0609020204030204" pitchFamily="49" charset="0"/>
+              </a:rPr>
+              <a:t>I2C_TypeDef</a:t>
+            </a:r>
+            <a:r>
+              <a:rPr lang="es-CO" sz="1800" b="1" dirty="0">
+                <a:solidFill>
+                  <a:srgbClr val="000000"/>
+                </a:solidFill>
+                <a:latin typeface="Consolas" panose="020B0609020204030204" pitchFamily="49" charset="0"/>
+              </a:rPr>
+              <a:t> * I2C_PORT){</a:t>
+            </a:r>
+          </a:p>
+          <a:p>
+            <a:pPr algn="l"/>
+            <a:endParaRPr lang="es-CO" sz="1800" dirty="0">
+              <a:latin typeface="Consolas" panose="020B0609020204030204" pitchFamily="49" charset="0"/>
+            </a:endParaRPr>
+          </a:p>
+          <a:p>
+            <a:pPr algn="l"/>
+            <a:r>
+              <a:rPr lang="es-CO" sz="1800" dirty="0" err="1">
+                <a:solidFill>
+                  <a:srgbClr val="005032"/>
+                </a:solidFill>
+                <a:latin typeface="Consolas" panose="020B0609020204030204" pitchFamily="49" charset="0"/>
+              </a:rPr>
+              <a:t>bool_t</a:t>
+            </a:r>
+            <a:r>
+              <a:rPr lang="es-CO" sz="1800" dirty="0">
+                <a:solidFill>
+                  <a:srgbClr val="000000"/>
+                </a:solidFill>
+                <a:latin typeface="Consolas" panose="020B0609020204030204" pitchFamily="49" charset="0"/>
+              </a:rPr>
+              <a:t> </a:t>
+            </a:r>
+            <a:r>
+              <a:rPr lang="es-CO" sz="1800" dirty="0" err="1">
+                <a:solidFill>
+                  <a:srgbClr val="000000"/>
+                </a:solidFill>
+                <a:latin typeface="Consolas" panose="020B0609020204030204" pitchFamily="49" charset="0"/>
+              </a:rPr>
+              <a:t>state</a:t>
+            </a:r>
+            <a:r>
+              <a:rPr lang="es-CO" sz="1800" dirty="0">
+                <a:solidFill>
+                  <a:srgbClr val="000000"/>
+                </a:solidFill>
+                <a:latin typeface="Consolas" panose="020B0609020204030204" pitchFamily="49" charset="0"/>
+              </a:rPr>
+              <a:t> = false;</a:t>
+            </a:r>
+          </a:p>
+          <a:p>
+            <a:pPr algn="l"/>
+            <a:endParaRPr lang="es-CO" sz="1800" dirty="0">
+              <a:latin typeface="Consolas" panose="020B0609020204030204" pitchFamily="49" charset="0"/>
+            </a:endParaRPr>
+          </a:p>
+          <a:p>
+            <a:pPr algn="l"/>
+            <a:r>
+              <a:rPr lang="es-CO" sz="1800" dirty="0">
+                <a:solidFill>
+                  <a:srgbClr val="000000"/>
+                </a:solidFill>
+                <a:latin typeface="Consolas" panose="020B0609020204030204" pitchFamily="49" charset="0"/>
+              </a:rPr>
+              <a:t>I2cHandle.</a:t>
+            </a:r>
+            <a:r>
+              <a:rPr lang="es-CO" sz="1800" dirty="0">
+                <a:solidFill>
+                  <a:srgbClr val="0000C0"/>
+                </a:solidFill>
+                <a:latin typeface="Consolas" panose="020B0609020204030204" pitchFamily="49" charset="0"/>
+              </a:rPr>
+              <a:t>Instance</a:t>
+            </a:r>
+            <a:r>
+              <a:rPr lang="es-CO" sz="1800" dirty="0">
+                <a:solidFill>
+                  <a:srgbClr val="000000"/>
+                </a:solidFill>
+                <a:latin typeface="Consolas" panose="020B0609020204030204" pitchFamily="49" charset="0"/>
+              </a:rPr>
+              <a:t> = I2C_PORT;</a:t>
+            </a:r>
+          </a:p>
+          <a:p>
+            <a:pPr algn="l"/>
+            <a:r>
+              <a:rPr lang="es-CO" sz="1800" dirty="0">
+                <a:solidFill>
+                  <a:srgbClr val="000000"/>
+                </a:solidFill>
+                <a:latin typeface="Consolas" panose="020B0609020204030204" pitchFamily="49" charset="0"/>
+              </a:rPr>
+              <a:t>I2cHandle.</a:t>
+            </a:r>
+            <a:r>
+              <a:rPr lang="es-CO" sz="1800" dirty="0">
+                <a:solidFill>
+                  <a:srgbClr val="0000C0"/>
+                </a:solidFill>
+                <a:latin typeface="Consolas" panose="020B0609020204030204" pitchFamily="49" charset="0"/>
+              </a:rPr>
+              <a:t>Init</a:t>
+            </a:r>
+            <a:r>
+              <a:rPr lang="es-CO" sz="1800" dirty="0">
+                <a:solidFill>
+                  <a:srgbClr val="000000"/>
+                </a:solidFill>
+                <a:latin typeface="Consolas" panose="020B0609020204030204" pitchFamily="49" charset="0"/>
+              </a:rPr>
+              <a:t>.</a:t>
+            </a:r>
+            <a:r>
+              <a:rPr lang="es-CO" sz="1800" dirty="0">
+                <a:solidFill>
+                  <a:srgbClr val="0000C0"/>
+                </a:solidFill>
+                <a:latin typeface="Consolas" panose="020B0609020204030204" pitchFamily="49" charset="0"/>
+              </a:rPr>
+              <a:t>ClockSpeed</a:t>
+            </a:r>
+            <a:r>
+              <a:rPr lang="es-CO" sz="1800" dirty="0">
+                <a:solidFill>
+                  <a:srgbClr val="000000"/>
+                </a:solidFill>
+                <a:latin typeface="Consolas" panose="020B0609020204030204" pitchFamily="49" charset="0"/>
+              </a:rPr>
+              <a:t> = 400000;</a:t>
+            </a:r>
+          </a:p>
+          <a:p>
+            <a:pPr algn="l"/>
+            <a:r>
+              <a:rPr lang="es-CO" sz="1800" dirty="0">
+                <a:solidFill>
+                  <a:srgbClr val="000000"/>
+                </a:solidFill>
+                <a:latin typeface="Consolas" panose="020B0609020204030204" pitchFamily="49" charset="0"/>
+              </a:rPr>
+              <a:t>I2cHandle.</a:t>
+            </a:r>
+            <a:r>
+              <a:rPr lang="es-CO" sz="1800" dirty="0">
+                <a:solidFill>
+                  <a:srgbClr val="0000C0"/>
+                </a:solidFill>
+                <a:latin typeface="Consolas" panose="020B0609020204030204" pitchFamily="49" charset="0"/>
+              </a:rPr>
+              <a:t>Init</a:t>
+            </a:r>
+            <a:r>
+              <a:rPr lang="es-CO" sz="1800" dirty="0">
+                <a:solidFill>
+                  <a:srgbClr val="000000"/>
+                </a:solidFill>
+                <a:latin typeface="Consolas" panose="020B0609020204030204" pitchFamily="49" charset="0"/>
+              </a:rPr>
+              <a:t>.</a:t>
+            </a:r>
+            <a:r>
+              <a:rPr lang="es-CO" sz="1800" dirty="0">
+                <a:solidFill>
+                  <a:srgbClr val="0000C0"/>
+                </a:solidFill>
+                <a:latin typeface="Consolas" panose="020B0609020204030204" pitchFamily="49" charset="0"/>
+              </a:rPr>
+              <a:t>DutyCycle</a:t>
+            </a:r>
+            <a:r>
+              <a:rPr lang="es-CO" sz="1800" dirty="0">
+                <a:solidFill>
+                  <a:srgbClr val="000000"/>
+                </a:solidFill>
+                <a:latin typeface="Consolas" panose="020B0609020204030204" pitchFamily="49" charset="0"/>
+              </a:rPr>
+              <a:t> = I2C_DUTYCYCLE_2;</a:t>
+            </a:r>
+          </a:p>
+          <a:p>
+            <a:pPr algn="l"/>
+            <a:r>
+              <a:rPr lang="es-CO" sz="1800" dirty="0">
+                <a:solidFill>
+                  <a:srgbClr val="000000"/>
+                </a:solidFill>
+                <a:latin typeface="Consolas" panose="020B0609020204030204" pitchFamily="49" charset="0"/>
+              </a:rPr>
+              <a:t>I2cHandle.</a:t>
+            </a:r>
+            <a:r>
+              <a:rPr lang="es-CO" sz="1800" dirty="0">
+                <a:solidFill>
+                  <a:srgbClr val="0000C0"/>
+                </a:solidFill>
+                <a:latin typeface="Consolas" panose="020B0609020204030204" pitchFamily="49" charset="0"/>
+              </a:rPr>
+              <a:t>Init</a:t>
+            </a:r>
+            <a:r>
+              <a:rPr lang="es-CO" sz="1800" dirty="0">
+                <a:solidFill>
+                  <a:srgbClr val="000000"/>
+                </a:solidFill>
+                <a:latin typeface="Consolas" panose="020B0609020204030204" pitchFamily="49" charset="0"/>
+              </a:rPr>
+              <a:t>.</a:t>
+            </a:r>
+            <a:r>
+              <a:rPr lang="es-CO" sz="1800" dirty="0">
+                <a:solidFill>
+                  <a:srgbClr val="0000C0"/>
+                </a:solidFill>
+                <a:latin typeface="Consolas" panose="020B0609020204030204" pitchFamily="49" charset="0"/>
+              </a:rPr>
+              <a:t>OwnAddress1</a:t>
+            </a:r>
+            <a:r>
+              <a:rPr lang="es-CO" sz="1800" dirty="0">
+                <a:solidFill>
+                  <a:srgbClr val="000000"/>
+                </a:solidFill>
+                <a:latin typeface="Consolas" panose="020B0609020204030204" pitchFamily="49" charset="0"/>
+              </a:rPr>
+              <a:t> = I2C_ADD_MASTER;</a:t>
+            </a:r>
+          </a:p>
+          <a:p>
+            <a:pPr algn="l"/>
+            <a:r>
+              <a:rPr lang="es-CO" sz="1800" dirty="0">
+                <a:solidFill>
+                  <a:srgbClr val="000000"/>
+                </a:solidFill>
+                <a:latin typeface="Consolas" panose="020B0609020204030204" pitchFamily="49" charset="0"/>
+              </a:rPr>
+              <a:t>I2cHandle.</a:t>
+            </a:r>
+            <a:r>
+              <a:rPr lang="es-CO" sz="1800" dirty="0">
+                <a:solidFill>
+                  <a:srgbClr val="0000C0"/>
+                </a:solidFill>
+                <a:latin typeface="Consolas" panose="020B0609020204030204" pitchFamily="49" charset="0"/>
+              </a:rPr>
+              <a:t>Init</a:t>
+            </a:r>
+            <a:r>
+              <a:rPr lang="es-CO" sz="1800" dirty="0">
+                <a:solidFill>
+                  <a:srgbClr val="000000"/>
+                </a:solidFill>
+                <a:latin typeface="Consolas" panose="020B0609020204030204" pitchFamily="49" charset="0"/>
+              </a:rPr>
+              <a:t>.</a:t>
+            </a:r>
+            <a:r>
+              <a:rPr lang="es-CO" sz="1800" dirty="0">
+                <a:solidFill>
+                  <a:srgbClr val="0000C0"/>
+                </a:solidFill>
+                <a:latin typeface="Consolas" panose="020B0609020204030204" pitchFamily="49" charset="0"/>
+              </a:rPr>
+              <a:t>AddressingMode</a:t>
+            </a:r>
+            <a:r>
+              <a:rPr lang="es-CO" sz="1800" dirty="0">
+                <a:solidFill>
+                  <a:srgbClr val="000000"/>
+                </a:solidFill>
+                <a:latin typeface="Consolas" panose="020B0609020204030204" pitchFamily="49" charset="0"/>
+              </a:rPr>
+              <a:t> = I2C_ADDRESSINGMODE_7BIT;</a:t>
+            </a:r>
+          </a:p>
+          <a:p>
+            <a:pPr algn="l"/>
+            <a:r>
+              <a:rPr lang="en-US" sz="1800" dirty="0">
+                <a:solidFill>
+                  <a:srgbClr val="000000"/>
+                </a:solidFill>
+                <a:latin typeface="Consolas" panose="020B0609020204030204" pitchFamily="49" charset="0"/>
+              </a:rPr>
+              <a:t>I2cHandle.</a:t>
+            </a:r>
+            <a:r>
+              <a:rPr lang="en-US" sz="1800" dirty="0">
+                <a:solidFill>
+                  <a:srgbClr val="0000C0"/>
+                </a:solidFill>
+                <a:latin typeface="Consolas" panose="020B0609020204030204" pitchFamily="49" charset="0"/>
+              </a:rPr>
+              <a:t>Init</a:t>
+            </a:r>
+            <a:r>
+              <a:rPr lang="en-US" sz="1800" dirty="0">
+                <a:solidFill>
+                  <a:srgbClr val="000000"/>
+                </a:solidFill>
+                <a:latin typeface="Consolas" panose="020B0609020204030204" pitchFamily="49" charset="0"/>
+              </a:rPr>
+              <a:t>.</a:t>
+            </a:r>
+            <a:r>
+              <a:rPr lang="en-US" sz="1800" dirty="0">
+                <a:solidFill>
+                  <a:srgbClr val="0000C0"/>
+                </a:solidFill>
+                <a:latin typeface="Consolas" panose="020B0609020204030204" pitchFamily="49" charset="0"/>
+              </a:rPr>
+              <a:t>DualAddressMode</a:t>
+            </a:r>
+            <a:r>
+              <a:rPr lang="en-US" sz="1800" dirty="0">
+                <a:solidFill>
+                  <a:srgbClr val="000000"/>
+                </a:solidFill>
+                <a:latin typeface="Consolas" panose="020B0609020204030204" pitchFamily="49" charset="0"/>
+              </a:rPr>
+              <a:t> = I2C_DUALADDRESS_DISABLE;</a:t>
+            </a:r>
+          </a:p>
+          <a:p>
+            <a:pPr algn="l"/>
+            <a:r>
+              <a:rPr lang="es-CO" sz="1800" dirty="0">
+                <a:solidFill>
+                  <a:srgbClr val="000000"/>
+                </a:solidFill>
+                <a:latin typeface="Consolas" panose="020B0609020204030204" pitchFamily="49" charset="0"/>
+              </a:rPr>
+              <a:t>I2cHandle.</a:t>
+            </a:r>
+            <a:r>
+              <a:rPr lang="es-CO" sz="1800" dirty="0">
+                <a:solidFill>
+                  <a:srgbClr val="0000C0"/>
+                </a:solidFill>
+                <a:latin typeface="Consolas" panose="020B0609020204030204" pitchFamily="49" charset="0"/>
+              </a:rPr>
+              <a:t>Init</a:t>
+            </a:r>
+            <a:r>
+              <a:rPr lang="es-CO" sz="1800" dirty="0">
+                <a:solidFill>
+                  <a:srgbClr val="000000"/>
+                </a:solidFill>
+                <a:latin typeface="Consolas" panose="020B0609020204030204" pitchFamily="49" charset="0"/>
+              </a:rPr>
+              <a:t>.</a:t>
+            </a:r>
+            <a:r>
+              <a:rPr lang="es-CO" sz="1800" dirty="0">
+                <a:solidFill>
+                  <a:srgbClr val="0000C0"/>
+                </a:solidFill>
+                <a:latin typeface="Consolas" panose="020B0609020204030204" pitchFamily="49" charset="0"/>
+              </a:rPr>
+              <a:t>OwnAddress2</a:t>
+            </a:r>
+            <a:r>
+              <a:rPr lang="es-CO" sz="1800" dirty="0">
+                <a:solidFill>
+                  <a:srgbClr val="000000"/>
+                </a:solidFill>
+                <a:latin typeface="Consolas" panose="020B0609020204030204" pitchFamily="49" charset="0"/>
+              </a:rPr>
+              <a:t> = 0;</a:t>
+            </a:r>
+          </a:p>
+          <a:p>
+            <a:pPr algn="l"/>
+            <a:r>
+              <a:rPr lang="es-CO" sz="1800" dirty="0">
+                <a:solidFill>
+                  <a:srgbClr val="000000"/>
+                </a:solidFill>
+                <a:latin typeface="Consolas" panose="020B0609020204030204" pitchFamily="49" charset="0"/>
+              </a:rPr>
+              <a:t>I2cHandle.</a:t>
+            </a:r>
+            <a:r>
+              <a:rPr lang="es-CO" sz="1800" dirty="0">
+                <a:solidFill>
+                  <a:srgbClr val="0000C0"/>
+                </a:solidFill>
+                <a:latin typeface="Consolas" panose="020B0609020204030204" pitchFamily="49" charset="0"/>
+              </a:rPr>
+              <a:t>Init</a:t>
+            </a:r>
+            <a:r>
+              <a:rPr lang="es-CO" sz="1800" dirty="0">
+                <a:solidFill>
+                  <a:srgbClr val="000000"/>
+                </a:solidFill>
+                <a:latin typeface="Consolas" panose="020B0609020204030204" pitchFamily="49" charset="0"/>
+              </a:rPr>
+              <a:t>.</a:t>
+            </a:r>
+            <a:r>
+              <a:rPr lang="es-CO" sz="1800" dirty="0">
+                <a:solidFill>
+                  <a:srgbClr val="0000C0"/>
+                </a:solidFill>
+                <a:latin typeface="Consolas" panose="020B0609020204030204" pitchFamily="49" charset="0"/>
+              </a:rPr>
+              <a:t>GeneralCallMode</a:t>
+            </a:r>
+            <a:r>
+              <a:rPr lang="es-CO" sz="1800" dirty="0">
+                <a:solidFill>
+                  <a:srgbClr val="000000"/>
+                </a:solidFill>
+                <a:latin typeface="Consolas" panose="020B0609020204030204" pitchFamily="49" charset="0"/>
+              </a:rPr>
+              <a:t> = I2C_GENERALCALL_DISABLE;</a:t>
+            </a:r>
+          </a:p>
+          <a:p>
+            <a:pPr algn="l"/>
+            <a:r>
+              <a:rPr lang="es-CO" sz="1800" dirty="0">
+                <a:solidFill>
+                  <a:srgbClr val="000000"/>
+                </a:solidFill>
+                <a:latin typeface="Consolas" panose="020B0609020204030204" pitchFamily="49" charset="0"/>
+              </a:rPr>
+              <a:t>I2cHandle.</a:t>
+            </a:r>
+            <a:r>
+              <a:rPr lang="es-CO" sz="1800" dirty="0">
+                <a:solidFill>
+                  <a:srgbClr val="0000C0"/>
+                </a:solidFill>
+                <a:latin typeface="Consolas" panose="020B0609020204030204" pitchFamily="49" charset="0"/>
+              </a:rPr>
+              <a:t>Init</a:t>
+            </a:r>
+            <a:r>
+              <a:rPr lang="es-CO" sz="1800" dirty="0">
+                <a:solidFill>
+                  <a:srgbClr val="000000"/>
+                </a:solidFill>
+                <a:latin typeface="Consolas" panose="020B0609020204030204" pitchFamily="49" charset="0"/>
+              </a:rPr>
+              <a:t>.</a:t>
+            </a:r>
+            <a:r>
+              <a:rPr lang="es-CO" sz="1800" dirty="0">
+                <a:solidFill>
+                  <a:srgbClr val="0000C0"/>
+                </a:solidFill>
+                <a:latin typeface="Consolas" panose="020B0609020204030204" pitchFamily="49" charset="0"/>
+              </a:rPr>
+              <a:t>NoStretchMode</a:t>
+            </a:r>
+            <a:r>
+              <a:rPr lang="es-CO" sz="1800" dirty="0">
+                <a:solidFill>
+                  <a:srgbClr val="000000"/>
+                </a:solidFill>
+                <a:latin typeface="Consolas" panose="020B0609020204030204" pitchFamily="49" charset="0"/>
+              </a:rPr>
+              <a:t> = I2C_NOSTRETCH_DISABLE;</a:t>
+            </a:r>
+            <a:endParaRPr lang="es-CO" dirty="0"/>
+          </a:p>
+        </p:txBody>
+      </p:sp>
+      <p:sp>
+        <p:nvSpPr>
+          <p:cNvPr id="14" name="CuadroTexto 13">
+            <a:extLst>
+              <a:ext uri="{FF2B5EF4-FFF2-40B4-BE49-F238E27FC236}">
+                <a16:creationId xmlns:a16="http://schemas.microsoft.com/office/drawing/2014/main" id="{23289EF0-FEAE-4D9A-AA36-AF429505C4E1}"/>
+              </a:ext>
+            </a:extLst>
+          </p:cNvPr>
+          <p:cNvSpPr txBox="1"/>
+          <p:nvPr/>
+        </p:nvSpPr>
+        <p:spPr>
+          <a:xfrm>
+            <a:off x="5785536" y="1064134"/>
+            <a:ext cx="3277772" cy="461665"/>
+          </a:xfrm>
+          <a:prstGeom prst="rect">
+            <a:avLst/>
+          </a:prstGeom>
+          <a:noFill/>
+        </p:spPr>
+        <p:txBody>
+          <a:bodyPr wrap="square" rtlCol="0">
+            <a:spAutoFit/>
+          </a:bodyPr>
+          <a:lstStyle/>
+          <a:p>
+            <a:pPr algn="ctr"/>
+            <a:r>
+              <a:rPr lang="es-CO" sz="2400" b="1" dirty="0" err="1"/>
+              <a:t>accel_port.h</a:t>
+            </a:r>
+            <a:endParaRPr lang="es-CO" sz="2400" b="1" dirty="0"/>
+          </a:p>
+        </p:txBody>
+      </p:sp>
     </p:spTree>
     <p:extLst>
       <p:ext uri="{BB962C8B-B14F-4D97-AF65-F5344CB8AC3E}">
-        <p14:creationId xmlns:p14="http://schemas.microsoft.com/office/powerpoint/2010/main" val="3749878085"/>
+        <p14:creationId xmlns:p14="http://schemas.microsoft.com/office/powerpoint/2010/main" val="3282262071"/>
+      </p:ext>
+    </p:extLst>
+  </p:cSld>
+  <p:clrMapOvr>
+    <a:masterClrMapping/>
+  </p:clrMapOvr>
+</p:sld>
+</file>
+
+<file path=ppt/slides/slide7.xml><?xml version="1.0" encoding="utf-8"?>
+<p:sld xmlns:a="http://schemas.openxmlformats.org/drawingml/2006/main" xmlns:r="http://schemas.openxmlformats.org/officeDocument/2006/relationships" xmlns:p="http://schemas.openxmlformats.org/presentationml/2006/main">
+  <p:cSld>
+    <p:spTree>
+      <p:nvGrpSpPr>
+        <p:cNvPr id="1" name=""/>
+        <p:cNvGrpSpPr/>
+        <p:nvPr/>
+      </p:nvGrpSpPr>
+      <p:grpSpPr>
+        <a:xfrm>
+          <a:off x="0" y="0"/>
+          <a:ext cx="0" cy="0"/>
+          <a:chOff x="0" y="0"/>
+          <a:chExt cx="0" cy="0"/>
+        </a:xfrm>
+      </p:grpSpPr>
+      <p:pic>
+        <p:nvPicPr>
+          <p:cNvPr id="5" name="Imagen 4">
+            <a:extLst>
+              <a:ext uri="{FF2B5EF4-FFF2-40B4-BE49-F238E27FC236}">
+                <a16:creationId xmlns:a16="http://schemas.microsoft.com/office/drawing/2014/main" id="{E2E11275-344B-4AFF-A6B5-28B62C96D89B}"/>
+              </a:ext>
+            </a:extLst>
+          </p:cNvPr>
+          <p:cNvPicPr>
+            <a:picLocks noChangeAspect="1"/>
+          </p:cNvPicPr>
+          <p:nvPr/>
+        </p:nvPicPr>
+        <p:blipFill>
+          <a:blip r:embed="rId2"/>
+          <a:stretch>
+            <a:fillRect/>
+          </a:stretch>
+        </p:blipFill>
+        <p:spPr>
+          <a:xfrm>
+            <a:off x="0" y="6218365"/>
+            <a:ext cx="1772529" cy="584935"/>
+          </a:xfrm>
+          <a:prstGeom prst="rect">
+            <a:avLst/>
+          </a:prstGeom>
+          <a:ln>
+            <a:noFill/>
+          </a:ln>
+        </p:spPr>
+      </p:pic>
+      <p:sp>
+        <p:nvSpPr>
+          <p:cNvPr id="7" name="CuadroTexto 6">
+            <a:extLst>
+              <a:ext uri="{FF2B5EF4-FFF2-40B4-BE49-F238E27FC236}">
+                <a16:creationId xmlns:a16="http://schemas.microsoft.com/office/drawing/2014/main" id="{59A16C2D-7A7D-4B01-AB71-3B2F8854B9AA}"/>
+              </a:ext>
+            </a:extLst>
+          </p:cNvPr>
+          <p:cNvSpPr txBox="1"/>
+          <p:nvPr/>
+        </p:nvSpPr>
+        <p:spPr>
+          <a:xfrm>
+            <a:off x="138398" y="1016852"/>
+            <a:ext cx="5957602" cy="461665"/>
+          </a:xfrm>
+          <a:prstGeom prst="rect">
+            <a:avLst/>
+          </a:prstGeom>
+          <a:noFill/>
+        </p:spPr>
+        <p:txBody>
+          <a:bodyPr wrap="square" rtlCol="0">
+            <a:spAutoFit/>
+          </a:bodyPr>
+          <a:lstStyle/>
+          <a:p>
+            <a:pPr algn="ctr"/>
+            <a:r>
+              <a:rPr lang="es-CO" sz="2400" b="1" dirty="0"/>
+              <a:t>Implementación: </a:t>
+            </a:r>
+            <a:r>
+              <a:rPr lang="es-CO" sz="2400" dirty="0"/>
+              <a:t>definiciones y variables</a:t>
+            </a:r>
+          </a:p>
+        </p:txBody>
+      </p:sp>
+      <p:sp>
+        <p:nvSpPr>
+          <p:cNvPr id="9" name="CuadroTexto 8">
+            <a:extLst>
+              <a:ext uri="{FF2B5EF4-FFF2-40B4-BE49-F238E27FC236}">
+                <a16:creationId xmlns:a16="http://schemas.microsoft.com/office/drawing/2014/main" id="{6BE66211-3F15-4D36-888E-CFE40F050B66}"/>
+              </a:ext>
+            </a:extLst>
+          </p:cNvPr>
+          <p:cNvSpPr txBox="1"/>
+          <p:nvPr/>
+        </p:nvSpPr>
+        <p:spPr>
+          <a:xfrm>
+            <a:off x="5785536" y="1064134"/>
+            <a:ext cx="3277772" cy="461665"/>
+          </a:xfrm>
+          <a:prstGeom prst="rect">
+            <a:avLst/>
+          </a:prstGeom>
+          <a:noFill/>
+        </p:spPr>
+        <p:txBody>
+          <a:bodyPr wrap="square" rtlCol="0">
+            <a:spAutoFit/>
+          </a:bodyPr>
+          <a:lstStyle/>
+          <a:p>
+            <a:pPr algn="ctr"/>
+            <a:r>
+              <a:rPr lang="es-CO" sz="2400" b="1" dirty="0" err="1"/>
+              <a:t>accel_port.h</a:t>
+            </a:r>
+            <a:endParaRPr lang="es-CO" sz="2400" b="1" dirty="0"/>
+          </a:p>
+        </p:txBody>
+      </p:sp>
+      <p:sp>
+        <p:nvSpPr>
+          <p:cNvPr id="2" name="Marcador de número de diapositiva 1">
+            <a:extLst>
+              <a:ext uri="{FF2B5EF4-FFF2-40B4-BE49-F238E27FC236}">
+                <a16:creationId xmlns:a16="http://schemas.microsoft.com/office/drawing/2014/main" id="{AE9EB885-4E7D-47D5-BD01-D3396405E2A7}"/>
+              </a:ext>
+            </a:extLst>
+          </p:cNvPr>
+          <p:cNvSpPr>
+            <a:spLocks noGrp="1"/>
+          </p:cNvSpPr>
+          <p:nvPr>
+            <p:ph type="sldNum" sz="quarter" idx="12"/>
+          </p:nvPr>
+        </p:nvSpPr>
+        <p:spPr/>
+        <p:txBody>
+          <a:bodyPr/>
+          <a:lstStyle/>
+          <a:p>
+            <a:fld id="{0B7B45CF-70C9-4F7E-9F10-375FE2ADAE22}" type="slidenum">
+              <a:rPr lang="es-CO" smtClean="0"/>
+              <a:t>7</a:t>
+            </a:fld>
+            <a:endParaRPr lang="es-CO"/>
+          </a:p>
+        </p:txBody>
+      </p:sp>
+      <p:sp>
+        <p:nvSpPr>
+          <p:cNvPr id="11" name="CuadroTexto 10">
+            <a:extLst>
+              <a:ext uri="{FF2B5EF4-FFF2-40B4-BE49-F238E27FC236}">
+                <a16:creationId xmlns:a16="http://schemas.microsoft.com/office/drawing/2014/main" id="{569533A7-51D3-4BEF-BD65-6AAA3247FD03}"/>
+              </a:ext>
+            </a:extLst>
+          </p:cNvPr>
+          <p:cNvSpPr txBox="1"/>
+          <p:nvPr/>
+        </p:nvSpPr>
+        <p:spPr>
+          <a:xfrm>
+            <a:off x="138398" y="347167"/>
+            <a:ext cx="9124872" cy="523220"/>
+          </a:xfrm>
+          <a:prstGeom prst="rect">
+            <a:avLst/>
+          </a:prstGeom>
+          <a:noFill/>
+        </p:spPr>
+        <p:txBody>
+          <a:bodyPr wrap="square" rtlCol="0">
+            <a:spAutoFit/>
+          </a:bodyPr>
+          <a:lstStyle/>
+          <a:p>
+            <a:pPr algn="just"/>
+            <a:r>
+              <a:rPr lang="pt-BR" sz="2800" b="1" dirty="0"/>
+              <a:t>Driver acelerómetro módulo MPU9250 a través de I2C</a:t>
+            </a:r>
+          </a:p>
+        </p:txBody>
+      </p:sp>
+      <p:sp>
+        <p:nvSpPr>
+          <p:cNvPr id="10" name="CuadroTexto 9">
+            <a:extLst>
+              <a:ext uri="{FF2B5EF4-FFF2-40B4-BE49-F238E27FC236}">
+                <a16:creationId xmlns:a16="http://schemas.microsoft.com/office/drawing/2014/main" id="{8C041440-2B5F-4387-84D4-2499BAF71EC7}"/>
+              </a:ext>
+            </a:extLst>
+          </p:cNvPr>
+          <p:cNvSpPr txBox="1"/>
+          <p:nvPr/>
+        </p:nvSpPr>
+        <p:spPr>
+          <a:xfrm>
+            <a:off x="437322" y="1955915"/>
+            <a:ext cx="11622156" cy="3970318"/>
+          </a:xfrm>
+          <a:prstGeom prst="rect">
+            <a:avLst/>
+          </a:prstGeom>
+          <a:noFill/>
+        </p:spPr>
+        <p:txBody>
+          <a:bodyPr wrap="square">
+            <a:spAutoFit/>
+          </a:bodyPr>
+          <a:lstStyle/>
+          <a:p>
+            <a:pPr algn="l"/>
+            <a:r>
+              <a:rPr lang="es-CO" sz="1800" dirty="0" err="1">
+                <a:solidFill>
+                  <a:srgbClr val="005032"/>
+                </a:solidFill>
+                <a:latin typeface="Consolas" panose="020B0609020204030204" pitchFamily="49" charset="0"/>
+              </a:rPr>
+              <a:t>bool_t</a:t>
+            </a:r>
+            <a:r>
+              <a:rPr lang="es-CO" sz="1800" dirty="0">
+                <a:solidFill>
+                  <a:srgbClr val="000000"/>
+                </a:solidFill>
+                <a:latin typeface="Consolas" panose="020B0609020204030204" pitchFamily="49" charset="0"/>
+              </a:rPr>
+              <a:t> </a:t>
+            </a:r>
+            <a:r>
+              <a:rPr lang="es-CO" sz="1800" b="1" dirty="0">
+                <a:solidFill>
+                  <a:srgbClr val="000000"/>
+                </a:solidFill>
+                <a:latin typeface="Consolas" panose="020B0609020204030204" pitchFamily="49" charset="0"/>
+              </a:rPr>
+              <a:t>I2C_read(</a:t>
+            </a:r>
+            <a:r>
+              <a:rPr lang="es-CO" sz="1800" b="1" dirty="0">
+                <a:solidFill>
+                  <a:srgbClr val="005032"/>
+                </a:solidFill>
+                <a:latin typeface="Consolas" panose="020B0609020204030204" pitchFamily="49" charset="0"/>
+              </a:rPr>
+              <a:t>uint8_t</a:t>
+            </a:r>
+            <a:r>
+              <a:rPr lang="es-CO" sz="1800" b="1" dirty="0">
+                <a:solidFill>
+                  <a:srgbClr val="000000"/>
+                </a:solidFill>
+                <a:latin typeface="Consolas" panose="020B0609020204030204" pitchFamily="49" charset="0"/>
+              </a:rPr>
+              <a:t> i2c_addres, </a:t>
+            </a:r>
+            <a:r>
+              <a:rPr lang="es-CO" sz="1800" b="1" dirty="0">
+                <a:solidFill>
+                  <a:srgbClr val="005032"/>
+                </a:solidFill>
+                <a:latin typeface="Consolas" panose="020B0609020204030204" pitchFamily="49" charset="0"/>
+              </a:rPr>
+              <a:t>uint8_t</a:t>
+            </a:r>
+            <a:r>
+              <a:rPr lang="es-CO" sz="1800" b="1" dirty="0">
+                <a:solidFill>
+                  <a:srgbClr val="000000"/>
+                </a:solidFill>
+                <a:latin typeface="Consolas" panose="020B0609020204030204" pitchFamily="49" charset="0"/>
+              </a:rPr>
+              <a:t> </a:t>
+            </a:r>
+            <a:r>
+              <a:rPr lang="es-CO" sz="1800" b="1" dirty="0" err="1">
+                <a:solidFill>
+                  <a:srgbClr val="000000"/>
+                </a:solidFill>
+                <a:latin typeface="Consolas" panose="020B0609020204030204" pitchFamily="49" charset="0"/>
+              </a:rPr>
+              <a:t>reg_addres</a:t>
+            </a:r>
+            <a:r>
+              <a:rPr lang="es-CO" sz="1800" b="1" dirty="0">
+                <a:solidFill>
+                  <a:srgbClr val="000000"/>
+                </a:solidFill>
+                <a:latin typeface="Consolas" panose="020B0609020204030204" pitchFamily="49" charset="0"/>
+              </a:rPr>
+              <a:t>, </a:t>
+            </a:r>
+            <a:r>
+              <a:rPr lang="es-CO" sz="1800" b="1" dirty="0">
+                <a:solidFill>
+                  <a:srgbClr val="005032"/>
+                </a:solidFill>
+                <a:latin typeface="Consolas" panose="020B0609020204030204" pitchFamily="49" charset="0"/>
+              </a:rPr>
+              <a:t>uint8_t</a:t>
+            </a:r>
+            <a:r>
+              <a:rPr lang="es-CO" sz="1800" b="1" dirty="0">
+                <a:solidFill>
+                  <a:srgbClr val="000000"/>
+                </a:solidFill>
+                <a:latin typeface="Consolas" panose="020B0609020204030204" pitchFamily="49" charset="0"/>
+              </a:rPr>
+              <a:t> *</a:t>
+            </a:r>
+            <a:r>
+              <a:rPr lang="es-CO" sz="1800" b="1" dirty="0" err="1">
+                <a:solidFill>
+                  <a:srgbClr val="000000"/>
+                </a:solidFill>
+                <a:latin typeface="Consolas" panose="020B0609020204030204" pitchFamily="49" charset="0"/>
+              </a:rPr>
+              <a:t>buffer_rx</a:t>
+            </a:r>
+            <a:r>
+              <a:rPr lang="es-CO" sz="1800" b="1" dirty="0">
+                <a:solidFill>
+                  <a:srgbClr val="000000"/>
+                </a:solidFill>
+                <a:latin typeface="Consolas" panose="020B0609020204030204" pitchFamily="49" charset="0"/>
+              </a:rPr>
+              <a:t>, </a:t>
+            </a:r>
+            <a:r>
+              <a:rPr lang="es-CO" sz="1800" b="1" dirty="0">
+                <a:solidFill>
+                  <a:srgbClr val="005032"/>
+                </a:solidFill>
+                <a:latin typeface="Consolas" panose="020B0609020204030204" pitchFamily="49" charset="0"/>
+              </a:rPr>
+              <a:t>uint8_t</a:t>
+            </a:r>
+            <a:r>
+              <a:rPr lang="es-CO" sz="1800" b="1" dirty="0">
+                <a:solidFill>
+                  <a:srgbClr val="000000"/>
+                </a:solidFill>
+                <a:latin typeface="Consolas" panose="020B0609020204030204" pitchFamily="49" charset="0"/>
+              </a:rPr>
+              <a:t> 											</a:t>
+            </a:r>
+            <a:r>
+              <a:rPr lang="es-CO" sz="1800" b="1" dirty="0" err="1">
+                <a:solidFill>
+                  <a:srgbClr val="000000"/>
+                </a:solidFill>
+                <a:latin typeface="Consolas" panose="020B0609020204030204" pitchFamily="49" charset="0"/>
+              </a:rPr>
+              <a:t>buffer_rx_size</a:t>
+            </a:r>
+            <a:r>
+              <a:rPr lang="es-CO" sz="1800" b="1" dirty="0">
+                <a:solidFill>
+                  <a:srgbClr val="000000"/>
+                </a:solidFill>
+                <a:latin typeface="Consolas" panose="020B0609020204030204" pitchFamily="49" charset="0"/>
+              </a:rPr>
+              <a:t>){</a:t>
+            </a:r>
+          </a:p>
+          <a:p>
+            <a:pPr algn="l"/>
+            <a:endParaRPr lang="es-CO" sz="1800" dirty="0">
+              <a:latin typeface="Consolas" panose="020B0609020204030204" pitchFamily="49" charset="0"/>
+            </a:endParaRPr>
+          </a:p>
+          <a:p>
+            <a:pPr algn="l"/>
+            <a:r>
+              <a:rPr lang="es-CO" sz="1800" dirty="0" err="1">
+                <a:solidFill>
+                  <a:srgbClr val="005032"/>
+                </a:solidFill>
+                <a:latin typeface="Consolas" panose="020B0609020204030204" pitchFamily="49" charset="0"/>
+              </a:rPr>
+              <a:t>bool_t</a:t>
+            </a:r>
+            <a:r>
+              <a:rPr lang="es-CO" sz="1800" dirty="0">
+                <a:solidFill>
+                  <a:srgbClr val="000000"/>
+                </a:solidFill>
+                <a:latin typeface="Consolas" panose="020B0609020204030204" pitchFamily="49" charset="0"/>
+              </a:rPr>
+              <a:t> </a:t>
+            </a:r>
+            <a:r>
+              <a:rPr lang="es-CO" sz="1800" dirty="0" err="1">
+                <a:solidFill>
+                  <a:srgbClr val="000000"/>
+                </a:solidFill>
+                <a:latin typeface="Consolas" panose="020B0609020204030204" pitchFamily="49" charset="0"/>
+              </a:rPr>
+              <a:t>state</a:t>
+            </a:r>
+            <a:r>
+              <a:rPr lang="es-CO" sz="1800" dirty="0">
+                <a:solidFill>
+                  <a:srgbClr val="000000"/>
+                </a:solidFill>
+                <a:latin typeface="Consolas" panose="020B0609020204030204" pitchFamily="49" charset="0"/>
+              </a:rPr>
+              <a:t> = false;</a:t>
+            </a:r>
+          </a:p>
+          <a:p>
+            <a:pPr algn="l"/>
+            <a:endParaRPr lang="es-CO" sz="1800" dirty="0">
+              <a:latin typeface="Consolas" panose="020B0609020204030204" pitchFamily="49" charset="0"/>
+            </a:endParaRPr>
+          </a:p>
+          <a:p>
+            <a:pPr algn="l"/>
+            <a:endParaRPr lang="es-CO" sz="1800" dirty="0">
+              <a:latin typeface="Consolas" panose="020B0609020204030204" pitchFamily="49" charset="0"/>
+            </a:endParaRPr>
+          </a:p>
+          <a:p>
+            <a:pPr algn="l"/>
+            <a:r>
+              <a:rPr lang="es-CO" sz="1800" dirty="0">
+                <a:solidFill>
+                  <a:srgbClr val="000000"/>
+                </a:solidFill>
+                <a:latin typeface="Consolas" panose="020B0609020204030204" pitchFamily="49" charset="0"/>
+              </a:rPr>
+              <a:t>    </a:t>
+            </a:r>
+            <a:r>
+              <a:rPr lang="es-CO" sz="1800" b="1" dirty="0" err="1">
+                <a:solidFill>
+                  <a:srgbClr val="7F0055"/>
+                </a:solidFill>
+                <a:latin typeface="Consolas" panose="020B0609020204030204" pitchFamily="49" charset="0"/>
+              </a:rPr>
+              <a:t>while</a:t>
+            </a:r>
+            <a:r>
+              <a:rPr lang="es-CO" sz="1800" b="1" dirty="0">
+                <a:solidFill>
+                  <a:srgbClr val="000000"/>
+                </a:solidFill>
+                <a:latin typeface="Consolas" panose="020B0609020204030204" pitchFamily="49" charset="0"/>
+              </a:rPr>
+              <a:t>(HAL_I2C_Mem_Read(&amp;I2cHandle, (</a:t>
+            </a:r>
+            <a:r>
+              <a:rPr lang="es-CO" sz="1800" b="1" dirty="0">
+                <a:solidFill>
+                  <a:srgbClr val="005032"/>
+                </a:solidFill>
+                <a:latin typeface="Consolas" panose="020B0609020204030204" pitchFamily="49" charset="0"/>
+              </a:rPr>
+              <a:t>uint16_t</a:t>
+            </a:r>
+            <a:r>
+              <a:rPr lang="es-CO" sz="1800" b="1" dirty="0">
+                <a:solidFill>
+                  <a:srgbClr val="000000"/>
+                </a:solidFill>
+                <a:latin typeface="Consolas" panose="020B0609020204030204" pitchFamily="49" charset="0"/>
+              </a:rPr>
+              <a:t>)(i2c_addres&lt;&lt;1), </a:t>
+            </a:r>
+            <a:r>
+              <a:rPr lang="es-CO" sz="1800" b="1" dirty="0" err="1">
+                <a:solidFill>
+                  <a:srgbClr val="000000"/>
+                </a:solidFill>
+                <a:latin typeface="Consolas" panose="020B0609020204030204" pitchFamily="49" charset="0"/>
+              </a:rPr>
+              <a:t>reg_addres</a:t>
+            </a:r>
+            <a:r>
+              <a:rPr lang="es-CO" sz="1800" b="1" dirty="0">
+                <a:solidFill>
+                  <a:srgbClr val="000000"/>
+                </a:solidFill>
+                <a:latin typeface="Consolas" panose="020B0609020204030204" pitchFamily="49" charset="0"/>
+              </a:rPr>
+              <a:t>, 1u, 									</a:t>
+            </a:r>
+            <a:r>
+              <a:rPr lang="es-CO" sz="1800" b="1" dirty="0" err="1">
+                <a:solidFill>
+                  <a:srgbClr val="000000"/>
+                </a:solidFill>
+                <a:latin typeface="Consolas" panose="020B0609020204030204" pitchFamily="49" charset="0"/>
+              </a:rPr>
+              <a:t>buffer_rx</a:t>
+            </a:r>
+            <a:r>
+              <a:rPr lang="es-CO" sz="1800" b="1" dirty="0">
+                <a:solidFill>
+                  <a:srgbClr val="000000"/>
+                </a:solidFill>
+                <a:latin typeface="Consolas" panose="020B0609020204030204" pitchFamily="49" charset="0"/>
+              </a:rPr>
+              <a:t>, 1u, 100u) != </a:t>
+            </a:r>
+            <a:r>
+              <a:rPr lang="es-CO" sz="1800" b="1" i="1" dirty="0">
+                <a:solidFill>
+                  <a:srgbClr val="0000C0"/>
+                </a:solidFill>
+                <a:latin typeface="Consolas" panose="020B0609020204030204" pitchFamily="49" charset="0"/>
+              </a:rPr>
+              <a:t>HAL_OK</a:t>
+            </a:r>
+            <a:r>
+              <a:rPr lang="es-CO" sz="1800" b="1" i="1" dirty="0">
+                <a:solidFill>
+                  <a:srgbClr val="000000"/>
+                </a:solidFill>
+                <a:latin typeface="Consolas" panose="020B0609020204030204" pitchFamily="49" charset="0"/>
+              </a:rPr>
+              <a:t>){</a:t>
+            </a:r>
+          </a:p>
+          <a:p>
+            <a:pPr algn="l"/>
+            <a:endParaRPr lang="es-CO" sz="1800" dirty="0">
+              <a:latin typeface="Consolas" panose="020B0609020204030204" pitchFamily="49" charset="0"/>
+            </a:endParaRPr>
+          </a:p>
+          <a:p>
+            <a:pPr algn="l"/>
+            <a:r>
+              <a:rPr lang="da-DK" sz="1800" dirty="0">
+                <a:solidFill>
+                  <a:srgbClr val="000000"/>
+                </a:solidFill>
+                <a:latin typeface="Consolas" panose="020B0609020204030204" pitchFamily="49" charset="0"/>
+              </a:rPr>
+              <a:t>        </a:t>
+            </a:r>
+            <a:r>
+              <a:rPr lang="da-DK" sz="1800" b="1" dirty="0">
+                <a:solidFill>
+                  <a:srgbClr val="7F0055"/>
+                </a:solidFill>
+                <a:latin typeface="Consolas" panose="020B0609020204030204" pitchFamily="49" charset="0"/>
+              </a:rPr>
+              <a:t>if</a:t>
+            </a:r>
+            <a:r>
+              <a:rPr lang="da-DK" sz="1800" b="1" dirty="0">
+                <a:solidFill>
+                  <a:srgbClr val="000000"/>
+                </a:solidFill>
+                <a:latin typeface="Consolas" panose="020B0609020204030204" pitchFamily="49" charset="0"/>
+              </a:rPr>
+              <a:t> (HAL_I2C_GetError(&amp;I2cHandle) != HAL_I2C_ERROR_AF)</a:t>
+            </a:r>
+          </a:p>
+          <a:p>
+            <a:pPr algn="l"/>
+            <a:r>
+              <a:rPr lang="es-CO" sz="1800" dirty="0">
+                <a:solidFill>
+                  <a:srgbClr val="000000"/>
+                </a:solidFill>
+                <a:latin typeface="Consolas" panose="020B0609020204030204" pitchFamily="49" charset="0"/>
+              </a:rPr>
+              <a:t>        {</a:t>
+            </a:r>
+          </a:p>
+          <a:p>
+            <a:pPr algn="l"/>
+            <a:r>
+              <a:rPr lang="es-CO" sz="1800" dirty="0">
+                <a:solidFill>
+                  <a:srgbClr val="000000"/>
+                </a:solidFill>
+                <a:latin typeface="Consolas" panose="020B0609020204030204" pitchFamily="49" charset="0"/>
+              </a:rPr>
+              <a:t>        </a:t>
+            </a:r>
+            <a:r>
+              <a:rPr lang="es-CO" sz="1800" dirty="0" err="1">
+                <a:solidFill>
+                  <a:srgbClr val="000000"/>
+                </a:solidFill>
+                <a:latin typeface="Consolas" panose="020B0609020204030204" pitchFamily="49" charset="0"/>
+              </a:rPr>
+              <a:t>state</a:t>
+            </a:r>
+            <a:r>
+              <a:rPr lang="es-CO" sz="1800" dirty="0">
+                <a:solidFill>
+                  <a:srgbClr val="000000"/>
+                </a:solidFill>
+                <a:latin typeface="Consolas" panose="020B0609020204030204" pitchFamily="49" charset="0"/>
+              </a:rPr>
+              <a:t> = false;</a:t>
+            </a:r>
+          </a:p>
+          <a:p>
+            <a:pPr algn="l"/>
+            <a:r>
+              <a:rPr lang="es-CO" sz="1800" dirty="0">
+                <a:solidFill>
+                  <a:srgbClr val="000000"/>
+                </a:solidFill>
+                <a:latin typeface="Consolas" panose="020B0609020204030204" pitchFamily="49" charset="0"/>
+              </a:rPr>
+              <a:t>        }</a:t>
+            </a:r>
+            <a:r>
+              <a:rPr lang="es-CO" sz="1800" b="1" dirty="0" err="1">
+                <a:solidFill>
+                  <a:srgbClr val="7F0055"/>
+                </a:solidFill>
+                <a:latin typeface="Consolas" panose="020B0609020204030204" pitchFamily="49" charset="0"/>
+              </a:rPr>
+              <a:t>else</a:t>
+            </a:r>
+            <a:r>
+              <a:rPr lang="es-CO" sz="1800" b="1" dirty="0">
+                <a:solidFill>
+                  <a:srgbClr val="000000"/>
+                </a:solidFill>
+                <a:latin typeface="Consolas" panose="020B0609020204030204" pitchFamily="49" charset="0"/>
+              </a:rPr>
+              <a:t>{</a:t>
+            </a:r>
+            <a:r>
+              <a:rPr lang="es-CO" sz="1800" b="1" dirty="0" err="1">
+                <a:solidFill>
+                  <a:srgbClr val="000000"/>
+                </a:solidFill>
+                <a:latin typeface="Consolas" panose="020B0609020204030204" pitchFamily="49" charset="0"/>
+              </a:rPr>
+              <a:t>state</a:t>
+            </a:r>
+            <a:r>
+              <a:rPr lang="es-CO" sz="1800" b="1" dirty="0">
+                <a:solidFill>
+                  <a:srgbClr val="000000"/>
+                </a:solidFill>
+                <a:latin typeface="Consolas" panose="020B0609020204030204" pitchFamily="49" charset="0"/>
+              </a:rPr>
+              <a:t> = true;}</a:t>
+            </a:r>
+          </a:p>
+          <a:p>
+            <a:pPr algn="l"/>
+            <a:r>
+              <a:rPr lang="es-CO" sz="1800" dirty="0">
+                <a:solidFill>
+                  <a:srgbClr val="000000"/>
+                </a:solidFill>
+                <a:latin typeface="Consolas" panose="020B0609020204030204" pitchFamily="49" charset="0"/>
+              </a:rPr>
+              <a:t>    }</a:t>
+            </a:r>
+            <a:endParaRPr lang="es-CO" dirty="0"/>
+          </a:p>
+        </p:txBody>
+      </p:sp>
+    </p:spTree>
+    <p:extLst>
+      <p:ext uri="{BB962C8B-B14F-4D97-AF65-F5344CB8AC3E}">
+        <p14:creationId xmlns:p14="http://schemas.microsoft.com/office/powerpoint/2010/main" val="1792123429"/>
+      </p:ext>
+    </p:extLst>
+  </p:cSld>
+  <p:clrMapOvr>
+    <a:masterClrMapping/>
+  </p:clrMapOvr>
+</p:sld>
+</file>
+
+<file path=ppt/slides/slide8.xml><?xml version="1.0" encoding="utf-8"?>
+<p:sld xmlns:a="http://schemas.openxmlformats.org/drawingml/2006/main" xmlns:r="http://schemas.openxmlformats.org/officeDocument/2006/relationships" xmlns:p="http://schemas.openxmlformats.org/presentationml/2006/main">
+  <p:cSld>
+    <p:spTree>
+      <p:nvGrpSpPr>
+        <p:cNvPr id="1" name=""/>
+        <p:cNvGrpSpPr/>
+        <p:nvPr/>
+      </p:nvGrpSpPr>
+      <p:grpSpPr>
+        <a:xfrm>
+          <a:off x="0" y="0"/>
+          <a:ext cx="0" cy="0"/>
+          <a:chOff x="0" y="0"/>
+          <a:chExt cx="0" cy="0"/>
+        </a:xfrm>
+      </p:grpSpPr>
+      <p:pic>
+        <p:nvPicPr>
+          <p:cNvPr id="5" name="Imagen 4">
+            <a:extLst>
+              <a:ext uri="{FF2B5EF4-FFF2-40B4-BE49-F238E27FC236}">
+                <a16:creationId xmlns:a16="http://schemas.microsoft.com/office/drawing/2014/main" id="{E2E11275-344B-4AFF-A6B5-28B62C96D89B}"/>
+              </a:ext>
+            </a:extLst>
+          </p:cNvPr>
+          <p:cNvPicPr>
+            <a:picLocks noChangeAspect="1"/>
+          </p:cNvPicPr>
+          <p:nvPr/>
+        </p:nvPicPr>
+        <p:blipFill>
+          <a:blip r:embed="rId2"/>
+          <a:stretch>
+            <a:fillRect/>
+          </a:stretch>
+        </p:blipFill>
+        <p:spPr>
+          <a:xfrm>
+            <a:off x="0" y="6218365"/>
+            <a:ext cx="1772529" cy="584935"/>
+          </a:xfrm>
+          <a:prstGeom prst="rect">
+            <a:avLst/>
+          </a:prstGeom>
+          <a:ln>
+            <a:noFill/>
+          </a:ln>
+        </p:spPr>
+      </p:pic>
+      <p:sp>
+        <p:nvSpPr>
+          <p:cNvPr id="7" name="CuadroTexto 6">
+            <a:extLst>
+              <a:ext uri="{FF2B5EF4-FFF2-40B4-BE49-F238E27FC236}">
+                <a16:creationId xmlns:a16="http://schemas.microsoft.com/office/drawing/2014/main" id="{59A16C2D-7A7D-4B01-AB71-3B2F8854B9AA}"/>
+              </a:ext>
+            </a:extLst>
+          </p:cNvPr>
+          <p:cNvSpPr txBox="1"/>
+          <p:nvPr/>
+        </p:nvSpPr>
+        <p:spPr>
+          <a:xfrm>
+            <a:off x="138398" y="1016852"/>
+            <a:ext cx="5957602" cy="461665"/>
+          </a:xfrm>
+          <a:prstGeom prst="rect">
+            <a:avLst/>
+          </a:prstGeom>
+          <a:noFill/>
+        </p:spPr>
+        <p:txBody>
+          <a:bodyPr wrap="square" rtlCol="0">
+            <a:spAutoFit/>
+          </a:bodyPr>
+          <a:lstStyle/>
+          <a:p>
+            <a:pPr algn="ctr"/>
+            <a:r>
+              <a:rPr lang="es-CO" sz="2400" b="1" dirty="0"/>
+              <a:t>Implementación: </a:t>
+            </a:r>
+            <a:r>
+              <a:rPr lang="es-CO" sz="2400" dirty="0"/>
+              <a:t>definiciones y variables</a:t>
+            </a:r>
+          </a:p>
+        </p:txBody>
+      </p:sp>
+      <p:sp>
+        <p:nvSpPr>
+          <p:cNvPr id="2" name="Marcador de número de diapositiva 1">
+            <a:extLst>
+              <a:ext uri="{FF2B5EF4-FFF2-40B4-BE49-F238E27FC236}">
+                <a16:creationId xmlns:a16="http://schemas.microsoft.com/office/drawing/2014/main" id="{AE9EB885-4E7D-47D5-BD01-D3396405E2A7}"/>
+              </a:ext>
+            </a:extLst>
+          </p:cNvPr>
+          <p:cNvSpPr>
+            <a:spLocks noGrp="1"/>
+          </p:cNvSpPr>
+          <p:nvPr>
+            <p:ph type="sldNum" sz="quarter" idx="12"/>
+          </p:nvPr>
+        </p:nvSpPr>
+        <p:spPr/>
+        <p:txBody>
+          <a:bodyPr/>
+          <a:lstStyle/>
+          <a:p>
+            <a:fld id="{0B7B45CF-70C9-4F7E-9F10-375FE2ADAE22}" type="slidenum">
+              <a:rPr lang="es-CO" smtClean="0"/>
+              <a:t>8</a:t>
+            </a:fld>
+            <a:endParaRPr lang="es-CO"/>
+          </a:p>
+        </p:txBody>
+      </p:sp>
+      <p:sp>
+        <p:nvSpPr>
+          <p:cNvPr id="11" name="CuadroTexto 10">
+            <a:extLst>
+              <a:ext uri="{FF2B5EF4-FFF2-40B4-BE49-F238E27FC236}">
+                <a16:creationId xmlns:a16="http://schemas.microsoft.com/office/drawing/2014/main" id="{569533A7-51D3-4BEF-BD65-6AAA3247FD03}"/>
+              </a:ext>
+            </a:extLst>
+          </p:cNvPr>
+          <p:cNvSpPr txBox="1"/>
+          <p:nvPr/>
+        </p:nvSpPr>
+        <p:spPr>
+          <a:xfrm>
+            <a:off x="138398" y="347167"/>
+            <a:ext cx="9124872" cy="523220"/>
+          </a:xfrm>
+          <a:prstGeom prst="rect">
+            <a:avLst/>
+          </a:prstGeom>
+          <a:noFill/>
+        </p:spPr>
+        <p:txBody>
+          <a:bodyPr wrap="square" rtlCol="0">
+            <a:spAutoFit/>
+          </a:bodyPr>
+          <a:lstStyle/>
+          <a:p>
+            <a:pPr algn="just"/>
+            <a:r>
+              <a:rPr lang="pt-BR" sz="2800" b="1" dirty="0"/>
+              <a:t>Driver acelerómetro módulo MPU9250 a través de I2C</a:t>
+            </a:r>
+          </a:p>
+        </p:txBody>
+      </p:sp>
+      <p:sp>
+        <p:nvSpPr>
+          <p:cNvPr id="8" name="CuadroTexto 7">
+            <a:extLst>
+              <a:ext uri="{FF2B5EF4-FFF2-40B4-BE49-F238E27FC236}">
+                <a16:creationId xmlns:a16="http://schemas.microsoft.com/office/drawing/2014/main" id="{65BFED1E-DF51-461A-95DA-4294CBFDBF87}"/>
+              </a:ext>
+            </a:extLst>
+          </p:cNvPr>
+          <p:cNvSpPr txBox="1"/>
+          <p:nvPr/>
+        </p:nvSpPr>
+        <p:spPr>
+          <a:xfrm>
+            <a:off x="5785536" y="1064134"/>
+            <a:ext cx="3277772" cy="461665"/>
+          </a:xfrm>
+          <a:prstGeom prst="rect">
+            <a:avLst/>
+          </a:prstGeom>
+          <a:noFill/>
+        </p:spPr>
+        <p:txBody>
+          <a:bodyPr wrap="square" rtlCol="0">
+            <a:spAutoFit/>
+          </a:bodyPr>
+          <a:lstStyle/>
+          <a:p>
+            <a:pPr algn="ctr"/>
+            <a:r>
+              <a:rPr lang="es-CO" sz="2400" b="1" dirty="0" err="1"/>
+              <a:t>accel_port.h</a:t>
+            </a:r>
+            <a:endParaRPr lang="es-CO" sz="2400" b="1" dirty="0"/>
+          </a:p>
+        </p:txBody>
+      </p:sp>
+      <p:sp>
+        <p:nvSpPr>
+          <p:cNvPr id="12" name="CuadroTexto 11">
+            <a:extLst>
+              <a:ext uri="{FF2B5EF4-FFF2-40B4-BE49-F238E27FC236}">
+                <a16:creationId xmlns:a16="http://schemas.microsoft.com/office/drawing/2014/main" id="{0007A9F9-4BA4-43AB-A686-65B88A16B250}"/>
+              </a:ext>
+            </a:extLst>
+          </p:cNvPr>
+          <p:cNvSpPr txBox="1"/>
+          <p:nvPr/>
+        </p:nvSpPr>
+        <p:spPr>
+          <a:xfrm>
+            <a:off x="397565" y="2014597"/>
+            <a:ext cx="11111572" cy="4247317"/>
+          </a:xfrm>
+          <a:prstGeom prst="rect">
+            <a:avLst/>
+          </a:prstGeom>
+          <a:noFill/>
+        </p:spPr>
+        <p:txBody>
+          <a:bodyPr wrap="square">
+            <a:spAutoFit/>
+          </a:bodyPr>
+          <a:lstStyle/>
+          <a:p>
+            <a:pPr algn="l"/>
+            <a:r>
+              <a:rPr lang="fr-FR" sz="1800" dirty="0" err="1">
+                <a:solidFill>
+                  <a:srgbClr val="005032"/>
+                </a:solidFill>
+                <a:latin typeface="Consolas" panose="020B0609020204030204" pitchFamily="49" charset="0"/>
+              </a:rPr>
+              <a:t>bool_t</a:t>
+            </a:r>
+            <a:r>
+              <a:rPr lang="fr-FR" sz="1800" dirty="0">
+                <a:solidFill>
+                  <a:srgbClr val="000000"/>
+                </a:solidFill>
+                <a:latin typeface="Consolas" panose="020B0609020204030204" pitchFamily="49" charset="0"/>
+              </a:rPr>
+              <a:t> </a:t>
+            </a:r>
+            <a:r>
+              <a:rPr lang="fr-FR" sz="1800" b="1" dirty="0">
+                <a:solidFill>
+                  <a:srgbClr val="000000"/>
+                </a:solidFill>
+                <a:latin typeface="Consolas" panose="020B0609020204030204" pitchFamily="49" charset="0"/>
+              </a:rPr>
+              <a:t>I2C_write(</a:t>
+            </a:r>
+            <a:r>
+              <a:rPr lang="fr-FR" sz="1800" b="1" dirty="0">
+                <a:solidFill>
+                  <a:srgbClr val="005032"/>
+                </a:solidFill>
+                <a:latin typeface="Consolas" panose="020B0609020204030204" pitchFamily="49" charset="0"/>
+              </a:rPr>
+              <a:t>uint8_t</a:t>
+            </a:r>
+            <a:r>
+              <a:rPr lang="fr-FR" sz="1800" b="1" dirty="0">
+                <a:solidFill>
+                  <a:srgbClr val="000000"/>
+                </a:solidFill>
+                <a:latin typeface="Consolas" panose="020B0609020204030204" pitchFamily="49" charset="0"/>
+              </a:rPr>
+              <a:t> i2c_add, </a:t>
+            </a:r>
+            <a:r>
+              <a:rPr lang="fr-FR" sz="1800" b="1" dirty="0">
+                <a:solidFill>
+                  <a:srgbClr val="005032"/>
+                </a:solidFill>
+                <a:latin typeface="Consolas" panose="020B0609020204030204" pitchFamily="49" charset="0"/>
+              </a:rPr>
+              <a:t>uint8_t</a:t>
+            </a:r>
+            <a:r>
+              <a:rPr lang="fr-FR" sz="1800" b="1" dirty="0">
+                <a:solidFill>
+                  <a:srgbClr val="000000"/>
+                </a:solidFill>
+                <a:latin typeface="Consolas" panose="020B0609020204030204" pitchFamily="49" charset="0"/>
+              </a:rPr>
+              <a:t> </a:t>
+            </a:r>
+            <a:r>
+              <a:rPr lang="fr-FR" sz="1800" b="1" dirty="0" err="1">
+                <a:solidFill>
+                  <a:srgbClr val="000000"/>
+                </a:solidFill>
+                <a:latin typeface="Consolas" panose="020B0609020204030204" pitchFamily="49" charset="0"/>
+              </a:rPr>
+              <a:t>reg_addres</a:t>
+            </a:r>
+            <a:r>
+              <a:rPr lang="fr-FR" sz="1800" b="1" dirty="0">
+                <a:solidFill>
+                  <a:srgbClr val="000000"/>
+                </a:solidFill>
+                <a:latin typeface="Consolas" panose="020B0609020204030204" pitchFamily="49" charset="0"/>
+              </a:rPr>
+              <a:t>, </a:t>
+            </a:r>
+            <a:r>
+              <a:rPr lang="fr-FR" sz="1800" b="1" dirty="0">
+                <a:solidFill>
+                  <a:srgbClr val="005032"/>
+                </a:solidFill>
+                <a:latin typeface="Consolas" panose="020B0609020204030204" pitchFamily="49" charset="0"/>
+              </a:rPr>
+              <a:t>uint8_t</a:t>
+            </a:r>
+            <a:r>
+              <a:rPr lang="fr-FR" sz="1800" b="1" dirty="0">
+                <a:solidFill>
+                  <a:srgbClr val="000000"/>
+                </a:solidFill>
+                <a:latin typeface="Consolas" panose="020B0609020204030204" pitchFamily="49" charset="0"/>
+              </a:rPr>
+              <a:t> </a:t>
+            </a:r>
+            <a:r>
+              <a:rPr lang="fr-FR" sz="1800" b="1" dirty="0" err="1">
+                <a:solidFill>
+                  <a:srgbClr val="000000"/>
+                </a:solidFill>
+                <a:latin typeface="Consolas" panose="020B0609020204030204" pitchFamily="49" charset="0"/>
+              </a:rPr>
+              <a:t>reg_content</a:t>
+            </a:r>
+            <a:r>
+              <a:rPr lang="fr-FR" sz="1800" b="1" dirty="0">
+                <a:solidFill>
+                  <a:srgbClr val="000000"/>
+                </a:solidFill>
+                <a:latin typeface="Consolas" panose="020B0609020204030204" pitchFamily="49" charset="0"/>
+              </a:rPr>
+              <a:t>){</a:t>
+            </a:r>
+          </a:p>
+          <a:p>
+            <a:pPr algn="l"/>
+            <a:endParaRPr lang="es-CO" sz="1800" dirty="0">
+              <a:latin typeface="Consolas" panose="020B0609020204030204" pitchFamily="49" charset="0"/>
+            </a:endParaRPr>
+          </a:p>
+          <a:p>
+            <a:pPr algn="l"/>
+            <a:r>
+              <a:rPr lang="es-CO" sz="1800" dirty="0" err="1">
+                <a:solidFill>
+                  <a:srgbClr val="005032"/>
+                </a:solidFill>
+                <a:latin typeface="Consolas" panose="020B0609020204030204" pitchFamily="49" charset="0"/>
+              </a:rPr>
+              <a:t>bool_t</a:t>
+            </a:r>
+            <a:r>
+              <a:rPr lang="es-CO" sz="1800" dirty="0">
+                <a:solidFill>
+                  <a:srgbClr val="000000"/>
+                </a:solidFill>
+                <a:latin typeface="Consolas" panose="020B0609020204030204" pitchFamily="49" charset="0"/>
+              </a:rPr>
+              <a:t> </a:t>
+            </a:r>
+            <a:r>
+              <a:rPr lang="es-CO" sz="1800" dirty="0" err="1">
+                <a:solidFill>
+                  <a:srgbClr val="000000"/>
+                </a:solidFill>
+                <a:latin typeface="Consolas" panose="020B0609020204030204" pitchFamily="49" charset="0"/>
+              </a:rPr>
+              <a:t>state</a:t>
+            </a:r>
+            <a:r>
+              <a:rPr lang="es-CO" sz="1800" dirty="0">
+                <a:solidFill>
+                  <a:srgbClr val="000000"/>
+                </a:solidFill>
+                <a:latin typeface="Consolas" panose="020B0609020204030204" pitchFamily="49" charset="0"/>
+              </a:rPr>
+              <a:t> = false;</a:t>
+            </a:r>
+          </a:p>
+          <a:p>
+            <a:pPr algn="l"/>
+            <a:endParaRPr lang="es-CO" sz="1800" dirty="0">
+              <a:latin typeface="Consolas" panose="020B0609020204030204" pitchFamily="49" charset="0"/>
+            </a:endParaRPr>
+          </a:p>
+          <a:p>
+            <a:pPr algn="l"/>
+            <a:endParaRPr lang="es-CO" sz="1800" dirty="0">
+              <a:latin typeface="Consolas" panose="020B0609020204030204" pitchFamily="49" charset="0"/>
+            </a:endParaRPr>
+          </a:p>
+          <a:p>
+            <a:pPr algn="l"/>
+            <a:r>
+              <a:rPr lang="es-CO" sz="1800" dirty="0">
+                <a:solidFill>
+                  <a:srgbClr val="000000"/>
+                </a:solidFill>
+                <a:latin typeface="Consolas" panose="020B0609020204030204" pitchFamily="49" charset="0"/>
+              </a:rPr>
+              <a:t>    </a:t>
+            </a:r>
+            <a:r>
+              <a:rPr lang="es-CO" sz="1800" b="1" dirty="0" err="1">
+                <a:solidFill>
+                  <a:srgbClr val="7F0055"/>
+                </a:solidFill>
+                <a:latin typeface="Consolas" panose="020B0609020204030204" pitchFamily="49" charset="0"/>
+              </a:rPr>
+              <a:t>while</a:t>
+            </a:r>
+            <a:r>
+              <a:rPr lang="es-CO" sz="1800" b="1" dirty="0">
+                <a:solidFill>
+                  <a:srgbClr val="000000"/>
+                </a:solidFill>
+                <a:latin typeface="Consolas" panose="020B0609020204030204" pitchFamily="49" charset="0"/>
+              </a:rPr>
+              <a:t>(HAL_I2C_Mem_Write(&amp;I2cHandle, i2c_add, </a:t>
+            </a:r>
+            <a:r>
+              <a:rPr lang="es-CO" sz="1800" b="1" dirty="0" err="1">
+                <a:solidFill>
+                  <a:srgbClr val="000000"/>
+                </a:solidFill>
+                <a:latin typeface="Consolas" panose="020B0609020204030204" pitchFamily="49" charset="0"/>
+              </a:rPr>
+              <a:t>reg_addres</a:t>
+            </a:r>
+            <a:r>
+              <a:rPr lang="es-CO" sz="1800" b="1" dirty="0">
+                <a:solidFill>
+                  <a:srgbClr val="000000"/>
+                </a:solidFill>
+                <a:latin typeface="Consolas" panose="020B0609020204030204" pitchFamily="49" charset="0"/>
+              </a:rPr>
+              <a:t>, 1u, &amp;</a:t>
+            </a:r>
+            <a:r>
+              <a:rPr lang="es-CO" sz="1800" b="1" dirty="0" err="1">
+                <a:solidFill>
+                  <a:srgbClr val="000000"/>
+                </a:solidFill>
+                <a:latin typeface="Consolas" panose="020B0609020204030204" pitchFamily="49" charset="0"/>
+              </a:rPr>
+              <a:t>reg_content</a:t>
+            </a:r>
+            <a:r>
+              <a:rPr lang="es-CO" sz="1800" b="1" dirty="0">
+                <a:solidFill>
+                  <a:srgbClr val="000000"/>
+                </a:solidFill>
+                <a:latin typeface="Consolas" panose="020B0609020204030204" pitchFamily="49" charset="0"/>
+              </a:rPr>
+              <a:t>, 1u, 									100u) != </a:t>
+            </a:r>
+            <a:r>
+              <a:rPr lang="es-CO" sz="1800" b="1" i="1" dirty="0">
+                <a:solidFill>
+                  <a:srgbClr val="0000C0"/>
+                </a:solidFill>
+                <a:latin typeface="Consolas" panose="020B0609020204030204" pitchFamily="49" charset="0"/>
+              </a:rPr>
+              <a:t>HAL_OK</a:t>
+            </a:r>
+            <a:r>
+              <a:rPr lang="es-CO" sz="1800" b="1" i="1" dirty="0">
+                <a:solidFill>
+                  <a:srgbClr val="000000"/>
+                </a:solidFill>
+                <a:latin typeface="Consolas" panose="020B0609020204030204" pitchFamily="49" charset="0"/>
+              </a:rPr>
+              <a:t>)</a:t>
+            </a:r>
+            <a:r>
+              <a:rPr lang="es-CO" sz="1800" dirty="0">
+                <a:solidFill>
+                  <a:srgbClr val="000000"/>
+                </a:solidFill>
+                <a:latin typeface="Consolas" panose="020B0609020204030204" pitchFamily="49" charset="0"/>
+              </a:rPr>
+              <a:t>{</a:t>
+            </a:r>
+          </a:p>
+          <a:p>
+            <a:pPr algn="l"/>
+            <a:endParaRPr lang="es-CO" sz="1800" dirty="0">
+              <a:latin typeface="Consolas" panose="020B0609020204030204" pitchFamily="49" charset="0"/>
+            </a:endParaRPr>
+          </a:p>
+          <a:p>
+            <a:pPr algn="l"/>
+            <a:endParaRPr lang="es-CO" sz="1800" dirty="0">
+              <a:latin typeface="Consolas" panose="020B0609020204030204" pitchFamily="49" charset="0"/>
+            </a:endParaRPr>
+          </a:p>
+          <a:p>
+            <a:pPr algn="l"/>
+            <a:r>
+              <a:rPr lang="da-DK" sz="1800" dirty="0">
+                <a:solidFill>
+                  <a:srgbClr val="000000"/>
+                </a:solidFill>
+                <a:latin typeface="Consolas" panose="020B0609020204030204" pitchFamily="49" charset="0"/>
+              </a:rPr>
+              <a:t>        </a:t>
+            </a:r>
+            <a:r>
+              <a:rPr lang="da-DK" sz="1800" b="1" dirty="0">
+                <a:solidFill>
+                  <a:srgbClr val="7F0055"/>
+                </a:solidFill>
+                <a:latin typeface="Consolas" panose="020B0609020204030204" pitchFamily="49" charset="0"/>
+              </a:rPr>
+              <a:t>if</a:t>
+            </a:r>
+            <a:r>
+              <a:rPr lang="da-DK" sz="1800" b="1" dirty="0">
+                <a:solidFill>
+                  <a:srgbClr val="000000"/>
+                </a:solidFill>
+                <a:latin typeface="Consolas" panose="020B0609020204030204" pitchFamily="49" charset="0"/>
+              </a:rPr>
+              <a:t> (HAL_I2C_GetError(&amp;I2cHandle) != HAL_I2C_ERROR_AF){</a:t>
+            </a:r>
+          </a:p>
+          <a:p>
+            <a:pPr algn="l"/>
+            <a:r>
+              <a:rPr lang="es-CO" sz="1800" dirty="0">
+                <a:solidFill>
+                  <a:srgbClr val="000000"/>
+                </a:solidFill>
+                <a:latin typeface="Consolas" panose="020B0609020204030204" pitchFamily="49" charset="0"/>
+              </a:rPr>
+              <a:t>        </a:t>
+            </a:r>
+            <a:r>
+              <a:rPr lang="es-CO" sz="1800" dirty="0" err="1">
+                <a:solidFill>
+                  <a:srgbClr val="000000"/>
+                </a:solidFill>
+                <a:latin typeface="Consolas" panose="020B0609020204030204" pitchFamily="49" charset="0"/>
+              </a:rPr>
+              <a:t>state</a:t>
+            </a:r>
+            <a:r>
+              <a:rPr lang="es-CO" sz="1800" dirty="0">
+                <a:solidFill>
+                  <a:srgbClr val="000000"/>
+                </a:solidFill>
+                <a:latin typeface="Consolas" panose="020B0609020204030204" pitchFamily="49" charset="0"/>
+              </a:rPr>
+              <a:t> = false;</a:t>
+            </a:r>
+          </a:p>
+          <a:p>
+            <a:pPr algn="l"/>
+            <a:r>
+              <a:rPr lang="es-CO" sz="1800" dirty="0">
+                <a:solidFill>
+                  <a:srgbClr val="000000"/>
+                </a:solidFill>
+                <a:latin typeface="Consolas" panose="020B0609020204030204" pitchFamily="49" charset="0"/>
+              </a:rPr>
+              <a:t>        }</a:t>
+            </a:r>
+            <a:r>
+              <a:rPr lang="es-CO" sz="1800" b="1" dirty="0" err="1">
+                <a:solidFill>
+                  <a:srgbClr val="7F0055"/>
+                </a:solidFill>
+                <a:latin typeface="Consolas" panose="020B0609020204030204" pitchFamily="49" charset="0"/>
+              </a:rPr>
+              <a:t>else</a:t>
+            </a:r>
+            <a:r>
+              <a:rPr lang="es-CO" sz="1800" b="1" dirty="0">
+                <a:solidFill>
+                  <a:srgbClr val="000000"/>
+                </a:solidFill>
+                <a:latin typeface="Consolas" panose="020B0609020204030204" pitchFamily="49" charset="0"/>
+              </a:rPr>
+              <a:t>{</a:t>
+            </a:r>
+            <a:r>
+              <a:rPr lang="es-CO" sz="1800" b="1" dirty="0" err="1">
+                <a:solidFill>
+                  <a:srgbClr val="000000"/>
+                </a:solidFill>
+                <a:latin typeface="Consolas" panose="020B0609020204030204" pitchFamily="49" charset="0"/>
+              </a:rPr>
+              <a:t>state</a:t>
+            </a:r>
+            <a:r>
+              <a:rPr lang="es-CO" sz="1800" b="1" dirty="0">
+                <a:solidFill>
+                  <a:srgbClr val="000000"/>
+                </a:solidFill>
+                <a:latin typeface="Consolas" panose="020B0609020204030204" pitchFamily="49" charset="0"/>
+              </a:rPr>
+              <a:t> = true;}</a:t>
+            </a:r>
+          </a:p>
+          <a:p>
+            <a:pPr algn="l"/>
+            <a:endParaRPr lang="es-CO" sz="1800" dirty="0">
+              <a:latin typeface="Consolas" panose="020B0609020204030204" pitchFamily="49" charset="0"/>
+            </a:endParaRPr>
+          </a:p>
+          <a:p>
+            <a:pPr algn="l"/>
+            <a:r>
+              <a:rPr lang="es-CO" sz="1800" dirty="0">
+                <a:solidFill>
+                  <a:srgbClr val="000000"/>
+                </a:solidFill>
+                <a:latin typeface="Consolas" panose="020B0609020204030204" pitchFamily="49" charset="0"/>
+              </a:rPr>
+              <a:t>    }</a:t>
+            </a:r>
+          </a:p>
+          <a:p>
+            <a:pPr algn="l"/>
+            <a:r>
+              <a:rPr lang="es-CO" sz="1800" dirty="0">
+                <a:solidFill>
+                  <a:srgbClr val="000000"/>
+                </a:solidFill>
+                <a:latin typeface="Consolas" panose="020B0609020204030204" pitchFamily="49" charset="0"/>
+              </a:rPr>
+              <a:t>}</a:t>
+            </a:r>
+            <a:endParaRPr lang="es-CO" dirty="0"/>
+          </a:p>
+        </p:txBody>
+      </p:sp>
+    </p:spTree>
+    <p:extLst>
+      <p:ext uri="{BB962C8B-B14F-4D97-AF65-F5344CB8AC3E}">
+        <p14:creationId xmlns:p14="http://schemas.microsoft.com/office/powerpoint/2010/main" val="3182104485"/>
+      </p:ext>
+    </p:extLst>
+  </p:cSld>
+  <p:clrMapOvr>
+    <a:masterClrMapping/>
+  </p:clrMapOvr>
+</p:sld>
+</file>
+
+<file path=ppt/slides/slide9.xml><?xml version="1.0" encoding="utf-8"?>
+<p:sld xmlns:a="http://schemas.openxmlformats.org/drawingml/2006/main" xmlns:r="http://schemas.openxmlformats.org/officeDocument/2006/relationships" xmlns:p="http://schemas.openxmlformats.org/presentationml/2006/main">
+  <p:cSld>
+    <p:spTree>
+      <p:nvGrpSpPr>
+        <p:cNvPr id="1" name=""/>
+        <p:cNvGrpSpPr/>
+        <p:nvPr/>
+      </p:nvGrpSpPr>
+      <p:grpSpPr>
+        <a:xfrm>
+          <a:off x="0" y="0"/>
+          <a:ext cx="0" cy="0"/>
+          <a:chOff x="0" y="0"/>
+          <a:chExt cx="0" cy="0"/>
+        </a:xfrm>
+      </p:grpSpPr>
+      <p:pic>
+        <p:nvPicPr>
+          <p:cNvPr id="5" name="Imagen 4">
+            <a:extLst>
+              <a:ext uri="{FF2B5EF4-FFF2-40B4-BE49-F238E27FC236}">
+                <a16:creationId xmlns:a16="http://schemas.microsoft.com/office/drawing/2014/main" id="{E2E11275-344B-4AFF-A6B5-28B62C96D89B}"/>
+              </a:ext>
+            </a:extLst>
+          </p:cNvPr>
+          <p:cNvPicPr>
+            <a:picLocks noChangeAspect="1"/>
+          </p:cNvPicPr>
+          <p:nvPr/>
+        </p:nvPicPr>
+        <p:blipFill>
+          <a:blip r:embed="rId2"/>
+          <a:stretch>
+            <a:fillRect/>
+          </a:stretch>
+        </p:blipFill>
+        <p:spPr>
+          <a:xfrm>
+            <a:off x="0" y="6218365"/>
+            <a:ext cx="1772529" cy="584935"/>
+          </a:xfrm>
+          <a:prstGeom prst="rect">
+            <a:avLst/>
+          </a:prstGeom>
+          <a:ln>
+            <a:noFill/>
+          </a:ln>
+        </p:spPr>
+      </p:pic>
+      <p:sp>
+        <p:nvSpPr>
+          <p:cNvPr id="7" name="CuadroTexto 6">
+            <a:extLst>
+              <a:ext uri="{FF2B5EF4-FFF2-40B4-BE49-F238E27FC236}">
+                <a16:creationId xmlns:a16="http://schemas.microsoft.com/office/drawing/2014/main" id="{59A16C2D-7A7D-4B01-AB71-3B2F8854B9AA}"/>
+              </a:ext>
+            </a:extLst>
+          </p:cNvPr>
+          <p:cNvSpPr txBox="1"/>
+          <p:nvPr/>
+        </p:nvSpPr>
+        <p:spPr>
+          <a:xfrm>
+            <a:off x="138398" y="1016852"/>
+            <a:ext cx="5957602" cy="461665"/>
+          </a:xfrm>
+          <a:prstGeom prst="rect">
+            <a:avLst/>
+          </a:prstGeom>
+          <a:noFill/>
+        </p:spPr>
+        <p:txBody>
+          <a:bodyPr wrap="square" rtlCol="0">
+            <a:spAutoFit/>
+          </a:bodyPr>
+          <a:lstStyle/>
+          <a:p>
+            <a:pPr algn="ctr"/>
+            <a:r>
+              <a:rPr lang="es-CO" sz="2400" b="1" dirty="0"/>
+              <a:t>Implementación: </a:t>
+            </a:r>
+            <a:r>
+              <a:rPr lang="es-CO" sz="2400" dirty="0"/>
+              <a:t>definiciones y variables</a:t>
+            </a:r>
+          </a:p>
+        </p:txBody>
+      </p:sp>
+      <p:sp>
+        <p:nvSpPr>
+          <p:cNvPr id="9" name="CuadroTexto 8">
+            <a:extLst>
+              <a:ext uri="{FF2B5EF4-FFF2-40B4-BE49-F238E27FC236}">
+                <a16:creationId xmlns:a16="http://schemas.microsoft.com/office/drawing/2014/main" id="{6BE66211-3F15-4D36-888E-CFE40F050B66}"/>
+              </a:ext>
+            </a:extLst>
+          </p:cNvPr>
+          <p:cNvSpPr txBox="1"/>
+          <p:nvPr/>
+        </p:nvSpPr>
+        <p:spPr>
+          <a:xfrm>
+            <a:off x="5785536" y="1064134"/>
+            <a:ext cx="3277772" cy="461665"/>
+          </a:xfrm>
+          <a:prstGeom prst="rect">
+            <a:avLst/>
+          </a:prstGeom>
+          <a:noFill/>
+        </p:spPr>
+        <p:txBody>
+          <a:bodyPr wrap="square" rtlCol="0">
+            <a:spAutoFit/>
+          </a:bodyPr>
+          <a:lstStyle/>
+          <a:p>
+            <a:pPr algn="ctr"/>
+            <a:r>
+              <a:rPr lang="es-CO" sz="2400" b="1" dirty="0" err="1"/>
+              <a:t>accel.h</a:t>
+            </a:r>
+            <a:endParaRPr lang="es-CO" sz="2400" b="1" dirty="0"/>
+          </a:p>
+        </p:txBody>
+      </p:sp>
+      <p:sp>
+        <p:nvSpPr>
+          <p:cNvPr id="2" name="Marcador de número de diapositiva 1">
+            <a:extLst>
+              <a:ext uri="{FF2B5EF4-FFF2-40B4-BE49-F238E27FC236}">
+                <a16:creationId xmlns:a16="http://schemas.microsoft.com/office/drawing/2014/main" id="{AE9EB885-4E7D-47D5-BD01-D3396405E2A7}"/>
+              </a:ext>
+            </a:extLst>
+          </p:cNvPr>
+          <p:cNvSpPr>
+            <a:spLocks noGrp="1"/>
+          </p:cNvSpPr>
+          <p:nvPr>
+            <p:ph type="sldNum" sz="quarter" idx="12"/>
+          </p:nvPr>
+        </p:nvSpPr>
+        <p:spPr/>
+        <p:txBody>
+          <a:bodyPr/>
+          <a:lstStyle/>
+          <a:p>
+            <a:fld id="{0B7B45CF-70C9-4F7E-9F10-375FE2ADAE22}" type="slidenum">
+              <a:rPr lang="es-CO" smtClean="0"/>
+              <a:t>9</a:t>
+            </a:fld>
+            <a:endParaRPr lang="es-CO"/>
+          </a:p>
+        </p:txBody>
+      </p:sp>
+      <p:sp>
+        <p:nvSpPr>
+          <p:cNvPr id="11" name="CuadroTexto 10">
+            <a:extLst>
+              <a:ext uri="{FF2B5EF4-FFF2-40B4-BE49-F238E27FC236}">
+                <a16:creationId xmlns:a16="http://schemas.microsoft.com/office/drawing/2014/main" id="{569533A7-51D3-4BEF-BD65-6AAA3247FD03}"/>
+              </a:ext>
+            </a:extLst>
+          </p:cNvPr>
+          <p:cNvSpPr txBox="1"/>
+          <p:nvPr/>
+        </p:nvSpPr>
+        <p:spPr>
+          <a:xfrm>
+            <a:off x="138398" y="347167"/>
+            <a:ext cx="9124872" cy="523220"/>
+          </a:xfrm>
+          <a:prstGeom prst="rect">
+            <a:avLst/>
+          </a:prstGeom>
+          <a:noFill/>
+        </p:spPr>
+        <p:txBody>
+          <a:bodyPr wrap="square" rtlCol="0">
+            <a:spAutoFit/>
+          </a:bodyPr>
+          <a:lstStyle/>
+          <a:p>
+            <a:pPr algn="just"/>
+            <a:r>
+              <a:rPr lang="pt-BR" sz="2800" b="1" dirty="0"/>
+              <a:t>Driver acelerómetro módulo MPU9250 a través de I2C</a:t>
+            </a:r>
+          </a:p>
+        </p:txBody>
+      </p:sp>
+      <p:sp>
+        <p:nvSpPr>
+          <p:cNvPr id="12" name="CuadroTexto 11">
+            <a:extLst>
+              <a:ext uri="{FF2B5EF4-FFF2-40B4-BE49-F238E27FC236}">
+                <a16:creationId xmlns:a16="http://schemas.microsoft.com/office/drawing/2014/main" id="{7C875290-AE98-4559-B6CB-73E1DE9B8E39}"/>
+              </a:ext>
+            </a:extLst>
+          </p:cNvPr>
+          <p:cNvSpPr txBox="1"/>
+          <p:nvPr/>
+        </p:nvSpPr>
+        <p:spPr>
+          <a:xfrm>
+            <a:off x="2014329" y="1672264"/>
+            <a:ext cx="9124871" cy="4801314"/>
+          </a:xfrm>
+          <a:prstGeom prst="rect">
+            <a:avLst/>
+          </a:prstGeom>
+          <a:noFill/>
+        </p:spPr>
+        <p:txBody>
+          <a:bodyPr wrap="square">
+            <a:spAutoFit/>
+          </a:bodyPr>
+          <a:lstStyle/>
+          <a:p>
+            <a:pPr algn="l"/>
+            <a:r>
+              <a:rPr lang="es-ES" sz="1800" dirty="0">
+                <a:solidFill>
+                  <a:srgbClr val="3F7F5F"/>
+                </a:solidFill>
+                <a:latin typeface="Consolas" panose="020B0609020204030204" pitchFamily="49" charset="0"/>
+              </a:rPr>
+              <a:t>// MACROS </a:t>
+            </a:r>
+            <a:r>
+              <a:rPr lang="es-ES" sz="1800" u="sng" dirty="0">
+                <a:solidFill>
+                  <a:srgbClr val="3F7F5F"/>
+                </a:solidFill>
+                <a:latin typeface="Consolas" panose="020B0609020204030204" pitchFamily="49" charset="0"/>
+              </a:rPr>
+              <a:t>para registros del acelerómetro y el giroscopio</a:t>
+            </a:r>
+          </a:p>
+          <a:p>
+            <a:pPr algn="l"/>
+            <a:r>
+              <a:rPr lang="es-CO" sz="1800" b="1" dirty="0">
+                <a:solidFill>
+                  <a:srgbClr val="7F0055"/>
+                </a:solidFill>
+                <a:latin typeface="Consolas" panose="020B0609020204030204" pitchFamily="49" charset="0"/>
+              </a:rPr>
+              <a:t>#define</a:t>
+            </a:r>
+            <a:r>
+              <a:rPr lang="es-CO" sz="1800" b="1" dirty="0">
+                <a:solidFill>
+                  <a:srgbClr val="000000"/>
+                </a:solidFill>
+                <a:latin typeface="Consolas" panose="020B0609020204030204" pitchFamily="49" charset="0"/>
+              </a:rPr>
+              <a:t> MPU_ADDRESS 0x68</a:t>
+            </a:r>
+          </a:p>
+          <a:p>
+            <a:pPr algn="l"/>
+            <a:r>
+              <a:rPr lang="es-CO" sz="1800" b="1" dirty="0">
+                <a:solidFill>
+                  <a:srgbClr val="7F0055"/>
+                </a:solidFill>
+                <a:latin typeface="Consolas" panose="020B0609020204030204" pitchFamily="49" charset="0"/>
+              </a:rPr>
+              <a:t>#define</a:t>
+            </a:r>
+            <a:r>
+              <a:rPr lang="es-CO" sz="1800" b="1" dirty="0">
+                <a:solidFill>
+                  <a:srgbClr val="000000"/>
+                </a:solidFill>
+                <a:latin typeface="Consolas" panose="020B0609020204030204" pitchFamily="49" charset="0"/>
+              </a:rPr>
+              <a:t> PWR_MGMNT_1 107</a:t>
+            </a:r>
+          </a:p>
+          <a:p>
+            <a:pPr algn="l"/>
+            <a:r>
+              <a:rPr lang="es-CO" sz="1800" b="1" dirty="0">
+                <a:solidFill>
+                  <a:srgbClr val="7F0055"/>
+                </a:solidFill>
+                <a:latin typeface="Consolas" panose="020B0609020204030204" pitchFamily="49" charset="0"/>
+              </a:rPr>
+              <a:t>#define</a:t>
+            </a:r>
+            <a:r>
+              <a:rPr lang="es-CO" sz="1800" b="1" dirty="0">
+                <a:solidFill>
+                  <a:srgbClr val="000000"/>
+                </a:solidFill>
+                <a:latin typeface="Consolas" panose="020B0609020204030204" pitchFamily="49" charset="0"/>
+              </a:rPr>
+              <a:t> PWR_MGMNT_2 108</a:t>
+            </a:r>
+          </a:p>
+          <a:p>
+            <a:pPr algn="l"/>
+            <a:r>
+              <a:rPr lang="es-CO" sz="1800" b="1" dirty="0">
+                <a:solidFill>
+                  <a:srgbClr val="7F0055"/>
+                </a:solidFill>
+                <a:latin typeface="Consolas" panose="020B0609020204030204" pitchFamily="49" charset="0"/>
+              </a:rPr>
+              <a:t>#define</a:t>
+            </a:r>
+            <a:r>
+              <a:rPr lang="es-CO" sz="1800" b="1" dirty="0">
+                <a:solidFill>
+                  <a:srgbClr val="000000"/>
+                </a:solidFill>
+                <a:latin typeface="Consolas" panose="020B0609020204030204" pitchFamily="49" charset="0"/>
+              </a:rPr>
+              <a:t> CTRL_MASTER_I2C 106</a:t>
+            </a:r>
+          </a:p>
+          <a:p>
+            <a:pPr algn="l"/>
+            <a:r>
+              <a:rPr lang="es-CO" sz="1800" b="1" dirty="0">
+                <a:solidFill>
+                  <a:srgbClr val="7F0055"/>
+                </a:solidFill>
+                <a:latin typeface="Consolas" panose="020B0609020204030204" pitchFamily="49" charset="0"/>
+              </a:rPr>
+              <a:t>#define</a:t>
+            </a:r>
+            <a:r>
+              <a:rPr lang="es-CO" sz="1800" b="1" dirty="0">
+                <a:solidFill>
+                  <a:srgbClr val="000000"/>
+                </a:solidFill>
+                <a:latin typeface="Consolas" panose="020B0609020204030204" pitchFamily="49" charset="0"/>
+              </a:rPr>
+              <a:t> BYPASS_CONFIG_I2C 55</a:t>
+            </a:r>
+          </a:p>
+          <a:p>
+            <a:pPr algn="l"/>
+            <a:r>
+              <a:rPr lang="en-US" sz="1800" b="1" dirty="0">
+                <a:solidFill>
+                  <a:srgbClr val="7F0055"/>
+                </a:solidFill>
+                <a:latin typeface="Consolas" panose="020B0609020204030204" pitchFamily="49" charset="0"/>
+              </a:rPr>
+              <a:t>#define</a:t>
+            </a:r>
+            <a:r>
+              <a:rPr lang="en-US" sz="1800" b="1" dirty="0">
+                <a:solidFill>
+                  <a:srgbClr val="000000"/>
+                </a:solidFill>
+                <a:latin typeface="Consolas" panose="020B0609020204030204" pitchFamily="49" charset="0"/>
+              </a:rPr>
+              <a:t> WHO_AM_I 117</a:t>
+            </a:r>
+          </a:p>
+          <a:p>
+            <a:pPr algn="l"/>
+            <a:endParaRPr lang="es-CO" sz="1800" dirty="0">
+              <a:latin typeface="Consolas" panose="020B0609020204030204" pitchFamily="49" charset="0"/>
+            </a:endParaRPr>
+          </a:p>
+          <a:p>
+            <a:pPr algn="l"/>
+            <a:r>
+              <a:rPr lang="es-ES" sz="1800" dirty="0">
+                <a:solidFill>
+                  <a:srgbClr val="3F7F5F"/>
+                </a:solidFill>
+                <a:latin typeface="Consolas" panose="020B0609020204030204" pitchFamily="49" charset="0"/>
+              </a:rPr>
+              <a:t>//MACROS </a:t>
+            </a:r>
+            <a:r>
+              <a:rPr lang="es-ES" sz="1800" u="sng" dirty="0">
+                <a:solidFill>
+                  <a:srgbClr val="3F7F5F"/>
+                </a:solidFill>
+                <a:latin typeface="Consolas" panose="020B0609020204030204" pitchFamily="49" charset="0"/>
+              </a:rPr>
+              <a:t>para registros relacionados con el Acelerómetro</a:t>
+            </a:r>
+          </a:p>
+          <a:p>
+            <a:pPr algn="l"/>
+            <a:r>
+              <a:rPr lang="es-CO" sz="1800" b="1" dirty="0">
+                <a:solidFill>
+                  <a:srgbClr val="7F0055"/>
+                </a:solidFill>
+                <a:latin typeface="Consolas" panose="020B0609020204030204" pitchFamily="49" charset="0"/>
+              </a:rPr>
+              <a:t>#define</a:t>
+            </a:r>
+            <a:r>
+              <a:rPr lang="es-CO" sz="1800" b="1" dirty="0">
+                <a:solidFill>
+                  <a:srgbClr val="000000"/>
+                </a:solidFill>
+                <a:latin typeface="Consolas" panose="020B0609020204030204" pitchFamily="49" charset="0"/>
+              </a:rPr>
+              <a:t> ACCEL_CONFIG 28</a:t>
+            </a:r>
+          </a:p>
+          <a:p>
+            <a:pPr algn="l"/>
+            <a:r>
+              <a:rPr lang="it-IT" sz="1800" b="1" dirty="0">
+                <a:solidFill>
+                  <a:srgbClr val="7F0055"/>
+                </a:solidFill>
+                <a:latin typeface="Consolas" panose="020B0609020204030204" pitchFamily="49" charset="0"/>
+              </a:rPr>
+              <a:t>#define</a:t>
+            </a:r>
+            <a:r>
+              <a:rPr lang="it-IT" sz="1800" b="1" dirty="0">
+                <a:solidFill>
+                  <a:srgbClr val="000000"/>
+                </a:solidFill>
+                <a:latin typeface="Consolas" panose="020B0609020204030204" pitchFamily="49" charset="0"/>
+              </a:rPr>
+              <a:t> ACCEL_CONFIG_FILTER 29</a:t>
+            </a:r>
+          </a:p>
+          <a:p>
+            <a:pPr algn="l"/>
+            <a:r>
+              <a:rPr lang="es-ES" sz="1800" b="1" dirty="0">
+                <a:solidFill>
+                  <a:srgbClr val="7F0055"/>
+                </a:solidFill>
+                <a:latin typeface="Consolas" panose="020B0609020204030204" pitchFamily="49" charset="0"/>
+              </a:rPr>
+              <a:t>#define</a:t>
+            </a:r>
+            <a:r>
+              <a:rPr lang="es-ES" sz="1800" b="1" dirty="0">
+                <a:solidFill>
+                  <a:srgbClr val="000000"/>
+                </a:solidFill>
+                <a:latin typeface="Consolas" panose="020B0609020204030204" pitchFamily="49" charset="0"/>
+              </a:rPr>
+              <a:t> </a:t>
+            </a:r>
+            <a:r>
+              <a:rPr lang="es-ES" sz="1800" b="1" dirty="0" err="1">
+                <a:solidFill>
+                  <a:srgbClr val="000000"/>
+                </a:solidFill>
+                <a:latin typeface="Consolas" panose="020B0609020204030204" pitchFamily="49" charset="0"/>
+              </a:rPr>
+              <a:t>ACCEL_X_High</a:t>
+            </a:r>
+            <a:r>
+              <a:rPr lang="es-ES" sz="1800" b="1" dirty="0">
+                <a:solidFill>
+                  <a:srgbClr val="000000"/>
+                </a:solidFill>
+                <a:latin typeface="Consolas" panose="020B0609020204030204" pitchFamily="49" charset="0"/>
+              </a:rPr>
+              <a:t> 59  </a:t>
+            </a:r>
+            <a:r>
+              <a:rPr lang="es-ES" sz="1800" dirty="0">
+                <a:solidFill>
+                  <a:srgbClr val="3F7F5F"/>
+                </a:solidFill>
+                <a:latin typeface="Consolas" panose="020B0609020204030204" pitchFamily="49" charset="0"/>
+              </a:rPr>
+              <a:t>//Bits más significativos del acelerómetro</a:t>
+            </a:r>
+          </a:p>
+          <a:p>
+            <a:pPr algn="l"/>
+            <a:endParaRPr lang="es-CO" sz="1800" dirty="0">
+              <a:latin typeface="Consolas" panose="020B0609020204030204" pitchFamily="49" charset="0"/>
+            </a:endParaRPr>
+          </a:p>
+          <a:p>
+            <a:pPr algn="l"/>
+            <a:r>
+              <a:rPr lang="es-CO" sz="1800" dirty="0">
+                <a:solidFill>
+                  <a:srgbClr val="3F7F5F"/>
+                </a:solidFill>
+                <a:latin typeface="Consolas" panose="020B0609020204030204" pitchFamily="49" charset="0"/>
+              </a:rPr>
+              <a:t>// MACROS </a:t>
+            </a:r>
+            <a:r>
+              <a:rPr lang="es-CO" sz="1800" u="sng" dirty="0">
+                <a:solidFill>
+                  <a:srgbClr val="3F7F5F"/>
+                </a:solidFill>
+                <a:latin typeface="Consolas" panose="020B0609020204030204" pitchFamily="49" charset="0"/>
+              </a:rPr>
+              <a:t>para registros del magnetómetro</a:t>
+            </a:r>
+          </a:p>
+          <a:p>
+            <a:pPr algn="l"/>
+            <a:r>
+              <a:rPr lang="es-CO" sz="1800" b="1" dirty="0">
+                <a:solidFill>
+                  <a:srgbClr val="7F0055"/>
+                </a:solidFill>
+                <a:latin typeface="Consolas" panose="020B0609020204030204" pitchFamily="49" charset="0"/>
+              </a:rPr>
+              <a:t>#define</a:t>
+            </a:r>
+            <a:r>
+              <a:rPr lang="es-CO" sz="1800" b="1" dirty="0">
+                <a:solidFill>
+                  <a:srgbClr val="000000"/>
+                </a:solidFill>
+                <a:latin typeface="Consolas" panose="020B0609020204030204" pitchFamily="49" charset="0"/>
+              </a:rPr>
+              <a:t> MAG_ID 0</a:t>
+            </a:r>
+          </a:p>
+          <a:p>
+            <a:pPr algn="l"/>
+            <a:r>
+              <a:rPr lang="it-IT" sz="1800" b="1" dirty="0">
+                <a:solidFill>
+                  <a:srgbClr val="7F0055"/>
+                </a:solidFill>
+                <a:latin typeface="Consolas" panose="020B0609020204030204" pitchFamily="49" charset="0"/>
+              </a:rPr>
+              <a:t>#define</a:t>
+            </a:r>
+            <a:r>
+              <a:rPr lang="it-IT" sz="1800" b="1" dirty="0">
+                <a:solidFill>
+                  <a:srgbClr val="000000"/>
+                </a:solidFill>
+                <a:latin typeface="Consolas" panose="020B0609020204030204" pitchFamily="49" charset="0"/>
+              </a:rPr>
+              <a:t> MAG_CTRL_CONFIG 10</a:t>
+            </a:r>
+          </a:p>
+          <a:p>
+            <a:pPr algn="l"/>
+            <a:r>
+              <a:rPr lang="it-IT" sz="1800" b="1" dirty="0">
+                <a:solidFill>
+                  <a:srgbClr val="7F0055"/>
+                </a:solidFill>
+                <a:latin typeface="Consolas" panose="020B0609020204030204" pitchFamily="49" charset="0"/>
+              </a:rPr>
+              <a:t>#define</a:t>
+            </a:r>
+            <a:r>
+              <a:rPr lang="it-IT" sz="1800" b="1" dirty="0">
+                <a:solidFill>
+                  <a:srgbClr val="000000"/>
+                </a:solidFill>
+                <a:latin typeface="Consolas" panose="020B0609020204030204" pitchFamily="49" charset="0"/>
+              </a:rPr>
+              <a:t> MAG_CTRL_CONFIG2 11</a:t>
+            </a:r>
+            <a:endParaRPr lang="es-CO" dirty="0"/>
+          </a:p>
+        </p:txBody>
+      </p:sp>
+    </p:spTree>
+    <p:extLst>
+      <p:ext uri="{BB962C8B-B14F-4D97-AF65-F5344CB8AC3E}">
+        <p14:creationId xmlns:p14="http://schemas.microsoft.com/office/powerpoint/2010/main" val="75747297"/>
       </p:ext>
     </p:extLst>
   </p:cSld>
